--- a/2.最終報告/3.発表資料/報告資料(最終).pptx
+++ b/2.最終報告/3.発表資料/報告資料(最終).pptx
@@ -5,7 +5,7 @@
     <p:sldMasterId id="2147483648" r:id="rId1"/>
   </p:sldMasterIdLst>
   <p:notesMasterIdLst>
-    <p:notesMasterId r:id="rId33"/>
+    <p:notesMasterId r:id="rId34"/>
   </p:notesMasterIdLst>
   <p:sldIdLst>
     <p:sldId id="293" r:id="rId2"/>
@@ -18,27 +18,28 @@
     <p:sldId id="267" r:id="rId9"/>
     <p:sldId id="268" r:id="rId10"/>
     <p:sldId id="269" r:id="rId11"/>
-    <p:sldId id="273" r:id="rId12"/>
-    <p:sldId id="270" r:id="rId13"/>
-    <p:sldId id="261" r:id="rId14"/>
-    <p:sldId id="274" r:id="rId15"/>
-    <p:sldId id="279" r:id="rId16"/>
-    <p:sldId id="275" r:id="rId17"/>
-    <p:sldId id="276" r:id="rId18"/>
-    <p:sldId id="277" r:id="rId19"/>
-    <p:sldId id="278" r:id="rId20"/>
-    <p:sldId id="262" r:id="rId21"/>
-    <p:sldId id="271" r:id="rId22"/>
-    <p:sldId id="280" r:id="rId23"/>
-    <p:sldId id="283" r:id="rId24"/>
-    <p:sldId id="284" r:id="rId25"/>
-    <p:sldId id="285" r:id="rId26"/>
-    <p:sldId id="286" r:id="rId27"/>
-    <p:sldId id="287" r:id="rId28"/>
-    <p:sldId id="289" r:id="rId29"/>
-    <p:sldId id="290" r:id="rId30"/>
-    <p:sldId id="291" r:id="rId31"/>
-    <p:sldId id="292" r:id="rId32"/>
+    <p:sldId id="294" r:id="rId12"/>
+    <p:sldId id="273" r:id="rId13"/>
+    <p:sldId id="270" r:id="rId14"/>
+    <p:sldId id="261" r:id="rId15"/>
+    <p:sldId id="274" r:id="rId16"/>
+    <p:sldId id="279" r:id="rId17"/>
+    <p:sldId id="275" r:id="rId18"/>
+    <p:sldId id="276" r:id="rId19"/>
+    <p:sldId id="277" r:id="rId20"/>
+    <p:sldId id="278" r:id="rId21"/>
+    <p:sldId id="262" r:id="rId22"/>
+    <p:sldId id="271" r:id="rId23"/>
+    <p:sldId id="280" r:id="rId24"/>
+    <p:sldId id="283" r:id="rId25"/>
+    <p:sldId id="284" r:id="rId26"/>
+    <p:sldId id="285" r:id="rId27"/>
+    <p:sldId id="286" r:id="rId28"/>
+    <p:sldId id="287" r:id="rId29"/>
+    <p:sldId id="289" r:id="rId30"/>
+    <p:sldId id="290" r:id="rId31"/>
+    <p:sldId id="291" r:id="rId32"/>
+    <p:sldId id="292" r:id="rId33"/>
   </p:sldIdLst>
   <p:sldSz cx="9144000" cy="6858000" type="screen4x3"/>
   <p:notesSz cx="6858000" cy="9144000"/>
@@ -223,7 +224,7 @@
             <a:fld id="{093BF3DA-D70A-4307-BB0F-E8C53C12A971}" type="datetimeFigureOut">
               <a:rPr kumimoji="1" lang="ja-JP" altLang="en-US" smtClean="0"/>
               <a:pPr/>
-              <a:t>2015/3/11</a:t>
+              <a:t>2015/3/17</a:t>
             </a:fld>
             <a:endParaRPr kumimoji="1" lang="ja-JP" altLang="en-US"/>
           </a:p>
@@ -983,7 +984,7 @@
             <a:fld id="{F43A2150-74B1-4230-8A14-26DFE16B0A96}" type="slidenum">
               <a:rPr kumimoji="1" lang="ja-JP" altLang="en-US" smtClean="0"/>
               <a:pPr/>
-              <a:t>11</a:t>
+              <a:t>12</a:t>
             </a:fld>
             <a:endParaRPr kumimoji="1" lang="ja-JP" altLang="en-US"/>
           </a:p>
@@ -1065,7 +1066,7 @@
             <a:fld id="{44DF46E2-8AE4-4839-B61A-75E79F11E2DB}" type="slidenum">
               <a:rPr kumimoji="1" lang="ja-JP" altLang="en-US" smtClean="0"/>
               <a:pPr/>
-              <a:t>22</a:t>
+              <a:t>23</a:t>
             </a:fld>
             <a:endParaRPr kumimoji="1" lang="ja-JP" altLang="en-US" dirty="0"/>
           </a:p>
@@ -1261,7 +1262,7 @@
             <a:fld id="{E90ED720-0104-4369-84BC-D37694168613}" type="datetimeFigureOut">
               <a:rPr kumimoji="1" lang="ja-JP" altLang="en-US" smtClean="0"/>
               <a:pPr/>
-              <a:t>2015/3/11</a:t>
+              <a:t>2015/3/17</a:t>
             </a:fld>
             <a:endParaRPr kumimoji="1" lang="ja-JP" altLang="en-US"/>
           </a:p>
@@ -1460,7 +1461,7 @@
             <a:fld id="{E90ED720-0104-4369-84BC-D37694168613}" type="datetimeFigureOut">
               <a:rPr kumimoji="1" lang="ja-JP" altLang="en-US" smtClean="0"/>
               <a:pPr/>
-              <a:t>2015/3/11</a:t>
+              <a:t>2015/3/17</a:t>
             </a:fld>
             <a:endParaRPr kumimoji="1" lang="ja-JP" altLang="en-US"/>
           </a:p>
@@ -1669,7 +1670,7 @@
             <a:fld id="{E90ED720-0104-4369-84BC-D37694168613}" type="datetimeFigureOut">
               <a:rPr kumimoji="1" lang="ja-JP" altLang="en-US" smtClean="0"/>
               <a:pPr/>
-              <a:t>2015/3/11</a:t>
+              <a:t>2015/3/17</a:t>
             </a:fld>
             <a:endParaRPr kumimoji="1" lang="ja-JP" altLang="en-US"/>
           </a:p>
@@ -1868,7 +1869,7 @@
             <a:fld id="{E90ED720-0104-4369-84BC-D37694168613}" type="datetimeFigureOut">
               <a:rPr kumimoji="1" lang="ja-JP" altLang="en-US" smtClean="0"/>
               <a:pPr/>
-              <a:t>2015/3/11</a:t>
+              <a:t>2015/3/17</a:t>
             </a:fld>
             <a:endParaRPr kumimoji="1" lang="ja-JP" altLang="en-US"/>
           </a:p>
@@ -2111,7 +2112,7 @@
             <a:fld id="{E90ED720-0104-4369-84BC-D37694168613}" type="datetimeFigureOut">
               <a:rPr kumimoji="1" lang="ja-JP" altLang="en-US" smtClean="0"/>
               <a:pPr/>
-              <a:t>2015/3/11</a:t>
+              <a:t>2015/3/17</a:t>
             </a:fld>
             <a:endParaRPr kumimoji="1" lang="ja-JP" altLang="en-US"/>
           </a:p>
@@ -2460,7 +2461,7 @@
             <a:fld id="{E90ED720-0104-4369-84BC-D37694168613}" type="datetimeFigureOut">
               <a:rPr kumimoji="1" lang="ja-JP" altLang="en-US" smtClean="0"/>
               <a:pPr/>
-              <a:t>2015/3/11</a:t>
+              <a:t>2015/3/17</a:t>
             </a:fld>
             <a:endParaRPr kumimoji="1" lang="ja-JP" altLang="en-US"/>
           </a:p>
@@ -2943,7 +2944,7 @@
             <a:fld id="{E90ED720-0104-4369-84BC-D37694168613}" type="datetimeFigureOut">
               <a:rPr kumimoji="1" lang="ja-JP" altLang="en-US" smtClean="0"/>
               <a:pPr/>
-              <a:t>2015/3/11</a:t>
+              <a:t>2015/3/17</a:t>
             </a:fld>
             <a:endParaRPr kumimoji="1" lang="ja-JP" altLang="en-US"/>
           </a:p>
@@ -3058,7 +3059,7 @@
             <a:fld id="{E90ED720-0104-4369-84BC-D37694168613}" type="datetimeFigureOut">
               <a:rPr kumimoji="1" lang="ja-JP" altLang="en-US" smtClean="0"/>
               <a:pPr/>
-              <a:t>2015/3/11</a:t>
+              <a:t>2015/3/17</a:t>
             </a:fld>
             <a:endParaRPr kumimoji="1" lang="ja-JP" altLang="en-US"/>
           </a:p>
@@ -3150,7 +3151,7 @@
             <a:fld id="{E90ED720-0104-4369-84BC-D37694168613}" type="datetimeFigureOut">
               <a:rPr kumimoji="1" lang="ja-JP" altLang="en-US" smtClean="0"/>
               <a:pPr/>
-              <a:t>2015/3/11</a:t>
+              <a:t>2015/3/17</a:t>
             </a:fld>
             <a:endParaRPr kumimoji="1" lang="ja-JP" altLang="en-US"/>
           </a:p>
@@ -3456,7 +3457,7 @@
             <a:fld id="{E90ED720-0104-4369-84BC-D37694168613}" type="datetimeFigureOut">
               <a:rPr kumimoji="1" lang="ja-JP" altLang="en-US" smtClean="0"/>
               <a:pPr/>
-              <a:t>2015/3/11</a:t>
+              <a:t>2015/3/17</a:t>
             </a:fld>
             <a:endParaRPr kumimoji="1" lang="ja-JP" altLang="en-US"/>
           </a:p>
@@ -3706,7 +3707,7 @@
             <a:fld id="{E90ED720-0104-4369-84BC-D37694168613}" type="datetimeFigureOut">
               <a:rPr kumimoji="1" lang="ja-JP" altLang="en-US" smtClean="0"/>
               <a:pPr/>
-              <a:t>2015/3/11</a:t>
+              <a:t>2015/3/17</a:t>
             </a:fld>
             <a:endParaRPr kumimoji="1" lang="ja-JP" altLang="en-US"/>
           </a:p>
@@ -3948,7 +3949,7 @@
             <a:fld id="{E90ED720-0104-4369-84BC-D37694168613}" type="datetimeFigureOut">
               <a:rPr kumimoji="1" lang="ja-JP" altLang="en-US" smtClean="0"/>
               <a:pPr/>
-              <a:t>2015/3/11</a:t>
+              <a:t>2015/3/17</a:t>
             </a:fld>
             <a:endParaRPr kumimoji="1" lang="ja-JP" altLang="en-US"/>
           </a:p>
@@ -6460,7 +6461,7 @@
           <a:lstStyle/>
           <a:p>
             <a:r>
-              <a:rPr kumimoji="1" lang="en-US" altLang="ja-JP" dirty="0" err="1" smtClean="0"/>
+              <a:rPr kumimoji="1" lang="en-US" altLang="ja-JP" dirty="0" smtClean="0"/>
               <a:t>Todo</a:t>
             </a:r>
             <a:endParaRPr kumimoji="1" lang="ja-JP" altLang="en-US" dirty="0"/>
@@ -6983,6 +6984,1475 @@
 </file>
 
 <file path=ppt/slides/slide11.xml><?xml version="1.0" encoding="utf-8"?>
+<p:sld xmlns:a="http://schemas.openxmlformats.org/drawingml/2006/main" xmlns:r="http://schemas.openxmlformats.org/officeDocument/2006/relationships" xmlns:p="http://schemas.openxmlformats.org/presentationml/2006/main" showMasterSp="0">
+  <p:cSld>
+    <p:bg>
+      <p:bgPr>
+        <a:solidFill>
+          <a:schemeClr val="bg1"/>
+        </a:solidFill>
+        <a:effectLst/>
+      </p:bgPr>
+    </p:bg>
+    <p:spTree>
+      <p:nvGrpSpPr>
+        <p:cNvPr id="1" name=""/>
+        <p:cNvGrpSpPr/>
+        <p:nvPr/>
+      </p:nvGrpSpPr>
+      <p:grpSpPr>
+        <a:xfrm>
+          <a:off x="0" y="0"/>
+          <a:ext cx="0" cy="0"/>
+          <a:chOff x="0" y="0"/>
+          <a:chExt cx="0" cy="0"/>
+        </a:xfrm>
+      </p:grpSpPr>
+      <p:sp>
+        <p:nvSpPr>
+          <p:cNvPr id="2" name="正方形/長方形 1"/>
+          <p:cNvSpPr/>
+          <p:nvPr/>
+        </p:nvSpPr>
+        <p:spPr>
+          <a:xfrm>
+            <a:off x="179512" y="188640"/>
+            <a:ext cx="8784976" cy="6048672"/>
+          </a:xfrm>
+          <a:prstGeom prst="rect">
+            <a:avLst/>
+          </a:prstGeom>
+          <a:solidFill>
+            <a:schemeClr val="accent1">
+              <a:lumMod val="20000"/>
+              <a:lumOff val="80000"/>
+            </a:schemeClr>
+          </a:solidFill>
+        </p:spPr>
+        <p:style>
+          <a:lnRef idx="2">
+            <a:schemeClr val="accent1">
+              <a:shade val="50000"/>
+            </a:schemeClr>
+          </a:lnRef>
+          <a:fillRef idx="1">
+            <a:schemeClr val="accent1"/>
+          </a:fillRef>
+          <a:effectRef idx="0">
+            <a:schemeClr val="accent1"/>
+          </a:effectRef>
+          <a:fontRef idx="minor">
+            <a:schemeClr val="lt1"/>
+          </a:fontRef>
+        </p:style>
+        <p:txBody>
+          <a:bodyPr rtlCol="0" anchor="t"/>
+          <a:lstStyle/>
+          <a:p>
+            <a:r>
+              <a:rPr lang="en-US" altLang="ja-JP" sz="2800" b="1" dirty="0" smtClean="0">
+                <a:solidFill>
+                  <a:schemeClr val="tx1"/>
+                </a:solidFill>
+                <a:latin typeface="メイリオ" pitchFamily="50" charset="-128"/>
+                <a:ea typeface="メイリオ" pitchFamily="50" charset="-128"/>
+                <a:cs typeface="メイリオ" pitchFamily="50" charset="-128"/>
+              </a:rPr>
+              <a:t>NetCommons3</a:t>
+            </a:r>
+            <a:r>
+              <a:rPr lang="ja-JP" altLang="en-US" sz="2800" b="1" dirty="0" smtClean="0">
+                <a:solidFill>
+                  <a:schemeClr val="tx1"/>
+                </a:solidFill>
+                <a:latin typeface="メイリオ" pitchFamily="50" charset="-128"/>
+                <a:ea typeface="メイリオ" pitchFamily="50" charset="-128"/>
+                <a:cs typeface="メイリオ" pitchFamily="50" charset="-128"/>
+              </a:rPr>
+              <a:t>開発</a:t>
+            </a:r>
+            <a:endParaRPr kumimoji="1" lang="en-US" altLang="ja-JP" sz="2800" b="1" dirty="0" smtClean="0">
+              <a:solidFill>
+                <a:schemeClr val="tx1"/>
+              </a:solidFill>
+              <a:latin typeface="メイリオ" pitchFamily="50" charset="-128"/>
+              <a:ea typeface="メイリオ" pitchFamily="50" charset="-128"/>
+              <a:cs typeface="メイリオ" pitchFamily="50" charset="-128"/>
+            </a:endParaRPr>
+          </a:p>
+          <a:p>
+            <a:endParaRPr kumimoji="1" lang="ja-JP" altLang="en-US" sz="2800" b="1" dirty="0">
+              <a:solidFill>
+                <a:schemeClr val="tx1"/>
+              </a:solidFill>
+              <a:latin typeface="メイリオ" pitchFamily="50" charset="-128"/>
+              <a:ea typeface="メイリオ" pitchFamily="50" charset="-128"/>
+              <a:cs typeface="メイリオ" pitchFamily="50" charset="-128"/>
+            </a:endParaRPr>
+          </a:p>
+        </p:txBody>
+      </p:sp>
+      <p:sp>
+        <p:nvSpPr>
+          <p:cNvPr id="4" name="正方形/長方形 3"/>
+          <p:cNvSpPr/>
+          <p:nvPr/>
+        </p:nvSpPr>
+        <p:spPr>
+          <a:xfrm>
+            <a:off x="323528" y="620688"/>
+            <a:ext cx="6552728" cy="5472608"/>
+          </a:xfrm>
+          <a:prstGeom prst="rect">
+            <a:avLst/>
+          </a:prstGeom>
+          <a:solidFill>
+            <a:schemeClr val="bg1"/>
+          </a:solidFill>
+        </p:spPr>
+        <p:style>
+          <a:lnRef idx="2">
+            <a:schemeClr val="accent1">
+              <a:shade val="50000"/>
+            </a:schemeClr>
+          </a:lnRef>
+          <a:fillRef idx="1">
+            <a:schemeClr val="accent1"/>
+          </a:fillRef>
+          <a:effectRef idx="0">
+            <a:schemeClr val="accent1"/>
+          </a:effectRef>
+          <a:fontRef idx="minor">
+            <a:schemeClr val="lt1"/>
+          </a:fontRef>
+        </p:style>
+        <p:txBody>
+          <a:bodyPr rtlCol="0" anchor="t"/>
+          <a:lstStyle/>
+          <a:p>
+            <a:r>
+              <a:rPr kumimoji="1" lang="ja-JP" altLang="en-US" sz="2400" b="1" dirty="0" smtClean="0">
+                <a:solidFill>
+                  <a:schemeClr val="tx1"/>
+                </a:solidFill>
+                <a:latin typeface="メイリオ" pitchFamily="50" charset="-128"/>
+                <a:ea typeface="メイリオ" pitchFamily="50" charset="-128"/>
+                <a:cs typeface="メイリオ" pitchFamily="50" charset="-128"/>
+              </a:rPr>
+              <a:t>研究室内</a:t>
+            </a:r>
+            <a:endParaRPr kumimoji="1" lang="ja-JP" altLang="en-US" sz="2400" b="1" dirty="0">
+              <a:solidFill>
+                <a:schemeClr val="tx1"/>
+              </a:solidFill>
+              <a:latin typeface="メイリオ" pitchFamily="50" charset="-128"/>
+              <a:ea typeface="メイリオ" pitchFamily="50" charset="-128"/>
+              <a:cs typeface="メイリオ" pitchFamily="50" charset="-128"/>
+            </a:endParaRPr>
+          </a:p>
+        </p:txBody>
+      </p:sp>
+      <p:sp>
+        <p:nvSpPr>
+          <p:cNvPr id="3" name="正方形/長方形 2"/>
+          <p:cNvSpPr/>
+          <p:nvPr/>
+        </p:nvSpPr>
+        <p:spPr>
+          <a:xfrm>
+            <a:off x="7020272" y="620688"/>
+            <a:ext cx="1736576" cy="5472608"/>
+          </a:xfrm>
+          <a:prstGeom prst="rect">
+            <a:avLst/>
+          </a:prstGeom>
+          <a:solidFill>
+            <a:schemeClr val="bg1"/>
+          </a:solidFill>
+        </p:spPr>
+        <p:style>
+          <a:lnRef idx="2">
+            <a:schemeClr val="accent1">
+              <a:shade val="50000"/>
+            </a:schemeClr>
+          </a:lnRef>
+          <a:fillRef idx="1">
+            <a:schemeClr val="accent1"/>
+          </a:fillRef>
+          <a:effectRef idx="0">
+            <a:schemeClr val="accent1"/>
+          </a:effectRef>
+          <a:fontRef idx="minor">
+            <a:schemeClr val="lt1"/>
+          </a:fontRef>
+        </p:style>
+        <p:txBody>
+          <a:bodyPr rtlCol="0" anchor="t"/>
+          <a:lstStyle/>
+          <a:p>
+            <a:r>
+              <a:rPr kumimoji="1" lang="ja-JP" altLang="en-US" sz="2400" b="1" dirty="0" smtClean="0">
+                <a:solidFill>
+                  <a:schemeClr val="tx1"/>
+                </a:solidFill>
+                <a:latin typeface="メイリオ" pitchFamily="50" charset="-128"/>
+                <a:ea typeface="メイリオ" pitchFamily="50" charset="-128"/>
+                <a:cs typeface="メイリオ" pitchFamily="50" charset="-128"/>
+              </a:rPr>
+              <a:t>外部委託</a:t>
+            </a:r>
+            <a:endParaRPr kumimoji="1" lang="en-US" altLang="ja-JP" sz="2400" b="1" dirty="0" smtClean="0">
+              <a:solidFill>
+                <a:schemeClr val="tx1"/>
+              </a:solidFill>
+              <a:latin typeface="メイリオ" pitchFamily="50" charset="-128"/>
+              <a:ea typeface="メイリオ" pitchFamily="50" charset="-128"/>
+              <a:cs typeface="メイリオ" pitchFamily="50" charset="-128"/>
+            </a:endParaRPr>
+          </a:p>
+        </p:txBody>
+      </p:sp>
+      <p:sp>
+        <p:nvSpPr>
+          <p:cNvPr id="5" name="正方形/長方形 4"/>
+          <p:cNvSpPr/>
+          <p:nvPr/>
+        </p:nvSpPr>
+        <p:spPr>
+          <a:xfrm>
+            <a:off x="467544" y="1052736"/>
+            <a:ext cx="6264696" cy="2448272"/>
+          </a:xfrm>
+          <a:prstGeom prst="rect">
+            <a:avLst/>
+          </a:prstGeom>
+          <a:solidFill>
+            <a:schemeClr val="accent6">
+              <a:lumMod val="20000"/>
+              <a:lumOff val="80000"/>
+            </a:schemeClr>
+          </a:solidFill>
+          <a:ln>
+            <a:solidFill>
+              <a:schemeClr val="accent6">
+                <a:lumMod val="75000"/>
+              </a:schemeClr>
+            </a:solidFill>
+          </a:ln>
+        </p:spPr>
+        <p:style>
+          <a:lnRef idx="2">
+            <a:schemeClr val="accent1">
+              <a:shade val="50000"/>
+            </a:schemeClr>
+          </a:lnRef>
+          <a:fillRef idx="1">
+            <a:schemeClr val="accent1"/>
+          </a:fillRef>
+          <a:effectRef idx="0">
+            <a:schemeClr val="accent1"/>
+          </a:effectRef>
+          <a:fontRef idx="minor">
+            <a:schemeClr val="lt1"/>
+          </a:fontRef>
+        </p:style>
+        <p:txBody>
+          <a:bodyPr rtlCol="0" anchor="t"/>
+          <a:lstStyle/>
+          <a:p>
+            <a:r>
+              <a:rPr lang="ja-JP" altLang="en-US" sz="2400" b="1" dirty="0" smtClean="0">
+                <a:solidFill>
+                  <a:schemeClr val="tx1"/>
+                </a:solidFill>
+                <a:latin typeface="メイリオ" pitchFamily="50" charset="-128"/>
+                <a:ea typeface="メイリオ" pitchFamily="50" charset="-128"/>
+                <a:cs typeface="メイリオ" pitchFamily="50" charset="-128"/>
+              </a:rPr>
+              <a:t>コア開発</a:t>
+            </a:r>
+            <a:endParaRPr lang="en-US" altLang="ja-JP" sz="2400" b="1" dirty="0" smtClean="0">
+              <a:solidFill>
+                <a:schemeClr val="tx1"/>
+              </a:solidFill>
+              <a:latin typeface="メイリオ" pitchFamily="50" charset="-128"/>
+              <a:ea typeface="メイリオ" pitchFamily="50" charset="-128"/>
+              <a:cs typeface="メイリオ" pitchFamily="50" charset="-128"/>
+            </a:endParaRPr>
+          </a:p>
+        </p:txBody>
+      </p:sp>
+      <p:sp>
+        <p:nvSpPr>
+          <p:cNvPr id="6" name="正方形/長方形 5"/>
+          <p:cNvSpPr/>
+          <p:nvPr/>
+        </p:nvSpPr>
+        <p:spPr>
+          <a:xfrm>
+            <a:off x="467544" y="3573016"/>
+            <a:ext cx="8136904" cy="2376264"/>
+          </a:xfrm>
+          <a:prstGeom prst="rect">
+            <a:avLst/>
+          </a:prstGeom>
+          <a:solidFill>
+            <a:schemeClr val="accent3">
+              <a:lumMod val="40000"/>
+              <a:lumOff val="60000"/>
+            </a:schemeClr>
+          </a:solidFill>
+          <a:ln>
+            <a:solidFill>
+              <a:schemeClr val="accent3">
+                <a:lumMod val="50000"/>
+              </a:schemeClr>
+            </a:solidFill>
+          </a:ln>
+        </p:spPr>
+        <p:style>
+          <a:lnRef idx="2">
+            <a:schemeClr val="accent1">
+              <a:shade val="50000"/>
+            </a:schemeClr>
+          </a:lnRef>
+          <a:fillRef idx="1">
+            <a:schemeClr val="accent1"/>
+          </a:fillRef>
+          <a:effectRef idx="0">
+            <a:schemeClr val="accent1"/>
+          </a:effectRef>
+          <a:fontRef idx="minor">
+            <a:schemeClr val="lt1"/>
+          </a:fontRef>
+        </p:style>
+        <p:txBody>
+          <a:bodyPr rtlCol="0" anchor="t"/>
+          <a:lstStyle/>
+          <a:p>
+            <a:r>
+              <a:rPr lang="ja-JP" altLang="en-US" sz="2400" b="1" dirty="0" smtClean="0">
+                <a:solidFill>
+                  <a:schemeClr val="tx1"/>
+                </a:solidFill>
+                <a:latin typeface="メイリオ" pitchFamily="50" charset="-128"/>
+                <a:ea typeface="メイリオ" pitchFamily="50" charset="-128"/>
+                <a:cs typeface="メイリオ" pitchFamily="50" charset="-128"/>
+              </a:rPr>
+              <a:t>プラグイン開発</a:t>
+            </a:r>
+            <a:endParaRPr lang="en-US" altLang="ja-JP" sz="2400" b="1" dirty="0" smtClean="0">
+              <a:solidFill>
+                <a:schemeClr val="tx1"/>
+              </a:solidFill>
+              <a:latin typeface="メイリオ" pitchFamily="50" charset="-128"/>
+              <a:ea typeface="メイリオ" pitchFamily="50" charset="-128"/>
+              <a:cs typeface="メイリオ" pitchFamily="50" charset="-128"/>
+            </a:endParaRPr>
+          </a:p>
+          <a:p>
+            <a:endParaRPr lang="ja-JP" altLang="en-US" sz="2400" b="1" dirty="0">
+              <a:solidFill>
+                <a:schemeClr val="tx1"/>
+              </a:solidFill>
+              <a:latin typeface="メイリオ" pitchFamily="50" charset="-128"/>
+              <a:ea typeface="メイリオ" pitchFamily="50" charset="-128"/>
+              <a:cs typeface="メイリオ" pitchFamily="50" charset="-128"/>
+            </a:endParaRPr>
+          </a:p>
+        </p:txBody>
+      </p:sp>
+      <p:sp>
+        <p:nvSpPr>
+          <p:cNvPr id="9" name="テキスト ボックス 8"/>
+          <p:cNvSpPr txBox="1"/>
+          <p:nvPr/>
+        </p:nvSpPr>
+        <p:spPr>
+          <a:xfrm>
+            <a:off x="539552" y="3934797"/>
+            <a:ext cx="2160240" cy="646331"/>
+          </a:xfrm>
+          <a:prstGeom prst="rect">
+            <a:avLst/>
+          </a:prstGeom>
+          <a:noFill/>
+        </p:spPr>
+        <p:txBody>
+          <a:bodyPr wrap="square" rtlCol="0">
+            <a:spAutoFit/>
+          </a:bodyPr>
+          <a:lstStyle/>
+          <a:p>
+            <a:r>
+              <a:rPr lang="ja-JP" altLang="en-US" b="1" u="sng" dirty="0" smtClean="0">
+                <a:latin typeface="メイリオ" pitchFamily="50" charset="-128"/>
+                <a:ea typeface="メイリオ" pitchFamily="50" charset="-128"/>
+                <a:cs typeface="メイリオ" pitchFamily="50" charset="-128"/>
+              </a:rPr>
+              <a:t>基本機能</a:t>
+            </a:r>
+            <a:endParaRPr lang="en-US" altLang="ja-JP" b="1" u="sng" dirty="0" smtClean="0">
+              <a:latin typeface="メイリオ" pitchFamily="50" charset="-128"/>
+              <a:ea typeface="メイリオ" pitchFamily="50" charset="-128"/>
+              <a:cs typeface="メイリオ" pitchFamily="50" charset="-128"/>
+            </a:endParaRPr>
+          </a:p>
+          <a:p>
+            <a:pPr lvl="1">
+              <a:buFont typeface="Wingdings" pitchFamily="2" charset="2"/>
+              <a:buChar char="n"/>
+            </a:pPr>
+            <a:r>
+              <a:rPr lang="ja-JP" altLang="en-US" b="1" dirty="0" smtClean="0">
+                <a:latin typeface="メイリオ" pitchFamily="50" charset="-128"/>
+                <a:ea typeface="メイリオ" pitchFamily="50" charset="-128"/>
+                <a:cs typeface="メイリオ" pitchFamily="50" charset="-128"/>
+              </a:rPr>
+              <a:t>お知らせ</a:t>
+            </a:r>
+            <a:endParaRPr lang="en-US" altLang="ja-JP" b="1" dirty="0" smtClean="0">
+              <a:latin typeface="メイリオ" pitchFamily="50" charset="-128"/>
+              <a:ea typeface="メイリオ" pitchFamily="50" charset="-128"/>
+              <a:cs typeface="メイリオ" pitchFamily="50" charset="-128"/>
+            </a:endParaRPr>
+          </a:p>
+        </p:txBody>
+      </p:sp>
+      <p:sp>
+        <p:nvSpPr>
+          <p:cNvPr id="10" name="テキスト ボックス 9"/>
+          <p:cNvSpPr txBox="1"/>
+          <p:nvPr/>
+        </p:nvSpPr>
+        <p:spPr>
+          <a:xfrm>
+            <a:off x="5796136" y="3933056"/>
+            <a:ext cx="2160240" cy="646331"/>
+          </a:xfrm>
+          <a:prstGeom prst="rect">
+            <a:avLst/>
+          </a:prstGeom>
+          <a:noFill/>
+        </p:spPr>
+        <p:txBody>
+          <a:bodyPr wrap="square" rtlCol="0">
+            <a:spAutoFit/>
+          </a:bodyPr>
+          <a:lstStyle/>
+          <a:p>
+            <a:r>
+              <a:rPr lang="en-US" altLang="ja-JP" b="1" u="sng" dirty="0" smtClean="0">
+                <a:latin typeface="メイリオ" pitchFamily="50" charset="-128"/>
+                <a:ea typeface="メイリオ" pitchFamily="50" charset="-128"/>
+                <a:cs typeface="メイリオ" pitchFamily="50" charset="-128"/>
+              </a:rPr>
+              <a:t>e-Learning</a:t>
+            </a:r>
+            <a:r>
+              <a:rPr lang="ja-JP" altLang="en-US" b="1" u="sng" dirty="0" smtClean="0">
+                <a:latin typeface="メイリオ" pitchFamily="50" charset="-128"/>
+                <a:ea typeface="メイリオ" pitchFamily="50" charset="-128"/>
+                <a:cs typeface="メイリオ" pitchFamily="50" charset="-128"/>
+              </a:rPr>
+              <a:t>機能</a:t>
+            </a:r>
+            <a:endParaRPr lang="en-US" altLang="ja-JP" b="1" u="sng" dirty="0" smtClean="0">
+              <a:latin typeface="メイリオ" pitchFamily="50" charset="-128"/>
+              <a:ea typeface="メイリオ" pitchFamily="50" charset="-128"/>
+              <a:cs typeface="メイリオ" pitchFamily="50" charset="-128"/>
+            </a:endParaRPr>
+          </a:p>
+          <a:p>
+            <a:pPr lvl="1">
+              <a:buFont typeface="Wingdings" pitchFamily="2" charset="2"/>
+              <a:buChar char="n"/>
+            </a:pPr>
+            <a:r>
+              <a:rPr lang="ja-JP" altLang="en-US" b="1" dirty="0" smtClean="0">
+                <a:latin typeface="メイリオ" pitchFamily="50" charset="-128"/>
+                <a:ea typeface="メイリオ" pitchFamily="50" charset="-128"/>
+                <a:cs typeface="メイリオ" pitchFamily="50" charset="-128"/>
+              </a:rPr>
+              <a:t>小テスト</a:t>
+            </a:r>
+          </a:p>
+        </p:txBody>
+      </p:sp>
+      <p:sp>
+        <p:nvSpPr>
+          <p:cNvPr id="11" name="テキスト ボックス 10"/>
+          <p:cNvSpPr txBox="1"/>
+          <p:nvPr/>
+        </p:nvSpPr>
+        <p:spPr>
+          <a:xfrm>
+            <a:off x="539552" y="4581128"/>
+            <a:ext cx="2664296" cy="1354217"/>
+          </a:xfrm>
+          <a:prstGeom prst="rect">
+            <a:avLst/>
+          </a:prstGeom>
+          <a:noFill/>
+        </p:spPr>
+        <p:txBody>
+          <a:bodyPr wrap="square" rtlCol="0">
+            <a:spAutoFit/>
+          </a:bodyPr>
+          <a:lstStyle/>
+          <a:p>
+            <a:r>
+              <a:rPr lang="ja-JP" altLang="en-US" b="1" u="sng" dirty="0" smtClean="0">
+                <a:latin typeface="メイリオ" pitchFamily="50" charset="-128"/>
+                <a:ea typeface="メイリオ" pitchFamily="50" charset="-128"/>
+                <a:cs typeface="メイリオ" pitchFamily="50" charset="-128"/>
+              </a:rPr>
+              <a:t>情報</a:t>
+            </a:r>
+            <a:r>
+              <a:rPr lang="ja-JP" altLang="en-US" b="1" u="sng" dirty="0" smtClean="0">
+                <a:latin typeface="メイリオ" pitchFamily="50" charset="-128"/>
+                <a:ea typeface="メイリオ" pitchFamily="50" charset="-128"/>
+                <a:cs typeface="メイリオ" pitchFamily="50" charset="-128"/>
+              </a:rPr>
+              <a:t>共有機能</a:t>
+            </a:r>
+            <a:endParaRPr lang="en-US" altLang="ja-JP" b="1" u="sng" dirty="0" smtClean="0">
+              <a:latin typeface="メイリオ" pitchFamily="50" charset="-128"/>
+              <a:ea typeface="メイリオ" pitchFamily="50" charset="-128"/>
+              <a:cs typeface="メイリオ" pitchFamily="50" charset="-128"/>
+            </a:endParaRPr>
+          </a:p>
+          <a:p>
+            <a:pPr lvl="1">
+              <a:buFont typeface="Wingdings" pitchFamily="2" charset="2"/>
+              <a:buChar char="n"/>
+            </a:pPr>
+            <a:r>
+              <a:rPr lang="ja-JP" altLang="en-US" b="1" dirty="0" smtClean="0">
+                <a:latin typeface="メイリオ" pitchFamily="50" charset="-128"/>
+                <a:ea typeface="メイリオ" pitchFamily="50" charset="-128"/>
+                <a:cs typeface="メイリオ" pitchFamily="50" charset="-128"/>
+              </a:rPr>
+              <a:t>日誌</a:t>
+            </a:r>
+            <a:endParaRPr lang="en-US" altLang="ja-JP" b="1" dirty="0" smtClean="0">
+              <a:latin typeface="メイリオ" pitchFamily="50" charset="-128"/>
+              <a:ea typeface="メイリオ" pitchFamily="50" charset="-128"/>
+              <a:cs typeface="メイリオ" pitchFamily="50" charset="-128"/>
+            </a:endParaRPr>
+          </a:p>
+          <a:p>
+            <a:pPr lvl="1">
+              <a:spcBef>
+                <a:spcPts val="600"/>
+              </a:spcBef>
+              <a:spcAft>
+                <a:spcPts val="600"/>
+              </a:spcAft>
+              <a:buFont typeface="Wingdings" pitchFamily="2" charset="2"/>
+              <a:buChar char="n"/>
+            </a:pPr>
+            <a:r>
+              <a:rPr lang="ja-JP" altLang="en-US" b="1" dirty="0" smtClean="0">
+                <a:latin typeface="メイリオ" pitchFamily="50" charset="-128"/>
+                <a:ea typeface="メイリオ" pitchFamily="50" charset="-128"/>
+                <a:cs typeface="メイリオ" pitchFamily="50" charset="-128"/>
+              </a:rPr>
+              <a:t>掲示板</a:t>
+            </a:r>
+            <a:endParaRPr lang="en-US" altLang="ja-JP" b="1" dirty="0" smtClean="0">
+              <a:latin typeface="メイリオ" pitchFamily="50" charset="-128"/>
+              <a:ea typeface="メイリオ" pitchFamily="50" charset="-128"/>
+              <a:cs typeface="メイリオ" pitchFamily="50" charset="-128"/>
+            </a:endParaRPr>
+          </a:p>
+          <a:p>
+            <a:pPr lvl="1">
+              <a:buFont typeface="Wingdings" pitchFamily="2" charset="2"/>
+              <a:buChar char="n"/>
+            </a:pPr>
+            <a:r>
+              <a:rPr lang="ja-JP" altLang="en-US" b="1" dirty="0" smtClean="0">
+                <a:latin typeface="メイリオ" pitchFamily="50" charset="-128"/>
+                <a:ea typeface="メイリオ" pitchFamily="50" charset="-128"/>
+                <a:cs typeface="メイリオ" pitchFamily="50" charset="-128"/>
+              </a:rPr>
+              <a:t>アンケート　等</a:t>
+            </a:r>
+            <a:endParaRPr lang="en-US" altLang="ja-JP" b="1" dirty="0" smtClean="0">
+              <a:latin typeface="メイリオ" pitchFamily="50" charset="-128"/>
+              <a:ea typeface="メイリオ" pitchFamily="50" charset="-128"/>
+              <a:cs typeface="メイリオ" pitchFamily="50" charset="-128"/>
+            </a:endParaRPr>
+          </a:p>
+        </p:txBody>
+      </p:sp>
+      <p:sp>
+        <p:nvSpPr>
+          <p:cNvPr id="12" name="テキスト ボックス 11"/>
+          <p:cNvSpPr txBox="1"/>
+          <p:nvPr/>
+        </p:nvSpPr>
+        <p:spPr>
+          <a:xfrm>
+            <a:off x="3131840" y="4869160"/>
+            <a:ext cx="2160240" cy="1000274"/>
+          </a:xfrm>
+          <a:prstGeom prst="rect">
+            <a:avLst/>
+          </a:prstGeom>
+          <a:noFill/>
+        </p:spPr>
+        <p:txBody>
+          <a:bodyPr wrap="square" rtlCol="0">
+            <a:spAutoFit/>
+          </a:bodyPr>
+          <a:lstStyle/>
+          <a:p>
+            <a:r>
+              <a:rPr lang="ja-JP" altLang="en-US" b="1" u="sng" dirty="0" smtClean="0">
+                <a:latin typeface="メイリオ" pitchFamily="50" charset="-128"/>
+                <a:ea typeface="メイリオ" pitchFamily="50" charset="-128"/>
+                <a:cs typeface="メイリオ" pitchFamily="50" charset="-128"/>
+              </a:rPr>
+              <a:t>外部連携機能</a:t>
+            </a:r>
+            <a:endParaRPr lang="en-US" altLang="ja-JP" b="1" u="sng" dirty="0" smtClean="0">
+              <a:latin typeface="メイリオ" pitchFamily="50" charset="-128"/>
+              <a:ea typeface="メイリオ" pitchFamily="50" charset="-128"/>
+              <a:cs typeface="メイリオ" pitchFamily="50" charset="-128"/>
+            </a:endParaRPr>
+          </a:p>
+          <a:p>
+            <a:pPr lvl="1">
+              <a:buFont typeface="Wingdings" pitchFamily="2" charset="2"/>
+              <a:buChar char="n"/>
+            </a:pPr>
+            <a:r>
+              <a:rPr lang="en-US" altLang="ja-JP" b="1" dirty="0" smtClean="0">
+                <a:latin typeface="メイリオ" pitchFamily="50" charset="-128"/>
+                <a:ea typeface="メイリオ" pitchFamily="50" charset="-128"/>
+                <a:cs typeface="メイリオ" pitchFamily="50" charset="-128"/>
+              </a:rPr>
+              <a:t>RSS</a:t>
+            </a:r>
+            <a:endParaRPr lang="en-US" altLang="ja-JP" b="1" dirty="0" smtClean="0">
+              <a:latin typeface="メイリオ" pitchFamily="50" charset="-128"/>
+              <a:ea typeface="メイリオ" pitchFamily="50" charset="-128"/>
+              <a:cs typeface="メイリオ" pitchFamily="50" charset="-128"/>
+            </a:endParaRPr>
+          </a:p>
+          <a:p>
+            <a:pPr lvl="1">
+              <a:spcBef>
+                <a:spcPts val="600"/>
+              </a:spcBef>
+              <a:buFont typeface="Wingdings" pitchFamily="2" charset="2"/>
+              <a:buChar char="n"/>
+            </a:pPr>
+            <a:r>
+              <a:rPr lang="en-US" altLang="ja-JP" b="1" dirty="0" smtClean="0">
+                <a:latin typeface="メイリオ" pitchFamily="50" charset="-128"/>
+                <a:ea typeface="メイリオ" pitchFamily="50" charset="-128"/>
+                <a:cs typeface="メイリオ" pitchFamily="50" charset="-128"/>
+              </a:rPr>
+              <a:t>i</a:t>
+            </a:r>
+            <a:r>
+              <a:rPr lang="en-US" altLang="ja-JP" b="1" dirty="0" smtClean="0">
+                <a:latin typeface="メイリオ" pitchFamily="50" charset="-128"/>
+                <a:ea typeface="メイリオ" pitchFamily="50" charset="-128"/>
+                <a:cs typeface="メイリオ" pitchFamily="50" charset="-128"/>
+              </a:rPr>
+              <a:t>frame</a:t>
+            </a:r>
+            <a:r>
+              <a:rPr lang="ja-JP" altLang="en-US" b="1" dirty="0" smtClean="0">
+                <a:latin typeface="メイリオ" pitchFamily="50" charset="-128"/>
+                <a:ea typeface="メイリオ" pitchFamily="50" charset="-128"/>
+                <a:cs typeface="メイリオ" pitchFamily="50" charset="-128"/>
+              </a:rPr>
+              <a:t>　等</a:t>
+            </a:r>
+            <a:endParaRPr lang="en-US" altLang="ja-JP" b="1" dirty="0" smtClean="0">
+              <a:latin typeface="メイリオ" pitchFamily="50" charset="-128"/>
+              <a:ea typeface="メイリオ" pitchFamily="50" charset="-128"/>
+              <a:cs typeface="メイリオ" pitchFamily="50" charset="-128"/>
+            </a:endParaRPr>
+          </a:p>
+        </p:txBody>
+      </p:sp>
+      <p:sp>
+        <p:nvSpPr>
+          <p:cNvPr id="13" name="テキスト ボックス 12"/>
+          <p:cNvSpPr txBox="1"/>
+          <p:nvPr/>
+        </p:nvSpPr>
+        <p:spPr>
+          <a:xfrm>
+            <a:off x="3131840" y="3933056"/>
+            <a:ext cx="2952328" cy="923330"/>
+          </a:xfrm>
+          <a:prstGeom prst="rect">
+            <a:avLst/>
+          </a:prstGeom>
+          <a:noFill/>
+        </p:spPr>
+        <p:txBody>
+          <a:bodyPr wrap="square" rtlCol="0">
+            <a:spAutoFit/>
+          </a:bodyPr>
+          <a:lstStyle/>
+          <a:p>
+            <a:r>
+              <a:rPr lang="ja-JP" altLang="en-US" b="1" u="sng" dirty="0" smtClean="0">
+                <a:latin typeface="メイリオ" pitchFamily="50" charset="-128"/>
+                <a:ea typeface="メイリオ" pitchFamily="50" charset="-128"/>
+                <a:cs typeface="メイリオ" pitchFamily="50" charset="-128"/>
+              </a:rPr>
+              <a:t>情報集約機能</a:t>
+            </a:r>
+            <a:endParaRPr lang="en-US" altLang="ja-JP" b="1" u="sng" dirty="0" smtClean="0">
+              <a:latin typeface="メイリオ" pitchFamily="50" charset="-128"/>
+              <a:ea typeface="メイリオ" pitchFamily="50" charset="-128"/>
+              <a:cs typeface="メイリオ" pitchFamily="50" charset="-128"/>
+            </a:endParaRPr>
+          </a:p>
+          <a:p>
+            <a:pPr lvl="1">
+              <a:buFont typeface="Wingdings" pitchFamily="2" charset="2"/>
+              <a:buChar char="n"/>
+            </a:pPr>
+            <a:r>
+              <a:rPr lang="ja-JP" altLang="en-US" b="1" dirty="0" smtClean="0">
+                <a:latin typeface="メイリオ" pitchFamily="50" charset="-128"/>
+                <a:ea typeface="メイリオ" pitchFamily="50" charset="-128"/>
+                <a:cs typeface="メイリオ" pitchFamily="50" charset="-128"/>
+              </a:rPr>
+              <a:t>新着</a:t>
+            </a:r>
+            <a:r>
+              <a:rPr lang="ja-JP" altLang="en-US" b="1" dirty="0" smtClean="0">
+                <a:latin typeface="メイリオ" pitchFamily="50" charset="-128"/>
+                <a:ea typeface="メイリオ" pitchFamily="50" charset="-128"/>
+                <a:cs typeface="メイリオ" pitchFamily="50" charset="-128"/>
+              </a:rPr>
+              <a:t>情報</a:t>
+            </a:r>
+            <a:endParaRPr lang="en-US" altLang="ja-JP" b="1" dirty="0" smtClean="0">
+              <a:latin typeface="メイリオ" pitchFamily="50" charset="-128"/>
+              <a:ea typeface="メイリオ" pitchFamily="50" charset="-128"/>
+              <a:cs typeface="メイリオ" pitchFamily="50" charset="-128"/>
+            </a:endParaRPr>
+          </a:p>
+          <a:p>
+            <a:pPr lvl="1">
+              <a:buFont typeface="Wingdings" pitchFamily="2" charset="2"/>
+              <a:buChar char="n"/>
+            </a:pPr>
+            <a:r>
+              <a:rPr lang="ja-JP" altLang="en-US" b="1" dirty="0" smtClean="0">
+                <a:latin typeface="メイリオ" pitchFamily="50" charset="-128"/>
+                <a:ea typeface="メイリオ" pitchFamily="50" charset="-128"/>
+                <a:cs typeface="メイリオ" pitchFamily="50" charset="-128"/>
+              </a:rPr>
+              <a:t>カウンター　等</a:t>
+            </a:r>
+            <a:endParaRPr lang="en-US" altLang="ja-JP" b="1" dirty="0" smtClean="0">
+              <a:latin typeface="メイリオ" pitchFamily="50" charset="-128"/>
+              <a:ea typeface="メイリオ" pitchFamily="50" charset="-128"/>
+              <a:cs typeface="メイリオ" pitchFamily="50" charset="-128"/>
+            </a:endParaRPr>
+          </a:p>
+        </p:txBody>
+      </p:sp>
+      <p:sp>
+        <p:nvSpPr>
+          <p:cNvPr id="14" name="テキスト ボックス 13"/>
+          <p:cNvSpPr txBox="1"/>
+          <p:nvPr/>
+        </p:nvSpPr>
+        <p:spPr>
+          <a:xfrm>
+            <a:off x="539552" y="1412776"/>
+            <a:ext cx="2376264" cy="2031325"/>
+          </a:xfrm>
+          <a:prstGeom prst="rect">
+            <a:avLst/>
+          </a:prstGeom>
+          <a:noFill/>
+        </p:spPr>
+        <p:txBody>
+          <a:bodyPr wrap="square" rtlCol="0">
+            <a:spAutoFit/>
+          </a:bodyPr>
+          <a:lstStyle/>
+          <a:p>
+            <a:r>
+              <a:rPr lang="ja-JP" altLang="en-US" b="1" u="sng" dirty="0" smtClean="0">
+                <a:latin typeface="メイリオ" pitchFamily="50" charset="-128"/>
+                <a:ea typeface="メイリオ" pitchFamily="50" charset="-128"/>
+                <a:cs typeface="メイリオ" pitchFamily="50" charset="-128"/>
+              </a:rPr>
+              <a:t>概念的機能</a:t>
+            </a:r>
+            <a:endParaRPr lang="en-US" altLang="ja-JP" b="1" dirty="0" smtClean="0">
+              <a:latin typeface="メイリオ" pitchFamily="50" charset="-128"/>
+              <a:ea typeface="メイリオ" pitchFamily="50" charset="-128"/>
+              <a:cs typeface="メイリオ" pitchFamily="50" charset="-128"/>
+            </a:endParaRPr>
+          </a:p>
+          <a:p>
+            <a:pPr lvl="1">
+              <a:buFont typeface="Wingdings" pitchFamily="2" charset="2"/>
+              <a:buChar char="n"/>
+            </a:pPr>
+            <a:r>
+              <a:rPr lang="ja-JP" altLang="en-US" b="1" dirty="0" smtClean="0">
+                <a:latin typeface="メイリオ" pitchFamily="50" charset="-128"/>
+                <a:ea typeface="メイリオ" pitchFamily="50" charset="-128"/>
+                <a:cs typeface="メイリオ" pitchFamily="50" charset="-128"/>
+              </a:rPr>
+              <a:t>ページ</a:t>
+            </a:r>
+            <a:endParaRPr lang="en-US" altLang="ja-JP" b="1" dirty="0" smtClean="0">
+              <a:latin typeface="メイリオ" pitchFamily="50" charset="-128"/>
+              <a:ea typeface="メイリオ" pitchFamily="50" charset="-128"/>
+              <a:cs typeface="メイリオ" pitchFamily="50" charset="-128"/>
+            </a:endParaRPr>
+          </a:p>
+          <a:p>
+            <a:pPr lvl="1">
+              <a:buFont typeface="Wingdings" pitchFamily="2" charset="2"/>
+              <a:buChar char="n"/>
+            </a:pPr>
+            <a:r>
+              <a:rPr lang="ja-JP" altLang="en-US" b="1" dirty="0" smtClean="0">
+                <a:latin typeface="メイリオ" pitchFamily="50" charset="-128"/>
+                <a:ea typeface="メイリオ" pitchFamily="50" charset="-128"/>
+                <a:cs typeface="メイリオ" pitchFamily="50" charset="-128"/>
+              </a:rPr>
+              <a:t>コンテナー</a:t>
+            </a:r>
+            <a:endParaRPr lang="en-US" altLang="ja-JP" b="1" dirty="0" smtClean="0">
+              <a:latin typeface="メイリオ" pitchFamily="50" charset="-128"/>
+              <a:ea typeface="メイリオ" pitchFamily="50" charset="-128"/>
+              <a:cs typeface="メイリオ" pitchFamily="50" charset="-128"/>
+            </a:endParaRPr>
+          </a:p>
+          <a:p>
+            <a:pPr lvl="1">
+              <a:buFont typeface="Wingdings" pitchFamily="2" charset="2"/>
+              <a:buChar char="n"/>
+            </a:pPr>
+            <a:r>
+              <a:rPr lang="ja-JP" altLang="en-US" b="1" dirty="0" smtClean="0">
+                <a:latin typeface="メイリオ" pitchFamily="50" charset="-128"/>
+                <a:ea typeface="メイリオ" pitchFamily="50" charset="-128"/>
+                <a:cs typeface="メイリオ" pitchFamily="50" charset="-128"/>
+              </a:rPr>
+              <a:t>ボックス</a:t>
+            </a:r>
+            <a:endParaRPr lang="en-US" altLang="ja-JP" b="1" dirty="0" smtClean="0">
+              <a:latin typeface="メイリオ" pitchFamily="50" charset="-128"/>
+              <a:ea typeface="メイリオ" pitchFamily="50" charset="-128"/>
+              <a:cs typeface="メイリオ" pitchFamily="50" charset="-128"/>
+            </a:endParaRPr>
+          </a:p>
+          <a:p>
+            <a:pPr lvl="1">
+              <a:buFont typeface="Wingdings" pitchFamily="2" charset="2"/>
+              <a:buChar char="n"/>
+            </a:pPr>
+            <a:r>
+              <a:rPr lang="ja-JP" altLang="en-US" b="1" dirty="0" smtClean="0">
+                <a:latin typeface="メイリオ" pitchFamily="50" charset="-128"/>
+                <a:ea typeface="メイリオ" pitchFamily="50" charset="-128"/>
+                <a:cs typeface="メイリオ" pitchFamily="50" charset="-128"/>
+              </a:rPr>
+              <a:t>フレーム</a:t>
+            </a:r>
+            <a:endParaRPr lang="en-US" altLang="ja-JP" b="1" dirty="0" smtClean="0">
+              <a:latin typeface="メイリオ" pitchFamily="50" charset="-128"/>
+              <a:ea typeface="メイリオ" pitchFamily="50" charset="-128"/>
+              <a:cs typeface="メイリオ" pitchFamily="50" charset="-128"/>
+            </a:endParaRPr>
+          </a:p>
+          <a:p>
+            <a:pPr lvl="1">
+              <a:buFont typeface="Wingdings" pitchFamily="2" charset="2"/>
+              <a:buChar char="n"/>
+            </a:pPr>
+            <a:r>
+              <a:rPr lang="ja-JP" altLang="en-US" b="1" dirty="0" smtClean="0">
+                <a:latin typeface="メイリオ" pitchFamily="50" charset="-128"/>
+                <a:ea typeface="メイリオ" pitchFamily="50" charset="-128"/>
+                <a:cs typeface="メイリオ" pitchFamily="50" charset="-128"/>
+              </a:rPr>
+              <a:t>ルーム</a:t>
+            </a:r>
+            <a:endParaRPr lang="en-US" altLang="ja-JP" b="1" dirty="0" smtClean="0">
+              <a:latin typeface="メイリオ" pitchFamily="50" charset="-128"/>
+              <a:ea typeface="メイリオ" pitchFamily="50" charset="-128"/>
+              <a:cs typeface="メイリオ" pitchFamily="50" charset="-128"/>
+            </a:endParaRPr>
+          </a:p>
+          <a:p>
+            <a:pPr lvl="1">
+              <a:buFont typeface="Wingdings" pitchFamily="2" charset="2"/>
+              <a:buChar char="n"/>
+            </a:pPr>
+            <a:r>
+              <a:rPr lang="ja-JP" altLang="en-US" b="1" dirty="0" smtClean="0">
+                <a:latin typeface="メイリオ" pitchFamily="50" charset="-128"/>
+                <a:ea typeface="メイリオ" pitchFamily="50" charset="-128"/>
+                <a:cs typeface="メイリオ" pitchFamily="50" charset="-128"/>
+              </a:rPr>
+              <a:t>グループ</a:t>
+            </a:r>
+            <a:endParaRPr lang="ja-JP" altLang="en-US" sz="2400" b="1" dirty="0">
+              <a:latin typeface="メイリオ" pitchFamily="50" charset="-128"/>
+              <a:ea typeface="メイリオ" pitchFamily="50" charset="-128"/>
+              <a:cs typeface="メイリオ" pitchFamily="50" charset="-128"/>
+            </a:endParaRPr>
+          </a:p>
+        </p:txBody>
+      </p:sp>
+      <p:sp>
+        <p:nvSpPr>
+          <p:cNvPr id="15" name="テキスト ボックス 14"/>
+          <p:cNvSpPr txBox="1"/>
+          <p:nvPr/>
+        </p:nvSpPr>
+        <p:spPr>
+          <a:xfrm>
+            <a:off x="2339752" y="1412776"/>
+            <a:ext cx="3240360" cy="2400657"/>
+          </a:xfrm>
+          <a:prstGeom prst="rect">
+            <a:avLst/>
+          </a:prstGeom>
+          <a:noFill/>
+        </p:spPr>
+        <p:txBody>
+          <a:bodyPr wrap="square" rtlCol="0">
+            <a:spAutoFit/>
+          </a:bodyPr>
+          <a:lstStyle/>
+          <a:p>
+            <a:r>
+              <a:rPr lang="ja-JP" altLang="en-US" b="1" u="sng" dirty="0" smtClean="0">
+                <a:latin typeface="メイリオ" pitchFamily="50" charset="-128"/>
+                <a:ea typeface="メイリオ" pitchFamily="50" charset="-128"/>
+                <a:cs typeface="メイリオ" pitchFamily="50" charset="-128"/>
+              </a:rPr>
+              <a:t>管理機能</a:t>
+            </a:r>
+            <a:endParaRPr lang="en-US" altLang="ja-JP" b="1" dirty="0" smtClean="0">
+              <a:latin typeface="メイリオ" pitchFamily="50" charset="-128"/>
+              <a:ea typeface="メイリオ" pitchFamily="50" charset="-128"/>
+              <a:cs typeface="メイリオ" pitchFamily="50" charset="-128"/>
+            </a:endParaRPr>
+          </a:p>
+          <a:p>
+            <a:pPr lvl="1">
+              <a:buFont typeface="Wingdings" pitchFamily="2" charset="2"/>
+              <a:buChar char="n"/>
+            </a:pPr>
+            <a:r>
+              <a:rPr lang="ja-JP" altLang="en-US" b="1" dirty="0" smtClean="0">
+                <a:latin typeface="メイリオ" pitchFamily="50" charset="-128"/>
+                <a:ea typeface="メイリオ" pitchFamily="50" charset="-128"/>
+                <a:cs typeface="メイリオ" pitchFamily="50" charset="-128"/>
+              </a:rPr>
+              <a:t>会員検索</a:t>
+            </a:r>
+            <a:endParaRPr lang="en-US" altLang="ja-JP" b="1" dirty="0" smtClean="0">
+              <a:latin typeface="メイリオ" pitchFamily="50" charset="-128"/>
+              <a:ea typeface="メイリオ" pitchFamily="50" charset="-128"/>
+              <a:cs typeface="メイリオ" pitchFamily="50" charset="-128"/>
+            </a:endParaRPr>
+          </a:p>
+          <a:p>
+            <a:pPr lvl="1">
+              <a:buFont typeface="Wingdings" pitchFamily="2" charset="2"/>
+              <a:buChar char="n"/>
+            </a:pPr>
+            <a:r>
+              <a:rPr lang="ja-JP" altLang="en-US" b="1" dirty="0" smtClean="0">
+                <a:latin typeface="メイリオ" pitchFamily="50" charset="-128"/>
+                <a:ea typeface="メイリオ" pitchFamily="50" charset="-128"/>
+                <a:cs typeface="メイリオ" pitchFamily="50" charset="-128"/>
+              </a:rPr>
+              <a:t>会員管理</a:t>
+            </a:r>
+            <a:endParaRPr lang="en-US" altLang="ja-JP" b="1" dirty="0" smtClean="0">
+              <a:latin typeface="メイリオ" pitchFamily="50" charset="-128"/>
+              <a:ea typeface="メイリオ" pitchFamily="50" charset="-128"/>
+              <a:cs typeface="メイリオ" pitchFamily="50" charset="-128"/>
+            </a:endParaRPr>
+          </a:p>
+          <a:p>
+            <a:pPr lvl="1">
+              <a:buFont typeface="Wingdings" pitchFamily="2" charset="2"/>
+              <a:buChar char="n"/>
+            </a:pPr>
+            <a:r>
+              <a:rPr lang="ja-JP" altLang="en-US" b="1" dirty="0" smtClean="0">
+                <a:latin typeface="メイリオ" pitchFamily="50" charset="-128"/>
+                <a:ea typeface="メイリオ" pitchFamily="50" charset="-128"/>
+                <a:cs typeface="メイリオ" pitchFamily="50" charset="-128"/>
+              </a:rPr>
+              <a:t>個人情報管理</a:t>
+            </a:r>
+            <a:endParaRPr lang="en-US" altLang="ja-JP" b="1" dirty="0" smtClean="0">
+              <a:latin typeface="メイリオ" pitchFamily="50" charset="-128"/>
+              <a:ea typeface="メイリオ" pitchFamily="50" charset="-128"/>
+              <a:cs typeface="メイリオ" pitchFamily="50" charset="-128"/>
+            </a:endParaRPr>
+          </a:p>
+          <a:p>
+            <a:pPr lvl="1">
+              <a:buFont typeface="Wingdings" pitchFamily="2" charset="2"/>
+              <a:buChar char="n"/>
+            </a:pPr>
+            <a:r>
+              <a:rPr lang="ja-JP" altLang="en-US" b="1" dirty="0" smtClean="0">
+                <a:latin typeface="メイリオ" pitchFamily="50" charset="-128"/>
+                <a:ea typeface="メイリオ" pitchFamily="50" charset="-128"/>
+                <a:cs typeface="メイリオ" pitchFamily="50" charset="-128"/>
+              </a:rPr>
+              <a:t>権限管理</a:t>
+            </a:r>
+            <a:endParaRPr lang="en-US" altLang="ja-JP" b="1" dirty="0" smtClean="0">
+              <a:latin typeface="メイリオ" pitchFamily="50" charset="-128"/>
+              <a:ea typeface="メイリオ" pitchFamily="50" charset="-128"/>
+              <a:cs typeface="メイリオ" pitchFamily="50" charset="-128"/>
+            </a:endParaRPr>
+          </a:p>
+          <a:p>
+            <a:pPr lvl="1">
+              <a:buFont typeface="Wingdings" pitchFamily="2" charset="2"/>
+              <a:buChar char="n"/>
+            </a:pPr>
+            <a:r>
+              <a:rPr lang="ja-JP" altLang="en-US" b="1" dirty="0" smtClean="0">
+                <a:latin typeface="メイリオ" pitchFamily="50" charset="-128"/>
+                <a:ea typeface="メイリオ" pitchFamily="50" charset="-128"/>
+                <a:cs typeface="メイリオ" pitchFamily="50" charset="-128"/>
+              </a:rPr>
+              <a:t>コントロールパネル</a:t>
+            </a:r>
+            <a:endParaRPr lang="en-US" altLang="ja-JP" b="1" dirty="0" smtClean="0">
+              <a:latin typeface="メイリオ" pitchFamily="50" charset="-128"/>
+              <a:ea typeface="メイリオ" pitchFamily="50" charset="-128"/>
+              <a:cs typeface="メイリオ" pitchFamily="50" charset="-128"/>
+            </a:endParaRPr>
+          </a:p>
+          <a:p>
+            <a:pPr lvl="1">
+              <a:buFont typeface="Wingdings" pitchFamily="2" charset="2"/>
+              <a:buChar char="n"/>
+            </a:pPr>
+            <a:r>
+              <a:rPr lang="ja-JP" altLang="en-US" b="1" dirty="0" smtClean="0">
+                <a:latin typeface="メイリオ" pitchFamily="50" charset="-128"/>
+                <a:ea typeface="メイリオ" pitchFamily="50" charset="-128"/>
+                <a:cs typeface="メイリオ" pitchFamily="50" charset="-128"/>
+              </a:rPr>
+              <a:t>ルーム</a:t>
+            </a:r>
+            <a:r>
+              <a:rPr lang="ja-JP" altLang="en-US" b="1" dirty="0" smtClean="0">
+                <a:latin typeface="メイリオ" pitchFamily="50" charset="-128"/>
+                <a:ea typeface="メイリオ" pitchFamily="50" charset="-128"/>
+                <a:cs typeface="メイリオ" pitchFamily="50" charset="-128"/>
+              </a:rPr>
+              <a:t>管理　等</a:t>
+            </a:r>
+            <a:endParaRPr lang="en-US" altLang="ja-JP" b="1" dirty="0" smtClean="0">
+              <a:latin typeface="メイリオ" pitchFamily="50" charset="-128"/>
+              <a:ea typeface="メイリオ" pitchFamily="50" charset="-128"/>
+              <a:cs typeface="メイリオ" pitchFamily="50" charset="-128"/>
+            </a:endParaRPr>
+          </a:p>
+          <a:p>
+            <a:pPr lvl="1">
+              <a:buFont typeface="Wingdings" pitchFamily="2" charset="2"/>
+              <a:buChar char="n"/>
+            </a:pPr>
+            <a:endParaRPr lang="ja-JP" altLang="en-US" sz="2400" b="1" dirty="0">
+              <a:latin typeface="メイリオ" pitchFamily="50" charset="-128"/>
+              <a:ea typeface="メイリオ" pitchFamily="50" charset="-128"/>
+              <a:cs typeface="メイリオ" pitchFamily="50" charset="-128"/>
+            </a:endParaRPr>
+          </a:p>
+        </p:txBody>
+      </p:sp>
+      <p:sp>
+        <p:nvSpPr>
+          <p:cNvPr id="16" name="テキスト ボックス 15"/>
+          <p:cNvSpPr txBox="1"/>
+          <p:nvPr/>
+        </p:nvSpPr>
+        <p:spPr>
+          <a:xfrm>
+            <a:off x="5796136" y="4725144"/>
+            <a:ext cx="2664296" cy="1200329"/>
+          </a:xfrm>
+          <a:prstGeom prst="rect">
+            <a:avLst/>
+          </a:prstGeom>
+          <a:noFill/>
+        </p:spPr>
+        <p:txBody>
+          <a:bodyPr wrap="square" rtlCol="0">
+            <a:spAutoFit/>
+          </a:bodyPr>
+          <a:lstStyle/>
+          <a:p>
+            <a:r>
+              <a:rPr lang="ja-JP" altLang="en-US" b="1" u="sng" dirty="0" smtClean="0">
+                <a:latin typeface="メイリオ" pitchFamily="50" charset="-128"/>
+                <a:ea typeface="メイリオ" pitchFamily="50" charset="-128"/>
+                <a:cs typeface="メイリオ" pitchFamily="50" charset="-128"/>
+              </a:rPr>
+              <a:t>情報管理機能</a:t>
+            </a:r>
+            <a:endParaRPr lang="en-US" altLang="ja-JP" b="1" u="sng" dirty="0" smtClean="0">
+              <a:latin typeface="メイリオ" pitchFamily="50" charset="-128"/>
+              <a:ea typeface="メイリオ" pitchFamily="50" charset="-128"/>
+              <a:cs typeface="メイリオ" pitchFamily="50" charset="-128"/>
+            </a:endParaRPr>
+          </a:p>
+          <a:p>
+            <a:pPr lvl="1">
+              <a:buFont typeface="Wingdings" pitchFamily="2" charset="2"/>
+              <a:buChar char="n"/>
+            </a:pPr>
+            <a:r>
+              <a:rPr lang="ja-JP" altLang="en-US" b="1" dirty="0" smtClean="0">
+                <a:latin typeface="メイリオ" pitchFamily="50" charset="-128"/>
+                <a:ea typeface="メイリオ" pitchFamily="50" charset="-128"/>
+                <a:cs typeface="メイリオ" pitchFamily="50" charset="-128"/>
+              </a:rPr>
+              <a:t>カレンダー</a:t>
+            </a:r>
+            <a:endParaRPr lang="en-US" altLang="ja-JP" b="1" dirty="0" smtClean="0">
+              <a:latin typeface="メイリオ" pitchFamily="50" charset="-128"/>
+              <a:ea typeface="メイリオ" pitchFamily="50" charset="-128"/>
+              <a:cs typeface="メイリオ" pitchFamily="50" charset="-128"/>
+            </a:endParaRPr>
+          </a:p>
+          <a:p>
+            <a:pPr lvl="1">
+              <a:buFont typeface="Wingdings" pitchFamily="2" charset="2"/>
+              <a:buChar char="n"/>
+            </a:pPr>
+            <a:r>
+              <a:rPr lang="en-US" altLang="ja-JP" b="1" dirty="0" smtClean="0">
+                <a:latin typeface="メイリオ" pitchFamily="50" charset="-128"/>
+                <a:ea typeface="メイリオ" pitchFamily="50" charset="-128"/>
+                <a:cs typeface="メイリオ" pitchFamily="50" charset="-128"/>
+              </a:rPr>
+              <a:t>Todo</a:t>
+            </a:r>
+          </a:p>
+          <a:p>
+            <a:pPr lvl="1">
+              <a:buFont typeface="Wingdings" pitchFamily="2" charset="2"/>
+              <a:buChar char="n"/>
+            </a:pPr>
+            <a:r>
+              <a:rPr lang="ja-JP" altLang="en-US" b="1" dirty="0" smtClean="0">
+                <a:latin typeface="メイリオ" pitchFamily="50" charset="-128"/>
+                <a:ea typeface="メイリオ" pitchFamily="50" charset="-128"/>
+                <a:cs typeface="メイリオ" pitchFamily="50" charset="-128"/>
+              </a:rPr>
+              <a:t>登録フォーム　等</a:t>
+            </a:r>
+            <a:endParaRPr lang="en-US" altLang="ja-JP" b="1" dirty="0" smtClean="0">
+              <a:latin typeface="メイリオ" pitchFamily="50" charset="-128"/>
+              <a:ea typeface="メイリオ" pitchFamily="50" charset="-128"/>
+              <a:cs typeface="メイリオ" pitchFamily="50" charset="-128"/>
+            </a:endParaRPr>
+          </a:p>
+        </p:txBody>
+      </p:sp>
+      <p:sp>
+        <p:nvSpPr>
+          <p:cNvPr id="17" name="角丸四角形 16"/>
+          <p:cNvSpPr/>
+          <p:nvPr/>
+        </p:nvSpPr>
+        <p:spPr>
+          <a:xfrm>
+            <a:off x="899592" y="5157192"/>
+            <a:ext cx="1296144" cy="360040"/>
+          </a:xfrm>
+          <a:prstGeom prst="roundRect">
+            <a:avLst/>
+          </a:prstGeom>
+          <a:noFill/>
+          <a:ln w="57150">
+            <a:solidFill>
+              <a:srgbClr val="FF0000"/>
+            </a:solidFill>
+          </a:ln>
+        </p:spPr>
+        <p:style>
+          <a:lnRef idx="2">
+            <a:schemeClr val="accent1">
+              <a:shade val="50000"/>
+            </a:schemeClr>
+          </a:lnRef>
+          <a:fillRef idx="1">
+            <a:schemeClr val="accent1"/>
+          </a:fillRef>
+          <a:effectRef idx="0">
+            <a:schemeClr val="accent1"/>
+          </a:effectRef>
+          <a:fontRef idx="minor">
+            <a:schemeClr val="lt1"/>
+          </a:fontRef>
+        </p:style>
+        <p:txBody>
+          <a:bodyPr rtlCol="0" anchor="ctr"/>
+          <a:lstStyle/>
+          <a:p>
+            <a:pPr algn="ctr"/>
+            <a:endParaRPr kumimoji="1" lang="ja-JP" altLang="en-US"/>
+          </a:p>
+        </p:txBody>
+      </p:sp>
+      <p:sp>
+        <p:nvSpPr>
+          <p:cNvPr id="18" name="角丸四角形 17"/>
+          <p:cNvSpPr/>
+          <p:nvPr/>
+        </p:nvSpPr>
+        <p:spPr>
+          <a:xfrm>
+            <a:off x="3491880" y="5445224"/>
+            <a:ext cx="1296144" cy="360040"/>
+          </a:xfrm>
+          <a:prstGeom prst="roundRect">
+            <a:avLst/>
+          </a:prstGeom>
+          <a:noFill/>
+          <a:ln w="57150">
+            <a:solidFill>
+              <a:srgbClr val="FF0000"/>
+            </a:solidFill>
+          </a:ln>
+        </p:spPr>
+        <p:style>
+          <a:lnRef idx="2">
+            <a:schemeClr val="accent1">
+              <a:shade val="50000"/>
+            </a:schemeClr>
+          </a:lnRef>
+          <a:fillRef idx="1">
+            <a:schemeClr val="accent1"/>
+          </a:fillRef>
+          <a:effectRef idx="0">
+            <a:schemeClr val="accent1"/>
+          </a:effectRef>
+          <a:fontRef idx="minor">
+            <a:schemeClr val="lt1"/>
+          </a:fontRef>
+        </p:style>
+        <p:txBody>
+          <a:bodyPr rtlCol="0" anchor="ctr"/>
+          <a:lstStyle/>
+          <a:p>
+            <a:pPr algn="ctr"/>
+            <a:endParaRPr kumimoji="1" lang="ja-JP" altLang="en-US"/>
+          </a:p>
+        </p:txBody>
+      </p:sp>
+      <p:sp>
+        <p:nvSpPr>
+          <p:cNvPr id="19" name="角丸四角形 18"/>
+          <p:cNvSpPr/>
+          <p:nvPr/>
+        </p:nvSpPr>
+        <p:spPr>
+          <a:xfrm>
+            <a:off x="755576" y="6372036"/>
+            <a:ext cx="432048" cy="288032"/>
+          </a:xfrm>
+          <a:prstGeom prst="roundRect">
+            <a:avLst/>
+          </a:prstGeom>
+          <a:noFill/>
+          <a:ln w="57150">
+            <a:solidFill>
+              <a:srgbClr val="FF0000"/>
+            </a:solidFill>
+          </a:ln>
+        </p:spPr>
+        <p:style>
+          <a:lnRef idx="2">
+            <a:schemeClr val="accent1">
+              <a:shade val="50000"/>
+            </a:schemeClr>
+          </a:lnRef>
+          <a:fillRef idx="1">
+            <a:schemeClr val="accent1"/>
+          </a:fillRef>
+          <a:effectRef idx="0">
+            <a:schemeClr val="accent1"/>
+          </a:effectRef>
+          <a:fontRef idx="minor">
+            <a:schemeClr val="lt1"/>
+          </a:fontRef>
+        </p:style>
+        <p:txBody>
+          <a:bodyPr rtlCol="0" anchor="ctr"/>
+          <a:lstStyle/>
+          <a:p>
+            <a:pPr algn="ctr"/>
+            <a:endParaRPr kumimoji="1" lang="ja-JP" altLang="en-US"/>
+          </a:p>
+        </p:txBody>
+      </p:sp>
+      <p:sp>
+        <p:nvSpPr>
+          <p:cNvPr id="20" name="テキスト ボックス 19"/>
+          <p:cNvSpPr txBox="1"/>
+          <p:nvPr/>
+        </p:nvSpPr>
+        <p:spPr>
+          <a:xfrm>
+            <a:off x="1259632" y="6372036"/>
+            <a:ext cx="2520280" cy="369332"/>
+          </a:xfrm>
+          <a:prstGeom prst="rect">
+            <a:avLst/>
+          </a:prstGeom>
+          <a:noFill/>
+        </p:spPr>
+        <p:txBody>
+          <a:bodyPr wrap="square" rtlCol="0">
+            <a:spAutoFit/>
+          </a:bodyPr>
+          <a:lstStyle/>
+          <a:p>
+            <a:r>
+              <a:rPr kumimoji="1" lang="en-US" altLang="ja-JP" b="1" dirty="0" smtClean="0">
+                <a:latin typeface="メイリオ" pitchFamily="50" charset="-128"/>
+                <a:ea typeface="メイリオ" pitchFamily="50" charset="-128"/>
+                <a:cs typeface="メイリオ" pitchFamily="50" charset="-128"/>
+              </a:rPr>
+              <a:t>:</a:t>
+            </a:r>
+            <a:r>
+              <a:rPr lang="ja-JP" altLang="en-US" b="1" dirty="0" smtClean="0">
+                <a:latin typeface="メイリオ" pitchFamily="50" charset="-128"/>
+                <a:ea typeface="メイリオ" pitchFamily="50" charset="-128"/>
+                <a:cs typeface="メイリオ" pitchFamily="50" charset="-128"/>
+              </a:rPr>
+              <a:t> 開発</a:t>
+            </a:r>
+            <a:r>
+              <a:rPr kumimoji="1" lang="ja-JP" altLang="en-US" b="1" dirty="0" smtClean="0">
+                <a:latin typeface="メイリオ" pitchFamily="50" charset="-128"/>
+                <a:ea typeface="メイリオ" pitchFamily="50" charset="-128"/>
+                <a:cs typeface="メイリオ" pitchFamily="50" charset="-128"/>
+              </a:rPr>
+              <a:t>担当プラグイン</a:t>
+            </a:r>
+            <a:endParaRPr kumimoji="1" lang="ja-JP" altLang="en-US" b="1" dirty="0">
+              <a:latin typeface="メイリオ" pitchFamily="50" charset="-128"/>
+              <a:ea typeface="メイリオ" pitchFamily="50" charset="-128"/>
+              <a:cs typeface="メイリオ" pitchFamily="50" charset="-128"/>
+            </a:endParaRPr>
+          </a:p>
+        </p:txBody>
+      </p:sp>
+      <p:sp>
+        <p:nvSpPr>
+          <p:cNvPr id="21" name="テキスト ボックス 20"/>
+          <p:cNvSpPr txBox="1"/>
+          <p:nvPr/>
+        </p:nvSpPr>
+        <p:spPr>
+          <a:xfrm>
+            <a:off x="4283968" y="1412776"/>
+            <a:ext cx="2304256" cy="923330"/>
+          </a:xfrm>
+          <a:prstGeom prst="rect">
+            <a:avLst/>
+          </a:prstGeom>
+          <a:noFill/>
+        </p:spPr>
+        <p:txBody>
+          <a:bodyPr wrap="square" rtlCol="0">
+            <a:spAutoFit/>
+          </a:bodyPr>
+          <a:lstStyle/>
+          <a:p>
+            <a:r>
+              <a:rPr lang="ja-JP" altLang="en-US" b="1" u="sng" dirty="0" smtClean="0">
+                <a:latin typeface="メイリオ" pitchFamily="50" charset="-128"/>
+                <a:ea typeface="メイリオ" pitchFamily="50" charset="-128"/>
+                <a:cs typeface="メイリオ" pitchFamily="50" charset="-128"/>
+              </a:rPr>
+              <a:t>共通機能</a:t>
+            </a:r>
+            <a:endParaRPr lang="en-US" altLang="ja-JP" b="1" dirty="0" smtClean="0">
+              <a:latin typeface="メイリオ" pitchFamily="50" charset="-128"/>
+              <a:ea typeface="メイリオ" pitchFamily="50" charset="-128"/>
+              <a:cs typeface="メイリオ" pitchFamily="50" charset="-128"/>
+            </a:endParaRPr>
+          </a:p>
+          <a:p>
+            <a:pPr lvl="1">
+              <a:buFont typeface="Wingdings" pitchFamily="2" charset="2"/>
+              <a:buChar char="n"/>
+            </a:pPr>
+            <a:r>
+              <a:rPr lang="ja-JP" altLang="en-US" b="1" dirty="0" smtClean="0">
+                <a:latin typeface="メイリオ" pitchFamily="50" charset="-128"/>
+                <a:ea typeface="メイリオ" pitchFamily="50" charset="-128"/>
+                <a:cs typeface="メイリオ" pitchFamily="50" charset="-128"/>
+              </a:rPr>
+              <a:t>ワークフロー</a:t>
+            </a:r>
+            <a:endParaRPr lang="en-US" altLang="ja-JP" b="1" dirty="0" smtClean="0">
+              <a:latin typeface="メイリオ" pitchFamily="50" charset="-128"/>
+              <a:ea typeface="メイリオ" pitchFamily="50" charset="-128"/>
+              <a:cs typeface="メイリオ" pitchFamily="50" charset="-128"/>
+            </a:endParaRPr>
+          </a:p>
+          <a:p>
+            <a:pPr lvl="1">
+              <a:buFont typeface="Wingdings" pitchFamily="2" charset="2"/>
+              <a:buChar char="n"/>
+            </a:pPr>
+            <a:r>
+              <a:rPr lang="ja-JP" altLang="en-US" b="1" dirty="0" smtClean="0">
+                <a:latin typeface="メイリオ" pitchFamily="50" charset="-128"/>
+                <a:ea typeface="メイリオ" pitchFamily="50" charset="-128"/>
+                <a:cs typeface="メイリオ" pitchFamily="50" charset="-128"/>
+              </a:rPr>
+              <a:t>コメント　等</a:t>
+            </a:r>
+          </a:p>
+        </p:txBody>
+      </p:sp>
+    </p:spTree>
+  </p:cSld>
+  <p:clrMapOvr>
+    <a:masterClrMapping/>
+  </p:clrMapOvr>
+  <p:transition/>
+</p:sld>
+</file>
+
+<file path=ppt/slides/slide12.xml><?xml version="1.0" encoding="utf-8"?>
 <p:sld xmlns:a="http://schemas.openxmlformats.org/drawingml/2006/main" xmlns:r="http://schemas.openxmlformats.org/officeDocument/2006/relationships" xmlns:p="http://schemas.openxmlformats.org/presentationml/2006/main">
   <p:cSld>
     <p:spTree>
@@ -7537,7 +9007,7 @@
 </p:sld>
 </file>
 
-<file path=ppt/slides/slide12.xml><?xml version="1.0" encoding="utf-8"?>
+<file path=ppt/slides/slide13.xml><?xml version="1.0" encoding="utf-8"?>
 <p:sld xmlns:a="http://schemas.openxmlformats.org/drawingml/2006/main" xmlns:r="http://schemas.openxmlformats.org/officeDocument/2006/relationships" xmlns:p="http://schemas.openxmlformats.org/presentationml/2006/main">
   <p:cSld>
     <p:spTree>
@@ -11926,7 +13396,7 @@
 </p:sld>
 </file>
 
-<file path=ppt/slides/slide13.xml><?xml version="1.0" encoding="utf-8"?>
+<file path=ppt/slides/slide14.xml><?xml version="1.0" encoding="utf-8"?>
 <p:sld xmlns:a="http://schemas.openxmlformats.org/drawingml/2006/main" xmlns:r="http://schemas.openxmlformats.org/officeDocument/2006/relationships" xmlns:p="http://schemas.openxmlformats.org/presentationml/2006/main">
   <p:cSld>
     <p:spTree>
@@ -12388,7 +13858,7 @@
 </p:sld>
 </file>
 
-<file path=ppt/slides/slide14.xml><?xml version="1.0" encoding="utf-8"?>
+<file path=ppt/slides/slide15.xml><?xml version="1.0" encoding="utf-8"?>
 <p:sld xmlns:a="http://schemas.openxmlformats.org/drawingml/2006/main" xmlns:r="http://schemas.openxmlformats.org/officeDocument/2006/relationships" xmlns:p="http://schemas.openxmlformats.org/presentationml/2006/main">
   <p:cSld>
     <p:spTree>
@@ -13663,7 +15133,7 @@
 </p:sld>
 </file>
 
-<file path=ppt/slides/slide15.xml><?xml version="1.0" encoding="utf-8"?>
+<file path=ppt/slides/slide16.xml><?xml version="1.0" encoding="utf-8"?>
 <p:sld xmlns:a="http://schemas.openxmlformats.org/drawingml/2006/main" xmlns:r="http://schemas.openxmlformats.org/officeDocument/2006/relationships" xmlns:p="http://schemas.openxmlformats.org/presentationml/2006/main">
   <p:cSld>
     <p:spTree>
@@ -14139,7 +15609,7 @@
 </p:sld>
 </file>
 
-<file path=ppt/slides/slide16.xml><?xml version="1.0" encoding="utf-8"?>
+<file path=ppt/slides/slide17.xml><?xml version="1.0" encoding="utf-8"?>
 <p:sld xmlns:a="http://schemas.openxmlformats.org/drawingml/2006/main" xmlns:r="http://schemas.openxmlformats.org/officeDocument/2006/relationships" xmlns:p="http://schemas.openxmlformats.org/presentationml/2006/main">
   <p:cSld>
     <p:spTree>
@@ -15205,7 +16675,7 @@
 </p:sld>
 </file>
 
-<file path=ppt/slides/slide17.xml><?xml version="1.0" encoding="utf-8"?>
+<file path=ppt/slides/slide18.xml><?xml version="1.0" encoding="utf-8"?>
 <p:sld xmlns:a="http://schemas.openxmlformats.org/drawingml/2006/main" xmlns:r="http://schemas.openxmlformats.org/officeDocument/2006/relationships" xmlns:p="http://schemas.openxmlformats.org/presentationml/2006/main">
   <p:cSld>
     <p:spTree>
@@ -16269,7 +17739,7 @@
 </p:sld>
 </file>
 
-<file path=ppt/slides/slide18.xml><?xml version="1.0" encoding="utf-8"?>
+<file path=ppt/slides/slide19.xml><?xml version="1.0" encoding="utf-8"?>
 <p:sld xmlns:a="http://schemas.openxmlformats.org/drawingml/2006/main" xmlns:r="http://schemas.openxmlformats.org/officeDocument/2006/relationships" xmlns:p="http://schemas.openxmlformats.org/presentationml/2006/main">
   <p:cSld>
     <p:spTree>
@@ -17134,1030 +18604,6 @@
           <a:xfrm>
             <a:off x="1835696" y="6381328"/>
             <a:ext cx="5396314" cy="310133"/>
-          </a:xfrm>
-          <a:prstGeom prst="rect">
-            <a:avLst/>
-          </a:prstGeom>
-          <a:noFill/>
-          <a:ln w="9525">
-            <a:noFill/>
-            <a:miter lim="800000"/>
-            <a:headEnd/>
-            <a:tailEnd/>
-          </a:ln>
-        </p:spPr>
-      </p:pic>
-    </p:spTree>
-  </p:cSld>
-  <p:clrMapOvr>
-    <a:masterClrMapping/>
-  </p:clrMapOvr>
-</p:sld>
-</file>
-
-<file path=ppt/slides/slide19.xml><?xml version="1.0" encoding="utf-8"?>
-<p:sld xmlns:a="http://schemas.openxmlformats.org/drawingml/2006/main" xmlns:r="http://schemas.openxmlformats.org/officeDocument/2006/relationships" xmlns:p="http://schemas.openxmlformats.org/presentationml/2006/main">
-  <p:cSld>
-    <p:spTree>
-      <p:nvGrpSpPr>
-        <p:cNvPr id="1" name=""/>
-        <p:cNvGrpSpPr/>
-        <p:nvPr/>
-      </p:nvGrpSpPr>
-      <p:grpSpPr>
-        <a:xfrm>
-          <a:off x="0" y="0"/>
-          <a:ext cx="0" cy="0"/>
-          <a:chOff x="0" y="0"/>
-          <a:chExt cx="0" cy="0"/>
-        </a:xfrm>
-      </p:grpSpPr>
-      <p:sp>
-        <p:nvSpPr>
-          <p:cNvPr id="5" name="コンテンツ プレースホルダ 4"/>
-          <p:cNvSpPr>
-            <a:spLocks noGrp="1"/>
-          </p:cNvSpPr>
-          <p:nvPr>
-            <p:ph idx="1"/>
-          </p:nvPr>
-        </p:nvSpPr>
-        <p:spPr>
-          <a:xfrm>
-            <a:off x="267344" y="1096144"/>
-            <a:ext cx="8913168" cy="2044824"/>
-          </a:xfrm>
-        </p:spPr>
-        <p:txBody>
-          <a:bodyPr>
-            <a:normAutofit/>
-          </a:bodyPr>
-          <a:lstStyle/>
-          <a:p>
-            <a:r>
-              <a:rPr lang="ja-JP" altLang="en-US" sz="2400" b="1" dirty="0" smtClean="0">
-                <a:latin typeface="メイリオ" pitchFamily="50" charset="-128"/>
-                <a:ea typeface="メイリオ" pitchFamily="50" charset="-128"/>
-                <a:cs typeface="メイリオ" pitchFamily="50" charset="-128"/>
-              </a:rPr>
-              <a:t>掲示板は機能数が多く</a:t>
-            </a:r>
-            <a:r>
-              <a:rPr lang="en-US" altLang="ja-JP" sz="2400" b="1" dirty="0" smtClean="0">
-                <a:latin typeface="メイリオ" pitchFamily="50" charset="-128"/>
-                <a:ea typeface="メイリオ" pitchFamily="50" charset="-128"/>
-                <a:cs typeface="メイリオ" pitchFamily="50" charset="-128"/>
-              </a:rPr>
-              <a:t>, </a:t>
-            </a:r>
-            <a:r>
-              <a:rPr lang="ja-JP" altLang="en-US" sz="2400" b="1" dirty="0" smtClean="0">
-                <a:latin typeface="メイリオ" pitchFamily="50" charset="-128"/>
-                <a:ea typeface="メイリオ" pitchFamily="50" charset="-128"/>
-                <a:cs typeface="メイリオ" pitchFamily="50" charset="-128"/>
-              </a:rPr>
-              <a:t>スマホの設計を意識する等</a:t>
-            </a:r>
-            <a:r>
-              <a:rPr lang="en-US" altLang="ja-JP" sz="2400" b="1" dirty="0" smtClean="0">
-                <a:latin typeface="メイリオ" pitchFamily="50" charset="-128"/>
-                <a:ea typeface="メイリオ" pitchFamily="50" charset="-128"/>
-                <a:cs typeface="メイリオ" pitchFamily="50" charset="-128"/>
-              </a:rPr>
-              <a:t>, NC2</a:t>
-            </a:r>
-            <a:r>
-              <a:rPr lang="ja-JP" altLang="en-US" sz="2400" b="1" dirty="0" smtClean="0">
-                <a:latin typeface="メイリオ" pitchFamily="50" charset="-128"/>
-                <a:ea typeface="メイリオ" pitchFamily="50" charset="-128"/>
-                <a:cs typeface="メイリオ" pitchFamily="50" charset="-128"/>
-              </a:rPr>
-              <a:t>から機能を更新する必要があり</a:t>
-            </a:r>
-            <a:r>
-              <a:rPr lang="en-US" altLang="ja-JP" sz="2400" b="1" dirty="0" smtClean="0">
-                <a:latin typeface="メイリオ" pitchFamily="50" charset="-128"/>
-                <a:ea typeface="メイリオ" pitchFamily="50" charset="-128"/>
-                <a:cs typeface="メイリオ" pitchFamily="50" charset="-128"/>
-              </a:rPr>
-              <a:t>, </a:t>
-            </a:r>
-            <a:r>
-              <a:rPr lang="ja-JP" altLang="en-US" sz="2400" b="1" dirty="0" smtClean="0">
-                <a:latin typeface="メイリオ" pitchFamily="50" charset="-128"/>
-                <a:ea typeface="メイリオ" pitchFamily="50" charset="-128"/>
-                <a:cs typeface="メイリオ" pitchFamily="50" charset="-128"/>
-              </a:rPr>
-              <a:t>設計に多くの時間を要した</a:t>
-            </a:r>
-            <a:r>
-              <a:rPr lang="en-US" altLang="ja-JP" sz="2400" b="1" dirty="0" smtClean="0">
-                <a:latin typeface="メイリオ" pitchFamily="50" charset="-128"/>
-                <a:ea typeface="メイリオ" pitchFamily="50" charset="-128"/>
-                <a:cs typeface="メイリオ" pitchFamily="50" charset="-128"/>
-              </a:rPr>
-              <a:t>.</a:t>
-            </a:r>
-          </a:p>
-          <a:p>
-            <a:r>
-              <a:rPr lang="ja-JP" altLang="en-US" sz="2400" b="1" dirty="0" smtClean="0">
-                <a:latin typeface="メイリオ" pitchFamily="50" charset="-128"/>
-                <a:ea typeface="メイリオ" pitchFamily="50" charset="-128"/>
-                <a:cs typeface="メイリオ" pitchFamily="50" charset="-128"/>
-              </a:rPr>
-              <a:t>ユニットテストは未完だが</a:t>
-            </a:r>
-            <a:r>
-              <a:rPr lang="en-US" altLang="ja-JP" sz="2400" b="1" dirty="0" smtClean="0">
-                <a:latin typeface="メイリオ" pitchFamily="50" charset="-128"/>
-                <a:ea typeface="メイリオ" pitchFamily="50" charset="-128"/>
-                <a:cs typeface="メイリオ" pitchFamily="50" charset="-128"/>
-              </a:rPr>
-              <a:t>, </a:t>
-            </a:r>
-            <a:r>
-              <a:rPr lang="ja-JP" altLang="en-US" sz="2400" b="1" dirty="0" smtClean="0">
-                <a:latin typeface="メイリオ" pitchFamily="50" charset="-128"/>
-                <a:ea typeface="メイリオ" pitchFamily="50" charset="-128"/>
-                <a:cs typeface="メイリオ" pitchFamily="50" charset="-128"/>
-              </a:rPr>
-              <a:t>全ての機能実装済み</a:t>
-            </a:r>
-            <a:r>
-              <a:rPr lang="en-US" altLang="ja-JP" sz="2400" b="1" dirty="0" smtClean="0">
-                <a:latin typeface="メイリオ" pitchFamily="50" charset="-128"/>
-                <a:ea typeface="メイリオ" pitchFamily="50" charset="-128"/>
-                <a:cs typeface="メイリオ" pitchFamily="50" charset="-128"/>
-              </a:rPr>
-              <a:t>.</a:t>
-            </a:r>
-            <a:endParaRPr lang="en-US" altLang="ja-JP" dirty="0" smtClean="0"/>
-          </a:p>
-          <a:p>
-            <a:endParaRPr kumimoji="1" lang="en-US" altLang="ja-JP" dirty="0" smtClean="0"/>
-          </a:p>
-          <a:p>
-            <a:endParaRPr lang="en-US" altLang="ja-JP" dirty="0" smtClean="0"/>
-          </a:p>
-          <a:p>
-            <a:endParaRPr lang="en-US" altLang="ja-JP" dirty="0" err="1" smtClean="0"/>
-          </a:p>
-        </p:txBody>
-      </p:sp>
-      <p:graphicFrame>
-        <p:nvGraphicFramePr>
-          <p:cNvPr id="6" name="表 5"/>
-          <p:cNvGraphicFramePr>
-            <a:graphicFrameLocks noGrp="1"/>
-          </p:cNvGraphicFramePr>
-          <p:nvPr/>
-        </p:nvGraphicFramePr>
-        <p:xfrm>
-          <a:off x="179512" y="2420888"/>
-          <a:ext cx="8712966" cy="2247136"/>
-        </p:xfrm>
-        <a:graphic>
-          <a:graphicData uri="http://schemas.openxmlformats.org/drawingml/2006/table">
-            <a:tbl>
-              <a:tblPr firstRow="1" bandRow="1">
-                <a:tableStyleId>{5C22544A-7EE6-4342-B048-85BDC9FD1C3A}</a:tableStyleId>
-              </a:tblPr>
-              <a:tblGrid>
-                <a:gridCol w="1532837"/>
-                <a:gridCol w="2211578"/>
-                <a:gridCol w="1483365"/>
-                <a:gridCol w="2194381"/>
-                <a:gridCol w="1290805"/>
-              </a:tblGrid>
-              <a:tr h="879314">
-                <a:tc>
-                  <a:txBody>
-                    <a:bodyPr/>
-                    <a:lstStyle/>
-                    <a:p>
-                      <a:pPr marL="0" algn="ctr" defTabSz="914400" rtl="0" eaLnBrk="1" latinLnBrk="0" hangingPunct="1"/>
-                      <a:r>
-                        <a:rPr kumimoji="1" lang="ja-JP" altLang="en-US" sz="2400" kern="1200" dirty="0" smtClean="0">
-                          <a:solidFill>
-                            <a:schemeClr val="bg1"/>
-                          </a:solidFill>
-                          <a:latin typeface="メイリオ" pitchFamily="50" charset="-128"/>
-                          <a:ea typeface="メイリオ" pitchFamily="50" charset="-128"/>
-                          <a:cs typeface="メイリオ" pitchFamily="50" charset="-128"/>
-                        </a:rPr>
-                        <a:t>項目</a:t>
-                      </a:r>
-                    </a:p>
-                  </a:txBody>
-                  <a:tcPr anchor="ctr"/>
-                </a:tc>
-                <a:tc>
-                  <a:txBody>
-                    <a:bodyPr/>
-                    <a:lstStyle/>
-                    <a:p>
-                      <a:pPr marL="0" algn="ctr" defTabSz="914400" rtl="0" eaLnBrk="1" latinLnBrk="0" hangingPunct="1"/>
-                      <a:r>
-                        <a:rPr kumimoji="1" lang="ja-JP" altLang="en-US" sz="2400" kern="1200" dirty="0" smtClean="0">
-                          <a:solidFill>
-                            <a:schemeClr val="bg1"/>
-                          </a:solidFill>
-                          <a:latin typeface="メイリオ" pitchFamily="50" charset="-128"/>
-                          <a:ea typeface="メイリオ" pitchFamily="50" charset="-128"/>
-                          <a:cs typeface="メイリオ" pitchFamily="50" charset="-128"/>
-                        </a:rPr>
-                        <a:t>画面設計・</a:t>
-                      </a:r>
-                      <a:endParaRPr kumimoji="1" lang="en-US" altLang="ja-JP" sz="2400" kern="1200" dirty="0" smtClean="0">
-                        <a:solidFill>
-                          <a:schemeClr val="bg1"/>
-                        </a:solidFill>
-                        <a:latin typeface="メイリオ" pitchFamily="50" charset="-128"/>
-                        <a:ea typeface="メイリオ" pitchFamily="50" charset="-128"/>
-                        <a:cs typeface="メイリオ" pitchFamily="50" charset="-128"/>
-                      </a:endParaRPr>
-                    </a:p>
-                    <a:p>
-                      <a:pPr marL="0" algn="ctr" defTabSz="914400" rtl="0" eaLnBrk="1" latinLnBrk="0" hangingPunct="1"/>
-                      <a:r>
-                        <a:rPr kumimoji="1" lang="ja-JP" altLang="en-US" sz="2400" kern="1200" dirty="0" smtClean="0">
-                          <a:solidFill>
-                            <a:schemeClr val="bg1"/>
-                          </a:solidFill>
-                          <a:latin typeface="メイリオ" pitchFamily="50" charset="-128"/>
-                          <a:ea typeface="メイリオ" pitchFamily="50" charset="-128"/>
-                          <a:cs typeface="メイリオ" pitchFamily="50" charset="-128"/>
-                        </a:rPr>
-                        <a:t>機能設計</a:t>
-                      </a:r>
-                    </a:p>
-                  </a:txBody>
-                  <a:tcPr anchor="ctr"/>
-                </a:tc>
-                <a:tc>
-                  <a:txBody>
-                    <a:bodyPr/>
-                    <a:lstStyle/>
-                    <a:p>
-                      <a:pPr marL="0" algn="ctr" defTabSz="914400" rtl="0" eaLnBrk="1" latinLnBrk="0" hangingPunct="1"/>
-                      <a:r>
-                        <a:rPr kumimoji="1" lang="en-US" altLang="ja-JP" sz="2400" kern="1200" dirty="0" smtClean="0">
-                          <a:solidFill>
-                            <a:schemeClr val="bg1"/>
-                          </a:solidFill>
-                          <a:latin typeface="メイリオ" pitchFamily="50" charset="-128"/>
-                          <a:ea typeface="メイリオ" pitchFamily="50" charset="-128"/>
-                          <a:cs typeface="メイリオ" pitchFamily="50" charset="-128"/>
-                        </a:rPr>
-                        <a:t>ERD</a:t>
-                      </a:r>
-                      <a:r>
-                        <a:rPr kumimoji="1" lang="ja-JP" altLang="en-US" sz="2400" kern="1200" dirty="0" smtClean="0">
-                          <a:solidFill>
-                            <a:schemeClr val="bg1"/>
-                          </a:solidFill>
-                          <a:latin typeface="メイリオ" pitchFamily="50" charset="-128"/>
-                          <a:ea typeface="メイリオ" pitchFamily="50" charset="-128"/>
-                          <a:cs typeface="メイリオ" pitchFamily="50" charset="-128"/>
-                        </a:rPr>
-                        <a:t>設計</a:t>
-                      </a:r>
-                    </a:p>
-                  </a:txBody>
-                  <a:tcPr anchor="ctr"/>
-                </a:tc>
-                <a:tc>
-                  <a:txBody>
-                    <a:bodyPr/>
-                    <a:lstStyle/>
-                    <a:p>
-                      <a:pPr marL="0" algn="ctr" defTabSz="914400" rtl="0" eaLnBrk="1" latinLnBrk="0" hangingPunct="1"/>
-                      <a:r>
-                        <a:rPr kumimoji="1" lang="ja-JP" altLang="en-US" sz="2400" kern="1200" dirty="0" smtClean="0">
-                          <a:solidFill>
-                            <a:schemeClr val="bg1"/>
-                          </a:solidFill>
-                          <a:latin typeface="メイリオ" pitchFamily="50" charset="-128"/>
-                          <a:ea typeface="メイリオ" pitchFamily="50" charset="-128"/>
-                          <a:cs typeface="メイリオ" pitchFamily="50" charset="-128"/>
-                        </a:rPr>
-                        <a:t>実装・</a:t>
-                      </a:r>
-                      <a:endParaRPr kumimoji="1" lang="en-US" altLang="ja-JP" sz="2400" kern="1200" dirty="0" smtClean="0">
-                        <a:solidFill>
-                          <a:schemeClr val="bg1"/>
-                        </a:solidFill>
-                        <a:latin typeface="メイリオ" pitchFamily="50" charset="-128"/>
-                        <a:ea typeface="メイリオ" pitchFamily="50" charset="-128"/>
-                        <a:cs typeface="メイリオ" pitchFamily="50" charset="-128"/>
-                      </a:endParaRPr>
-                    </a:p>
-                    <a:p>
-                      <a:pPr marL="0" algn="ctr" defTabSz="914400" rtl="0" eaLnBrk="1" latinLnBrk="0" hangingPunct="1"/>
-                      <a:r>
-                        <a:rPr kumimoji="1" lang="ja-JP" altLang="en-US" sz="2400" kern="1200" dirty="0" smtClean="0">
-                          <a:solidFill>
-                            <a:schemeClr val="bg1"/>
-                          </a:solidFill>
-                          <a:latin typeface="メイリオ" pitchFamily="50" charset="-128"/>
-                          <a:ea typeface="メイリオ" pitchFamily="50" charset="-128"/>
-                          <a:cs typeface="メイリオ" pitchFamily="50" charset="-128"/>
-                        </a:rPr>
-                        <a:t>テスト</a:t>
-                      </a:r>
-                    </a:p>
-                  </a:txBody>
-                  <a:tcPr anchor="ctr"/>
-                </a:tc>
-                <a:tc>
-                  <a:txBody>
-                    <a:bodyPr/>
-                    <a:lstStyle/>
-                    <a:p>
-                      <a:pPr marL="0" algn="ctr" defTabSz="914400" rtl="0" eaLnBrk="1" latinLnBrk="0" hangingPunct="1"/>
-                      <a:r>
-                        <a:rPr kumimoji="1" lang="ja-JP" altLang="en-US" sz="2400" kern="1200" dirty="0" smtClean="0">
-                          <a:solidFill>
-                            <a:schemeClr val="bg1"/>
-                          </a:solidFill>
-                          <a:latin typeface="メイリオ" pitchFamily="50" charset="-128"/>
-                          <a:ea typeface="メイリオ" pitchFamily="50" charset="-128"/>
-                          <a:cs typeface="メイリオ" pitchFamily="50" charset="-128"/>
-                        </a:rPr>
-                        <a:t>合計</a:t>
-                      </a:r>
-                    </a:p>
-                  </a:txBody>
-                  <a:tcPr anchor="ctr"/>
-                </a:tc>
-              </a:tr>
-              <a:tr h="488508">
-                <a:tc>
-                  <a:txBody>
-                    <a:bodyPr/>
-                    <a:lstStyle/>
-                    <a:p>
-                      <a:pPr marL="0" algn="ctr" defTabSz="914400" rtl="0" eaLnBrk="1" latinLnBrk="0" hangingPunct="1"/>
-                      <a:r>
-                        <a:rPr kumimoji="1" lang="ja-JP" altLang="en-US" sz="2400" b="1" kern="1200" dirty="0" smtClean="0">
-                          <a:solidFill>
-                            <a:schemeClr val="dk1"/>
-                          </a:solidFill>
-                          <a:latin typeface="メイリオ" pitchFamily="50" charset="-128"/>
-                          <a:ea typeface="メイリオ" pitchFamily="50" charset="-128"/>
-                          <a:cs typeface="メイリオ" pitchFamily="50" charset="-128"/>
-                        </a:rPr>
-                        <a:t>見積もり</a:t>
-                      </a:r>
-                    </a:p>
-                  </a:txBody>
-                  <a:tcPr anchor="ctr"/>
-                </a:tc>
-                <a:tc>
-                  <a:txBody>
-                    <a:bodyPr/>
-                    <a:lstStyle/>
-                    <a:p>
-                      <a:pPr marL="0" algn="ctr" defTabSz="914400" rtl="0" eaLnBrk="1" latinLnBrk="0" hangingPunct="1"/>
-                      <a:r>
-                        <a:rPr kumimoji="1" lang="en-US" altLang="ja-JP" sz="2400" b="1" kern="1200" dirty="0" smtClean="0">
-                          <a:solidFill>
-                            <a:schemeClr val="dk1"/>
-                          </a:solidFill>
-                          <a:latin typeface="メイリオ" pitchFamily="50" charset="-128"/>
-                          <a:ea typeface="メイリオ" pitchFamily="50" charset="-128"/>
-                          <a:cs typeface="メイリオ" pitchFamily="50" charset="-128"/>
-                        </a:rPr>
-                        <a:t>5</a:t>
-                      </a:r>
-                      <a:r>
-                        <a:rPr kumimoji="1" lang="ja-JP" altLang="en-US" sz="2400" b="1" kern="1200" dirty="0" smtClean="0">
-                          <a:solidFill>
-                            <a:schemeClr val="dk1"/>
-                          </a:solidFill>
-                          <a:latin typeface="メイリオ" pitchFamily="50" charset="-128"/>
-                          <a:ea typeface="メイリオ" pitchFamily="50" charset="-128"/>
-                          <a:cs typeface="メイリオ" pitchFamily="50" charset="-128"/>
-                        </a:rPr>
-                        <a:t>日</a:t>
-                      </a:r>
-                    </a:p>
-                  </a:txBody>
-                  <a:tcPr anchor="ctr"/>
-                </a:tc>
-                <a:tc>
-                  <a:txBody>
-                    <a:bodyPr/>
-                    <a:lstStyle/>
-                    <a:p>
-                      <a:pPr marL="0" algn="ctr" defTabSz="914400" rtl="0" eaLnBrk="1" latinLnBrk="0" hangingPunct="1"/>
-                      <a:r>
-                        <a:rPr kumimoji="1" lang="en-US" altLang="ja-JP" sz="2400" b="1" kern="1200" dirty="0" smtClean="0">
-                          <a:solidFill>
-                            <a:schemeClr val="dk1"/>
-                          </a:solidFill>
-                          <a:latin typeface="メイリオ" pitchFamily="50" charset="-128"/>
-                          <a:ea typeface="メイリオ" pitchFamily="50" charset="-128"/>
-                          <a:cs typeface="メイリオ" pitchFamily="50" charset="-128"/>
-                        </a:rPr>
-                        <a:t>5</a:t>
-                      </a:r>
-                      <a:r>
-                        <a:rPr kumimoji="1" lang="ja-JP" altLang="en-US" sz="2400" b="1" kern="1200" dirty="0" smtClean="0">
-                          <a:solidFill>
-                            <a:schemeClr val="dk1"/>
-                          </a:solidFill>
-                          <a:latin typeface="メイリオ" pitchFamily="50" charset="-128"/>
-                          <a:ea typeface="メイリオ" pitchFamily="50" charset="-128"/>
-                          <a:cs typeface="メイリオ" pitchFamily="50" charset="-128"/>
-                        </a:rPr>
-                        <a:t>日</a:t>
-                      </a:r>
-                    </a:p>
-                  </a:txBody>
-                  <a:tcPr anchor="ctr"/>
-                </a:tc>
-                <a:tc>
-                  <a:txBody>
-                    <a:bodyPr/>
-                    <a:lstStyle/>
-                    <a:p>
-                      <a:pPr marL="0" algn="ctr" defTabSz="914400" rtl="0" eaLnBrk="1" latinLnBrk="0" hangingPunct="1"/>
-                      <a:r>
-                        <a:rPr kumimoji="1" lang="en-US" altLang="ja-JP" sz="2400" b="1" kern="1200" dirty="0" smtClean="0">
-                          <a:solidFill>
-                            <a:schemeClr val="dk1"/>
-                          </a:solidFill>
-                          <a:latin typeface="メイリオ" pitchFamily="50" charset="-128"/>
-                          <a:ea typeface="メイリオ" pitchFamily="50" charset="-128"/>
-                          <a:cs typeface="メイリオ" pitchFamily="50" charset="-128"/>
-                        </a:rPr>
-                        <a:t>30</a:t>
-                      </a:r>
-                      <a:r>
-                        <a:rPr kumimoji="1" lang="ja-JP" altLang="en-US" sz="2400" b="1" kern="1200" dirty="0" smtClean="0">
-                          <a:solidFill>
-                            <a:schemeClr val="dk1"/>
-                          </a:solidFill>
-                          <a:latin typeface="メイリオ" pitchFamily="50" charset="-128"/>
-                          <a:ea typeface="メイリオ" pitchFamily="50" charset="-128"/>
-                          <a:cs typeface="メイリオ" pitchFamily="50" charset="-128"/>
-                        </a:rPr>
-                        <a:t>日</a:t>
-                      </a:r>
-                    </a:p>
-                  </a:txBody>
-                  <a:tcPr anchor="ctr"/>
-                </a:tc>
-                <a:tc>
-                  <a:txBody>
-                    <a:bodyPr/>
-                    <a:lstStyle/>
-                    <a:p>
-                      <a:pPr marL="0" algn="ctr" defTabSz="914400" rtl="0" eaLnBrk="1" latinLnBrk="0" hangingPunct="1"/>
-                      <a:r>
-                        <a:rPr kumimoji="1" lang="en-US" altLang="ja-JP" sz="2400" b="1" kern="1200" dirty="0" smtClean="0">
-                          <a:solidFill>
-                            <a:schemeClr val="dk1"/>
-                          </a:solidFill>
-                          <a:latin typeface="メイリオ" pitchFamily="50" charset="-128"/>
-                          <a:ea typeface="メイリオ" pitchFamily="50" charset="-128"/>
-                          <a:cs typeface="メイリオ" pitchFamily="50" charset="-128"/>
-                        </a:rPr>
-                        <a:t>40</a:t>
-                      </a:r>
-                      <a:r>
-                        <a:rPr kumimoji="1" lang="ja-JP" altLang="en-US" sz="2400" b="1" kern="1200" dirty="0" smtClean="0">
-                          <a:solidFill>
-                            <a:schemeClr val="dk1"/>
-                          </a:solidFill>
-                          <a:latin typeface="メイリオ" pitchFamily="50" charset="-128"/>
-                          <a:ea typeface="メイリオ" pitchFamily="50" charset="-128"/>
-                          <a:cs typeface="メイリオ" pitchFamily="50" charset="-128"/>
-                        </a:rPr>
-                        <a:t>日</a:t>
-                      </a:r>
-                    </a:p>
-                  </a:txBody>
-                  <a:tcPr anchor="ctr"/>
-                </a:tc>
-              </a:tr>
-              <a:tr h="879314">
-                <a:tc>
-                  <a:txBody>
-                    <a:bodyPr/>
-                    <a:lstStyle/>
-                    <a:p>
-                      <a:pPr marL="0" algn="ctr" defTabSz="914400" rtl="0" eaLnBrk="1" latinLnBrk="0" hangingPunct="1"/>
-                      <a:r>
-                        <a:rPr kumimoji="1" lang="ja-JP" altLang="en-US" sz="2400" b="1" kern="1200" dirty="0" smtClean="0">
-                          <a:solidFill>
-                            <a:schemeClr val="dk1"/>
-                          </a:solidFill>
-                          <a:latin typeface="メイリオ" pitchFamily="50" charset="-128"/>
-                          <a:ea typeface="メイリオ" pitchFamily="50" charset="-128"/>
-                          <a:cs typeface="メイリオ" pitchFamily="50" charset="-128"/>
-                        </a:rPr>
-                        <a:t>実績</a:t>
-                      </a:r>
-                    </a:p>
-                  </a:txBody>
-                  <a:tcPr anchor="ctr"/>
-                </a:tc>
-                <a:tc>
-                  <a:txBody>
-                    <a:bodyPr/>
-                    <a:lstStyle/>
-                    <a:p>
-                      <a:pPr marL="0" algn="ctr" defTabSz="914400" rtl="0" eaLnBrk="1" latinLnBrk="0" hangingPunct="1"/>
-                      <a:r>
-                        <a:rPr kumimoji="1" lang="en-US" altLang="ja-JP" sz="2400" b="1" kern="1200" dirty="0" smtClean="0">
-                          <a:solidFill>
-                            <a:schemeClr val="dk1"/>
-                          </a:solidFill>
-                          <a:latin typeface="メイリオ" pitchFamily="50" charset="-128"/>
-                          <a:ea typeface="メイリオ" pitchFamily="50" charset="-128"/>
-                          <a:cs typeface="メイリオ" pitchFamily="50" charset="-128"/>
-                        </a:rPr>
-                        <a:t>10</a:t>
-                      </a:r>
-                      <a:r>
-                        <a:rPr kumimoji="1" lang="ja-JP" altLang="en-US" sz="2400" b="1" kern="1200" dirty="0" smtClean="0">
-                          <a:solidFill>
-                            <a:schemeClr val="dk1"/>
-                          </a:solidFill>
-                          <a:latin typeface="メイリオ" pitchFamily="50" charset="-128"/>
-                          <a:ea typeface="メイリオ" pitchFamily="50" charset="-128"/>
-                          <a:cs typeface="メイリオ" pitchFamily="50" charset="-128"/>
-                        </a:rPr>
-                        <a:t>日</a:t>
-                      </a:r>
-                    </a:p>
-                  </a:txBody>
-                  <a:tcPr anchor="ctr"/>
-                </a:tc>
-                <a:tc>
-                  <a:txBody>
-                    <a:bodyPr/>
-                    <a:lstStyle/>
-                    <a:p>
-                      <a:pPr marL="0" algn="ctr" defTabSz="914400" rtl="0" eaLnBrk="1" latinLnBrk="0" hangingPunct="1"/>
-                      <a:r>
-                        <a:rPr kumimoji="1" lang="en-US" altLang="ja-JP" sz="2400" b="1" kern="1200" dirty="0" smtClean="0">
-                          <a:solidFill>
-                            <a:schemeClr val="dk1"/>
-                          </a:solidFill>
-                          <a:latin typeface="メイリオ" pitchFamily="50" charset="-128"/>
-                          <a:ea typeface="メイリオ" pitchFamily="50" charset="-128"/>
-                          <a:cs typeface="メイリオ" pitchFamily="50" charset="-128"/>
-                        </a:rPr>
-                        <a:t>2</a:t>
-                      </a:r>
-                      <a:r>
-                        <a:rPr kumimoji="1" lang="ja-JP" altLang="en-US" sz="2400" b="1" kern="1200" dirty="0" smtClean="0">
-                          <a:solidFill>
-                            <a:schemeClr val="dk1"/>
-                          </a:solidFill>
-                          <a:latin typeface="メイリオ" pitchFamily="50" charset="-128"/>
-                          <a:ea typeface="メイリオ" pitchFamily="50" charset="-128"/>
-                          <a:cs typeface="メイリオ" pitchFamily="50" charset="-128"/>
-                        </a:rPr>
-                        <a:t>日</a:t>
-                      </a:r>
-                    </a:p>
-                  </a:txBody>
-                  <a:tcPr anchor="ctr"/>
-                </a:tc>
-                <a:tc>
-                  <a:txBody>
-                    <a:bodyPr/>
-                    <a:lstStyle/>
-                    <a:p>
-                      <a:pPr marL="0" algn="ctr" defTabSz="914400" rtl="0" eaLnBrk="1" latinLnBrk="0" hangingPunct="1"/>
-                      <a:r>
-                        <a:rPr kumimoji="1" lang="en-US" altLang="ja-JP" sz="2400" b="1" kern="1200" dirty="0" smtClean="0">
-                          <a:solidFill>
-                            <a:schemeClr val="dk1"/>
-                          </a:solidFill>
-                          <a:latin typeface="メイリオ" pitchFamily="50" charset="-128"/>
-                          <a:ea typeface="メイリオ" pitchFamily="50" charset="-128"/>
-                          <a:cs typeface="メイリオ" pitchFamily="50" charset="-128"/>
-                        </a:rPr>
-                        <a:t>20</a:t>
-                      </a:r>
-                      <a:r>
-                        <a:rPr kumimoji="1" lang="ja-JP" altLang="en-US" sz="2400" b="1" kern="1200" dirty="0" smtClean="0">
-                          <a:solidFill>
-                            <a:schemeClr val="dk1"/>
-                          </a:solidFill>
-                          <a:latin typeface="メイリオ" pitchFamily="50" charset="-128"/>
-                          <a:ea typeface="メイリオ" pitchFamily="50" charset="-128"/>
-                          <a:cs typeface="メイリオ" pitchFamily="50" charset="-128"/>
-                        </a:rPr>
-                        <a:t>日</a:t>
-                      </a:r>
-                      <a:endParaRPr kumimoji="1" lang="en-US" altLang="ja-JP" sz="2400" b="1" kern="1200" dirty="0" smtClean="0">
-                        <a:solidFill>
-                          <a:schemeClr val="dk1"/>
-                        </a:solidFill>
-                        <a:latin typeface="メイリオ" pitchFamily="50" charset="-128"/>
-                        <a:ea typeface="メイリオ" pitchFamily="50" charset="-128"/>
-                        <a:cs typeface="メイリオ" pitchFamily="50" charset="-128"/>
-                      </a:endParaRPr>
-                    </a:p>
-                    <a:p>
-                      <a:pPr marL="0" algn="ctr" defTabSz="914400" rtl="0" eaLnBrk="1" latinLnBrk="0" hangingPunct="1"/>
-                      <a:r>
-                        <a:rPr kumimoji="1" lang="en-US" altLang="ja-JP" sz="1600" b="1" kern="1200" dirty="0" smtClean="0">
-                          <a:solidFill>
-                            <a:schemeClr val="dk1"/>
-                          </a:solidFill>
-                          <a:latin typeface="メイリオ" pitchFamily="50" charset="-128"/>
-                          <a:ea typeface="メイリオ" pitchFamily="50" charset="-128"/>
-                          <a:cs typeface="メイリオ" pitchFamily="50" charset="-128"/>
-                        </a:rPr>
-                        <a:t>(</a:t>
-                      </a:r>
-                      <a:r>
-                        <a:rPr kumimoji="1" lang="ja-JP" altLang="en-US" sz="1600" b="1" kern="1200" dirty="0" smtClean="0">
-                          <a:solidFill>
-                            <a:schemeClr val="dk1"/>
-                          </a:solidFill>
-                          <a:latin typeface="メイリオ" pitchFamily="50" charset="-128"/>
-                          <a:ea typeface="メイリオ" pitchFamily="50" charset="-128"/>
-                          <a:cs typeface="メイリオ" pitchFamily="50" charset="-128"/>
-                        </a:rPr>
-                        <a:t>ユニットテスト未</a:t>
-                      </a:r>
-                      <a:r>
-                        <a:rPr kumimoji="1" lang="en-US" altLang="ja-JP" sz="1600" b="1" kern="1200" dirty="0" smtClean="0">
-                          <a:solidFill>
-                            <a:schemeClr val="dk1"/>
-                          </a:solidFill>
-                          <a:latin typeface="メイリオ" pitchFamily="50" charset="-128"/>
-                          <a:ea typeface="メイリオ" pitchFamily="50" charset="-128"/>
-                          <a:cs typeface="メイリオ" pitchFamily="50" charset="-128"/>
-                        </a:rPr>
-                        <a:t>)</a:t>
-                      </a:r>
-                      <a:endParaRPr kumimoji="1" lang="ja-JP" altLang="en-US" sz="1600" b="1" kern="1200" dirty="0" smtClean="0">
-                        <a:solidFill>
-                          <a:schemeClr val="dk1"/>
-                        </a:solidFill>
-                        <a:latin typeface="メイリオ" pitchFamily="50" charset="-128"/>
-                        <a:ea typeface="メイリオ" pitchFamily="50" charset="-128"/>
-                        <a:cs typeface="メイリオ" pitchFamily="50" charset="-128"/>
-                      </a:endParaRPr>
-                    </a:p>
-                  </a:txBody>
-                  <a:tcPr anchor="ctr"/>
-                </a:tc>
-                <a:tc>
-                  <a:txBody>
-                    <a:bodyPr/>
-                    <a:lstStyle/>
-                    <a:p>
-                      <a:pPr marL="0" algn="ctr" defTabSz="914400" rtl="0" eaLnBrk="1" latinLnBrk="0" hangingPunct="1"/>
-                      <a:r>
-                        <a:rPr kumimoji="1" lang="en-US" altLang="ja-JP" sz="2400" b="1" kern="1200" dirty="0" smtClean="0">
-                          <a:solidFill>
-                            <a:schemeClr val="dk1"/>
-                          </a:solidFill>
-                          <a:latin typeface="メイリオ" pitchFamily="50" charset="-128"/>
-                          <a:ea typeface="メイリオ" pitchFamily="50" charset="-128"/>
-                          <a:cs typeface="メイリオ" pitchFamily="50" charset="-128"/>
-                        </a:rPr>
-                        <a:t>32</a:t>
-                      </a:r>
-                      <a:r>
-                        <a:rPr kumimoji="1" lang="ja-JP" altLang="en-US" sz="2400" b="1" kern="1200" dirty="0" smtClean="0">
-                          <a:solidFill>
-                            <a:schemeClr val="dk1"/>
-                          </a:solidFill>
-                          <a:latin typeface="メイリオ" pitchFamily="50" charset="-128"/>
-                          <a:ea typeface="メイリオ" pitchFamily="50" charset="-128"/>
-                          <a:cs typeface="メイリオ" pitchFamily="50" charset="-128"/>
-                        </a:rPr>
-                        <a:t>日</a:t>
-                      </a:r>
-                    </a:p>
-                  </a:txBody>
-                  <a:tcPr anchor="ctr"/>
-                </a:tc>
-              </a:tr>
-            </a:tbl>
-          </a:graphicData>
-        </a:graphic>
-      </p:graphicFrame>
-      <p:sp>
-        <p:nvSpPr>
-          <p:cNvPr id="8" name="タイトル 1"/>
-          <p:cNvSpPr txBox="1">
-            <a:spLocks/>
-          </p:cNvSpPr>
-          <p:nvPr/>
-        </p:nvSpPr>
-        <p:spPr>
-          <a:xfrm>
-            <a:off x="395536" y="0"/>
-            <a:ext cx="8229600" cy="1143000"/>
-          </a:xfrm>
-          <a:prstGeom prst="rect">
-            <a:avLst/>
-          </a:prstGeom>
-        </p:spPr>
-        <p:txBody>
-          <a:bodyPr vert="horz" lIns="91440" tIns="45720" rIns="91440" bIns="45720" rtlCol="0" anchor="ctr">
-            <a:normAutofit fontScale="92500"/>
-          </a:bodyPr>
-          <a:lstStyle/>
-          <a:p>
-            <a:pPr marL="0" marR="0" lvl="0" indent="0" algn="ctr" defTabSz="914400" rtl="0" eaLnBrk="1" fontAlgn="auto" latinLnBrk="0" hangingPunct="1">
-              <a:lnSpc>
-                <a:spcPct val="100000"/>
-              </a:lnSpc>
-              <a:spcBef>
-                <a:spcPct val="0"/>
-              </a:spcBef>
-              <a:spcAft>
-                <a:spcPts val="0"/>
-              </a:spcAft>
-              <a:buClrTx/>
-              <a:buSzTx/>
-              <a:buFontTx/>
-              <a:buNone/>
-              <a:tabLst/>
-              <a:defRPr/>
-            </a:pPr>
-            <a:r>
-              <a:rPr kumimoji="1" lang="ja-JP" altLang="en-US" sz="4400" b="1" i="0" u="none" strike="noStrike" kern="1200" cap="none" spc="0" normalizeH="0" baseline="0" noProof="0" dirty="0" smtClean="0">
-                <a:ln>
-                  <a:noFill/>
-                </a:ln>
-                <a:solidFill>
-                  <a:schemeClr val="tx1"/>
-                </a:solidFill>
-                <a:effectLst/>
-                <a:uLnTx/>
-                <a:uFillTx/>
-                <a:latin typeface="メイリオ" pitchFamily="50" charset="-128"/>
-                <a:ea typeface="メイリオ" pitchFamily="50" charset="-128"/>
-                <a:cs typeface="メイリオ" pitchFamily="50" charset="-128"/>
-              </a:rPr>
-              <a:t>コードの生産性について</a:t>
-            </a:r>
-            <a:r>
-              <a:rPr lang="en-US" altLang="ja-JP" sz="4400" b="1" dirty="0" smtClean="0">
-                <a:latin typeface="メイリオ" pitchFamily="50" charset="-128"/>
-                <a:ea typeface="メイリオ" pitchFamily="50" charset="-128"/>
-                <a:cs typeface="メイリオ" pitchFamily="50" charset="-128"/>
-              </a:rPr>
-              <a:t>(</a:t>
-            </a:r>
-            <a:r>
-              <a:rPr lang="ja-JP" altLang="en-US" sz="4400" b="1" dirty="0" smtClean="0">
-                <a:latin typeface="メイリオ" pitchFamily="50" charset="-128"/>
-                <a:ea typeface="メイリオ" pitchFamily="50" charset="-128"/>
-                <a:cs typeface="メイリオ" pitchFamily="50" charset="-128"/>
-              </a:rPr>
-              <a:t>掲示板</a:t>
-            </a:r>
-            <a:r>
-              <a:rPr lang="en-US" altLang="ja-JP" sz="4400" b="1" dirty="0" smtClean="0">
-                <a:latin typeface="メイリオ" pitchFamily="50" charset="-128"/>
-                <a:ea typeface="メイリオ" pitchFamily="50" charset="-128"/>
-                <a:cs typeface="メイリオ" pitchFamily="50" charset="-128"/>
-              </a:rPr>
-              <a:t>)</a:t>
-            </a:r>
-            <a:endParaRPr kumimoji="1" lang="ja-JP" altLang="en-US" sz="4400" b="1" i="0" u="none" strike="noStrike" kern="1200" cap="none" spc="0" normalizeH="0" baseline="0" noProof="0" dirty="0">
-              <a:ln>
-                <a:noFill/>
-              </a:ln>
-              <a:solidFill>
-                <a:schemeClr val="tx1"/>
-              </a:solidFill>
-              <a:effectLst/>
-              <a:uLnTx/>
-              <a:uFillTx/>
-              <a:latin typeface="メイリオ" pitchFamily="50" charset="-128"/>
-              <a:ea typeface="メイリオ" pitchFamily="50" charset="-128"/>
-              <a:cs typeface="メイリオ" pitchFamily="50" charset="-128"/>
-            </a:endParaRPr>
-          </a:p>
-        </p:txBody>
-      </p:sp>
-      <p:sp>
-        <p:nvSpPr>
-          <p:cNvPr id="9" name="コンテンツ プレースホルダ 4"/>
-          <p:cNvSpPr txBox="1">
-            <a:spLocks/>
-          </p:cNvSpPr>
-          <p:nvPr/>
-        </p:nvSpPr>
-        <p:spPr>
-          <a:xfrm>
-            <a:off x="323528" y="4869160"/>
-            <a:ext cx="8640960" cy="1584176"/>
-          </a:xfrm>
-          <a:prstGeom prst="rect">
-            <a:avLst/>
-          </a:prstGeom>
-        </p:spPr>
-        <p:txBody>
-          <a:bodyPr vert="horz" lIns="91440" tIns="45720" rIns="91440" bIns="45720" rtlCol="0">
-            <a:normAutofit lnSpcReduction="10000"/>
-          </a:bodyPr>
-          <a:lstStyle/>
-          <a:p>
-            <a:pPr marL="342900" marR="0" lvl="0" indent="-342900" algn="l" defTabSz="914400" rtl="0" eaLnBrk="1" fontAlgn="auto" latinLnBrk="0" hangingPunct="1">
-              <a:lnSpc>
-                <a:spcPct val="100000"/>
-              </a:lnSpc>
-              <a:spcBef>
-                <a:spcPct val="20000"/>
-              </a:spcBef>
-              <a:spcAft>
-                <a:spcPts val="0"/>
-              </a:spcAft>
-              <a:buClrTx/>
-              <a:buSzTx/>
-              <a:buFont typeface="Arial" pitchFamily="34" charset="0"/>
-              <a:buChar char="•"/>
-              <a:tabLst/>
-              <a:defRPr/>
-            </a:pPr>
-            <a:r>
-              <a:rPr kumimoji="1" lang="ja-JP" altLang="en-US" sz="2400" b="1" i="0" u="none" strike="noStrike" kern="1200" cap="none" spc="0" normalizeH="0" baseline="0" noProof="0" dirty="0" smtClean="0">
-                <a:ln>
-                  <a:noFill/>
-                </a:ln>
-                <a:solidFill>
-                  <a:schemeClr val="tx1"/>
-                </a:solidFill>
-                <a:effectLst/>
-                <a:uLnTx/>
-                <a:uFillTx/>
-                <a:latin typeface="メイリオ" pitchFamily="50" charset="-128"/>
-                <a:ea typeface="メイリオ" pitchFamily="50" charset="-128"/>
-                <a:cs typeface="メイリオ" pitchFamily="50" charset="-128"/>
-              </a:rPr>
-              <a:t>見積もられていた開発期間と比較すると</a:t>
-            </a:r>
-            <a:r>
-              <a:rPr kumimoji="1" lang="en-US" altLang="ja-JP" sz="2400" b="1" i="0" u="none" strike="noStrike" kern="1200" cap="none" spc="0" normalizeH="0" baseline="0" noProof="0" dirty="0" smtClean="0">
-                <a:ln>
-                  <a:noFill/>
-                </a:ln>
-                <a:solidFill>
-                  <a:schemeClr val="tx1"/>
-                </a:solidFill>
-                <a:effectLst/>
-                <a:uLnTx/>
-                <a:uFillTx/>
-                <a:latin typeface="メイリオ" pitchFamily="50" charset="-128"/>
-                <a:ea typeface="メイリオ" pitchFamily="50" charset="-128"/>
-                <a:cs typeface="メイリオ" pitchFamily="50" charset="-128"/>
-              </a:rPr>
-              <a:t>,</a:t>
-            </a:r>
-            <a:r>
-              <a:rPr kumimoji="1" lang="en-US" altLang="ja-JP" sz="2400" b="1" i="0" u="none" strike="noStrike" kern="1200" cap="none" spc="0" normalizeH="0" noProof="0" dirty="0" smtClean="0">
-                <a:ln>
-                  <a:noFill/>
-                </a:ln>
-                <a:solidFill>
-                  <a:schemeClr val="tx1"/>
-                </a:solidFill>
-                <a:effectLst/>
-                <a:uLnTx/>
-                <a:uFillTx/>
-                <a:latin typeface="メイリオ" pitchFamily="50" charset="-128"/>
-                <a:ea typeface="メイリオ" pitchFamily="50" charset="-128"/>
-                <a:cs typeface="メイリオ" pitchFamily="50" charset="-128"/>
-              </a:rPr>
-              <a:t> </a:t>
-            </a:r>
-            <a:r>
-              <a:rPr kumimoji="1" lang="ja-JP" altLang="en-US" sz="2400" b="1" i="0" u="none" strike="noStrike" kern="1200" cap="none" spc="0" normalizeH="0" baseline="0" noProof="0" dirty="0" smtClean="0">
-                <a:ln>
-                  <a:noFill/>
-                </a:ln>
-                <a:solidFill>
-                  <a:schemeClr val="tx1"/>
-                </a:solidFill>
-                <a:effectLst/>
-                <a:uLnTx/>
-                <a:uFillTx/>
-                <a:latin typeface="メイリオ" pitchFamily="50" charset="-128"/>
-                <a:ea typeface="メイリオ" pitchFamily="50" charset="-128"/>
-                <a:cs typeface="メイリオ" pitchFamily="50" charset="-128"/>
-              </a:rPr>
-              <a:t>大きく遅延することなく生産完了</a:t>
-            </a:r>
-            <a:r>
-              <a:rPr kumimoji="1" lang="en-US" altLang="ja-JP" sz="2400" b="1" i="0" u="none" strike="noStrike" kern="1200" cap="none" spc="0" normalizeH="0" baseline="0" noProof="0" dirty="0" smtClean="0">
-                <a:ln>
-                  <a:noFill/>
-                </a:ln>
-                <a:solidFill>
-                  <a:schemeClr val="tx1"/>
-                </a:solidFill>
-                <a:effectLst/>
-                <a:uLnTx/>
-                <a:uFillTx/>
-                <a:latin typeface="メイリオ" pitchFamily="50" charset="-128"/>
-                <a:ea typeface="メイリオ" pitchFamily="50" charset="-128"/>
-                <a:cs typeface="メイリオ" pitchFamily="50" charset="-128"/>
-              </a:rPr>
-              <a:t>.</a:t>
-            </a:r>
-          </a:p>
-          <a:p>
-            <a:pPr marL="342900" indent="-342900">
-              <a:spcBef>
-                <a:spcPct val="20000"/>
-              </a:spcBef>
-              <a:buFont typeface="Arial" pitchFamily="34" charset="0"/>
-              <a:buChar char="•"/>
-            </a:pPr>
-            <a:r>
-              <a:rPr lang="en-US" altLang="ja-JP" sz="2400" b="1" dirty="0" smtClean="0">
-                <a:latin typeface="メイリオ" pitchFamily="50" charset="-128"/>
-                <a:ea typeface="メイリオ" pitchFamily="50" charset="-128"/>
-                <a:cs typeface="メイリオ" pitchFamily="50" charset="-128"/>
-              </a:rPr>
-              <a:t>TravisCI</a:t>
-            </a:r>
-            <a:r>
-              <a:rPr lang="ja-JP" altLang="en-US" sz="2400" b="1" dirty="0" smtClean="0">
-                <a:latin typeface="メイリオ" pitchFamily="50" charset="-128"/>
-                <a:ea typeface="メイリオ" pitchFamily="50" charset="-128"/>
-                <a:cs typeface="メイリオ" pitchFamily="50" charset="-128"/>
-              </a:rPr>
-              <a:t>によるビルドも通っているため</a:t>
-            </a:r>
-            <a:r>
-              <a:rPr lang="en-US" altLang="ja-JP" sz="2400" b="1" dirty="0" smtClean="0">
-                <a:latin typeface="メイリオ" pitchFamily="50" charset="-128"/>
-                <a:ea typeface="メイリオ" pitchFamily="50" charset="-128"/>
-                <a:cs typeface="メイリオ" pitchFamily="50" charset="-128"/>
-              </a:rPr>
-              <a:t>, </a:t>
-            </a:r>
-            <a:r>
-              <a:rPr lang="ja-JP" altLang="en-US" sz="2400" b="1" dirty="0" smtClean="0">
-                <a:latin typeface="メイリオ" pitchFamily="50" charset="-128"/>
-                <a:ea typeface="メイリオ" pitchFamily="50" charset="-128"/>
-                <a:cs typeface="メイリオ" pitchFamily="50" charset="-128"/>
-              </a:rPr>
-              <a:t>最低限の品質は確保できている</a:t>
-            </a:r>
-            <a:r>
-              <a:rPr lang="en-US" altLang="ja-JP" sz="2400" b="1" dirty="0" smtClean="0">
-                <a:latin typeface="メイリオ" pitchFamily="50" charset="-128"/>
-                <a:ea typeface="メイリオ" pitchFamily="50" charset="-128"/>
-                <a:cs typeface="メイリオ" pitchFamily="50" charset="-128"/>
-              </a:rPr>
-              <a:t>.</a:t>
-            </a:r>
-            <a:endParaRPr kumimoji="1" lang="en-US" altLang="ja-JP" sz="3200" b="0" i="0" u="none" strike="noStrike" kern="1200" cap="none" spc="0" normalizeH="0" baseline="0" noProof="0" dirty="0" err="1" smtClean="0">
-              <a:ln>
-                <a:noFill/>
-              </a:ln>
-              <a:solidFill>
-                <a:schemeClr val="tx1"/>
-              </a:solidFill>
-              <a:effectLst/>
-              <a:uLnTx/>
-              <a:uFillTx/>
-              <a:latin typeface="+mn-lt"/>
-              <a:ea typeface="+mn-ea"/>
-              <a:cs typeface="+mn-cs"/>
-            </a:endParaRPr>
-          </a:p>
-        </p:txBody>
-      </p:sp>
-      <p:pic>
-        <p:nvPicPr>
-          <p:cNvPr id="10" name="Picture 2"/>
-          <p:cNvPicPr>
-            <a:picLocks noChangeAspect="1" noChangeArrowheads="1"/>
-          </p:cNvPicPr>
-          <p:nvPr/>
-        </p:nvPicPr>
-        <p:blipFill>
-          <a:blip r:embed="rId2" cstate="print"/>
-          <a:srcRect/>
-          <a:stretch>
-            <a:fillRect/>
-          </a:stretch>
-        </p:blipFill>
-        <p:spPr bwMode="auto">
-          <a:xfrm>
-            <a:off x="2123728" y="6381328"/>
-            <a:ext cx="4896544" cy="295685"/>
           </a:xfrm>
           <a:prstGeom prst="rect">
             <a:avLst/>
@@ -18466,43 +18912,7 @@
       </p:grpSpPr>
       <p:sp>
         <p:nvSpPr>
-          <p:cNvPr id="2" name="タイトル 1"/>
-          <p:cNvSpPr>
-            <a:spLocks noGrp="1"/>
-          </p:cNvSpPr>
-          <p:nvPr>
-            <p:ph type="title"/>
-          </p:nvPr>
-        </p:nvSpPr>
-        <p:spPr>
-          <a:xfrm>
-            <a:off x="467544" y="0"/>
-            <a:ext cx="8229600" cy="1143000"/>
-          </a:xfrm>
-        </p:spPr>
-        <p:txBody>
-          <a:bodyPr/>
-          <a:lstStyle/>
-          <a:p>
-            <a:r>
-              <a:rPr kumimoji="1" lang="ja-JP" altLang="en-US" b="1" dirty="0" smtClean="0">
-                <a:latin typeface="メイリオ" pitchFamily="50" charset="-128"/>
-                <a:ea typeface="メイリオ" pitchFamily="50" charset="-128"/>
-                <a:cs typeface="メイリオ" pitchFamily="50" charset="-128"/>
-              </a:rPr>
-              <a:t>今後の課題</a:t>
-            </a:r>
-            <a:endParaRPr kumimoji="1" lang="ja-JP" altLang="en-US" b="1" dirty="0">
-              <a:latin typeface="メイリオ" pitchFamily="50" charset="-128"/>
-              <a:ea typeface="メイリオ" pitchFamily="50" charset="-128"/>
-              <a:cs typeface="メイリオ" pitchFamily="50" charset="-128"/>
-            </a:endParaRPr>
-          </a:p>
-        </p:txBody>
-      </p:sp>
-      <p:sp>
-        <p:nvSpPr>
-          <p:cNvPr id="3" name="コンテンツ プレースホルダ 2"/>
+          <p:cNvPr id="5" name="コンテンツ プレースホルダ 4"/>
           <p:cNvSpPr>
             <a:spLocks noGrp="1"/>
           </p:cNvSpPr>
@@ -18512,8 +18922,8 @@
         </p:nvSpPr>
         <p:spPr>
           <a:xfrm>
-            <a:off x="395536" y="1196752"/>
-            <a:ext cx="8229600" cy="5184576"/>
+            <a:off x="267344" y="1096144"/>
+            <a:ext cx="8913168" cy="2044824"/>
           </a:xfrm>
         </p:spPr>
         <p:txBody>
@@ -18523,234 +18933,982 @@
           <a:lstStyle/>
           <a:p>
             <a:r>
-              <a:rPr lang="ja-JP" altLang="en-US" sz="2800" b="1" dirty="0" smtClean="0">
-                <a:latin typeface="メイリオ" pitchFamily="50" charset="-128"/>
-                <a:ea typeface="メイリオ" pitchFamily="50" charset="-128"/>
-                <a:cs typeface="メイリオ" pitchFamily="50" charset="-128"/>
-              </a:rPr>
-              <a:t>仕様変更対応</a:t>
-            </a:r>
-            <a:endParaRPr lang="en-US" altLang="ja-JP" sz="2800" b="1" dirty="0" smtClean="0">
+              <a:rPr lang="ja-JP" altLang="en-US" sz="2400" b="1" dirty="0" smtClean="0">
+                <a:latin typeface="メイリオ" pitchFamily="50" charset="-128"/>
+                <a:ea typeface="メイリオ" pitchFamily="50" charset="-128"/>
+                <a:cs typeface="メイリオ" pitchFamily="50" charset="-128"/>
+              </a:rPr>
+              <a:t>掲示板は機能数が多く</a:t>
+            </a:r>
+            <a:r>
+              <a:rPr lang="en-US" altLang="ja-JP" sz="2400" b="1" dirty="0" smtClean="0">
+                <a:latin typeface="メイリオ" pitchFamily="50" charset="-128"/>
+                <a:ea typeface="メイリオ" pitchFamily="50" charset="-128"/>
+                <a:cs typeface="メイリオ" pitchFamily="50" charset="-128"/>
+              </a:rPr>
+              <a:t>, </a:t>
+            </a:r>
+            <a:r>
+              <a:rPr lang="ja-JP" altLang="en-US" sz="2400" b="1" dirty="0" smtClean="0">
+                <a:latin typeface="メイリオ" pitchFamily="50" charset="-128"/>
+                <a:ea typeface="メイリオ" pitchFamily="50" charset="-128"/>
+                <a:cs typeface="メイリオ" pitchFamily="50" charset="-128"/>
+              </a:rPr>
+              <a:t>スマホの設計を意識する等</a:t>
+            </a:r>
+            <a:r>
+              <a:rPr lang="en-US" altLang="ja-JP" sz="2400" b="1" dirty="0" smtClean="0">
+                <a:latin typeface="メイリオ" pitchFamily="50" charset="-128"/>
+                <a:ea typeface="メイリオ" pitchFamily="50" charset="-128"/>
+                <a:cs typeface="メイリオ" pitchFamily="50" charset="-128"/>
+              </a:rPr>
+              <a:t>, NC2</a:t>
+            </a:r>
+            <a:r>
+              <a:rPr lang="ja-JP" altLang="en-US" sz="2400" b="1" dirty="0" smtClean="0">
+                <a:latin typeface="メイリオ" pitchFamily="50" charset="-128"/>
+                <a:ea typeface="メイリオ" pitchFamily="50" charset="-128"/>
+                <a:cs typeface="メイリオ" pitchFamily="50" charset="-128"/>
+              </a:rPr>
+              <a:t>から機能を更新する必要があり</a:t>
+            </a:r>
+            <a:r>
+              <a:rPr lang="en-US" altLang="ja-JP" sz="2400" b="1" dirty="0" smtClean="0">
+                <a:latin typeface="メイリオ" pitchFamily="50" charset="-128"/>
+                <a:ea typeface="メイリオ" pitchFamily="50" charset="-128"/>
+                <a:cs typeface="メイリオ" pitchFamily="50" charset="-128"/>
+              </a:rPr>
+              <a:t>, </a:t>
+            </a:r>
+            <a:r>
+              <a:rPr lang="ja-JP" altLang="en-US" sz="2400" b="1" dirty="0" smtClean="0">
+                <a:latin typeface="メイリオ" pitchFamily="50" charset="-128"/>
+                <a:ea typeface="メイリオ" pitchFamily="50" charset="-128"/>
+                <a:cs typeface="メイリオ" pitchFamily="50" charset="-128"/>
+              </a:rPr>
+              <a:t>設計に多くの時間を要した</a:t>
+            </a:r>
+            <a:r>
+              <a:rPr lang="en-US" altLang="ja-JP" sz="2400" b="1" dirty="0" smtClean="0">
+                <a:latin typeface="メイリオ" pitchFamily="50" charset="-128"/>
+                <a:ea typeface="メイリオ" pitchFamily="50" charset="-128"/>
+                <a:cs typeface="メイリオ" pitchFamily="50" charset="-128"/>
+              </a:rPr>
+              <a:t>.</a:t>
+            </a:r>
+          </a:p>
+          <a:p>
+            <a:r>
+              <a:rPr lang="ja-JP" altLang="en-US" sz="2400" b="1" dirty="0" smtClean="0">
+                <a:latin typeface="メイリオ" pitchFamily="50" charset="-128"/>
+                <a:ea typeface="メイリオ" pitchFamily="50" charset="-128"/>
+                <a:cs typeface="メイリオ" pitchFamily="50" charset="-128"/>
+              </a:rPr>
+              <a:t>ユニットテストは未完だが</a:t>
+            </a:r>
+            <a:r>
+              <a:rPr lang="en-US" altLang="ja-JP" sz="2400" b="1" dirty="0" smtClean="0">
+                <a:latin typeface="メイリオ" pitchFamily="50" charset="-128"/>
+                <a:ea typeface="メイリオ" pitchFamily="50" charset="-128"/>
+                <a:cs typeface="メイリオ" pitchFamily="50" charset="-128"/>
+              </a:rPr>
+              <a:t>, </a:t>
+            </a:r>
+            <a:r>
+              <a:rPr lang="ja-JP" altLang="en-US" sz="2400" b="1" dirty="0" smtClean="0">
+                <a:latin typeface="メイリオ" pitchFamily="50" charset="-128"/>
+                <a:ea typeface="メイリオ" pitchFamily="50" charset="-128"/>
+                <a:cs typeface="メイリオ" pitchFamily="50" charset="-128"/>
+              </a:rPr>
+              <a:t>全ての機能実装済み</a:t>
+            </a:r>
+            <a:r>
+              <a:rPr lang="en-US" altLang="ja-JP" sz="2400" b="1" dirty="0" smtClean="0">
+                <a:latin typeface="メイリオ" pitchFamily="50" charset="-128"/>
+                <a:ea typeface="メイリオ" pitchFamily="50" charset="-128"/>
+                <a:cs typeface="メイリオ" pitchFamily="50" charset="-128"/>
+              </a:rPr>
+              <a:t>.</a:t>
+            </a:r>
+            <a:endParaRPr lang="en-US" altLang="ja-JP" dirty="0" smtClean="0"/>
+          </a:p>
+          <a:p>
+            <a:endParaRPr kumimoji="1" lang="en-US" altLang="ja-JP" dirty="0" smtClean="0"/>
+          </a:p>
+          <a:p>
+            <a:endParaRPr lang="en-US" altLang="ja-JP" dirty="0" smtClean="0"/>
+          </a:p>
+          <a:p>
+            <a:endParaRPr lang="en-US" altLang="ja-JP" dirty="0" err="1" smtClean="0"/>
+          </a:p>
+        </p:txBody>
+      </p:sp>
+      <p:graphicFrame>
+        <p:nvGraphicFramePr>
+          <p:cNvPr id="6" name="表 5"/>
+          <p:cNvGraphicFramePr>
+            <a:graphicFrameLocks noGrp="1"/>
+          </p:cNvGraphicFramePr>
+          <p:nvPr/>
+        </p:nvGraphicFramePr>
+        <p:xfrm>
+          <a:off x="179512" y="2420888"/>
+          <a:ext cx="8712966" cy="2247136"/>
+        </p:xfrm>
+        <a:graphic>
+          <a:graphicData uri="http://schemas.openxmlformats.org/drawingml/2006/table">
+            <a:tbl>
+              <a:tblPr firstRow="1" bandRow="1">
+                <a:tableStyleId>{5C22544A-7EE6-4342-B048-85BDC9FD1C3A}</a:tableStyleId>
+              </a:tblPr>
+              <a:tblGrid>
+                <a:gridCol w="1532837"/>
+                <a:gridCol w="2211578"/>
+                <a:gridCol w="1483365"/>
+                <a:gridCol w="2194381"/>
+                <a:gridCol w="1290805"/>
+              </a:tblGrid>
+              <a:tr h="879314">
+                <a:tc>
+                  <a:txBody>
+                    <a:bodyPr/>
+                    <a:lstStyle/>
+                    <a:p>
+                      <a:pPr marL="0" algn="ctr" defTabSz="914400" rtl="0" eaLnBrk="1" latinLnBrk="0" hangingPunct="1"/>
+                      <a:r>
+                        <a:rPr kumimoji="1" lang="ja-JP" altLang="en-US" sz="2400" kern="1200" dirty="0" smtClean="0">
+                          <a:solidFill>
+                            <a:schemeClr val="bg1"/>
+                          </a:solidFill>
+                          <a:latin typeface="メイリオ" pitchFamily="50" charset="-128"/>
+                          <a:ea typeface="メイリオ" pitchFamily="50" charset="-128"/>
+                          <a:cs typeface="メイリオ" pitchFamily="50" charset="-128"/>
+                        </a:rPr>
+                        <a:t>項目</a:t>
+                      </a:r>
+                    </a:p>
+                  </a:txBody>
+                  <a:tcPr anchor="ctr"/>
+                </a:tc>
+                <a:tc>
+                  <a:txBody>
+                    <a:bodyPr/>
+                    <a:lstStyle/>
+                    <a:p>
+                      <a:pPr marL="0" algn="ctr" defTabSz="914400" rtl="0" eaLnBrk="1" latinLnBrk="0" hangingPunct="1"/>
+                      <a:r>
+                        <a:rPr kumimoji="1" lang="ja-JP" altLang="en-US" sz="2400" kern="1200" dirty="0" smtClean="0">
+                          <a:solidFill>
+                            <a:schemeClr val="bg1"/>
+                          </a:solidFill>
+                          <a:latin typeface="メイリオ" pitchFamily="50" charset="-128"/>
+                          <a:ea typeface="メイリオ" pitchFamily="50" charset="-128"/>
+                          <a:cs typeface="メイリオ" pitchFamily="50" charset="-128"/>
+                        </a:rPr>
+                        <a:t>画面設計・</a:t>
+                      </a:r>
+                      <a:endParaRPr kumimoji="1" lang="en-US" altLang="ja-JP" sz="2400" kern="1200" dirty="0" smtClean="0">
+                        <a:solidFill>
+                          <a:schemeClr val="bg1"/>
+                        </a:solidFill>
+                        <a:latin typeface="メイリオ" pitchFamily="50" charset="-128"/>
+                        <a:ea typeface="メイリオ" pitchFamily="50" charset="-128"/>
+                        <a:cs typeface="メイリオ" pitchFamily="50" charset="-128"/>
+                      </a:endParaRPr>
+                    </a:p>
+                    <a:p>
+                      <a:pPr marL="0" algn="ctr" defTabSz="914400" rtl="0" eaLnBrk="1" latinLnBrk="0" hangingPunct="1"/>
+                      <a:r>
+                        <a:rPr kumimoji="1" lang="ja-JP" altLang="en-US" sz="2400" kern="1200" dirty="0" smtClean="0">
+                          <a:solidFill>
+                            <a:schemeClr val="bg1"/>
+                          </a:solidFill>
+                          <a:latin typeface="メイリオ" pitchFamily="50" charset="-128"/>
+                          <a:ea typeface="メイリオ" pitchFamily="50" charset="-128"/>
+                          <a:cs typeface="メイリオ" pitchFamily="50" charset="-128"/>
+                        </a:rPr>
+                        <a:t>機能設計</a:t>
+                      </a:r>
+                    </a:p>
+                  </a:txBody>
+                  <a:tcPr anchor="ctr"/>
+                </a:tc>
+                <a:tc>
+                  <a:txBody>
+                    <a:bodyPr/>
+                    <a:lstStyle/>
+                    <a:p>
+                      <a:pPr marL="0" algn="ctr" defTabSz="914400" rtl="0" eaLnBrk="1" latinLnBrk="0" hangingPunct="1"/>
+                      <a:r>
+                        <a:rPr kumimoji="1" lang="en-US" altLang="ja-JP" sz="2400" kern="1200" dirty="0" smtClean="0">
+                          <a:solidFill>
+                            <a:schemeClr val="bg1"/>
+                          </a:solidFill>
+                          <a:latin typeface="メイリオ" pitchFamily="50" charset="-128"/>
+                          <a:ea typeface="メイリオ" pitchFamily="50" charset="-128"/>
+                          <a:cs typeface="メイリオ" pitchFamily="50" charset="-128"/>
+                        </a:rPr>
+                        <a:t>ERD</a:t>
+                      </a:r>
+                      <a:r>
+                        <a:rPr kumimoji="1" lang="ja-JP" altLang="en-US" sz="2400" kern="1200" dirty="0" smtClean="0">
+                          <a:solidFill>
+                            <a:schemeClr val="bg1"/>
+                          </a:solidFill>
+                          <a:latin typeface="メイリオ" pitchFamily="50" charset="-128"/>
+                          <a:ea typeface="メイリオ" pitchFamily="50" charset="-128"/>
+                          <a:cs typeface="メイリオ" pitchFamily="50" charset="-128"/>
+                        </a:rPr>
+                        <a:t>設計</a:t>
+                      </a:r>
+                    </a:p>
+                  </a:txBody>
+                  <a:tcPr anchor="ctr"/>
+                </a:tc>
+                <a:tc>
+                  <a:txBody>
+                    <a:bodyPr/>
+                    <a:lstStyle/>
+                    <a:p>
+                      <a:pPr marL="0" algn="ctr" defTabSz="914400" rtl="0" eaLnBrk="1" latinLnBrk="0" hangingPunct="1"/>
+                      <a:r>
+                        <a:rPr kumimoji="1" lang="ja-JP" altLang="en-US" sz="2400" kern="1200" dirty="0" smtClean="0">
+                          <a:solidFill>
+                            <a:schemeClr val="bg1"/>
+                          </a:solidFill>
+                          <a:latin typeface="メイリオ" pitchFamily="50" charset="-128"/>
+                          <a:ea typeface="メイリオ" pitchFamily="50" charset="-128"/>
+                          <a:cs typeface="メイリオ" pitchFamily="50" charset="-128"/>
+                        </a:rPr>
+                        <a:t>実装・</a:t>
+                      </a:r>
+                      <a:endParaRPr kumimoji="1" lang="en-US" altLang="ja-JP" sz="2400" kern="1200" dirty="0" smtClean="0">
+                        <a:solidFill>
+                          <a:schemeClr val="bg1"/>
+                        </a:solidFill>
+                        <a:latin typeface="メイリオ" pitchFamily="50" charset="-128"/>
+                        <a:ea typeface="メイリオ" pitchFamily="50" charset="-128"/>
+                        <a:cs typeface="メイリオ" pitchFamily="50" charset="-128"/>
+                      </a:endParaRPr>
+                    </a:p>
+                    <a:p>
+                      <a:pPr marL="0" algn="ctr" defTabSz="914400" rtl="0" eaLnBrk="1" latinLnBrk="0" hangingPunct="1"/>
+                      <a:r>
+                        <a:rPr kumimoji="1" lang="ja-JP" altLang="en-US" sz="2400" kern="1200" dirty="0" smtClean="0">
+                          <a:solidFill>
+                            <a:schemeClr val="bg1"/>
+                          </a:solidFill>
+                          <a:latin typeface="メイリオ" pitchFamily="50" charset="-128"/>
+                          <a:ea typeface="メイリオ" pitchFamily="50" charset="-128"/>
+                          <a:cs typeface="メイリオ" pitchFamily="50" charset="-128"/>
+                        </a:rPr>
+                        <a:t>テスト</a:t>
+                      </a:r>
+                    </a:p>
+                  </a:txBody>
+                  <a:tcPr anchor="ctr"/>
+                </a:tc>
+                <a:tc>
+                  <a:txBody>
+                    <a:bodyPr/>
+                    <a:lstStyle/>
+                    <a:p>
+                      <a:pPr marL="0" algn="ctr" defTabSz="914400" rtl="0" eaLnBrk="1" latinLnBrk="0" hangingPunct="1"/>
+                      <a:r>
+                        <a:rPr kumimoji="1" lang="ja-JP" altLang="en-US" sz="2400" kern="1200" dirty="0" smtClean="0">
+                          <a:solidFill>
+                            <a:schemeClr val="bg1"/>
+                          </a:solidFill>
+                          <a:latin typeface="メイリオ" pitchFamily="50" charset="-128"/>
+                          <a:ea typeface="メイリオ" pitchFamily="50" charset="-128"/>
+                          <a:cs typeface="メイリオ" pitchFamily="50" charset="-128"/>
+                        </a:rPr>
+                        <a:t>合計</a:t>
+                      </a:r>
+                    </a:p>
+                  </a:txBody>
+                  <a:tcPr anchor="ctr"/>
+                </a:tc>
+              </a:tr>
+              <a:tr h="488508">
+                <a:tc>
+                  <a:txBody>
+                    <a:bodyPr/>
+                    <a:lstStyle/>
+                    <a:p>
+                      <a:pPr marL="0" algn="ctr" defTabSz="914400" rtl="0" eaLnBrk="1" latinLnBrk="0" hangingPunct="1"/>
+                      <a:r>
+                        <a:rPr kumimoji="1" lang="ja-JP" altLang="en-US" sz="2400" b="1" kern="1200" dirty="0" smtClean="0">
+                          <a:solidFill>
+                            <a:schemeClr val="dk1"/>
+                          </a:solidFill>
+                          <a:latin typeface="メイリオ" pitchFamily="50" charset="-128"/>
+                          <a:ea typeface="メイリオ" pitchFamily="50" charset="-128"/>
+                          <a:cs typeface="メイリオ" pitchFamily="50" charset="-128"/>
+                        </a:rPr>
+                        <a:t>見積もり</a:t>
+                      </a:r>
+                    </a:p>
+                  </a:txBody>
+                  <a:tcPr anchor="ctr"/>
+                </a:tc>
+                <a:tc>
+                  <a:txBody>
+                    <a:bodyPr/>
+                    <a:lstStyle/>
+                    <a:p>
+                      <a:pPr marL="0" algn="ctr" defTabSz="914400" rtl="0" eaLnBrk="1" latinLnBrk="0" hangingPunct="1"/>
+                      <a:r>
+                        <a:rPr kumimoji="1" lang="en-US" altLang="ja-JP" sz="2400" b="1" kern="1200" dirty="0" smtClean="0">
+                          <a:solidFill>
+                            <a:schemeClr val="dk1"/>
+                          </a:solidFill>
+                          <a:latin typeface="メイリオ" pitchFamily="50" charset="-128"/>
+                          <a:ea typeface="メイリオ" pitchFamily="50" charset="-128"/>
+                          <a:cs typeface="メイリオ" pitchFamily="50" charset="-128"/>
+                        </a:rPr>
+                        <a:t>5</a:t>
+                      </a:r>
+                      <a:r>
+                        <a:rPr kumimoji="1" lang="ja-JP" altLang="en-US" sz="2400" b="1" kern="1200" dirty="0" smtClean="0">
+                          <a:solidFill>
+                            <a:schemeClr val="dk1"/>
+                          </a:solidFill>
+                          <a:latin typeface="メイリオ" pitchFamily="50" charset="-128"/>
+                          <a:ea typeface="メイリオ" pitchFamily="50" charset="-128"/>
+                          <a:cs typeface="メイリオ" pitchFamily="50" charset="-128"/>
+                        </a:rPr>
+                        <a:t>日</a:t>
+                      </a:r>
+                    </a:p>
+                  </a:txBody>
+                  <a:tcPr anchor="ctr"/>
+                </a:tc>
+                <a:tc>
+                  <a:txBody>
+                    <a:bodyPr/>
+                    <a:lstStyle/>
+                    <a:p>
+                      <a:pPr marL="0" algn="ctr" defTabSz="914400" rtl="0" eaLnBrk="1" latinLnBrk="0" hangingPunct="1"/>
+                      <a:r>
+                        <a:rPr kumimoji="1" lang="en-US" altLang="ja-JP" sz="2400" b="1" kern="1200" dirty="0" smtClean="0">
+                          <a:solidFill>
+                            <a:schemeClr val="dk1"/>
+                          </a:solidFill>
+                          <a:latin typeface="メイリオ" pitchFamily="50" charset="-128"/>
+                          <a:ea typeface="メイリオ" pitchFamily="50" charset="-128"/>
+                          <a:cs typeface="メイリオ" pitchFamily="50" charset="-128"/>
+                        </a:rPr>
+                        <a:t>5</a:t>
+                      </a:r>
+                      <a:r>
+                        <a:rPr kumimoji="1" lang="ja-JP" altLang="en-US" sz="2400" b="1" kern="1200" dirty="0" smtClean="0">
+                          <a:solidFill>
+                            <a:schemeClr val="dk1"/>
+                          </a:solidFill>
+                          <a:latin typeface="メイリオ" pitchFamily="50" charset="-128"/>
+                          <a:ea typeface="メイリオ" pitchFamily="50" charset="-128"/>
+                          <a:cs typeface="メイリオ" pitchFamily="50" charset="-128"/>
+                        </a:rPr>
+                        <a:t>日</a:t>
+                      </a:r>
+                    </a:p>
+                  </a:txBody>
+                  <a:tcPr anchor="ctr"/>
+                </a:tc>
+                <a:tc>
+                  <a:txBody>
+                    <a:bodyPr/>
+                    <a:lstStyle/>
+                    <a:p>
+                      <a:pPr marL="0" algn="ctr" defTabSz="914400" rtl="0" eaLnBrk="1" latinLnBrk="0" hangingPunct="1"/>
+                      <a:r>
+                        <a:rPr kumimoji="1" lang="en-US" altLang="ja-JP" sz="2400" b="1" kern="1200" dirty="0" smtClean="0">
+                          <a:solidFill>
+                            <a:schemeClr val="dk1"/>
+                          </a:solidFill>
+                          <a:latin typeface="メイリオ" pitchFamily="50" charset="-128"/>
+                          <a:ea typeface="メイリオ" pitchFamily="50" charset="-128"/>
+                          <a:cs typeface="メイリオ" pitchFamily="50" charset="-128"/>
+                        </a:rPr>
+                        <a:t>30</a:t>
+                      </a:r>
+                      <a:r>
+                        <a:rPr kumimoji="1" lang="ja-JP" altLang="en-US" sz="2400" b="1" kern="1200" dirty="0" smtClean="0">
+                          <a:solidFill>
+                            <a:schemeClr val="dk1"/>
+                          </a:solidFill>
+                          <a:latin typeface="メイリオ" pitchFamily="50" charset="-128"/>
+                          <a:ea typeface="メイリオ" pitchFamily="50" charset="-128"/>
+                          <a:cs typeface="メイリオ" pitchFamily="50" charset="-128"/>
+                        </a:rPr>
+                        <a:t>日</a:t>
+                      </a:r>
+                    </a:p>
+                  </a:txBody>
+                  <a:tcPr anchor="ctr"/>
+                </a:tc>
+                <a:tc>
+                  <a:txBody>
+                    <a:bodyPr/>
+                    <a:lstStyle/>
+                    <a:p>
+                      <a:pPr marL="0" algn="ctr" defTabSz="914400" rtl="0" eaLnBrk="1" latinLnBrk="0" hangingPunct="1"/>
+                      <a:r>
+                        <a:rPr kumimoji="1" lang="en-US" altLang="ja-JP" sz="2400" b="1" kern="1200" dirty="0" smtClean="0">
+                          <a:solidFill>
+                            <a:schemeClr val="dk1"/>
+                          </a:solidFill>
+                          <a:latin typeface="メイリオ" pitchFamily="50" charset="-128"/>
+                          <a:ea typeface="メイリオ" pitchFamily="50" charset="-128"/>
+                          <a:cs typeface="メイリオ" pitchFamily="50" charset="-128"/>
+                        </a:rPr>
+                        <a:t>40</a:t>
+                      </a:r>
+                      <a:r>
+                        <a:rPr kumimoji="1" lang="ja-JP" altLang="en-US" sz="2400" b="1" kern="1200" dirty="0" smtClean="0">
+                          <a:solidFill>
+                            <a:schemeClr val="dk1"/>
+                          </a:solidFill>
+                          <a:latin typeface="メイリオ" pitchFamily="50" charset="-128"/>
+                          <a:ea typeface="メイリオ" pitchFamily="50" charset="-128"/>
+                          <a:cs typeface="メイリオ" pitchFamily="50" charset="-128"/>
+                        </a:rPr>
+                        <a:t>日</a:t>
+                      </a:r>
+                    </a:p>
+                  </a:txBody>
+                  <a:tcPr anchor="ctr"/>
+                </a:tc>
+              </a:tr>
+              <a:tr h="879314">
+                <a:tc>
+                  <a:txBody>
+                    <a:bodyPr/>
+                    <a:lstStyle/>
+                    <a:p>
+                      <a:pPr marL="0" algn="ctr" defTabSz="914400" rtl="0" eaLnBrk="1" latinLnBrk="0" hangingPunct="1"/>
+                      <a:r>
+                        <a:rPr kumimoji="1" lang="ja-JP" altLang="en-US" sz="2400" b="1" kern="1200" dirty="0" smtClean="0">
+                          <a:solidFill>
+                            <a:schemeClr val="dk1"/>
+                          </a:solidFill>
+                          <a:latin typeface="メイリオ" pitchFamily="50" charset="-128"/>
+                          <a:ea typeface="メイリオ" pitchFamily="50" charset="-128"/>
+                          <a:cs typeface="メイリオ" pitchFamily="50" charset="-128"/>
+                        </a:rPr>
+                        <a:t>実績</a:t>
+                      </a:r>
+                    </a:p>
+                  </a:txBody>
+                  <a:tcPr anchor="ctr"/>
+                </a:tc>
+                <a:tc>
+                  <a:txBody>
+                    <a:bodyPr/>
+                    <a:lstStyle/>
+                    <a:p>
+                      <a:pPr marL="0" algn="ctr" defTabSz="914400" rtl="0" eaLnBrk="1" latinLnBrk="0" hangingPunct="1"/>
+                      <a:r>
+                        <a:rPr kumimoji="1" lang="en-US" altLang="ja-JP" sz="2400" b="1" kern="1200" dirty="0" smtClean="0">
+                          <a:solidFill>
+                            <a:schemeClr val="dk1"/>
+                          </a:solidFill>
+                          <a:latin typeface="メイリオ" pitchFamily="50" charset="-128"/>
+                          <a:ea typeface="メイリオ" pitchFamily="50" charset="-128"/>
+                          <a:cs typeface="メイリオ" pitchFamily="50" charset="-128"/>
+                        </a:rPr>
+                        <a:t>10</a:t>
+                      </a:r>
+                      <a:r>
+                        <a:rPr kumimoji="1" lang="ja-JP" altLang="en-US" sz="2400" b="1" kern="1200" dirty="0" smtClean="0">
+                          <a:solidFill>
+                            <a:schemeClr val="dk1"/>
+                          </a:solidFill>
+                          <a:latin typeface="メイリオ" pitchFamily="50" charset="-128"/>
+                          <a:ea typeface="メイリオ" pitchFamily="50" charset="-128"/>
+                          <a:cs typeface="メイリオ" pitchFamily="50" charset="-128"/>
+                        </a:rPr>
+                        <a:t>日</a:t>
+                      </a:r>
+                    </a:p>
+                  </a:txBody>
+                  <a:tcPr anchor="ctr"/>
+                </a:tc>
+                <a:tc>
+                  <a:txBody>
+                    <a:bodyPr/>
+                    <a:lstStyle/>
+                    <a:p>
+                      <a:pPr marL="0" algn="ctr" defTabSz="914400" rtl="0" eaLnBrk="1" latinLnBrk="0" hangingPunct="1"/>
+                      <a:r>
+                        <a:rPr kumimoji="1" lang="en-US" altLang="ja-JP" sz="2400" b="1" kern="1200" dirty="0" smtClean="0">
+                          <a:solidFill>
+                            <a:schemeClr val="dk1"/>
+                          </a:solidFill>
+                          <a:latin typeface="メイリオ" pitchFamily="50" charset="-128"/>
+                          <a:ea typeface="メイリオ" pitchFamily="50" charset="-128"/>
+                          <a:cs typeface="メイリオ" pitchFamily="50" charset="-128"/>
+                        </a:rPr>
+                        <a:t>2</a:t>
+                      </a:r>
+                      <a:r>
+                        <a:rPr kumimoji="1" lang="ja-JP" altLang="en-US" sz="2400" b="1" kern="1200" dirty="0" smtClean="0">
+                          <a:solidFill>
+                            <a:schemeClr val="dk1"/>
+                          </a:solidFill>
+                          <a:latin typeface="メイリオ" pitchFamily="50" charset="-128"/>
+                          <a:ea typeface="メイリオ" pitchFamily="50" charset="-128"/>
+                          <a:cs typeface="メイリオ" pitchFamily="50" charset="-128"/>
+                        </a:rPr>
+                        <a:t>日</a:t>
+                      </a:r>
+                    </a:p>
+                  </a:txBody>
+                  <a:tcPr anchor="ctr"/>
+                </a:tc>
+                <a:tc>
+                  <a:txBody>
+                    <a:bodyPr/>
+                    <a:lstStyle/>
+                    <a:p>
+                      <a:pPr marL="0" algn="ctr" defTabSz="914400" rtl="0" eaLnBrk="1" latinLnBrk="0" hangingPunct="1"/>
+                      <a:r>
+                        <a:rPr kumimoji="1" lang="en-US" altLang="ja-JP" sz="2400" b="1" kern="1200" dirty="0" smtClean="0">
+                          <a:solidFill>
+                            <a:schemeClr val="dk1"/>
+                          </a:solidFill>
+                          <a:latin typeface="メイリオ" pitchFamily="50" charset="-128"/>
+                          <a:ea typeface="メイリオ" pitchFamily="50" charset="-128"/>
+                          <a:cs typeface="メイリオ" pitchFamily="50" charset="-128"/>
+                        </a:rPr>
+                        <a:t>20</a:t>
+                      </a:r>
+                      <a:r>
+                        <a:rPr kumimoji="1" lang="ja-JP" altLang="en-US" sz="2400" b="1" kern="1200" dirty="0" smtClean="0">
+                          <a:solidFill>
+                            <a:schemeClr val="dk1"/>
+                          </a:solidFill>
+                          <a:latin typeface="メイリオ" pitchFamily="50" charset="-128"/>
+                          <a:ea typeface="メイリオ" pitchFamily="50" charset="-128"/>
+                          <a:cs typeface="メイリオ" pitchFamily="50" charset="-128"/>
+                        </a:rPr>
+                        <a:t>日</a:t>
+                      </a:r>
+                      <a:endParaRPr kumimoji="1" lang="en-US" altLang="ja-JP" sz="2400" b="1" kern="1200" dirty="0" smtClean="0">
+                        <a:solidFill>
+                          <a:schemeClr val="dk1"/>
+                        </a:solidFill>
+                        <a:latin typeface="メイリオ" pitchFamily="50" charset="-128"/>
+                        <a:ea typeface="メイリオ" pitchFamily="50" charset="-128"/>
+                        <a:cs typeface="メイリオ" pitchFamily="50" charset="-128"/>
+                      </a:endParaRPr>
+                    </a:p>
+                    <a:p>
+                      <a:pPr marL="0" algn="ctr" defTabSz="914400" rtl="0" eaLnBrk="1" latinLnBrk="0" hangingPunct="1"/>
+                      <a:r>
+                        <a:rPr kumimoji="1" lang="en-US" altLang="ja-JP" sz="1600" b="1" kern="1200" dirty="0" smtClean="0">
+                          <a:solidFill>
+                            <a:schemeClr val="dk1"/>
+                          </a:solidFill>
+                          <a:latin typeface="メイリオ" pitchFamily="50" charset="-128"/>
+                          <a:ea typeface="メイリオ" pitchFamily="50" charset="-128"/>
+                          <a:cs typeface="メイリオ" pitchFamily="50" charset="-128"/>
+                        </a:rPr>
+                        <a:t>(</a:t>
+                      </a:r>
+                      <a:r>
+                        <a:rPr kumimoji="1" lang="ja-JP" altLang="en-US" sz="1600" b="1" kern="1200" dirty="0" smtClean="0">
+                          <a:solidFill>
+                            <a:schemeClr val="dk1"/>
+                          </a:solidFill>
+                          <a:latin typeface="メイリオ" pitchFamily="50" charset="-128"/>
+                          <a:ea typeface="メイリオ" pitchFamily="50" charset="-128"/>
+                          <a:cs typeface="メイリオ" pitchFamily="50" charset="-128"/>
+                        </a:rPr>
+                        <a:t>ユニットテスト未</a:t>
+                      </a:r>
+                      <a:r>
+                        <a:rPr kumimoji="1" lang="en-US" altLang="ja-JP" sz="1600" b="1" kern="1200" dirty="0" smtClean="0">
+                          <a:solidFill>
+                            <a:schemeClr val="dk1"/>
+                          </a:solidFill>
+                          <a:latin typeface="メイリオ" pitchFamily="50" charset="-128"/>
+                          <a:ea typeface="メイリオ" pitchFamily="50" charset="-128"/>
+                          <a:cs typeface="メイリオ" pitchFamily="50" charset="-128"/>
+                        </a:rPr>
+                        <a:t>)</a:t>
+                      </a:r>
+                      <a:endParaRPr kumimoji="1" lang="ja-JP" altLang="en-US" sz="1600" b="1" kern="1200" dirty="0" smtClean="0">
+                        <a:solidFill>
+                          <a:schemeClr val="dk1"/>
+                        </a:solidFill>
+                        <a:latin typeface="メイリオ" pitchFamily="50" charset="-128"/>
+                        <a:ea typeface="メイリオ" pitchFamily="50" charset="-128"/>
+                        <a:cs typeface="メイリオ" pitchFamily="50" charset="-128"/>
+                      </a:endParaRPr>
+                    </a:p>
+                  </a:txBody>
+                  <a:tcPr anchor="ctr"/>
+                </a:tc>
+                <a:tc>
+                  <a:txBody>
+                    <a:bodyPr/>
+                    <a:lstStyle/>
+                    <a:p>
+                      <a:pPr marL="0" algn="ctr" defTabSz="914400" rtl="0" eaLnBrk="1" latinLnBrk="0" hangingPunct="1"/>
+                      <a:r>
+                        <a:rPr kumimoji="1" lang="en-US" altLang="ja-JP" sz="2400" b="1" kern="1200" dirty="0" smtClean="0">
+                          <a:solidFill>
+                            <a:schemeClr val="dk1"/>
+                          </a:solidFill>
+                          <a:latin typeface="メイリオ" pitchFamily="50" charset="-128"/>
+                          <a:ea typeface="メイリオ" pitchFamily="50" charset="-128"/>
+                          <a:cs typeface="メイリオ" pitchFamily="50" charset="-128"/>
+                        </a:rPr>
+                        <a:t>32</a:t>
+                      </a:r>
+                      <a:r>
+                        <a:rPr kumimoji="1" lang="ja-JP" altLang="en-US" sz="2400" b="1" kern="1200" dirty="0" smtClean="0">
+                          <a:solidFill>
+                            <a:schemeClr val="dk1"/>
+                          </a:solidFill>
+                          <a:latin typeface="メイリオ" pitchFamily="50" charset="-128"/>
+                          <a:ea typeface="メイリオ" pitchFamily="50" charset="-128"/>
+                          <a:cs typeface="メイリオ" pitchFamily="50" charset="-128"/>
+                        </a:rPr>
+                        <a:t>日</a:t>
+                      </a:r>
+                    </a:p>
+                  </a:txBody>
+                  <a:tcPr anchor="ctr"/>
+                </a:tc>
+              </a:tr>
+            </a:tbl>
+          </a:graphicData>
+        </a:graphic>
+      </p:graphicFrame>
+      <p:sp>
+        <p:nvSpPr>
+          <p:cNvPr id="8" name="タイトル 1"/>
+          <p:cNvSpPr txBox="1">
+            <a:spLocks/>
+          </p:cNvSpPr>
+          <p:nvPr/>
+        </p:nvSpPr>
+        <p:spPr>
+          <a:xfrm>
+            <a:off x="395536" y="0"/>
+            <a:ext cx="8229600" cy="1143000"/>
+          </a:xfrm>
+          <a:prstGeom prst="rect">
+            <a:avLst/>
+          </a:prstGeom>
+        </p:spPr>
+        <p:txBody>
+          <a:bodyPr vert="horz" lIns="91440" tIns="45720" rIns="91440" bIns="45720" rtlCol="0" anchor="ctr">
+            <a:normAutofit fontScale="92500"/>
+          </a:bodyPr>
+          <a:lstStyle/>
+          <a:p>
+            <a:pPr marL="0" marR="0" lvl="0" indent="0" algn="ctr" defTabSz="914400" rtl="0" eaLnBrk="1" fontAlgn="auto" latinLnBrk="0" hangingPunct="1">
+              <a:lnSpc>
+                <a:spcPct val="100000"/>
+              </a:lnSpc>
+              <a:spcBef>
+                <a:spcPct val="0"/>
+              </a:spcBef>
+              <a:spcAft>
+                <a:spcPts val="0"/>
+              </a:spcAft>
+              <a:buClrTx/>
+              <a:buSzTx/>
+              <a:buFontTx/>
+              <a:buNone/>
+              <a:tabLst/>
+              <a:defRPr/>
+            </a:pPr>
+            <a:r>
+              <a:rPr kumimoji="1" lang="ja-JP" altLang="en-US" sz="4400" b="1" i="0" u="none" strike="noStrike" kern="1200" cap="none" spc="0" normalizeH="0" baseline="0" noProof="0" dirty="0" smtClean="0">
+                <a:ln>
+                  <a:noFill/>
+                </a:ln>
+                <a:solidFill>
+                  <a:schemeClr val="tx1"/>
+                </a:solidFill>
+                <a:effectLst/>
+                <a:uLnTx/>
+                <a:uFillTx/>
+                <a:latin typeface="メイリオ" pitchFamily="50" charset="-128"/>
+                <a:ea typeface="メイリオ" pitchFamily="50" charset="-128"/>
+                <a:cs typeface="メイリオ" pitchFamily="50" charset="-128"/>
+              </a:rPr>
+              <a:t>コードの生産性について</a:t>
+            </a:r>
+            <a:r>
+              <a:rPr lang="en-US" altLang="ja-JP" sz="4400" b="1" dirty="0" smtClean="0">
+                <a:latin typeface="メイリオ" pitchFamily="50" charset="-128"/>
+                <a:ea typeface="メイリオ" pitchFamily="50" charset="-128"/>
+                <a:cs typeface="メイリオ" pitchFamily="50" charset="-128"/>
+              </a:rPr>
+              <a:t>(</a:t>
+            </a:r>
+            <a:r>
+              <a:rPr lang="ja-JP" altLang="en-US" sz="4400" b="1" dirty="0" smtClean="0">
+                <a:latin typeface="メイリオ" pitchFamily="50" charset="-128"/>
+                <a:ea typeface="メイリオ" pitchFamily="50" charset="-128"/>
+                <a:cs typeface="メイリオ" pitchFamily="50" charset="-128"/>
+              </a:rPr>
+              <a:t>掲示板</a:t>
+            </a:r>
+            <a:r>
+              <a:rPr lang="en-US" altLang="ja-JP" sz="4400" b="1" dirty="0" smtClean="0">
+                <a:latin typeface="メイリオ" pitchFamily="50" charset="-128"/>
+                <a:ea typeface="メイリオ" pitchFamily="50" charset="-128"/>
+                <a:cs typeface="メイリオ" pitchFamily="50" charset="-128"/>
+              </a:rPr>
+              <a:t>)</a:t>
+            </a:r>
+            <a:endParaRPr kumimoji="1" lang="ja-JP" altLang="en-US" sz="4400" b="1" i="0" u="none" strike="noStrike" kern="1200" cap="none" spc="0" normalizeH="0" baseline="0" noProof="0" dirty="0">
+              <a:ln>
+                <a:noFill/>
+              </a:ln>
+              <a:solidFill>
+                <a:schemeClr val="tx1"/>
+              </a:solidFill>
+              <a:effectLst/>
+              <a:uLnTx/>
+              <a:uFillTx/>
               <a:latin typeface="メイリオ" pitchFamily="50" charset="-128"/>
               <a:ea typeface="メイリオ" pitchFamily="50" charset="-128"/>
               <a:cs typeface="メイリオ" pitchFamily="50" charset="-128"/>
             </a:endParaRPr>
           </a:p>
-          <a:p>
-            <a:pPr lvl="1"/>
-            <a:r>
-              <a:rPr lang="ja-JP" altLang="en-US" sz="2400" b="1" dirty="0" smtClean="0">
-                <a:latin typeface="メイリオ" pitchFamily="50" charset="-128"/>
-                <a:ea typeface="メイリオ" pitchFamily="50" charset="-128"/>
-                <a:cs typeface="メイリオ" pitchFamily="50" charset="-128"/>
-              </a:rPr>
-              <a:t>最新の仕様で実装できているが</a:t>
-            </a:r>
-            <a:r>
-              <a:rPr lang="en-US" altLang="ja-JP" sz="2400" b="1" dirty="0" smtClean="0">
-                <a:latin typeface="メイリオ" pitchFamily="50" charset="-128"/>
-                <a:ea typeface="メイリオ" pitchFamily="50" charset="-128"/>
-                <a:cs typeface="メイリオ" pitchFamily="50" charset="-128"/>
-              </a:rPr>
-              <a:t>, </a:t>
-            </a:r>
-            <a:r>
-              <a:rPr lang="ja-JP" altLang="en-US" sz="2400" b="1" dirty="0" smtClean="0">
-                <a:latin typeface="メイリオ" pitchFamily="50" charset="-128"/>
-                <a:ea typeface="メイリオ" pitchFamily="50" charset="-128"/>
-                <a:cs typeface="メイリオ" pitchFamily="50" charset="-128"/>
-              </a:rPr>
-              <a:t>今後も仕様変更が発生する</a:t>
-            </a:r>
-            <a:r>
-              <a:rPr lang="en-US" altLang="ja-JP" sz="2400" b="1" dirty="0" smtClean="0">
-                <a:latin typeface="メイリオ" pitchFamily="50" charset="-128"/>
-                <a:ea typeface="メイリオ" pitchFamily="50" charset="-128"/>
-                <a:cs typeface="メイリオ" pitchFamily="50" charset="-128"/>
-              </a:rPr>
-              <a:t>. </a:t>
-            </a:r>
-            <a:r>
-              <a:rPr lang="ja-JP" altLang="en-US" sz="2400" b="1" dirty="0" smtClean="0">
-                <a:latin typeface="メイリオ" pitchFamily="50" charset="-128"/>
-                <a:ea typeface="メイリオ" pitchFamily="50" charset="-128"/>
-                <a:cs typeface="メイリオ" pitchFamily="50" charset="-128"/>
-              </a:rPr>
-              <a:t>その際</a:t>
-            </a:r>
-            <a:r>
-              <a:rPr lang="en-US" altLang="ja-JP" sz="2400" b="1" dirty="0" smtClean="0">
-                <a:latin typeface="メイリオ" pitchFamily="50" charset="-128"/>
-                <a:ea typeface="メイリオ" pitchFamily="50" charset="-128"/>
-                <a:cs typeface="メイリオ" pitchFamily="50" charset="-128"/>
-              </a:rPr>
-              <a:t>, </a:t>
-            </a:r>
-            <a:r>
-              <a:rPr lang="ja-JP" altLang="en-US" sz="2400" b="1" dirty="0" smtClean="0">
-                <a:latin typeface="メイリオ" pitchFamily="50" charset="-128"/>
-                <a:ea typeface="メイリオ" pitchFamily="50" charset="-128"/>
-                <a:cs typeface="メイリオ" pitchFamily="50" charset="-128"/>
-              </a:rPr>
-              <a:t>改修作業が必要である</a:t>
-            </a:r>
-            <a:r>
-              <a:rPr lang="en-US" altLang="ja-JP" sz="2400" b="1" dirty="0" smtClean="0">
-                <a:latin typeface="メイリオ" pitchFamily="50" charset="-128"/>
-                <a:ea typeface="メイリオ" pitchFamily="50" charset="-128"/>
-                <a:cs typeface="メイリオ" pitchFamily="50" charset="-128"/>
-              </a:rPr>
-              <a:t>.</a:t>
-            </a:r>
-          </a:p>
-          <a:p>
-            <a:pPr lvl="1"/>
-            <a:r>
-              <a:rPr lang="en-US" altLang="ja-JP" sz="2400" b="1" dirty="0" smtClean="0">
-                <a:latin typeface="メイリオ" pitchFamily="50" charset="-128"/>
-                <a:ea typeface="メイリオ" pitchFamily="50" charset="-128"/>
-                <a:cs typeface="メイリオ" pitchFamily="50" charset="-128"/>
-              </a:rPr>
-              <a:t>iframe</a:t>
-            </a:r>
-            <a:r>
-              <a:rPr lang="ja-JP" altLang="en-US" sz="2400" b="1" dirty="0" smtClean="0">
-                <a:latin typeface="メイリオ" pitchFamily="50" charset="-128"/>
-                <a:ea typeface="メイリオ" pitchFamily="50" charset="-128"/>
-                <a:cs typeface="メイリオ" pitchFamily="50" charset="-128"/>
-              </a:rPr>
-              <a:t>プラグイン</a:t>
-            </a:r>
-            <a:r>
-              <a:rPr lang="en-US" altLang="ja-JP" sz="2400" b="1" dirty="0" smtClean="0">
-                <a:latin typeface="メイリオ" pitchFamily="50" charset="-128"/>
-                <a:ea typeface="メイリオ" pitchFamily="50" charset="-128"/>
-                <a:cs typeface="メイリオ" pitchFamily="50" charset="-128"/>
-              </a:rPr>
-              <a:t>, </a:t>
-            </a:r>
-            <a:r>
-              <a:rPr lang="ja-JP" altLang="en-US" sz="2400" b="1" dirty="0" smtClean="0">
-                <a:latin typeface="メイリオ" pitchFamily="50" charset="-128"/>
-                <a:ea typeface="メイリオ" pitchFamily="50" charset="-128"/>
-                <a:cs typeface="メイリオ" pitchFamily="50" charset="-128"/>
-              </a:rPr>
-              <a:t>掲示板プラグインともに引き継ぎ者に説明済み</a:t>
-            </a:r>
-            <a:r>
-              <a:rPr lang="en-US" altLang="ja-JP" sz="2400" b="1" dirty="0" smtClean="0">
-                <a:latin typeface="メイリオ" pitchFamily="50" charset="-128"/>
-                <a:ea typeface="メイリオ" pitchFamily="50" charset="-128"/>
-                <a:cs typeface="メイリオ" pitchFamily="50" charset="-128"/>
-              </a:rPr>
-              <a:t>.</a:t>
-            </a:r>
-          </a:p>
-          <a:p>
-            <a:pPr lvl="1">
-              <a:buNone/>
-            </a:pPr>
-            <a:endParaRPr lang="en-US" altLang="ja-JP" b="1" dirty="0" smtClean="0">
-              <a:latin typeface="メイリオ" pitchFamily="50" charset="-128"/>
-              <a:ea typeface="メイリオ" pitchFamily="50" charset="-128"/>
-              <a:cs typeface="メイリオ" pitchFamily="50" charset="-128"/>
-            </a:endParaRPr>
-          </a:p>
-          <a:p>
-            <a:r>
-              <a:rPr lang="en-US" altLang="ja-JP" sz="2800" b="1" dirty="0" smtClean="0">
-                <a:latin typeface="メイリオ" pitchFamily="50" charset="-128"/>
-                <a:ea typeface="メイリオ" pitchFamily="50" charset="-128"/>
-                <a:cs typeface="メイリオ" pitchFamily="50" charset="-128"/>
-              </a:rPr>
-              <a:t>URL</a:t>
-            </a:r>
-            <a:r>
-              <a:rPr lang="ja-JP" altLang="en-US" sz="2800" b="1" dirty="0" smtClean="0">
-                <a:latin typeface="メイリオ" pitchFamily="50" charset="-128"/>
-                <a:ea typeface="メイリオ" pitchFamily="50" charset="-128"/>
-                <a:cs typeface="メイリオ" pitchFamily="50" charset="-128"/>
-              </a:rPr>
-              <a:t>設計等</a:t>
-            </a:r>
-            <a:r>
-              <a:rPr lang="en-US" altLang="ja-JP" sz="2800" b="1" dirty="0" smtClean="0">
-                <a:latin typeface="メイリオ" pitchFamily="50" charset="-128"/>
-                <a:ea typeface="メイリオ" pitchFamily="50" charset="-128"/>
-                <a:cs typeface="メイリオ" pitchFamily="50" charset="-128"/>
-              </a:rPr>
-              <a:t>, </a:t>
-            </a:r>
-            <a:r>
-              <a:rPr lang="ja-JP" altLang="en-US" sz="2800" b="1" dirty="0" smtClean="0">
-                <a:latin typeface="メイリオ" pitchFamily="50" charset="-128"/>
-                <a:ea typeface="メイリオ" pitchFamily="50" charset="-128"/>
-                <a:cs typeface="メイリオ" pitchFamily="50" charset="-128"/>
-              </a:rPr>
-              <a:t>共通処理仕様詰め</a:t>
-            </a:r>
-            <a:endParaRPr lang="en-US" altLang="ja-JP" b="1" dirty="0" smtClean="0">
-              <a:latin typeface="メイリオ" pitchFamily="50" charset="-128"/>
-              <a:ea typeface="メイリオ" pitchFamily="50" charset="-128"/>
-              <a:cs typeface="メイリオ" pitchFamily="50" charset="-128"/>
-            </a:endParaRPr>
-          </a:p>
-          <a:p>
-            <a:pPr lvl="1"/>
-            <a:r>
-              <a:rPr lang="ja-JP" altLang="en-US" sz="2400" b="1" dirty="0" smtClean="0">
-                <a:latin typeface="メイリオ" pitchFamily="50" charset="-128"/>
-                <a:ea typeface="メイリオ" pitchFamily="50" charset="-128"/>
-                <a:cs typeface="メイリオ" pitchFamily="50" charset="-128"/>
-              </a:rPr>
-              <a:t>一年間を通して様々な仕様が決定したが</a:t>
-            </a:r>
-            <a:r>
-              <a:rPr lang="en-US" altLang="ja-JP" sz="2400" b="1" dirty="0" smtClean="0">
-                <a:latin typeface="メイリオ" pitchFamily="50" charset="-128"/>
-                <a:ea typeface="メイリオ" pitchFamily="50" charset="-128"/>
-                <a:cs typeface="メイリオ" pitchFamily="50" charset="-128"/>
-              </a:rPr>
-              <a:t>, </a:t>
-            </a:r>
-            <a:r>
-              <a:rPr lang="ja-JP" altLang="en-US" sz="2400" b="1" dirty="0" smtClean="0">
-                <a:latin typeface="メイリオ" pitchFamily="50" charset="-128"/>
-                <a:ea typeface="メイリオ" pitchFamily="50" charset="-128"/>
-                <a:cs typeface="メイリオ" pitchFamily="50" charset="-128"/>
-              </a:rPr>
-              <a:t>仕様が詰められていない箇所が多く現存している</a:t>
-            </a:r>
-            <a:r>
-              <a:rPr lang="en-US" altLang="ja-JP" sz="2400" b="1" dirty="0" smtClean="0">
-                <a:latin typeface="メイリオ" pitchFamily="50" charset="-128"/>
-                <a:ea typeface="メイリオ" pitchFamily="50" charset="-128"/>
-                <a:cs typeface="メイリオ" pitchFamily="50" charset="-128"/>
-              </a:rPr>
-              <a:t>.</a:t>
-            </a:r>
-          </a:p>
-          <a:p>
-            <a:pPr lvl="1"/>
-            <a:r>
-              <a:rPr lang="ja-JP" altLang="en-US" sz="2400" b="1" dirty="0" smtClean="0">
-                <a:latin typeface="メイリオ" pitchFamily="50" charset="-128"/>
-                <a:ea typeface="メイリオ" pitchFamily="50" charset="-128"/>
-                <a:cs typeface="メイリオ" pitchFamily="50" charset="-128"/>
-              </a:rPr>
-              <a:t>掲示板プラグイン開発時に共通化が必要な個所をリストにして引き継いだ</a:t>
-            </a:r>
-            <a:r>
-              <a:rPr lang="en-US" altLang="ja-JP" sz="2400" b="1" dirty="0" smtClean="0">
-                <a:latin typeface="メイリオ" pitchFamily="50" charset="-128"/>
-                <a:ea typeface="メイリオ" pitchFamily="50" charset="-128"/>
-                <a:cs typeface="メイリオ" pitchFamily="50" charset="-128"/>
-              </a:rPr>
-              <a:t>.</a:t>
-            </a:r>
-          </a:p>
         </p:txBody>
       </p:sp>
+      <p:sp>
+        <p:nvSpPr>
+          <p:cNvPr id="9" name="コンテンツ プレースホルダ 4"/>
+          <p:cNvSpPr txBox="1">
+            <a:spLocks/>
+          </p:cNvSpPr>
+          <p:nvPr/>
+        </p:nvSpPr>
+        <p:spPr>
+          <a:xfrm>
+            <a:off x="323528" y="4869160"/>
+            <a:ext cx="8640960" cy="1584176"/>
+          </a:xfrm>
+          <a:prstGeom prst="rect">
+            <a:avLst/>
+          </a:prstGeom>
+        </p:spPr>
+        <p:txBody>
+          <a:bodyPr vert="horz" lIns="91440" tIns="45720" rIns="91440" bIns="45720" rtlCol="0">
+            <a:normAutofit lnSpcReduction="10000"/>
+          </a:bodyPr>
+          <a:lstStyle/>
+          <a:p>
+            <a:pPr marL="342900" marR="0" lvl="0" indent="-342900" algn="l" defTabSz="914400" rtl="0" eaLnBrk="1" fontAlgn="auto" latinLnBrk="0" hangingPunct="1">
+              <a:lnSpc>
+                <a:spcPct val="100000"/>
+              </a:lnSpc>
+              <a:spcBef>
+                <a:spcPct val="20000"/>
+              </a:spcBef>
+              <a:spcAft>
+                <a:spcPts val="0"/>
+              </a:spcAft>
+              <a:buClrTx/>
+              <a:buSzTx/>
+              <a:buFont typeface="Arial" pitchFamily="34" charset="0"/>
+              <a:buChar char="•"/>
+              <a:tabLst/>
+              <a:defRPr/>
+            </a:pPr>
+            <a:r>
+              <a:rPr kumimoji="1" lang="ja-JP" altLang="en-US" sz="2400" b="1" i="0" u="none" strike="noStrike" kern="1200" cap="none" spc="0" normalizeH="0" baseline="0" noProof="0" dirty="0" smtClean="0">
+                <a:ln>
+                  <a:noFill/>
+                </a:ln>
+                <a:solidFill>
+                  <a:schemeClr val="tx1"/>
+                </a:solidFill>
+                <a:effectLst/>
+                <a:uLnTx/>
+                <a:uFillTx/>
+                <a:latin typeface="メイリオ" pitchFamily="50" charset="-128"/>
+                <a:ea typeface="メイリオ" pitchFamily="50" charset="-128"/>
+                <a:cs typeface="メイリオ" pitchFamily="50" charset="-128"/>
+              </a:rPr>
+              <a:t>見積もられていた開発期間と比較すると</a:t>
+            </a:r>
+            <a:r>
+              <a:rPr kumimoji="1" lang="en-US" altLang="ja-JP" sz="2400" b="1" i="0" u="none" strike="noStrike" kern="1200" cap="none" spc="0" normalizeH="0" baseline="0" noProof="0" dirty="0" smtClean="0">
+                <a:ln>
+                  <a:noFill/>
+                </a:ln>
+                <a:solidFill>
+                  <a:schemeClr val="tx1"/>
+                </a:solidFill>
+                <a:effectLst/>
+                <a:uLnTx/>
+                <a:uFillTx/>
+                <a:latin typeface="メイリオ" pitchFamily="50" charset="-128"/>
+                <a:ea typeface="メイリオ" pitchFamily="50" charset="-128"/>
+                <a:cs typeface="メイリオ" pitchFamily="50" charset="-128"/>
+              </a:rPr>
+              <a:t>,</a:t>
+            </a:r>
+            <a:r>
+              <a:rPr kumimoji="1" lang="en-US" altLang="ja-JP" sz="2400" b="1" i="0" u="none" strike="noStrike" kern="1200" cap="none" spc="0" normalizeH="0" noProof="0" dirty="0" smtClean="0">
+                <a:ln>
+                  <a:noFill/>
+                </a:ln>
+                <a:solidFill>
+                  <a:schemeClr val="tx1"/>
+                </a:solidFill>
+                <a:effectLst/>
+                <a:uLnTx/>
+                <a:uFillTx/>
+                <a:latin typeface="メイリオ" pitchFamily="50" charset="-128"/>
+                <a:ea typeface="メイリオ" pitchFamily="50" charset="-128"/>
+                <a:cs typeface="メイリオ" pitchFamily="50" charset="-128"/>
+              </a:rPr>
+              <a:t> </a:t>
+            </a:r>
+            <a:r>
+              <a:rPr kumimoji="1" lang="ja-JP" altLang="en-US" sz="2400" b="1" i="0" u="none" strike="noStrike" kern="1200" cap="none" spc="0" normalizeH="0" baseline="0" noProof="0" dirty="0" smtClean="0">
+                <a:ln>
+                  <a:noFill/>
+                </a:ln>
+                <a:solidFill>
+                  <a:schemeClr val="tx1"/>
+                </a:solidFill>
+                <a:effectLst/>
+                <a:uLnTx/>
+                <a:uFillTx/>
+                <a:latin typeface="メイリオ" pitchFamily="50" charset="-128"/>
+                <a:ea typeface="メイリオ" pitchFamily="50" charset="-128"/>
+                <a:cs typeface="メイリオ" pitchFamily="50" charset="-128"/>
+              </a:rPr>
+              <a:t>大きく遅延することなく生産完了</a:t>
+            </a:r>
+            <a:r>
+              <a:rPr kumimoji="1" lang="en-US" altLang="ja-JP" sz="2400" b="1" i="0" u="none" strike="noStrike" kern="1200" cap="none" spc="0" normalizeH="0" baseline="0" noProof="0" dirty="0" smtClean="0">
+                <a:ln>
+                  <a:noFill/>
+                </a:ln>
+                <a:solidFill>
+                  <a:schemeClr val="tx1"/>
+                </a:solidFill>
+                <a:effectLst/>
+                <a:uLnTx/>
+                <a:uFillTx/>
+                <a:latin typeface="メイリオ" pitchFamily="50" charset="-128"/>
+                <a:ea typeface="メイリオ" pitchFamily="50" charset="-128"/>
+                <a:cs typeface="メイリオ" pitchFamily="50" charset="-128"/>
+              </a:rPr>
+              <a:t>.</a:t>
+            </a:r>
+          </a:p>
+          <a:p>
+            <a:pPr marL="342900" indent="-342900">
+              <a:spcBef>
+                <a:spcPct val="20000"/>
+              </a:spcBef>
+              <a:buFont typeface="Arial" pitchFamily="34" charset="0"/>
+              <a:buChar char="•"/>
+            </a:pPr>
+            <a:r>
+              <a:rPr lang="en-US" altLang="ja-JP" sz="2400" b="1" dirty="0" smtClean="0">
+                <a:latin typeface="メイリオ" pitchFamily="50" charset="-128"/>
+                <a:ea typeface="メイリオ" pitchFamily="50" charset="-128"/>
+                <a:cs typeface="メイリオ" pitchFamily="50" charset="-128"/>
+              </a:rPr>
+              <a:t>TravisCI</a:t>
+            </a:r>
+            <a:r>
+              <a:rPr lang="ja-JP" altLang="en-US" sz="2400" b="1" dirty="0" smtClean="0">
+                <a:latin typeface="メイリオ" pitchFamily="50" charset="-128"/>
+                <a:ea typeface="メイリオ" pitchFamily="50" charset="-128"/>
+                <a:cs typeface="メイリオ" pitchFamily="50" charset="-128"/>
+              </a:rPr>
+              <a:t>によるビルドも通っているため</a:t>
+            </a:r>
+            <a:r>
+              <a:rPr lang="en-US" altLang="ja-JP" sz="2400" b="1" dirty="0" smtClean="0">
+                <a:latin typeface="メイリオ" pitchFamily="50" charset="-128"/>
+                <a:ea typeface="メイリオ" pitchFamily="50" charset="-128"/>
+                <a:cs typeface="メイリオ" pitchFamily="50" charset="-128"/>
+              </a:rPr>
+              <a:t>, </a:t>
+            </a:r>
+            <a:r>
+              <a:rPr lang="ja-JP" altLang="en-US" sz="2400" b="1" dirty="0" smtClean="0">
+                <a:latin typeface="メイリオ" pitchFamily="50" charset="-128"/>
+                <a:ea typeface="メイリオ" pitchFamily="50" charset="-128"/>
+                <a:cs typeface="メイリオ" pitchFamily="50" charset="-128"/>
+              </a:rPr>
+              <a:t>最低限の品質は確保できている</a:t>
+            </a:r>
+            <a:r>
+              <a:rPr lang="en-US" altLang="ja-JP" sz="2400" b="1" dirty="0" smtClean="0">
+                <a:latin typeface="メイリオ" pitchFamily="50" charset="-128"/>
+                <a:ea typeface="メイリオ" pitchFamily="50" charset="-128"/>
+                <a:cs typeface="メイリオ" pitchFamily="50" charset="-128"/>
+              </a:rPr>
+              <a:t>.</a:t>
+            </a:r>
+            <a:endParaRPr kumimoji="1" lang="en-US" altLang="ja-JP" sz="3200" b="0" i="0" u="none" strike="noStrike" kern="1200" cap="none" spc="0" normalizeH="0" baseline="0" noProof="0" dirty="0" err="1" smtClean="0">
+              <a:ln>
+                <a:noFill/>
+              </a:ln>
+              <a:solidFill>
+                <a:schemeClr val="tx1"/>
+              </a:solidFill>
+              <a:effectLst/>
+              <a:uLnTx/>
+              <a:uFillTx/>
+              <a:latin typeface="+mn-lt"/>
+              <a:ea typeface="+mn-ea"/>
+              <a:cs typeface="+mn-cs"/>
+            </a:endParaRPr>
+          </a:p>
+        </p:txBody>
+      </p:sp>
+      <p:pic>
+        <p:nvPicPr>
+          <p:cNvPr id="10" name="Picture 2"/>
+          <p:cNvPicPr>
+            <a:picLocks noChangeAspect="1" noChangeArrowheads="1"/>
+          </p:cNvPicPr>
+          <p:nvPr/>
+        </p:nvPicPr>
+        <p:blipFill>
+          <a:blip r:embed="rId2" cstate="print"/>
+          <a:srcRect/>
+          <a:stretch>
+            <a:fillRect/>
+          </a:stretch>
+        </p:blipFill>
+        <p:spPr bwMode="auto">
+          <a:xfrm>
+            <a:off x="2123728" y="6381328"/>
+            <a:ext cx="4896544" cy="295685"/>
+          </a:xfrm>
+          <a:prstGeom prst="rect">
+            <a:avLst/>
+          </a:prstGeom>
+          <a:noFill/>
+          <a:ln w="9525">
+            <a:noFill/>
+            <a:miter lim="800000"/>
+            <a:headEnd/>
+            <a:tailEnd/>
+          </a:ln>
+        </p:spPr>
+      </p:pic>
     </p:spTree>
   </p:cSld>
   <p:clrMapOvr>
@@ -18793,6 +19951,318 @@
           </a:xfrm>
         </p:spPr>
         <p:txBody>
+          <a:bodyPr/>
+          <a:lstStyle/>
+          <a:p>
+            <a:r>
+              <a:rPr kumimoji="1" lang="ja-JP" altLang="en-US" b="1" dirty="0" smtClean="0">
+                <a:latin typeface="メイリオ" pitchFamily="50" charset="-128"/>
+                <a:ea typeface="メイリオ" pitchFamily="50" charset="-128"/>
+                <a:cs typeface="メイリオ" pitchFamily="50" charset="-128"/>
+              </a:rPr>
+              <a:t>今後の課題</a:t>
+            </a:r>
+            <a:endParaRPr kumimoji="1" lang="ja-JP" altLang="en-US" b="1" dirty="0">
+              <a:latin typeface="メイリオ" pitchFamily="50" charset="-128"/>
+              <a:ea typeface="メイリオ" pitchFamily="50" charset="-128"/>
+              <a:cs typeface="メイリオ" pitchFamily="50" charset="-128"/>
+            </a:endParaRPr>
+          </a:p>
+        </p:txBody>
+      </p:sp>
+      <p:sp>
+        <p:nvSpPr>
+          <p:cNvPr id="3" name="コンテンツ プレースホルダ 2"/>
+          <p:cNvSpPr>
+            <a:spLocks noGrp="1"/>
+          </p:cNvSpPr>
+          <p:nvPr>
+            <p:ph idx="1"/>
+          </p:nvPr>
+        </p:nvSpPr>
+        <p:spPr>
+          <a:xfrm>
+            <a:off x="395536" y="1196752"/>
+            <a:ext cx="8229600" cy="5184576"/>
+          </a:xfrm>
+        </p:spPr>
+        <p:txBody>
+          <a:bodyPr>
+            <a:normAutofit/>
+          </a:bodyPr>
+          <a:lstStyle/>
+          <a:p>
+            <a:r>
+              <a:rPr lang="ja-JP" altLang="en-US" sz="2800" b="1" dirty="0" smtClean="0">
+                <a:latin typeface="メイリオ" pitchFamily="50" charset="-128"/>
+                <a:ea typeface="メイリオ" pitchFamily="50" charset="-128"/>
+                <a:cs typeface="メイリオ" pitchFamily="50" charset="-128"/>
+              </a:rPr>
+              <a:t>仕様変更対応</a:t>
+            </a:r>
+            <a:endParaRPr lang="en-US" altLang="ja-JP" sz="2800" b="1" dirty="0" smtClean="0">
+              <a:latin typeface="メイリオ" pitchFamily="50" charset="-128"/>
+              <a:ea typeface="メイリオ" pitchFamily="50" charset="-128"/>
+              <a:cs typeface="メイリオ" pitchFamily="50" charset="-128"/>
+            </a:endParaRPr>
+          </a:p>
+          <a:p>
+            <a:pPr lvl="1"/>
+            <a:r>
+              <a:rPr lang="ja-JP" altLang="en-US" sz="2400" b="1" dirty="0" smtClean="0">
+                <a:latin typeface="メイリオ" pitchFamily="50" charset="-128"/>
+                <a:ea typeface="メイリオ" pitchFamily="50" charset="-128"/>
+                <a:cs typeface="メイリオ" pitchFamily="50" charset="-128"/>
+              </a:rPr>
+              <a:t>最新の仕様で実装できているが</a:t>
+            </a:r>
+            <a:r>
+              <a:rPr lang="en-US" altLang="ja-JP" sz="2400" b="1" dirty="0" smtClean="0">
+                <a:latin typeface="メイリオ" pitchFamily="50" charset="-128"/>
+                <a:ea typeface="メイリオ" pitchFamily="50" charset="-128"/>
+                <a:cs typeface="メイリオ" pitchFamily="50" charset="-128"/>
+              </a:rPr>
+              <a:t>, </a:t>
+            </a:r>
+            <a:r>
+              <a:rPr lang="ja-JP" altLang="en-US" sz="2400" b="1" dirty="0" smtClean="0">
+                <a:latin typeface="メイリオ" pitchFamily="50" charset="-128"/>
+                <a:ea typeface="メイリオ" pitchFamily="50" charset="-128"/>
+                <a:cs typeface="メイリオ" pitchFamily="50" charset="-128"/>
+              </a:rPr>
+              <a:t>今後も仕様変更が発生する</a:t>
+            </a:r>
+            <a:r>
+              <a:rPr lang="en-US" altLang="ja-JP" sz="2400" b="1" dirty="0" smtClean="0">
+                <a:latin typeface="メイリオ" pitchFamily="50" charset="-128"/>
+                <a:ea typeface="メイリオ" pitchFamily="50" charset="-128"/>
+                <a:cs typeface="メイリオ" pitchFamily="50" charset="-128"/>
+              </a:rPr>
+              <a:t>. </a:t>
+            </a:r>
+            <a:r>
+              <a:rPr lang="ja-JP" altLang="en-US" sz="2400" b="1" dirty="0" smtClean="0">
+                <a:latin typeface="メイリオ" pitchFamily="50" charset="-128"/>
+                <a:ea typeface="メイリオ" pitchFamily="50" charset="-128"/>
+                <a:cs typeface="メイリオ" pitchFamily="50" charset="-128"/>
+              </a:rPr>
+              <a:t>その際</a:t>
+            </a:r>
+            <a:r>
+              <a:rPr lang="en-US" altLang="ja-JP" sz="2400" b="1" dirty="0" smtClean="0">
+                <a:latin typeface="メイリオ" pitchFamily="50" charset="-128"/>
+                <a:ea typeface="メイリオ" pitchFamily="50" charset="-128"/>
+                <a:cs typeface="メイリオ" pitchFamily="50" charset="-128"/>
+              </a:rPr>
+              <a:t>, </a:t>
+            </a:r>
+            <a:r>
+              <a:rPr lang="ja-JP" altLang="en-US" sz="2400" b="1" dirty="0" smtClean="0">
+                <a:latin typeface="メイリオ" pitchFamily="50" charset="-128"/>
+                <a:ea typeface="メイリオ" pitchFamily="50" charset="-128"/>
+                <a:cs typeface="メイリオ" pitchFamily="50" charset="-128"/>
+              </a:rPr>
+              <a:t>改修作業が必要である</a:t>
+            </a:r>
+            <a:r>
+              <a:rPr lang="en-US" altLang="ja-JP" sz="2400" b="1" dirty="0" smtClean="0">
+                <a:latin typeface="メイリオ" pitchFamily="50" charset="-128"/>
+                <a:ea typeface="メイリオ" pitchFamily="50" charset="-128"/>
+                <a:cs typeface="メイリオ" pitchFamily="50" charset="-128"/>
+              </a:rPr>
+              <a:t>.</a:t>
+            </a:r>
+          </a:p>
+          <a:p>
+            <a:pPr lvl="1"/>
+            <a:r>
+              <a:rPr lang="en-US" altLang="ja-JP" sz="2400" b="1" dirty="0" smtClean="0">
+                <a:latin typeface="メイリオ" pitchFamily="50" charset="-128"/>
+                <a:ea typeface="メイリオ" pitchFamily="50" charset="-128"/>
+                <a:cs typeface="メイリオ" pitchFamily="50" charset="-128"/>
+              </a:rPr>
+              <a:t>iframe</a:t>
+            </a:r>
+            <a:r>
+              <a:rPr lang="ja-JP" altLang="en-US" sz="2400" b="1" dirty="0" smtClean="0">
+                <a:latin typeface="メイリオ" pitchFamily="50" charset="-128"/>
+                <a:ea typeface="メイリオ" pitchFamily="50" charset="-128"/>
+                <a:cs typeface="メイリオ" pitchFamily="50" charset="-128"/>
+              </a:rPr>
+              <a:t>プラグイン</a:t>
+            </a:r>
+            <a:r>
+              <a:rPr lang="en-US" altLang="ja-JP" sz="2400" b="1" dirty="0" smtClean="0">
+                <a:latin typeface="メイリオ" pitchFamily="50" charset="-128"/>
+                <a:ea typeface="メイリオ" pitchFamily="50" charset="-128"/>
+                <a:cs typeface="メイリオ" pitchFamily="50" charset="-128"/>
+              </a:rPr>
+              <a:t>, </a:t>
+            </a:r>
+            <a:r>
+              <a:rPr lang="ja-JP" altLang="en-US" sz="2400" b="1" dirty="0" smtClean="0">
+                <a:latin typeface="メイリオ" pitchFamily="50" charset="-128"/>
+                <a:ea typeface="メイリオ" pitchFamily="50" charset="-128"/>
+                <a:cs typeface="メイリオ" pitchFamily="50" charset="-128"/>
+              </a:rPr>
+              <a:t>掲示板プラグインともに引き継ぎ者に説明済み</a:t>
+            </a:r>
+            <a:r>
+              <a:rPr lang="en-US" altLang="ja-JP" sz="2400" b="1" dirty="0" smtClean="0">
+                <a:latin typeface="メイリオ" pitchFamily="50" charset="-128"/>
+                <a:ea typeface="メイリオ" pitchFamily="50" charset="-128"/>
+                <a:cs typeface="メイリオ" pitchFamily="50" charset="-128"/>
+              </a:rPr>
+              <a:t>.</a:t>
+            </a:r>
+          </a:p>
+          <a:p>
+            <a:pPr lvl="1">
+              <a:buNone/>
+            </a:pPr>
+            <a:endParaRPr lang="en-US" altLang="ja-JP" b="1" dirty="0" smtClean="0">
+              <a:latin typeface="メイリオ" pitchFamily="50" charset="-128"/>
+              <a:ea typeface="メイリオ" pitchFamily="50" charset="-128"/>
+              <a:cs typeface="メイリオ" pitchFamily="50" charset="-128"/>
+            </a:endParaRPr>
+          </a:p>
+          <a:p>
+            <a:r>
+              <a:rPr lang="en-US" altLang="ja-JP" sz="2800" b="1" dirty="0" smtClean="0">
+                <a:latin typeface="メイリオ" pitchFamily="50" charset="-128"/>
+                <a:ea typeface="メイリオ" pitchFamily="50" charset="-128"/>
+                <a:cs typeface="メイリオ" pitchFamily="50" charset="-128"/>
+              </a:rPr>
+              <a:t>URL</a:t>
+            </a:r>
+            <a:r>
+              <a:rPr lang="ja-JP" altLang="en-US" sz="2800" b="1" dirty="0" smtClean="0">
+                <a:latin typeface="メイリオ" pitchFamily="50" charset="-128"/>
+                <a:ea typeface="メイリオ" pitchFamily="50" charset="-128"/>
+                <a:cs typeface="メイリオ" pitchFamily="50" charset="-128"/>
+              </a:rPr>
+              <a:t>設計等</a:t>
+            </a:r>
+            <a:r>
+              <a:rPr lang="en-US" altLang="ja-JP" sz="2800" b="1" dirty="0" smtClean="0">
+                <a:latin typeface="メイリオ" pitchFamily="50" charset="-128"/>
+                <a:ea typeface="メイリオ" pitchFamily="50" charset="-128"/>
+                <a:cs typeface="メイリオ" pitchFamily="50" charset="-128"/>
+              </a:rPr>
+              <a:t>, </a:t>
+            </a:r>
+            <a:r>
+              <a:rPr lang="ja-JP" altLang="en-US" sz="2800" b="1" dirty="0" smtClean="0">
+                <a:latin typeface="メイリオ" pitchFamily="50" charset="-128"/>
+                <a:ea typeface="メイリオ" pitchFamily="50" charset="-128"/>
+                <a:cs typeface="メイリオ" pitchFamily="50" charset="-128"/>
+              </a:rPr>
+              <a:t>共通処理仕様詰め</a:t>
+            </a:r>
+            <a:endParaRPr lang="en-US" altLang="ja-JP" b="1" dirty="0" smtClean="0">
+              <a:latin typeface="メイリオ" pitchFamily="50" charset="-128"/>
+              <a:ea typeface="メイリオ" pitchFamily="50" charset="-128"/>
+              <a:cs typeface="メイリオ" pitchFamily="50" charset="-128"/>
+            </a:endParaRPr>
+          </a:p>
+          <a:p>
+            <a:pPr lvl="1"/>
+            <a:r>
+              <a:rPr lang="ja-JP" altLang="en-US" sz="2400" b="1" dirty="0" smtClean="0">
+                <a:latin typeface="メイリオ" pitchFamily="50" charset="-128"/>
+                <a:ea typeface="メイリオ" pitchFamily="50" charset="-128"/>
+                <a:cs typeface="メイリオ" pitchFamily="50" charset="-128"/>
+              </a:rPr>
+              <a:t>一年間を通して様々な仕様が決定したが</a:t>
+            </a:r>
+            <a:r>
+              <a:rPr lang="en-US" altLang="ja-JP" sz="2400" b="1" dirty="0" smtClean="0">
+                <a:latin typeface="メイリオ" pitchFamily="50" charset="-128"/>
+                <a:ea typeface="メイリオ" pitchFamily="50" charset="-128"/>
+                <a:cs typeface="メイリオ" pitchFamily="50" charset="-128"/>
+              </a:rPr>
+              <a:t>, </a:t>
+            </a:r>
+            <a:r>
+              <a:rPr lang="ja-JP" altLang="en-US" sz="2400" b="1" dirty="0" smtClean="0">
+                <a:latin typeface="メイリオ" pitchFamily="50" charset="-128"/>
+                <a:ea typeface="メイリオ" pitchFamily="50" charset="-128"/>
+                <a:cs typeface="メイリオ" pitchFamily="50" charset="-128"/>
+              </a:rPr>
+              <a:t>仕様が詰められていない箇所が多く現存している</a:t>
+            </a:r>
+            <a:r>
+              <a:rPr lang="en-US" altLang="ja-JP" sz="2400" b="1" dirty="0" smtClean="0">
+                <a:latin typeface="メイリオ" pitchFamily="50" charset="-128"/>
+                <a:ea typeface="メイリオ" pitchFamily="50" charset="-128"/>
+                <a:cs typeface="メイリオ" pitchFamily="50" charset="-128"/>
+              </a:rPr>
+              <a:t>.</a:t>
+            </a:r>
+          </a:p>
+          <a:p>
+            <a:pPr lvl="1"/>
+            <a:r>
+              <a:rPr lang="ja-JP" altLang="en-US" sz="2400" b="1" dirty="0" smtClean="0">
+                <a:latin typeface="メイリオ" pitchFamily="50" charset="-128"/>
+                <a:ea typeface="メイリオ" pitchFamily="50" charset="-128"/>
+                <a:cs typeface="メイリオ" pitchFamily="50" charset="-128"/>
+              </a:rPr>
+              <a:t>掲示板プラグイン開発時に共通化が必要な個所をリストにして引き継いだ</a:t>
+            </a:r>
+            <a:r>
+              <a:rPr lang="en-US" altLang="ja-JP" sz="2400" b="1" dirty="0" smtClean="0">
+                <a:latin typeface="メイリオ" pitchFamily="50" charset="-128"/>
+                <a:ea typeface="メイリオ" pitchFamily="50" charset="-128"/>
+                <a:cs typeface="メイリオ" pitchFamily="50" charset="-128"/>
+              </a:rPr>
+              <a:t>.</a:t>
+            </a:r>
+          </a:p>
+        </p:txBody>
+      </p:sp>
+    </p:spTree>
+  </p:cSld>
+  <p:clrMapOvr>
+    <a:masterClrMapping/>
+  </p:clrMapOvr>
+</p:sld>
+</file>
+
+<file path=ppt/slides/slide22.xml><?xml version="1.0" encoding="utf-8"?>
+<p:sld xmlns:a="http://schemas.openxmlformats.org/drawingml/2006/main" xmlns:r="http://schemas.openxmlformats.org/officeDocument/2006/relationships" xmlns:p="http://schemas.openxmlformats.org/presentationml/2006/main">
+  <p:cSld>
+    <p:spTree>
+      <p:nvGrpSpPr>
+        <p:cNvPr id="1" name=""/>
+        <p:cNvGrpSpPr/>
+        <p:nvPr/>
+      </p:nvGrpSpPr>
+      <p:grpSpPr>
+        <a:xfrm>
+          <a:off x="0" y="0"/>
+          <a:ext cx="0" cy="0"/>
+          <a:chOff x="0" y="0"/>
+          <a:chExt cx="0" cy="0"/>
+        </a:xfrm>
+      </p:grpSpPr>
+      <p:sp>
+        <p:nvSpPr>
+          <p:cNvPr id="2" name="タイトル 1"/>
+          <p:cNvSpPr>
+            <a:spLocks noGrp="1"/>
+          </p:cNvSpPr>
+          <p:nvPr>
+            <p:ph type="title"/>
+          </p:nvPr>
+        </p:nvSpPr>
+        <p:spPr>
+          <a:xfrm>
+            <a:off x="467544" y="0"/>
+            <a:ext cx="8229600" cy="1143000"/>
+          </a:xfrm>
+        </p:spPr>
+        <p:txBody>
           <a:bodyPr>
             <a:normAutofit/>
           </a:bodyPr>
@@ -18969,7 +20439,7 @@
 </p:sld>
 </file>
 
-<file path=ppt/slides/slide22.xml><?xml version="1.0" encoding="utf-8"?>
+<file path=ppt/slides/slide23.xml><?xml version="1.0" encoding="utf-8"?>
 <p:sld xmlns:a="http://schemas.openxmlformats.org/drawingml/2006/main" xmlns:r="http://schemas.openxmlformats.org/officeDocument/2006/relationships" xmlns:p="http://schemas.openxmlformats.org/presentationml/2006/main">
   <p:cSld>
     <p:spTree>
@@ -19306,7 +20776,7 @@
 </p:sld>
 </file>
 
-<file path=ppt/slides/slide23.xml><?xml version="1.0" encoding="utf-8"?>
+<file path=ppt/slides/slide24.xml><?xml version="1.0" encoding="utf-8"?>
 <p:sld xmlns:a="http://schemas.openxmlformats.org/drawingml/2006/main" xmlns:r="http://schemas.openxmlformats.org/officeDocument/2006/relationships" xmlns:p="http://schemas.openxmlformats.org/presentationml/2006/main" show="0">
   <p:cSld>
     <p:bg>
@@ -20282,7 +21752,7 @@
 </p:sld>
 </file>
 
-<file path=ppt/slides/slide24.xml><?xml version="1.0" encoding="utf-8"?>
+<file path=ppt/slides/slide25.xml><?xml version="1.0" encoding="utf-8"?>
 <p:sld xmlns:a="http://schemas.openxmlformats.org/drawingml/2006/main" xmlns:r="http://schemas.openxmlformats.org/officeDocument/2006/relationships" xmlns:p="http://schemas.openxmlformats.org/presentationml/2006/main" show="0">
   <p:cSld>
     <p:spTree>
@@ -20482,7 +21952,7 @@
 </p:sld>
 </file>
 
-<file path=ppt/slides/slide25.xml><?xml version="1.0" encoding="utf-8"?>
+<file path=ppt/slides/slide26.xml><?xml version="1.0" encoding="utf-8"?>
 <p:sld xmlns:a="http://schemas.openxmlformats.org/drawingml/2006/main" xmlns:r="http://schemas.openxmlformats.org/officeDocument/2006/relationships" xmlns:p="http://schemas.openxmlformats.org/presentationml/2006/main" show="0">
   <p:cSld>
     <p:spTree>
@@ -21047,7 +22517,7 @@
 </p:sld>
 </file>
 
-<file path=ppt/slides/slide26.xml><?xml version="1.0" encoding="utf-8"?>
+<file path=ppt/slides/slide27.xml><?xml version="1.0" encoding="utf-8"?>
 <p:sld xmlns:a="http://schemas.openxmlformats.org/drawingml/2006/main" xmlns:r="http://schemas.openxmlformats.org/officeDocument/2006/relationships" xmlns:p="http://schemas.openxmlformats.org/presentationml/2006/main" showMasterSp="0" show="0">
   <p:cSld>
     <p:spTree>
@@ -22373,7 +23843,7 @@
 </p:sld>
 </file>
 
-<file path=ppt/slides/slide27.xml><?xml version="1.0" encoding="utf-8"?>
+<file path=ppt/slides/slide28.xml><?xml version="1.0" encoding="utf-8"?>
 <p:sld xmlns:a="http://schemas.openxmlformats.org/drawingml/2006/main" xmlns:r="http://schemas.openxmlformats.org/officeDocument/2006/relationships" xmlns:p="http://schemas.openxmlformats.org/presentationml/2006/main" showMasterSp="0" show="0">
   <p:cSld>
     <p:spTree>
@@ -22493,7 +23963,7 @@
 </p:sld>
 </file>
 
-<file path=ppt/slides/slide28.xml><?xml version="1.0" encoding="utf-8"?>
+<file path=ppt/slides/slide29.xml><?xml version="1.0" encoding="utf-8"?>
 <p:sld xmlns:a="http://schemas.openxmlformats.org/drawingml/2006/main" xmlns:r="http://schemas.openxmlformats.org/officeDocument/2006/relationships" xmlns:p="http://schemas.openxmlformats.org/presentationml/2006/main" showMasterSp="0" show="0">
   <p:cSld>
     <p:spTree>
@@ -22584,165 +24054,6 @@
               </a:srgbClr>
             </a:outerShdw>
           </a:effectLst>
-        </p:spPr>
-      </p:pic>
-    </p:spTree>
-  </p:cSld>
-  <p:clrMapOvr>
-    <a:masterClrMapping/>
-  </p:clrMapOvr>
-  <p:transition/>
-</p:sld>
-</file>
-
-<file path=ppt/slides/slide29.xml><?xml version="1.0" encoding="utf-8"?>
-<p:sld xmlns:a="http://schemas.openxmlformats.org/drawingml/2006/main" xmlns:r="http://schemas.openxmlformats.org/officeDocument/2006/relationships" xmlns:p="http://schemas.openxmlformats.org/presentationml/2006/main" showMasterSp="0" show="0">
-  <p:cSld>
-    <p:spTree>
-      <p:nvGrpSpPr>
-        <p:cNvPr id="1" name=""/>
-        <p:cNvGrpSpPr/>
-        <p:nvPr/>
-      </p:nvGrpSpPr>
-      <p:grpSpPr>
-        <a:xfrm>
-          <a:off x="0" y="0"/>
-          <a:ext cx="0" cy="0"/>
-          <a:chOff x="0" y="0"/>
-          <a:chExt cx="0" cy="0"/>
-        </a:xfrm>
-      </p:grpSpPr>
-      <p:sp>
-        <p:nvSpPr>
-          <p:cNvPr id="2" name="テキスト ボックス 1"/>
-          <p:cNvSpPr txBox="1"/>
-          <p:nvPr/>
-        </p:nvSpPr>
-        <p:spPr>
-          <a:xfrm>
-            <a:off x="1187624" y="5373216"/>
-            <a:ext cx="7093296" cy="1323439"/>
-          </a:xfrm>
-          <a:prstGeom prst="rect">
-            <a:avLst/>
-          </a:prstGeom>
-          <a:noFill/>
-        </p:spPr>
-        <p:txBody>
-          <a:bodyPr wrap="square" rtlCol="0">
-            <a:spAutoFit/>
-          </a:bodyPr>
-          <a:lstStyle/>
-          <a:p>
-            <a:r>
-              <a:rPr lang="en-US" altLang="ja-JP" sz="4000" b="1" dirty="0" smtClean="0">
-                <a:latin typeface="メイリオ" pitchFamily="50" charset="-128"/>
-                <a:ea typeface="メイリオ" pitchFamily="50" charset="-128"/>
-                <a:cs typeface="メイリオ" pitchFamily="50" charset="-128"/>
-              </a:rPr>
-              <a:t>(4)</a:t>
-            </a:r>
-            <a:r>
-              <a:rPr lang="ja-JP" altLang="en-US" sz="4000" b="1" dirty="0" smtClean="0">
-                <a:latin typeface="メイリオ" pitchFamily="50" charset="-128"/>
-                <a:ea typeface="メイリオ" pitchFamily="50" charset="-128"/>
-                <a:cs typeface="メイリオ" pitchFamily="50" charset="-128"/>
-              </a:rPr>
-              <a:t>　開発環境でのテスト</a:t>
-            </a:r>
-            <a:endParaRPr lang="en-US" altLang="ja-JP" sz="4000" b="1" dirty="0" smtClean="0">
-              <a:latin typeface="メイリオ" pitchFamily="50" charset="-128"/>
-              <a:ea typeface="メイリオ" pitchFamily="50" charset="-128"/>
-              <a:cs typeface="メイリオ" pitchFamily="50" charset="-128"/>
-            </a:endParaRPr>
-          </a:p>
-          <a:p>
-            <a:r>
-              <a:rPr lang="ja-JP" altLang="en-US" sz="4000" b="1" dirty="0" smtClean="0">
-                <a:latin typeface="メイリオ" pitchFamily="50" charset="-128"/>
-                <a:ea typeface="メイリオ" pitchFamily="50" charset="-128"/>
-                <a:cs typeface="メイリオ" pitchFamily="50" charset="-128"/>
-              </a:rPr>
-              <a:t>　　</a:t>
-            </a:r>
-            <a:r>
-              <a:rPr lang="en-US" altLang="ja-JP" sz="4000" b="1" dirty="0" smtClean="0">
-                <a:latin typeface="メイリオ" pitchFamily="50" charset="-128"/>
-                <a:ea typeface="メイリオ" pitchFamily="50" charset="-128"/>
-                <a:cs typeface="メイリオ" pitchFamily="50" charset="-128"/>
-              </a:rPr>
-              <a:t>(</a:t>
-            </a:r>
-            <a:r>
-              <a:rPr lang="ja-JP" altLang="en-US" sz="4000" b="1" dirty="0" smtClean="0">
-                <a:latin typeface="メイリオ" pitchFamily="50" charset="-128"/>
-                <a:ea typeface="メイリオ" pitchFamily="50" charset="-128"/>
-                <a:cs typeface="メイリオ" pitchFamily="50" charset="-128"/>
-              </a:rPr>
-              <a:t>構文</a:t>
-            </a:r>
-            <a:r>
-              <a:rPr lang="en-US" altLang="ja-JP" sz="4000" b="1" dirty="0" smtClean="0">
-                <a:latin typeface="メイリオ" pitchFamily="50" charset="-128"/>
-                <a:ea typeface="メイリオ" pitchFamily="50" charset="-128"/>
-                <a:cs typeface="メイリオ" pitchFamily="50" charset="-128"/>
-              </a:rPr>
-              <a:t>, </a:t>
-            </a:r>
-            <a:r>
-              <a:rPr lang="ja-JP" altLang="en-US" sz="4000" b="1" dirty="0" smtClean="0">
-                <a:latin typeface="メイリオ" pitchFamily="50" charset="-128"/>
-                <a:ea typeface="メイリオ" pitchFamily="50" charset="-128"/>
-                <a:cs typeface="メイリオ" pitchFamily="50" charset="-128"/>
-              </a:rPr>
-              <a:t>規約チェック等</a:t>
-            </a:r>
-            <a:r>
-              <a:rPr lang="en-US" altLang="ja-JP" sz="4000" b="1" dirty="0" smtClean="0">
-                <a:latin typeface="メイリオ" pitchFamily="50" charset="-128"/>
-                <a:ea typeface="メイリオ" pitchFamily="50" charset="-128"/>
-                <a:cs typeface="メイリオ" pitchFamily="50" charset="-128"/>
-              </a:rPr>
-              <a:t>)</a:t>
-            </a:r>
-            <a:endParaRPr lang="ja-JP" altLang="en-US" sz="4000" b="1" dirty="0" smtClean="0">
-              <a:latin typeface="メイリオ" pitchFamily="50" charset="-128"/>
-              <a:ea typeface="メイリオ" pitchFamily="50" charset="-128"/>
-              <a:cs typeface="メイリオ" pitchFamily="50" charset="-128"/>
-            </a:endParaRPr>
-          </a:p>
-        </p:txBody>
-      </p:sp>
-      <p:pic>
-        <p:nvPicPr>
-          <p:cNvPr id="3" name="Picture 12"/>
-          <p:cNvPicPr>
-            <a:picLocks noChangeAspect="1" noChangeArrowheads="1"/>
-          </p:cNvPicPr>
-          <p:nvPr/>
-        </p:nvPicPr>
-        <p:blipFill>
-          <a:blip r:embed="rId2" cstate="print"/>
-          <a:srcRect t="36842" r="28783"/>
-          <a:stretch>
-            <a:fillRect/>
-          </a:stretch>
-        </p:blipFill>
-        <p:spPr bwMode="auto">
-          <a:xfrm>
-            <a:off x="251520" y="332656"/>
-            <a:ext cx="6003667" cy="1656184"/>
-          </a:xfrm>
-          <a:prstGeom prst="rect">
-            <a:avLst/>
-          </a:prstGeom>
-          <a:noFill/>
-          <a:ln w="9525">
-            <a:noFill/>
-            <a:miter lim="800000"/>
-            <a:headEnd/>
-            <a:tailEnd/>
-          </a:ln>
         </p:spPr>
       </p:pic>
     </p:spTree>
@@ -22961,6 +24272,165 @@
 </file>
 
 <file path=ppt/slides/slide30.xml><?xml version="1.0" encoding="utf-8"?>
+<p:sld xmlns:a="http://schemas.openxmlformats.org/drawingml/2006/main" xmlns:r="http://schemas.openxmlformats.org/officeDocument/2006/relationships" xmlns:p="http://schemas.openxmlformats.org/presentationml/2006/main" showMasterSp="0" show="0">
+  <p:cSld>
+    <p:spTree>
+      <p:nvGrpSpPr>
+        <p:cNvPr id="1" name=""/>
+        <p:cNvGrpSpPr/>
+        <p:nvPr/>
+      </p:nvGrpSpPr>
+      <p:grpSpPr>
+        <a:xfrm>
+          <a:off x="0" y="0"/>
+          <a:ext cx="0" cy="0"/>
+          <a:chOff x="0" y="0"/>
+          <a:chExt cx="0" cy="0"/>
+        </a:xfrm>
+      </p:grpSpPr>
+      <p:sp>
+        <p:nvSpPr>
+          <p:cNvPr id="2" name="テキスト ボックス 1"/>
+          <p:cNvSpPr txBox="1"/>
+          <p:nvPr/>
+        </p:nvSpPr>
+        <p:spPr>
+          <a:xfrm>
+            <a:off x="1187624" y="5373216"/>
+            <a:ext cx="7093296" cy="1323439"/>
+          </a:xfrm>
+          <a:prstGeom prst="rect">
+            <a:avLst/>
+          </a:prstGeom>
+          <a:noFill/>
+        </p:spPr>
+        <p:txBody>
+          <a:bodyPr wrap="square" rtlCol="0">
+            <a:spAutoFit/>
+          </a:bodyPr>
+          <a:lstStyle/>
+          <a:p>
+            <a:r>
+              <a:rPr lang="en-US" altLang="ja-JP" sz="4000" b="1" dirty="0" smtClean="0">
+                <a:latin typeface="メイリオ" pitchFamily="50" charset="-128"/>
+                <a:ea typeface="メイリオ" pitchFamily="50" charset="-128"/>
+                <a:cs typeface="メイリオ" pitchFamily="50" charset="-128"/>
+              </a:rPr>
+              <a:t>(4)</a:t>
+            </a:r>
+            <a:r>
+              <a:rPr lang="ja-JP" altLang="en-US" sz="4000" b="1" dirty="0" smtClean="0">
+                <a:latin typeface="メイリオ" pitchFamily="50" charset="-128"/>
+                <a:ea typeface="メイリオ" pitchFamily="50" charset="-128"/>
+                <a:cs typeface="メイリオ" pitchFamily="50" charset="-128"/>
+              </a:rPr>
+              <a:t>　開発環境でのテスト</a:t>
+            </a:r>
+            <a:endParaRPr lang="en-US" altLang="ja-JP" sz="4000" b="1" dirty="0" smtClean="0">
+              <a:latin typeface="メイリオ" pitchFamily="50" charset="-128"/>
+              <a:ea typeface="メイリオ" pitchFamily="50" charset="-128"/>
+              <a:cs typeface="メイリオ" pitchFamily="50" charset="-128"/>
+            </a:endParaRPr>
+          </a:p>
+          <a:p>
+            <a:r>
+              <a:rPr lang="ja-JP" altLang="en-US" sz="4000" b="1" dirty="0" smtClean="0">
+                <a:latin typeface="メイリオ" pitchFamily="50" charset="-128"/>
+                <a:ea typeface="メイリオ" pitchFamily="50" charset="-128"/>
+                <a:cs typeface="メイリオ" pitchFamily="50" charset="-128"/>
+              </a:rPr>
+              <a:t>　　</a:t>
+            </a:r>
+            <a:r>
+              <a:rPr lang="en-US" altLang="ja-JP" sz="4000" b="1" dirty="0" smtClean="0">
+                <a:latin typeface="メイリオ" pitchFamily="50" charset="-128"/>
+                <a:ea typeface="メイリオ" pitchFamily="50" charset="-128"/>
+                <a:cs typeface="メイリオ" pitchFamily="50" charset="-128"/>
+              </a:rPr>
+              <a:t>(</a:t>
+            </a:r>
+            <a:r>
+              <a:rPr lang="ja-JP" altLang="en-US" sz="4000" b="1" dirty="0" smtClean="0">
+                <a:latin typeface="メイリオ" pitchFamily="50" charset="-128"/>
+                <a:ea typeface="メイリオ" pitchFamily="50" charset="-128"/>
+                <a:cs typeface="メイリオ" pitchFamily="50" charset="-128"/>
+              </a:rPr>
+              <a:t>構文</a:t>
+            </a:r>
+            <a:r>
+              <a:rPr lang="en-US" altLang="ja-JP" sz="4000" b="1" dirty="0" smtClean="0">
+                <a:latin typeface="メイリオ" pitchFamily="50" charset="-128"/>
+                <a:ea typeface="メイリオ" pitchFamily="50" charset="-128"/>
+                <a:cs typeface="メイリオ" pitchFamily="50" charset="-128"/>
+              </a:rPr>
+              <a:t>, </a:t>
+            </a:r>
+            <a:r>
+              <a:rPr lang="ja-JP" altLang="en-US" sz="4000" b="1" dirty="0" smtClean="0">
+                <a:latin typeface="メイリオ" pitchFamily="50" charset="-128"/>
+                <a:ea typeface="メイリオ" pitchFamily="50" charset="-128"/>
+                <a:cs typeface="メイリオ" pitchFamily="50" charset="-128"/>
+              </a:rPr>
+              <a:t>規約チェック等</a:t>
+            </a:r>
+            <a:r>
+              <a:rPr lang="en-US" altLang="ja-JP" sz="4000" b="1" dirty="0" smtClean="0">
+                <a:latin typeface="メイリオ" pitchFamily="50" charset="-128"/>
+                <a:ea typeface="メイリオ" pitchFamily="50" charset="-128"/>
+                <a:cs typeface="メイリオ" pitchFamily="50" charset="-128"/>
+              </a:rPr>
+              <a:t>)</a:t>
+            </a:r>
+            <a:endParaRPr lang="ja-JP" altLang="en-US" sz="4000" b="1" dirty="0" smtClean="0">
+              <a:latin typeface="メイリオ" pitchFamily="50" charset="-128"/>
+              <a:ea typeface="メイリオ" pitchFamily="50" charset="-128"/>
+              <a:cs typeface="メイリオ" pitchFamily="50" charset="-128"/>
+            </a:endParaRPr>
+          </a:p>
+        </p:txBody>
+      </p:sp>
+      <p:pic>
+        <p:nvPicPr>
+          <p:cNvPr id="3" name="Picture 12"/>
+          <p:cNvPicPr>
+            <a:picLocks noChangeAspect="1" noChangeArrowheads="1"/>
+          </p:cNvPicPr>
+          <p:nvPr/>
+        </p:nvPicPr>
+        <p:blipFill>
+          <a:blip r:embed="rId2" cstate="print"/>
+          <a:srcRect t="36842" r="28783"/>
+          <a:stretch>
+            <a:fillRect/>
+          </a:stretch>
+        </p:blipFill>
+        <p:spPr bwMode="auto">
+          <a:xfrm>
+            <a:off x="251520" y="332656"/>
+            <a:ext cx="6003667" cy="1656184"/>
+          </a:xfrm>
+          <a:prstGeom prst="rect">
+            <a:avLst/>
+          </a:prstGeom>
+          <a:noFill/>
+          <a:ln w="9525">
+            <a:noFill/>
+            <a:miter lim="800000"/>
+            <a:headEnd/>
+            <a:tailEnd/>
+          </a:ln>
+        </p:spPr>
+      </p:pic>
+    </p:spTree>
+  </p:cSld>
+  <p:clrMapOvr>
+    <a:masterClrMapping/>
+  </p:clrMapOvr>
+  <p:transition/>
+</p:sld>
+</file>
+
+<file path=ppt/slides/slide31.xml><?xml version="1.0" encoding="utf-8"?>
 <p:sld xmlns:a="http://schemas.openxmlformats.org/drawingml/2006/main" xmlns:r="http://schemas.openxmlformats.org/officeDocument/2006/relationships" xmlns:p="http://schemas.openxmlformats.org/presentationml/2006/main" showMasterSp="0" show="0">
   <p:cSld>
     <p:spTree>
@@ -23258,7 +24728,7 @@
 </p:sld>
 </file>
 
-<file path=ppt/slides/slide31.xml><?xml version="1.0" encoding="utf-8"?>
+<file path=ppt/slides/slide32.xml><?xml version="1.0" encoding="utf-8"?>
 <p:sld xmlns:a="http://schemas.openxmlformats.org/drawingml/2006/main" xmlns:r="http://schemas.openxmlformats.org/officeDocument/2006/relationships" xmlns:p="http://schemas.openxmlformats.org/presentationml/2006/main" showMasterSp="0" show="0">
   <p:cSld>
     <p:spTree>

--- a/2.最終報告/3.発表資料/報告資料(最終).pptx
+++ b/2.最終報告/3.発表資料/報告資料(最終).pptx
@@ -5,7 +5,7 @@
     <p:sldMasterId id="2147483648" r:id="rId1"/>
   </p:sldMasterIdLst>
   <p:notesMasterIdLst>
-    <p:notesMasterId r:id="rId34"/>
+    <p:notesMasterId r:id="rId35"/>
   </p:notesMasterIdLst>
   <p:sldIdLst>
     <p:sldId id="293" r:id="rId2"/>
@@ -40,6 +40,7 @@
     <p:sldId id="290" r:id="rId31"/>
     <p:sldId id="291" r:id="rId32"/>
     <p:sldId id="292" r:id="rId33"/>
+    <p:sldId id="295" r:id="rId34"/>
   </p:sldIdLst>
   <p:sldSz cx="9144000" cy="6858000" type="screen4x3"/>
   <p:notesSz cx="6858000" cy="9144000"/>
@@ -224,7 +225,7 @@
             <a:fld id="{093BF3DA-D70A-4307-BB0F-E8C53C12A971}" type="datetimeFigureOut">
               <a:rPr kumimoji="1" lang="ja-JP" altLang="en-US" smtClean="0"/>
               <a:pPr/>
-              <a:t>2015/3/17</a:t>
+              <a:t>2015/3/18</a:t>
             </a:fld>
             <a:endParaRPr kumimoji="1" lang="ja-JP" altLang="en-US"/>
           </a:p>
@@ -1262,7 +1263,7 @@
             <a:fld id="{E90ED720-0104-4369-84BC-D37694168613}" type="datetimeFigureOut">
               <a:rPr kumimoji="1" lang="ja-JP" altLang="en-US" smtClean="0"/>
               <a:pPr/>
-              <a:t>2015/3/17</a:t>
+              <a:t>2015/3/18</a:t>
             </a:fld>
             <a:endParaRPr kumimoji="1" lang="ja-JP" altLang="en-US"/>
           </a:p>
@@ -1461,7 +1462,7 @@
             <a:fld id="{E90ED720-0104-4369-84BC-D37694168613}" type="datetimeFigureOut">
               <a:rPr kumimoji="1" lang="ja-JP" altLang="en-US" smtClean="0"/>
               <a:pPr/>
-              <a:t>2015/3/17</a:t>
+              <a:t>2015/3/18</a:t>
             </a:fld>
             <a:endParaRPr kumimoji="1" lang="ja-JP" altLang="en-US"/>
           </a:p>
@@ -1670,7 +1671,7 @@
             <a:fld id="{E90ED720-0104-4369-84BC-D37694168613}" type="datetimeFigureOut">
               <a:rPr kumimoji="1" lang="ja-JP" altLang="en-US" smtClean="0"/>
               <a:pPr/>
-              <a:t>2015/3/17</a:t>
+              <a:t>2015/3/18</a:t>
             </a:fld>
             <a:endParaRPr kumimoji="1" lang="ja-JP" altLang="en-US"/>
           </a:p>
@@ -1869,7 +1870,7 @@
             <a:fld id="{E90ED720-0104-4369-84BC-D37694168613}" type="datetimeFigureOut">
               <a:rPr kumimoji="1" lang="ja-JP" altLang="en-US" smtClean="0"/>
               <a:pPr/>
-              <a:t>2015/3/17</a:t>
+              <a:t>2015/3/18</a:t>
             </a:fld>
             <a:endParaRPr kumimoji="1" lang="ja-JP" altLang="en-US"/>
           </a:p>
@@ -2112,7 +2113,7 @@
             <a:fld id="{E90ED720-0104-4369-84BC-D37694168613}" type="datetimeFigureOut">
               <a:rPr kumimoji="1" lang="ja-JP" altLang="en-US" smtClean="0"/>
               <a:pPr/>
-              <a:t>2015/3/17</a:t>
+              <a:t>2015/3/18</a:t>
             </a:fld>
             <a:endParaRPr kumimoji="1" lang="ja-JP" altLang="en-US"/>
           </a:p>
@@ -2461,7 +2462,7 @@
             <a:fld id="{E90ED720-0104-4369-84BC-D37694168613}" type="datetimeFigureOut">
               <a:rPr kumimoji="1" lang="ja-JP" altLang="en-US" smtClean="0"/>
               <a:pPr/>
-              <a:t>2015/3/17</a:t>
+              <a:t>2015/3/18</a:t>
             </a:fld>
             <a:endParaRPr kumimoji="1" lang="ja-JP" altLang="en-US"/>
           </a:p>
@@ -2944,7 +2945,7 @@
             <a:fld id="{E90ED720-0104-4369-84BC-D37694168613}" type="datetimeFigureOut">
               <a:rPr kumimoji="1" lang="ja-JP" altLang="en-US" smtClean="0"/>
               <a:pPr/>
-              <a:t>2015/3/17</a:t>
+              <a:t>2015/3/18</a:t>
             </a:fld>
             <a:endParaRPr kumimoji="1" lang="ja-JP" altLang="en-US"/>
           </a:p>
@@ -3059,7 +3060,7 @@
             <a:fld id="{E90ED720-0104-4369-84BC-D37694168613}" type="datetimeFigureOut">
               <a:rPr kumimoji="1" lang="ja-JP" altLang="en-US" smtClean="0"/>
               <a:pPr/>
-              <a:t>2015/3/17</a:t>
+              <a:t>2015/3/18</a:t>
             </a:fld>
             <a:endParaRPr kumimoji="1" lang="ja-JP" altLang="en-US"/>
           </a:p>
@@ -3151,7 +3152,7 @@
             <a:fld id="{E90ED720-0104-4369-84BC-D37694168613}" type="datetimeFigureOut">
               <a:rPr kumimoji="1" lang="ja-JP" altLang="en-US" smtClean="0"/>
               <a:pPr/>
-              <a:t>2015/3/17</a:t>
+              <a:t>2015/3/18</a:t>
             </a:fld>
             <a:endParaRPr kumimoji="1" lang="ja-JP" altLang="en-US"/>
           </a:p>
@@ -3457,7 +3458,7 @@
             <a:fld id="{E90ED720-0104-4369-84BC-D37694168613}" type="datetimeFigureOut">
               <a:rPr kumimoji="1" lang="ja-JP" altLang="en-US" smtClean="0"/>
               <a:pPr/>
-              <a:t>2015/3/17</a:t>
+              <a:t>2015/3/18</a:t>
             </a:fld>
             <a:endParaRPr kumimoji="1" lang="ja-JP" altLang="en-US"/>
           </a:p>
@@ -3707,7 +3708,7 @@
             <a:fld id="{E90ED720-0104-4369-84BC-D37694168613}" type="datetimeFigureOut">
               <a:rPr kumimoji="1" lang="ja-JP" altLang="en-US" smtClean="0"/>
               <a:pPr/>
-              <a:t>2015/3/17</a:t>
+              <a:t>2015/3/18</a:t>
             </a:fld>
             <a:endParaRPr kumimoji="1" lang="ja-JP" altLang="en-US"/>
           </a:p>
@@ -3949,7 +3950,7 @@
             <a:fld id="{E90ED720-0104-4369-84BC-D37694168613}" type="datetimeFigureOut">
               <a:rPr kumimoji="1" lang="ja-JP" altLang="en-US" smtClean="0"/>
               <a:pPr/>
-              <a:t>2015/3/17</a:t>
+              <a:t>2015/3/18</a:t>
             </a:fld>
             <a:endParaRPr kumimoji="1" lang="ja-JP" altLang="en-US"/>
           </a:p>
@@ -7507,15 +7508,7 @@
                 <a:ea typeface="メイリオ" pitchFamily="50" charset="-128"/>
                 <a:cs typeface="メイリオ" pitchFamily="50" charset="-128"/>
               </a:rPr>
-              <a:t>情報</a:t>
-            </a:r>
-            <a:r>
-              <a:rPr lang="ja-JP" altLang="en-US" b="1" u="sng" dirty="0" smtClean="0">
-                <a:latin typeface="メイリオ" pitchFamily="50" charset="-128"/>
-                <a:ea typeface="メイリオ" pitchFamily="50" charset="-128"/>
-                <a:cs typeface="メイリオ" pitchFamily="50" charset="-128"/>
-              </a:rPr>
-              <a:t>共有機能</a:t>
+              <a:t>情報共有機能</a:t>
             </a:r>
             <a:endParaRPr lang="en-US" altLang="ja-JP" b="1" u="sng" dirty="0" smtClean="0">
               <a:latin typeface="メイリオ" pitchFamily="50" charset="-128"/>
@@ -7637,11 +7630,6 @@
               </a:rPr>
               <a:t>RSS</a:t>
             </a:r>
-            <a:endParaRPr lang="en-US" altLang="ja-JP" b="1" dirty="0" smtClean="0">
-              <a:latin typeface="メイリオ" pitchFamily="50" charset="-128"/>
-              <a:ea typeface="メイリオ" pitchFamily="50" charset="-128"/>
-              <a:cs typeface="メイリオ" pitchFamily="50" charset="-128"/>
-            </a:endParaRPr>
           </a:p>
           <a:p>
             <a:pPr lvl="1">
@@ -7657,15 +7645,7 @@
                 <a:ea typeface="メイリオ" pitchFamily="50" charset="-128"/>
                 <a:cs typeface="メイリオ" pitchFamily="50" charset="-128"/>
               </a:rPr>
-              <a:t>i</a:t>
-            </a:r>
-            <a:r>
-              <a:rPr lang="en-US" altLang="ja-JP" b="1" dirty="0" smtClean="0">
-                <a:latin typeface="メイリオ" pitchFamily="50" charset="-128"/>
-                <a:ea typeface="メイリオ" pitchFamily="50" charset="-128"/>
-                <a:cs typeface="メイリオ" pitchFamily="50" charset="-128"/>
-              </a:rPr>
-              <a:t>frame</a:t>
+              <a:t>iframe</a:t>
             </a:r>
             <a:r>
               <a:rPr lang="ja-JP" altLang="en-US" b="1" dirty="0" smtClean="0">
@@ -7730,15 +7710,7 @@
                 <a:ea typeface="メイリオ" pitchFamily="50" charset="-128"/>
                 <a:cs typeface="メイリオ" pitchFamily="50" charset="-128"/>
               </a:rPr>
-              <a:t>新着</a:t>
-            </a:r>
-            <a:r>
-              <a:rPr lang="ja-JP" altLang="en-US" b="1" dirty="0" smtClean="0">
-                <a:latin typeface="メイリオ" pitchFamily="50" charset="-128"/>
-                <a:ea typeface="メイリオ" pitchFamily="50" charset="-128"/>
-                <a:cs typeface="メイリオ" pitchFamily="50" charset="-128"/>
-              </a:rPr>
-              <a:t>情報</a:t>
+              <a:t>新着情報</a:t>
             </a:r>
             <a:endParaRPr lang="en-US" altLang="ja-JP" b="1" dirty="0" smtClean="0">
               <a:latin typeface="メイリオ" pitchFamily="50" charset="-128"/>
@@ -8061,15 +8033,7 @@
                 <a:ea typeface="メイリオ" pitchFamily="50" charset="-128"/>
                 <a:cs typeface="メイリオ" pitchFamily="50" charset="-128"/>
               </a:rPr>
-              <a:t>ルーム</a:t>
-            </a:r>
-            <a:r>
-              <a:rPr lang="ja-JP" altLang="en-US" b="1" dirty="0" smtClean="0">
-                <a:latin typeface="メイリオ" pitchFamily="50" charset="-128"/>
-                <a:ea typeface="メイリオ" pitchFamily="50" charset="-128"/>
-                <a:cs typeface="メイリオ" pitchFamily="50" charset="-128"/>
-              </a:rPr>
-              <a:t>管理　等</a:t>
+              <a:t>ルーム管理　等</a:t>
             </a:r>
             <a:endParaRPr lang="en-US" altLang="ja-JP" b="1" dirty="0" smtClean="0">
               <a:latin typeface="メイリオ" pitchFamily="50" charset="-128"/>
@@ -25192,6 +25156,3925 @@
           <a:p>
             <a:pPr algn="ctr"/>
             <a:endParaRPr kumimoji="1" lang="ja-JP" altLang="en-US"/>
+          </a:p>
+        </p:txBody>
+      </p:sp>
+    </p:spTree>
+  </p:cSld>
+  <p:clrMapOvr>
+    <a:masterClrMapping/>
+  </p:clrMapOvr>
+  <p:transition/>
+</p:sld>
+</file>
+
+<file path=ppt/slides/slide33.xml><?xml version="1.0" encoding="utf-8"?>
+<p:sld xmlns:a="http://schemas.openxmlformats.org/drawingml/2006/main" xmlns:r="http://schemas.openxmlformats.org/officeDocument/2006/relationships" xmlns:p="http://schemas.openxmlformats.org/presentationml/2006/main" showMasterSp="0">
+  <p:cSld>
+    <p:spTree>
+      <p:nvGrpSpPr>
+        <p:cNvPr id="1" name=""/>
+        <p:cNvGrpSpPr/>
+        <p:nvPr/>
+      </p:nvGrpSpPr>
+      <p:grpSpPr>
+        <a:xfrm>
+          <a:off x="0" y="0"/>
+          <a:ext cx="0" cy="0"/>
+          <a:chOff x="0" y="0"/>
+          <a:chExt cx="0" cy="0"/>
+        </a:xfrm>
+      </p:grpSpPr>
+      <p:sp>
+        <p:nvSpPr>
+          <p:cNvPr id="2" name="正方形/長方形 1"/>
+          <p:cNvSpPr/>
+          <p:nvPr/>
+        </p:nvSpPr>
+        <p:spPr>
+          <a:xfrm>
+            <a:off x="4932040" y="980728"/>
+            <a:ext cx="1080120" cy="432048"/>
+          </a:xfrm>
+          <a:prstGeom prst="rect">
+            <a:avLst/>
+          </a:prstGeom>
+        </p:spPr>
+        <p:style>
+          <a:lnRef idx="2">
+            <a:schemeClr val="accent6"/>
+          </a:lnRef>
+          <a:fillRef idx="1">
+            <a:schemeClr val="lt1"/>
+          </a:fillRef>
+          <a:effectRef idx="0">
+            <a:schemeClr val="accent6"/>
+          </a:effectRef>
+          <a:fontRef idx="minor">
+            <a:schemeClr val="dk1"/>
+          </a:fontRef>
+        </p:style>
+        <p:txBody>
+          <a:bodyPr rtlCol="0" anchor="ctr"/>
+          <a:lstStyle/>
+          <a:p>
+            <a:pPr algn="ctr"/>
+            <a:r>
+              <a:rPr lang="ja-JP" altLang="en-US" sz="1400" dirty="0" smtClean="0">
+                <a:latin typeface="メイリオ" pitchFamily="50" charset="-128"/>
+                <a:ea typeface="メイリオ" pitchFamily="50" charset="-128"/>
+                <a:cs typeface="メイリオ" pitchFamily="50" charset="-128"/>
+              </a:rPr>
+              <a:t>記事１</a:t>
+            </a:r>
+          </a:p>
+        </p:txBody>
+      </p:sp>
+      <p:sp>
+        <p:nvSpPr>
+          <p:cNvPr id="3" name="正方形/長方形 2"/>
+          <p:cNvSpPr/>
+          <p:nvPr/>
+        </p:nvSpPr>
+        <p:spPr>
+          <a:xfrm>
+            <a:off x="3131840" y="980728"/>
+            <a:ext cx="648072" cy="432048"/>
+          </a:xfrm>
+          <a:prstGeom prst="rect">
+            <a:avLst/>
+          </a:prstGeom>
+        </p:spPr>
+        <p:style>
+          <a:lnRef idx="2">
+            <a:schemeClr val="accent6"/>
+          </a:lnRef>
+          <a:fillRef idx="1">
+            <a:schemeClr val="lt1"/>
+          </a:fillRef>
+          <a:effectRef idx="0">
+            <a:schemeClr val="accent6"/>
+          </a:effectRef>
+          <a:fontRef idx="minor">
+            <a:schemeClr val="dk1"/>
+          </a:fontRef>
+        </p:style>
+        <p:txBody>
+          <a:bodyPr rtlCol="0" anchor="ctr"/>
+          <a:lstStyle/>
+          <a:p>
+            <a:pPr algn="ctr"/>
+            <a:r>
+              <a:rPr kumimoji="1" lang="en-US" altLang="ja-JP" dirty="0" smtClean="0">
+                <a:solidFill>
+                  <a:schemeClr val="accent5">
+                    <a:lumMod val="75000"/>
+                  </a:schemeClr>
+                </a:solidFill>
+                <a:latin typeface="メイリオ" pitchFamily="50" charset="-128"/>
+                <a:ea typeface="メイリオ" pitchFamily="50" charset="-128"/>
+                <a:cs typeface="メイリオ" pitchFamily="50" charset="-128"/>
+              </a:rPr>
+              <a:t>null</a:t>
+            </a:r>
+            <a:endParaRPr kumimoji="1" lang="ja-JP" altLang="en-US" dirty="0">
+              <a:solidFill>
+                <a:schemeClr val="accent5">
+                  <a:lumMod val="75000"/>
+                </a:schemeClr>
+              </a:solidFill>
+              <a:latin typeface="メイリオ" pitchFamily="50" charset="-128"/>
+              <a:ea typeface="メイリオ" pitchFamily="50" charset="-128"/>
+              <a:cs typeface="メイリオ" pitchFamily="50" charset="-128"/>
+            </a:endParaRPr>
+          </a:p>
+        </p:txBody>
+      </p:sp>
+      <p:sp>
+        <p:nvSpPr>
+          <p:cNvPr id="4" name="正方形/長方形 3"/>
+          <p:cNvSpPr/>
+          <p:nvPr/>
+        </p:nvSpPr>
+        <p:spPr>
+          <a:xfrm>
+            <a:off x="3779912" y="980728"/>
+            <a:ext cx="504056" cy="432048"/>
+          </a:xfrm>
+          <a:prstGeom prst="rect">
+            <a:avLst/>
+          </a:prstGeom>
+        </p:spPr>
+        <p:style>
+          <a:lnRef idx="2">
+            <a:schemeClr val="accent6"/>
+          </a:lnRef>
+          <a:fillRef idx="1">
+            <a:schemeClr val="lt1"/>
+          </a:fillRef>
+          <a:effectRef idx="0">
+            <a:schemeClr val="accent6"/>
+          </a:effectRef>
+          <a:fontRef idx="minor">
+            <a:schemeClr val="dk1"/>
+          </a:fontRef>
+        </p:style>
+        <p:txBody>
+          <a:bodyPr rtlCol="0" anchor="ctr"/>
+          <a:lstStyle/>
+          <a:p>
+            <a:pPr algn="ctr"/>
+            <a:r>
+              <a:rPr kumimoji="1" lang="en-US" altLang="ja-JP" dirty="0" smtClean="0">
+                <a:latin typeface="メイリオ" pitchFamily="50" charset="-128"/>
+                <a:ea typeface="メイリオ" pitchFamily="50" charset="-128"/>
+                <a:cs typeface="メイリオ" pitchFamily="50" charset="-128"/>
+              </a:rPr>
+              <a:t>1</a:t>
+            </a:r>
+            <a:endParaRPr kumimoji="1" lang="ja-JP" altLang="en-US" dirty="0">
+              <a:latin typeface="メイリオ" pitchFamily="50" charset="-128"/>
+              <a:ea typeface="メイリオ" pitchFamily="50" charset="-128"/>
+              <a:cs typeface="メイリオ" pitchFamily="50" charset="-128"/>
+            </a:endParaRPr>
+          </a:p>
+        </p:txBody>
+      </p:sp>
+      <p:sp>
+        <p:nvSpPr>
+          <p:cNvPr id="5" name="正方形/長方形 4"/>
+          <p:cNvSpPr/>
+          <p:nvPr/>
+        </p:nvSpPr>
+        <p:spPr>
+          <a:xfrm>
+            <a:off x="4283968" y="980728"/>
+            <a:ext cx="648072" cy="432048"/>
+          </a:xfrm>
+          <a:prstGeom prst="rect">
+            <a:avLst/>
+          </a:prstGeom>
+        </p:spPr>
+        <p:style>
+          <a:lnRef idx="2">
+            <a:schemeClr val="accent6"/>
+          </a:lnRef>
+          <a:fillRef idx="1">
+            <a:schemeClr val="lt1"/>
+          </a:fillRef>
+          <a:effectRef idx="0">
+            <a:schemeClr val="accent6"/>
+          </a:effectRef>
+          <a:fontRef idx="minor">
+            <a:schemeClr val="dk1"/>
+          </a:fontRef>
+        </p:style>
+        <p:txBody>
+          <a:bodyPr rtlCol="0" anchor="ctr"/>
+          <a:lstStyle/>
+          <a:p>
+            <a:pPr algn="ctr"/>
+            <a:r>
+              <a:rPr kumimoji="1" lang="en-US" altLang="ja-JP" dirty="0" smtClean="0">
+                <a:latin typeface="メイリオ" pitchFamily="50" charset="-128"/>
+                <a:ea typeface="メイリオ" pitchFamily="50" charset="-128"/>
+                <a:cs typeface="メイリオ" pitchFamily="50" charset="-128"/>
+              </a:rPr>
+              <a:t>14</a:t>
+            </a:r>
+            <a:endParaRPr kumimoji="1" lang="ja-JP" altLang="en-US" dirty="0">
+              <a:latin typeface="メイリオ" pitchFamily="50" charset="-128"/>
+              <a:ea typeface="メイリオ" pitchFamily="50" charset="-128"/>
+              <a:cs typeface="メイリオ" pitchFamily="50" charset="-128"/>
+            </a:endParaRPr>
+          </a:p>
+        </p:txBody>
+      </p:sp>
+      <p:sp>
+        <p:nvSpPr>
+          <p:cNvPr id="6" name="正方形/長方形 5"/>
+          <p:cNvSpPr/>
+          <p:nvPr/>
+        </p:nvSpPr>
+        <p:spPr>
+          <a:xfrm>
+            <a:off x="4932040" y="548680"/>
+            <a:ext cx="1080120" cy="432048"/>
+          </a:xfrm>
+          <a:prstGeom prst="rect">
+            <a:avLst/>
+          </a:prstGeom>
+        </p:spPr>
+        <p:style>
+          <a:lnRef idx="2">
+            <a:schemeClr val="accent6"/>
+          </a:lnRef>
+          <a:fillRef idx="1">
+            <a:schemeClr val="lt1"/>
+          </a:fillRef>
+          <a:effectRef idx="0">
+            <a:schemeClr val="accent6"/>
+          </a:effectRef>
+          <a:fontRef idx="minor">
+            <a:schemeClr val="dk1"/>
+          </a:fontRef>
+        </p:style>
+        <p:txBody>
+          <a:bodyPr rtlCol="0" anchor="ctr"/>
+          <a:lstStyle/>
+          <a:p>
+            <a:pPr algn="ctr"/>
+            <a:r>
+              <a:rPr lang="en-US" altLang="ja-JP" sz="1400" dirty="0" smtClean="0">
+                <a:latin typeface="メイリオ" pitchFamily="50" charset="-128"/>
+                <a:ea typeface="メイリオ" pitchFamily="50" charset="-128"/>
+                <a:cs typeface="メイリオ" pitchFamily="50" charset="-128"/>
+              </a:rPr>
+              <a:t>title</a:t>
+            </a:r>
+            <a:endParaRPr kumimoji="1" lang="ja-JP" altLang="en-US" sz="1400" dirty="0">
+              <a:latin typeface="メイリオ" pitchFamily="50" charset="-128"/>
+              <a:ea typeface="メイリオ" pitchFamily="50" charset="-128"/>
+              <a:cs typeface="メイリオ" pitchFamily="50" charset="-128"/>
+            </a:endParaRPr>
+          </a:p>
+        </p:txBody>
+      </p:sp>
+      <p:sp>
+        <p:nvSpPr>
+          <p:cNvPr id="7" name="正方形/長方形 6"/>
+          <p:cNvSpPr/>
+          <p:nvPr/>
+        </p:nvSpPr>
+        <p:spPr>
+          <a:xfrm>
+            <a:off x="3131840" y="548680"/>
+            <a:ext cx="648072" cy="432048"/>
+          </a:xfrm>
+          <a:prstGeom prst="rect">
+            <a:avLst/>
+          </a:prstGeom>
+        </p:spPr>
+        <p:style>
+          <a:lnRef idx="2">
+            <a:schemeClr val="accent6"/>
+          </a:lnRef>
+          <a:fillRef idx="1">
+            <a:schemeClr val="lt1"/>
+          </a:fillRef>
+          <a:effectRef idx="0">
+            <a:schemeClr val="accent6"/>
+          </a:effectRef>
+          <a:fontRef idx="minor">
+            <a:schemeClr val="dk1"/>
+          </a:fontRef>
+        </p:style>
+        <p:txBody>
+          <a:bodyPr rtlCol="0" anchor="ctr"/>
+          <a:lstStyle/>
+          <a:p>
+            <a:pPr algn="ctr"/>
+            <a:r>
+              <a:rPr lang="en-US" altLang="ja-JP" sz="1400" dirty="0" smtClean="0">
+                <a:latin typeface="メイリオ" pitchFamily="50" charset="-128"/>
+                <a:ea typeface="メイリオ" pitchFamily="50" charset="-128"/>
+                <a:cs typeface="メイリオ" pitchFamily="50" charset="-128"/>
+              </a:rPr>
+              <a:t>p_id</a:t>
+            </a:r>
+            <a:endParaRPr kumimoji="1" lang="ja-JP" altLang="en-US" sz="1400" dirty="0">
+              <a:latin typeface="メイリオ" pitchFamily="50" charset="-128"/>
+              <a:ea typeface="メイリオ" pitchFamily="50" charset="-128"/>
+              <a:cs typeface="メイリオ" pitchFamily="50" charset="-128"/>
+            </a:endParaRPr>
+          </a:p>
+        </p:txBody>
+      </p:sp>
+      <p:sp>
+        <p:nvSpPr>
+          <p:cNvPr id="8" name="正方形/長方形 7"/>
+          <p:cNvSpPr/>
+          <p:nvPr/>
+        </p:nvSpPr>
+        <p:spPr>
+          <a:xfrm>
+            <a:off x="3779912" y="548680"/>
+            <a:ext cx="504056" cy="432048"/>
+          </a:xfrm>
+          <a:prstGeom prst="rect">
+            <a:avLst/>
+          </a:prstGeom>
+        </p:spPr>
+        <p:style>
+          <a:lnRef idx="2">
+            <a:schemeClr val="accent6"/>
+          </a:lnRef>
+          <a:fillRef idx="1">
+            <a:schemeClr val="lt1"/>
+          </a:fillRef>
+          <a:effectRef idx="0">
+            <a:schemeClr val="accent6"/>
+          </a:effectRef>
+          <a:fontRef idx="minor">
+            <a:schemeClr val="dk1"/>
+          </a:fontRef>
+        </p:style>
+        <p:txBody>
+          <a:bodyPr rtlCol="0" anchor="ctr"/>
+          <a:lstStyle/>
+          <a:p>
+            <a:pPr algn="ctr"/>
+            <a:r>
+              <a:rPr kumimoji="1" lang="en-US" altLang="ja-JP" sz="1400" dirty="0" smtClean="0">
+                <a:latin typeface="メイリオ" pitchFamily="50" charset="-128"/>
+                <a:ea typeface="メイリオ" pitchFamily="50" charset="-128"/>
+                <a:cs typeface="メイリオ" pitchFamily="50" charset="-128"/>
+              </a:rPr>
+              <a:t>lft</a:t>
+            </a:r>
+            <a:endParaRPr kumimoji="1" lang="ja-JP" altLang="en-US" sz="1400" dirty="0">
+              <a:latin typeface="メイリオ" pitchFamily="50" charset="-128"/>
+              <a:ea typeface="メイリオ" pitchFamily="50" charset="-128"/>
+              <a:cs typeface="メイリオ" pitchFamily="50" charset="-128"/>
+            </a:endParaRPr>
+          </a:p>
+        </p:txBody>
+      </p:sp>
+      <p:sp>
+        <p:nvSpPr>
+          <p:cNvPr id="9" name="正方形/長方形 8"/>
+          <p:cNvSpPr/>
+          <p:nvPr/>
+        </p:nvSpPr>
+        <p:spPr>
+          <a:xfrm>
+            <a:off x="4283968" y="548680"/>
+            <a:ext cx="648072" cy="432048"/>
+          </a:xfrm>
+          <a:prstGeom prst="rect">
+            <a:avLst/>
+          </a:prstGeom>
+        </p:spPr>
+        <p:style>
+          <a:lnRef idx="2">
+            <a:schemeClr val="accent6"/>
+          </a:lnRef>
+          <a:fillRef idx="1">
+            <a:schemeClr val="lt1"/>
+          </a:fillRef>
+          <a:effectRef idx="0">
+            <a:schemeClr val="accent6"/>
+          </a:effectRef>
+          <a:fontRef idx="minor">
+            <a:schemeClr val="dk1"/>
+          </a:fontRef>
+        </p:style>
+        <p:txBody>
+          <a:bodyPr rtlCol="0" anchor="ctr"/>
+          <a:lstStyle/>
+          <a:p>
+            <a:pPr algn="ctr"/>
+            <a:r>
+              <a:rPr kumimoji="1" lang="en-US" altLang="ja-JP" sz="1400" dirty="0" smtClean="0">
+                <a:latin typeface="メイリオ" pitchFamily="50" charset="-128"/>
+                <a:ea typeface="メイリオ" pitchFamily="50" charset="-128"/>
+                <a:cs typeface="メイリオ" pitchFamily="50" charset="-128"/>
+              </a:rPr>
+              <a:t>rght</a:t>
+            </a:r>
+            <a:endParaRPr kumimoji="1" lang="ja-JP" altLang="en-US" sz="1400" dirty="0">
+              <a:latin typeface="メイリオ" pitchFamily="50" charset="-128"/>
+              <a:ea typeface="メイリオ" pitchFamily="50" charset="-128"/>
+              <a:cs typeface="メイリオ" pitchFamily="50" charset="-128"/>
+            </a:endParaRPr>
+          </a:p>
+        </p:txBody>
+      </p:sp>
+      <p:sp>
+        <p:nvSpPr>
+          <p:cNvPr id="10" name="正方形/長方形 9"/>
+          <p:cNvSpPr/>
+          <p:nvPr/>
+        </p:nvSpPr>
+        <p:spPr>
+          <a:xfrm>
+            <a:off x="3779912" y="2564904"/>
+            <a:ext cx="1080120" cy="432048"/>
+          </a:xfrm>
+          <a:prstGeom prst="rect">
+            <a:avLst/>
+          </a:prstGeom>
+        </p:spPr>
+        <p:style>
+          <a:lnRef idx="2">
+            <a:schemeClr val="accent6"/>
+          </a:lnRef>
+          <a:fillRef idx="1">
+            <a:schemeClr val="lt1"/>
+          </a:fillRef>
+          <a:effectRef idx="0">
+            <a:schemeClr val="accent6"/>
+          </a:effectRef>
+          <a:fontRef idx="minor">
+            <a:schemeClr val="dk1"/>
+          </a:fontRef>
+        </p:style>
+        <p:txBody>
+          <a:bodyPr rtlCol="0" anchor="ctr"/>
+          <a:lstStyle/>
+          <a:p>
+            <a:pPr algn="ctr"/>
+            <a:r>
+              <a:rPr kumimoji="1" lang="ja-JP" altLang="en-US" sz="1400" dirty="0" smtClean="0">
+                <a:latin typeface="メイリオ" pitchFamily="50" charset="-128"/>
+                <a:ea typeface="メイリオ" pitchFamily="50" charset="-128"/>
+                <a:cs typeface="メイリオ" pitchFamily="50" charset="-128"/>
+              </a:rPr>
+              <a:t>コメント</a:t>
+            </a:r>
+            <a:r>
+              <a:rPr kumimoji="1" lang="en-US" altLang="ja-JP" sz="1400" dirty="0" smtClean="0">
+                <a:latin typeface="メイリオ" pitchFamily="50" charset="-128"/>
+                <a:ea typeface="メイリオ" pitchFamily="50" charset="-128"/>
+                <a:cs typeface="メイリオ" pitchFamily="50" charset="-128"/>
+              </a:rPr>
+              <a:t>1</a:t>
+            </a:r>
+            <a:endParaRPr kumimoji="1" lang="ja-JP" altLang="en-US" sz="1400" dirty="0">
+              <a:latin typeface="メイリオ" pitchFamily="50" charset="-128"/>
+              <a:ea typeface="メイリオ" pitchFamily="50" charset="-128"/>
+              <a:cs typeface="メイリオ" pitchFamily="50" charset="-128"/>
+            </a:endParaRPr>
+          </a:p>
+        </p:txBody>
+      </p:sp>
+      <p:sp>
+        <p:nvSpPr>
+          <p:cNvPr id="11" name="正方形/長方形 10"/>
+          <p:cNvSpPr/>
+          <p:nvPr/>
+        </p:nvSpPr>
+        <p:spPr>
+          <a:xfrm>
+            <a:off x="1979712" y="2564904"/>
+            <a:ext cx="648072" cy="432048"/>
+          </a:xfrm>
+          <a:prstGeom prst="rect">
+            <a:avLst/>
+          </a:prstGeom>
+        </p:spPr>
+        <p:style>
+          <a:lnRef idx="2">
+            <a:schemeClr val="accent6"/>
+          </a:lnRef>
+          <a:fillRef idx="1">
+            <a:schemeClr val="lt1"/>
+          </a:fillRef>
+          <a:effectRef idx="0">
+            <a:schemeClr val="accent6"/>
+          </a:effectRef>
+          <a:fontRef idx="minor">
+            <a:schemeClr val="dk1"/>
+          </a:fontRef>
+        </p:style>
+        <p:txBody>
+          <a:bodyPr rtlCol="0" anchor="ctr"/>
+          <a:lstStyle/>
+          <a:p>
+            <a:pPr algn="ctr"/>
+            <a:r>
+              <a:rPr kumimoji="1" lang="en-US" altLang="ja-JP" dirty="0" smtClean="0">
+                <a:solidFill>
+                  <a:schemeClr val="accent5">
+                    <a:lumMod val="75000"/>
+                  </a:schemeClr>
+                </a:solidFill>
+                <a:latin typeface="メイリオ" pitchFamily="50" charset="-128"/>
+                <a:ea typeface="メイリオ" pitchFamily="50" charset="-128"/>
+                <a:cs typeface="メイリオ" pitchFamily="50" charset="-128"/>
+              </a:rPr>
+              <a:t>1</a:t>
+            </a:r>
+            <a:endParaRPr kumimoji="1" lang="ja-JP" altLang="en-US" dirty="0">
+              <a:solidFill>
+                <a:schemeClr val="accent5">
+                  <a:lumMod val="75000"/>
+                </a:schemeClr>
+              </a:solidFill>
+              <a:latin typeface="メイリオ" pitchFamily="50" charset="-128"/>
+              <a:ea typeface="メイリオ" pitchFamily="50" charset="-128"/>
+              <a:cs typeface="メイリオ" pitchFamily="50" charset="-128"/>
+            </a:endParaRPr>
+          </a:p>
+        </p:txBody>
+      </p:sp>
+      <p:sp>
+        <p:nvSpPr>
+          <p:cNvPr id="12" name="正方形/長方形 11"/>
+          <p:cNvSpPr/>
+          <p:nvPr/>
+        </p:nvSpPr>
+        <p:spPr>
+          <a:xfrm>
+            <a:off x="2627784" y="2564904"/>
+            <a:ext cx="504056" cy="432048"/>
+          </a:xfrm>
+          <a:prstGeom prst="rect">
+            <a:avLst/>
+          </a:prstGeom>
+        </p:spPr>
+        <p:style>
+          <a:lnRef idx="2">
+            <a:schemeClr val="accent6"/>
+          </a:lnRef>
+          <a:fillRef idx="1">
+            <a:schemeClr val="lt1"/>
+          </a:fillRef>
+          <a:effectRef idx="0">
+            <a:schemeClr val="accent6"/>
+          </a:effectRef>
+          <a:fontRef idx="minor">
+            <a:schemeClr val="dk1"/>
+          </a:fontRef>
+        </p:style>
+        <p:txBody>
+          <a:bodyPr rtlCol="0" anchor="ctr"/>
+          <a:lstStyle/>
+          <a:p>
+            <a:pPr algn="ctr"/>
+            <a:r>
+              <a:rPr kumimoji="1" lang="en-US" altLang="ja-JP" dirty="0" smtClean="0">
+                <a:latin typeface="メイリオ" pitchFamily="50" charset="-128"/>
+                <a:ea typeface="メイリオ" pitchFamily="50" charset="-128"/>
+                <a:cs typeface="メイリオ" pitchFamily="50" charset="-128"/>
+              </a:rPr>
+              <a:t>2</a:t>
+            </a:r>
+            <a:endParaRPr kumimoji="1" lang="ja-JP" altLang="en-US" dirty="0">
+              <a:latin typeface="メイリオ" pitchFamily="50" charset="-128"/>
+              <a:ea typeface="メイリオ" pitchFamily="50" charset="-128"/>
+              <a:cs typeface="メイリオ" pitchFamily="50" charset="-128"/>
+            </a:endParaRPr>
+          </a:p>
+        </p:txBody>
+      </p:sp>
+      <p:sp>
+        <p:nvSpPr>
+          <p:cNvPr id="13" name="正方形/長方形 12"/>
+          <p:cNvSpPr/>
+          <p:nvPr/>
+        </p:nvSpPr>
+        <p:spPr>
+          <a:xfrm>
+            <a:off x="3131840" y="2564904"/>
+            <a:ext cx="648072" cy="432048"/>
+          </a:xfrm>
+          <a:prstGeom prst="rect">
+            <a:avLst/>
+          </a:prstGeom>
+        </p:spPr>
+        <p:style>
+          <a:lnRef idx="2">
+            <a:schemeClr val="accent6"/>
+          </a:lnRef>
+          <a:fillRef idx="1">
+            <a:schemeClr val="lt1"/>
+          </a:fillRef>
+          <a:effectRef idx="0">
+            <a:schemeClr val="accent6"/>
+          </a:effectRef>
+          <a:fontRef idx="minor">
+            <a:schemeClr val="dk1"/>
+          </a:fontRef>
+        </p:style>
+        <p:txBody>
+          <a:bodyPr rtlCol="0" anchor="ctr"/>
+          <a:lstStyle/>
+          <a:p>
+            <a:pPr algn="ctr"/>
+            <a:r>
+              <a:rPr kumimoji="1" lang="en-US" altLang="ja-JP" dirty="0" smtClean="0">
+                <a:latin typeface="メイリオ" pitchFamily="50" charset="-128"/>
+                <a:ea typeface="メイリオ" pitchFamily="50" charset="-128"/>
+                <a:cs typeface="メイリオ" pitchFamily="50" charset="-128"/>
+              </a:rPr>
+              <a:t>11</a:t>
+            </a:r>
+            <a:endParaRPr kumimoji="1" lang="ja-JP" altLang="en-US" dirty="0">
+              <a:latin typeface="メイリオ" pitchFamily="50" charset="-128"/>
+              <a:ea typeface="メイリオ" pitchFamily="50" charset="-128"/>
+              <a:cs typeface="メイリオ" pitchFamily="50" charset="-128"/>
+            </a:endParaRPr>
+          </a:p>
+        </p:txBody>
+      </p:sp>
+      <p:sp>
+        <p:nvSpPr>
+          <p:cNvPr id="14" name="正方形/長方形 13"/>
+          <p:cNvSpPr/>
+          <p:nvPr/>
+        </p:nvSpPr>
+        <p:spPr>
+          <a:xfrm>
+            <a:off x="3779912" y="2132856"/>
+            <a:ext cx="1080120" cy="432048"/>
+          </a:xfrm>
+          <a:prstGeom prst="rect">
+            <a:avLst/>
+          </a:prstGeom>
+        </p:spPr>
+        <p:style>
+          <a:lnRef idx="2">
+            <a:schemeClr val="accent6"/>
+          </a:lnRef>
+          <a:fillRef idx="1">
+            <a:schemeClr val="lt1"/>
+          </a:fillRef>
+          <a:effectRef idx="0">
+            <a:schemeClr val="accent6"/>
+          </a:effectRef>
+          <a:fontRef idx="minor">
+            <a:schemeClr val="dk1"/>
+          </a:fontRef>
+        </p:style>
+        <p:txBody>
+          <a:bodyPr rtlCol="0" anchor="ctr"/>
+          <a:lstStyle/>
+          <a:p>
+            <a:pPr algn="ctr"/>
+            <a:r>
+              <a:rPr lang="en-US" altLang="ja-JP" sz="1400" dirty="0" smtClean="0">
+                <a:latin typeface="メイリオ" pitchFamily="50" charset="-128"/>
+                <a:ea typeface="メイリオ" pitchFamily="50" charset="-128"/>
+                <a:cs typeface="メイリオ" pitchFamily="50" charset="-128"/>
+              </a:rPr>
+              <a:t>title</a:t>
+            </a:r>
+            <a:endParaRPr kumimoji="1" lang="ja-JP" altLang="en-US" sz="1400" dirty="0">
+              <a:latin typeface="メイリオ" pitchFamily="50" charset="-128"/>
+              <a:ea typeface="メイリオ" pitchFamily="50" charset="-128"/>
+              <a:cs typeface="メイリオ" pitchFamily="50" charset="-128"/>
+            </a:endParaRPr>
+          </a:p>
+        </p:txBody>
+      </p:sp>
+      <p:sp>
+        <p:nvSpPr>
+          <p:cNvPr id="15" name="正方形/長方形 14"/>
+          <p:cNvSpPr/>
+          <p:nvPr/>
+        </p:nvSpPr>
+        <p:spPr>
+          <a:xfrm>
+            <a:off x="1979712" y="2132856"/>
+            <a:ext cx="648072" cy="432048"/>
+          </a:xfrm>
+          <a:prstGeom prst="rect">
+            <a:avLst/>
+          </a:prstGeom>
+        </p:spPr>
+        <p:style>
+          <a:lnRef idx="2">
+            <a:schemeClr val="accent6"/>
+          </a:lnRef>
+          <a:fillRef idx="1">
+            <a:schemeClr val="lt1"/>
+          </a:fillRef>
+          <a:effectRef idx="0">
+            <a:schemeClr val="accent6"/>
+          </a:effectRef>
+          <a:fontRef idx="minor">
+            <a:schemeClr val="dk1"/>
+          </a:fontRef>
+        </p:style>
+        <p:txBody>
+          <a:bodyPr rtlCol="0" anchor="ctr"/>
+          <a:lstStyle/>
+          <a:p>
+            <a:pPr algn="ctr"/>
+            <a:r>
+              <a:rPr lang="en-US" altLang="ja-JP" sz="1400" dirty="0" smtClean="0">
+                <a:latin typeface="メイリオ" pitchFamily="50" charset="-128"/>
+                <a:ea typeface="メイリオ" pitchFamily="50" charset="-128"/>
+                <a:cs typeface="メイリオ" pitchFamily="50" charset="-128"/>
+              </a:rPr>
+              <a:t>p_id</a:t>
+            </a:r>
+            <a:endParaRPr kumimoji="1" lang="ja-JP" altLang="en-US" sz="1400" dirty="0">
+              <a:latin typeface="メイリオ" pitchFamily="50" charset="-128"/>
+              <a:ea typeface="メイリオ" pitchFamily="50" charset="-128"/>
+              <a:cs typeface="メイリオ" pitchFamily="50" charset="-128"/>
+            </a:endParaRPr>
+          </a:p>
+        </p:txBody>
+      </p:sp>
+      <p:sp>
+        <p:nvSpPr>
+          <p:cNvPr id="16" name="正方形/長方形 15"/>
+          <p:cNvSpPr/>
+          <p:nvPr/>
+        </p:nvSpPr>
+        <p:spPr>
+          <a:xfrm>
+            <a:off x="2627784" y="2132856"/>
+            <a:ext cx="504056" cy="432048"/>
+          </a:xfrm>
+          <a:prstGeom prst="rect">
+            <a:avLst/>
+          </a:prstGeom>
+        </p:spPr>
+        <p:style>
+          <a:lnRef idx="2">
+            <a:schemeClr val="accent6"/>
+          </a:lnRef>
+          <a:fillRef idx="1">
+            <a:schemeClr val="lt1"/>
+          </a:fillRef>
+          <a:effectRef idx="0">
+            <a:schemeClr val="accent6"/>
+          </a:effectRef>
+          <a:fontRef idx="minor">
+            <a:schemeClr val="dk1"/>
+          </a:fontRef>
+        </p:style>
+        <p:txBody>
+          <a:bodyPr rtlCol="0" anchor="ctr"/>
+          <a:lstStyle/>
+          <a:p>
+            <a:pPr algn="ctr"/>
+            <a:r>
+              <a:rPr kumimoji="1" lang="en-US" altLang="ja-JP" sz="1400" dirty="0" smtClean="0">
+                <a:latin typeface="メイリオ" pitchFamily="50" charset="-128"/>
+                <a:ea typeface="メイリオ" pitchFamily="50" charset="-128"/>
+                <a:cs typeface="メイリオ" pitchFamily="50" charset="-128"/>
+              </a:rPr>
+              <a:t>lft</a:t>
+            </a:r>
+            <a:endParaRPr kumimoji="1" lang="ja-JP" altLang="en-US" sz="1400" dirty="0">
+              <a:latin typeface="メイリオ" pitchFamily="50" charset="-128"/>
+              <a:ea typeface="メイリオ" pitchFamily="50" charset="-128"/>
+              <a:cs typeface="メイリオ" pitchFamily="50" charset="-128"/>
+            </a:endParaRPr>
+          </a:p>
+        </p:txBody>
+      </p:sp>
+      <p:sp>
+        <p:nvSpPr>
+          <p:cNvPr id="17" name="正方形/長方形 16"/>
+          <p:cNvSpPr/>
+          <p:nvPr/>
+        </p:nvSpPr>
+        <p:spPr>
+          <a:xfrm>
+            <a:off x="3131840" y="2132856"/>
+            <a:ext cx="648072" cy="432048"/>
+          </a:xfrm>
+          <a:prstGeom prst="rect">
+            <a:avLst/>
+          </a:prstGeom>
+        </p:spPr>
+        <p:style>
+          <a:lnRef idx="2">
+            <a:schemeClr val="accent6"/>
+          </a:lnRef>
+          <a:fillRef idx="1">
+            <a:schemeClr val="lt1"/>
+          </a:fillRef>
+          <a:effectRef idx="0">
+            <a:schemeClr val="accent6"/>
+          </a:effectRef>
+          <a:fontRef idx="minor">
+            <a:schemeClr val="dk1"/>
+          </a:fontRef>
+        </p:style>
+        <p:txBody>
+          <a:bodyPr rtlCol="0" anchor="ctr"/>
+          <a:lstStyle/>
+          <a:p>
+            <a:pPr algn="ctr"/>
+            <a:r>
+              <a:rPr kumimoji="1" lang="en-US" altLang="ja-JP" sz="1400" dirty="0" smtClean="0">
+                <a:latin typeface="メイリオ" pitchFamily="50" charset="-128"/>
+                <a:ea typeface="メイリオ" pitchFamily="50" charset="-128"/>
+                <a:cs typeface="メイリオ" pitchFamily="50" charset="-128"/>
+              </a:rPr>
+              <a:t>rght</a:t>
+            </a:r>
+            <a:endParaRPr kumimoji="1" lang="ja-JP" altLang="en-US" sz="1400" dirty="0">
+              <a:latin typeface="メイリオ" pitchFamily="50" charset="-128"/>
+              <a:ea typeface="メイリオ" pitchFamily="50" charset="-128"/>
+              <a:cs typeface="メイリオ" pitchFamily="50" charset="-128"/>
+            </a:endParaRPr>
+          </a:p>
+        </p:txBody>
+      </p:sp>
+      <p:sp>
+        <p:nvSpPr>
+          <p:cNvPr id="18" name="正方形/長方形 17"/>
+          <p:cNvSpPr/>
+          <p:nvPr/>
+        </p:nvSpPr>
+        <p:spPr>
+          <a:xfrm>
+            <a:off x="7596336" y="2564904"/>
+            <a:ext cx="1080120" cy="432048"/>
+          </a:xfrm>
+          <a:prstGeom prst="rect">
+            <a:avLst/>
+          </a:prstGeom>
+        </p:spPr>
+        <p:style>
+          <a:lnRef idx="2">
+            <a:schemeClr val="accent6"/>
+          </a:lnRef>
+          <a:fillRef idx="1">
+            <a:schemeClr val="lt1"/>
+          </a:fillRef>
+          <a:effectRef idx="0">
+            <a:schemeClr val="accent6"/>
+          </a:effectRef>
+          <a:fontRef idx="minor">
+            <a:schemeClr val="dk1"/>
+          </a:fontRef>
+        </p:style>
+        <p:txBody>
+          <a:bodyPr rtlCol="0" anchor="ctr"/>
+          <a:lstStyle/>
+          <a:p>
+            <a:pPr algn="ctr"/>
+            <a:r>
+              <a:rPr lang="ja-JP" altLang="en-US" sz="1400" dirty="0" smtClean="0">
+                <a:latin typeface="メイリオ" pitchFamily="50" charset="-128"/>
+                <a:ea typeface="メイリオ" pitchFamily="50" charset="-128"/>
+                <a:cs typeface="メイリオ" pitchFamily="50" charset="-128"/>
+              </a:rPr>
+              <a:t>コメ</a:t>
+            </a:r>
+            <a:r>
+              <a:rPr lang="ja-JP" altLang="en-US" sz="1400" dirty="0" smtClean="0">
+                <a:latin typeface="メイリオ" pitchFamily="50" charset="-128"/>
+                <a:ea typeface="メイリオ" pitchFamily="50" charset="-128"/>
+                <a:cs typeface="メイリオ" pitchFamily="50" charset="-128"/>
+              </a:rPr>
+              <a:t>ント</a:t>
+            </a:r>
+            <a:r>
+              <a:rPr lang="ja-JP" altLang="en-US" sz="1400" dirty="0" smtClean="0">
+                <a:latin typeface="メイリオ" pitchFamily="50" charset="-128"/>
+                <a:ea typeface="メイリオ" pitchFamily="50" charset="-128"/>
+                <a:cs typeface="メイリオ" pitchFamily="50" charset="-128"/>
+              </a:rPr>
+              <a:t>５</a:t>
+            </a:r>
+            <a:endParaRPr lang="ja-JP" altLang="en-US" sz="1400" dirty="0" smtClean="0">
+              <a:latin typeface="メイリオ" pitchFamily="50" charset="-128"/>
+              <a:ea typeface="メイリオ" pitchFamily="50" charset="-128"/>
+              <a:cs typeface="メイリオ" pitchFamily="50" charset="-128"/>
+            </a:endParaRPr>
+          </a:p>
+        </p:txBody>
+      </p:sp>
+      <p:sp>
+        <p:nvSpPr>
+          <p:cNvPr id="19" name="正方形/長方形 18"/>
+          <p:cNvSpPr/>
+          <p:nvPr/>
+        </p:nvSpPr>
+        <p:spPr>
+          <a:xfrm>
+            <a:off x="5796136" y="2564904"/>
+            <a:ext cx="648072" cy="432048"/>
+          </a:xfrm>
+          <a:prstGeom prst="rect">
+            <a:avLst/>
+          </a:prstGeom>
+        </p:spPr>
+        <p:style>
+          <a:lnRef idx="2">
+            <a:schemeClr val="accent6"/>
+          </a:lnRef>
+          <a:fillRef idx="1">
+            <a:schemeClr val="lt1"/>
+          </a:fillRef>
+          <a:effectRef idx="0">
+            <a:schemeClr val="accent6"/>
+          </a:effectRef>
+          <a:fontRef idx="minor">
+            <a:schemeClr val="dk1"/>
+          </a:fontRef>
+        </p:style>
+        <p:txBody>
+          <a:bodyPr rtlCol="0" anchor="ctr"/>
+          <a:lstStyle/>
+          <a:p>
+            <a:pPr algn="ctr"/>
+            <a:r>
+              <a:rPr kumimoji="1" lang="en-US" altLang="ja-JP" dirty="0" smtClean="0">
+                <a:solidFill>
+                  <a:schemeClr val="accent5">
+                    <a:lumMod val="75000"/>
+                  </a:schemeClr>
+                </a:solidFill>
+                <a:latin typeface="メイリオ" pitchFamily="50" charset="-128"/>
+                <a:ea typeface="メイリオ" pitchFamily="50" charset="-128"/>
+                <a:cs typeface="メイリオ" pitchFamily="50" charset="-128"/>
+              </a:rPr>
+              <a:t>1</a:t>
+            </a:r>
+            <a:endParaRPr kumimoji="1" lang="ja-JP" altLang="en-US" dirty="0">
+              <a:solidFill>
+                <a:schemeClr val="accent5">
+                  <a:lumMod val="75000"/>
+                </a:schemeClr>
+              </a:solidFill>
+              <a:latin typeface="メイリオ" pitchFamily="50" charset="-128"/>
+              <a:ea typeface="メイリオ" pitchFamily="50" charset="-128"/>
+              <a:cs typeface="メイリオ" pitchFamily="50" charset="-128"/>
+            </a:endParaRPr>
+          </a:p>
+        </p:txBody>
+      </p:sp>
+      <p:sp>
+        <p:nvSpPr>
+          <p:cNvPr id="20" name="正方形/長方形 19"/>
+          <p:cNvSpPr/>
+          <p:nvPr/>
+        </p:nvSpPr>
+        <p:spPr>
+          <a:xfrm>
+            <a:off x="6444208" y="2564904"/>
+            <a:ext cx="504056" cy="432048"/>
+          </a:xfrm>
+          <a:prstGeom prst="rect">
+            <a:avLst/>
+          </a:prstGeom>
+        </p:spPr>
+        <p:style>
+          <a:lnRef idx="2">
+            <a:schemeClr val="accent6"/>
+          </a:lnRef>
+          <a:fillRef idx="1">
+            <a:schemeClr val="lt1"/>
+          </a:fillRef>
+          <a:effectRef idx="0">
+            <a:schemeClr val="accent6"/>
+          </a:effectRef>
+          <a:fontRef idx="minor">
+            <a:schemeClr val="dk1"/>
+          </a:fontRef>
+        </p:style>
+        <p:txBody>
+          <a:bodyPr rtlCol="0" anchor="ctr"/>
+          <a:lstStyle/>
+          <a:p>
+            <a:pPr algn="ctr"/>
+            <a:r>
+              <a:rPr kumimoji="1" lang="en-US" altLang="ja-JP" dirty="0" smtClean="0">
+                <a:latin typeface="メイリオ" pitchFamily="50" charset="-128"/>
+                <a:ea typeface="メイリオ" pitchFamily="50" charset="-128"/>
+                <a:cs typeface="メイリオ" pitchFamily="50" charset="-128"/>
+              </a:rPr>
+              <a:t>12</a:t>
+            </a:r>
+            <a:endParaRPr kumimoji="1" lang="ja-JP" altLang="en-US" dirty="0">
+              <a:latin typeface="メイリオ" pitchFamily="50" charset="-128"/>
+              <a:ea typeface="メイリオ" pitchFamily="50" charset="-128"/>
+              <a:cs typeface="メイリオ" pitchFamily="50" charset="-128"/>
+            </a:endParaRPr>
+          </a:p>
+        </p:txBody>
+      </p:sp>
+      <p:sp>
+        <p:nvSpPr>
+          <p:cNvPr id="21" name="正方形/長方形 20"/>
+          <p:cNvSpPr/>
+          <p:nvPr/>
+        </p:nvSpPr>
+        <p:spPr>
+          <a:xfrm>
+            <a:off x="6948264" y="2564904"/>
+            <a:ext cx="648072" cy="432048"/>
+          </a:xfrm>
+          <a:prstGeom prst="rect">
+            <a:avLst/>
+          </a:prstGeom>
+        </p:spPr>
+        <p:style>
+          <a:lnRef idx="2">
+            <a:schemeClr val="accent6"/>
+          </a:lnRef>
+          <a:fillRef idx="1">
+            <a:schemeClr val="lt1"/>
+          </a:fillRef>
+          <a:effectRef idx="0">
+            <a:schemeClr val="accent6"/>
+          </a:effectRef>
+          <a:fontRef idx="minor">
+            <a:schemeClr val="dk1"/>
+          </a:fontRef>
+        </p:style>
+        <p:txBody>
+          <a:bodyPr rtlCol="0" anchor="ctr"/>
+          <a:lstStyle/>
+          <a:p>
+            <a:pPr algn="ctr"/>
+            <a:r>
+              <a:rPr kumimoji="1" lang="en-US" altLang="ja-JP" dirty="0" smtClean="0">
+                <a:latin typeface="メイリオ" pitchFamily="50" charset="-128"/>
+                <a:ea typeface="メイリオ" pitchFamily="50" charset="-128"/>
+                <a:cs typeface="メイリオ" pitchFamily="50" charset="-128"/>
+              </a:rPr>
+              <a:t>13</a:t>
+            </a:r>
+            <a:endParaRPr kumimoji="1" lang="ja-JP" altLang="en-US" dirty="0">
+              <a:latin typeface="メイリオ" pitchFamily="50" charset="-128"/>
+              <a:ea typeface="メイリオ" pitchFamily="50" charset="-128"/>
+              <a:cs typeface="メイリオ" pitchFamily="50" charset="-128"/>
+            </a:endParaRPr>
+          </a:p>
+        </p:txBody>
+      </p:sp>
+      <p:sp>
+        <p:nvSpPr>
+          <p:cNvPr id="22" name="正方形/長方形 21"/>
+          <p:cNvSpPr/>
+          <p:nvPr/>
+        </p:nvSpPr>
+        <p:spPr>
+          <a:xfrm>
+            <a:off x="7596336" y="2132856"/>
+            <a:ext cx="1080120" cy="432048"/>
+          </a:xfrm>
+          <a:prstGeom prst="rect">
+            <a:avLst/>
+          </a:prstGeom>
+        </p:spPr>
+        <p:style>
+          <a:lnRef idx="2">
+            <a:schemeClr val="accent6"/>
+          </a:lnRef>
+          <a:fillRef idx="1">
+            <a:schemeClr val="lt1"/>
+          </a:fillRef>
+          <a:effectRef idx="0">
+            <a:schemeClr val="accent6"/>
+          </a:effectRef>
+          <a:fontRef idx="minor">
+            <a:schemeClr val="dk1"/>
+          </a:fontRef>
+        </p:style>
+        <p:txBody>
+          <a:bodyPr rtlCol="0" anchor="ctr"/>
+          <a:lstStyle/>
+          <a:p>
+            <a:pPr algn="ctr"/>
+            <a:r>
+              <a:rPr lang="en-US" altLang="ja-JP" sz="1400" dirty="0" smtClean="0">
+                <a:latin typeface="メイリオ" pitchFamily="50" charset="-128"/>
+                <a:ea typeface="メイリオ" pitchFamily="50" charset="-128"/>
+                <a:cs typeface="メイリオ" pitchFamily="50" charset="-128"/>
+              </a:rPr>
+              <a:t>title</a:t>
+            </a:r>
+            <a:endParaRPr kumimoji="1" lang="ja-JP" altLang="en-US" sz="1400" dirty="0">
+              <a:latin typeface="メイリオ" pitchFamily="50" charset="-128"/>
+              <a:ea typeface="メイリオ" pitchFamily="50" charset="-128"/>
+              <a:cs typeface="メイリオ" pitchFamily="50" charset="-128"/>
+            </a:endParaRPr>
+          </a:p>
+        </p:txBody>
+      </p:sp>
+      <p:sp>
+        <p:nvSpPr>
+          <p:cNvPr id="23" name="正方形/長方形 22"/>
+          <p:cNvSpPr/>
+          <p:nvPr/>
+        </p:nvSpPr>
+        <p:spPr>
+          <a:xfrm>
+            <a:off x="5796136" y="2132856"/>
+            <a:ext cx="648072" cy="432048"/>
+          </a:xfrm>
+          <a:prstGeom prst="rect">
+            <a:avLst/>
+          </a:prstGeom>
+        </p:spPr>
+        <p:style>
+          <a:lnRef idx="2">
+            <a:schemeClr val="accent6"/>
+          </a:lnRef>
+          <a:fillRef idx="1">
+            <a:schemeClr val="lt1"/>
+          </a:fillRef>
+          <a:effectRef idx="0">
+            <a:schemeClr val="accent6"/>
+          </a:effectRef>
+          <a:fontRef idx="minor">
+            <a:schemeClr val="dk1"/>
+          </a:fontRef>
+        </p:style>
+        <p:txBody>
+          <a:bodyPr rtlCol="0" anchor="ctr"/>
+          <a:lstStyle/>
+          <a:p>
+            <a:pPr algn="ctr"/>
+            <a:r>
+              <a:rPr lang="en-US" altLang="ja-JP" sz="1400" dirty="0" smtClean="0">
+                <a:latin typeface="メイリオ" pitchFamily="50" charset="-128"/>
+                <a:ea typeface="メイリオ" pitchFamily="50" charset="-128"/>
+                <a:cs typeface="メイリオ" pitchFamily="50" charset="-128"/>
+              </a:rPr>
+              <a:t>p_id</a:t>
+            </a:r>
+            <a:endParaRPr kumimoji="1" lang="ja-JP" altLang="en-US" sz="1400" dirty="0">
+              <a:latin typeface="メイリオ" pitchFamily="50" charset="-128"/>
+              <a:ea typeface="メイリオ" pitchFamily="50" charset="-128"/>
+              <a:cs typeface="メイリオ" pitchFamily="50" charset="-128"/>
+            </a:endParaRPr>
+          </a:p>
+        </p:txBody>
+      </p:sp>
+      <p:sp>
+        <p:nvSpPr>
+          <p:cNvPr id="24" name="正方形/長方形 23"/>
+          <p:cNvSpPr/>
+          <p:nvPr/>
+        </p:nvSpPr>
+        <p:spPr>
+          <a:xfrm>
+            <a:off x="6444208" y="2132856"/>
+            <a:ext cx="504056" cy="432048"/>
+          </a:xfrm>
+          <a:prstGeom prst="rect">
+            <a:avLst/>
+          </a:prstGeom>
+        </p:spPr>
+        <p:style>
+          <a:lnRef idx="2">
+            <a:schemeClr val="accent6"/>
+          </a:lnRef>
+          <a:fillRef idx="1">
+            <a:schemeClr val="lt1"/>
+          </a:fillRef>
+          <a:effectRef idx="0">
+            <a:schemeClr val="accent6"/>
+          </a:effectRef>
+          <a:fontRef idx="minor">
+            <a:schemeClr val="dk1"/>
+          </a:fontRef>
+        </p:style>
+        <p:txBody>
+          <a:bodyPr rtlCol="0" anchor="ctr"/>
+          <a:lstStyle/>
+          <a:p>
+            <a:pPr algn="ctr"/>
+            <a:r>
+              <a:rPr kumimoji="1" lang="en-US" altLang="ja-JP" sz="1400" dirty="0" smtClean="0">
+                <a:latin typeface="メイリオ" pitchFamily="50" charset="-128"/>
+                <a:ea typeface="メイリオ" pitchFamily="50" charset="-128"/>
+                <a:cs typeface="メイリオ" pitchFamily="50" charset="-128"/>
+              </a:rPr>
+              <a:t>lft</a:t>
+            </a:r>
+            <a:endParaRPr kumimoji="1" lang="ja-JP" altLang="en-US" sz="1400" dirty="0">
+              <a:latin typeface="メイリオ" pitchFamily="50" charset="-128"/>
+              <a:ea typeface="メイリオ" pitchFamily="50" charset="-128"/>
+              <a:cs typeface="メイリオ" pitchFamily="50" charset="-128"/>
+            </a:endParaRPr>
+          </a:p>
+        </p:txBody>
+      </p:sp>
+      <p:sp>
+        <p:nvSpPr>
+          <p:cNvPr id="25" name="正方形/長方形 24"/>
+          <p:cNvSpPr/>
+          <p:nvPr/>
+        </p:nvSpPr>
+        <p:spPr>
+          <a:xfrm>
+            <a:off x="6948264" y="2132856"/>
+            <a:ext cx="648072" cy="432048"/>
+          </a:xfrm>
+          <a:prstGeom prst="rect">
+            <a:avLst/>
+          </a:prstGeom>
+        </p:spPr>
+        <p:style>
+          <a:lnRef idx="2">
+            <a:schemeClr val="accent6"/>
+          </a:lnRef>
+          <a:fillRef idx="1">
+            <a:schemeClr val="lt1"/>
+          </a:fillRef>
+          <a:effectRef idx="0">
+            <a:schemeClr val="accent6"/>
+          </a:effectRef>
+          <a:fontRef idx="minor">
+            <a:schemeClr val="dk1"/>
+          </a:fontRef>
+        </p:style>
+        <p:txBody>
+          <a:bodyPr rtlCol="0" anchor="ctr"/>
+          <a:lstStyle/>
+          <a:p>
+            <a:pPr algn="ctr"/>
+            <a:r>
+              <a:rPr kumimoji="1" lang="en-US" altLang="ja-JP" sz="1400" dirty="0" smtClean="0">
+                <a:latin typeface="メイリオ" pitchFamily="50" charset="-128"/>
+                <a:ea typeface="メイリオ" pitchFamily="50" charset="-128"/>
+                <a:cs typeface="メイリオ" pitchFamily="50" charset="-128"/>
+              </a:rPr>
+              <a:t>rght</a:t>
+            </a:r>
+            <a:endParaRPr kumimoji="1" lang="ja-JP" altLang="en-US" sz="1400" dirty="0">
+              <a:latin typeface="メイリオ" pitchFamily="50" charset="-128"/>
+              <a:ea typeface="メイリオ" pitchFamily="50" charset="-128"/>
+              <a:cs typeface="メイリオ" pitchFamily="50" charset="-128"/>
+            </a:endParaRPr>
+          </a:p>
+        </p:txBody>
+      </p:sp>
+      <p:sp>
+        <p:nvSpPr>
+          <p:cNvPr id="26" name="正方形/長方形 25"/>
+          <p:cNvSpPr/>
+          <p:nvPr/>
+        </p:nvSpPr>
+        <p:spPr>
+          <a:xfrm>
+            <a:off x="2627784" y="980728"/>
+            <a:ext cx="504056" cy="432048"/>
+          </a:xfrm>
+          <a:prstGeom prst="rect">
+            <a:avLst/>
+          </a:prstGeom>
+        </p:spPr>
+        <p:style>
+          <a:lnRef idx="2">
+            <a:schemeClr val="accent6"/>
+          </a:lnRef>
+          <a:fillRef idx="1">
+            <a:schemeClr val="lt1"/>
+          </a:fillRef>
+          <a:effectRef idx="0">
+            <a:schemeClr val="accent6"/>
+          </a:effectRef>
+          <a:fontRef idx="minor">
+            <a:schemeClr val="dk1"/>
+          </a:fontRef>
+        </p:style>
+        <p:txBody>
+          <a:bodyPr rtlCol="0" anchor="ctr"/>
+          <a:lstStyle/>
+          <a:p>
+            <a:pPr algn="ctr"/>
+            <a:r>
+              <a:rPr kumimoji="1" lang="en-US" altLang="ja-JP" dirty="0" smtClean="0">
+                <a:solidFill>
+                  <a:schemeClr val="tx1"/>
+                </a:solidFill>
+                <a:latin typeface="メイリオ" pitchFamily="50" charset="-128"/>
+                <a:ea typeface="メイリオ" pitchFamily="50" charset="-128"/>
+                <a:cs typeface="メイリオ" pitchFamily="50" charset="-128"/>
+              </a:rPr>
+              <a:t>1</a:t>
+            </a:r>
+            <a:endParaRPr kumimoji="1" lang="ja-JP" altLang="en-US" dirty="0">
+              <a:solidFill>
+                <a:schemeClr val="tx1"/>
+              </a:solidFill>
+              <a:latin typeface="メイリオ" pitchFamily="50" charset="-128"/>
+              <a:ea typeface="メイリオ" pitchFamily="50" charset="-128"/>
+              <a:cs typeface="メイリオ" pitchFamily="50" charset="-128"/>
+            </a:endParaRPr>
+          </a:p>
+        </p:txBody>
+      </p:sp>
+      <p:sp>
+        <p:nvSpPr>
+          <p:cNvPr id="27" name="正方形/長方形 26"/>
+          <p:cNvSpPr/>
+          <p:nvPr/>
+        </p:nvSpPr>
+        <p:spPr>
+          <a:xfrm>
+            <a:off x="2627784" y="548680"/>
+            <a:ext cx="504056" cy="432048"/>
+          </a:xfrm>
+          <a:prstGeom prst="rect">
+            <a:avLst/>
+          </a:prstGeom>
+        </p:spPr>
+        <p:style>
+          <a:lnRef idx="2">
+            <a:schemeClr val="accent6"/>
+          </a:lnRef>
+          <a:fillRef idx="1">
+            <a:schemeClr val="lt1"/>
+          </a:fillRef>
+          <a:effectRef idx="0">
+            <a:schemeClr val="accent6"/>
+          </a:effectRef>
+          <a:fontRef idx="minor">
+            <a:schemeClr val="dk1"/>
+          </a:fontRef>
+        </p:style>
+        <p:txBody>
+          <a:bodyPr rtlCol="0" anchor="ctr"/>
+          <a:lstStyle/>
+          <a:p>
+            <a:pPr algn="ctr"/>
+            <a:r>
+              <a:rPr lang="en-US" altLang="ja-JP" sz="1400" dirty="0" smtClean="0">
+                <a:latin typeface="メイリオ" pitchFamily="50" charset="-128"/>
+                <a:ea typeface="メイリオ" pitchFamily="50" charset="-128"/>
+                <a:cs typeface="メイリオ" pitchFamily="50" charset="-128"/>
+              </a:rPr>
+              <a:t>id</a:t>
+            </a:r>
+            <a:endParaRPr kumimoji="1" lang="ja-JP" altLang="en-US" sz="1400" dirty="0">
+              <a:latin typeface="メイリオ" pitchFamily="50" charset="-128"/>
+              <a:ea typeface="メイリオ" pitchFamily="50" charset="-128"/>
+              <a:cs typeface="メイリオ" pitchFamily="50" charset="-128"/>
+            </a:endParaRPr>
+          </a:p>
+        </p:txBody>
+      </p:sp>
+      <p:cxnSp>
+        <p:nvCxnSpPr>
+          <p:cNvPr id="29" name="直線コネクタ 28"/>
+          <p:cNvCxnSpPr>
+            <a:stCxn id="4" idx="2"/>
+            <a:endCxn id="17" idx="0"/>
+          </p:cNvCxnSpPr>
+          <p:nvPr/>
+        </p:nvCxnSpPr>
+        <p:spPr>
+          <a:xfrm flipH="1">
+            <a:off x="3455876" y="1412776"/>
+            <a:ext cx="576064" cy="720080"/>
+          </a:xfrm>
+          <a:prstGeom prst="line">
+            <a:avLst/>
+          </a:prstGeom>
+        </p:spPr>
+        <p:style>
+          <a:lnRef idx="1">
+            <a:schemeClr val="accent1"/>
+          </a:lnRef>
+          <a:fillRef idx="0">
+            <a:schemeClr val="accent1"/>
+          </a:fillRef>
+          <a:effectRef idx="0">
+            <a:schemeClr val="accent1"/>
+          </a:effectRef>
+          <a:fontRef idx="minor">
+            <a:schemeClr val="tx1"/>
+          </a:fontRef>
+        </p:style>
+      </p:cxnSp>
+      <p:cxnSp>
+        <p:nvCxnSpPr>
+          <p:cNvPr id="30" name="直線コネクタ 29"/>
+          <p:cNvCxnSpPr>
+            <a:stCxn id="4" idx="2"/>
+            <a:endCxn id="24" idx="0"/>
+          </p:cNvCxnSpPr>
+          <p:nvPr/>
+        </p:nvCxnSpPr>
+        <p:spPr>
+          <a:xfrm>
+            <a:off x="4031940" y="1412776"/>
+            <a:ext cx="2664296" cy="720080"/>
+          </a:xfrm>
+          <a:prstGeom prst="line">
+            <a:avLst/>
+          </a:prstGeom>
+        </p:spPr>
+        <p:style>
+          <a:lnRef idx="1">
+            <a:schemeClr val="accent1"/>
+          </a:lnRef>
+          <a:fillRef idx="0">
+            <a:schemeClr val="accent1"/>
+          </a:fillRef>
+          <a:effectRef idx="0">
+            <a:schemeClr val="accent1"/>
+          </a:effectRef>
+          <a:fontRef idx="minor">
+            <a:schemeClr val="tx1"/>
+          </a:fontRef>
+        </p:style>
+      </p:cxnSp>
+      <p:sp>
+        <p:nvSpPr>
+          <p:cNvPr id="33" name="正方形/長方形 32"/>
+          <p:cNvSpPr/>
+          <p:nvPr/>
+        </p:nvSpPr>
+        <p:spPr>
+          <a:xfrm>
+            <a:off x="3275856" y="4293096"/>
+            <a:ext cx="1080120" cy="432048"/>
+          </a:xfrm>
+          <a:prstGeom prst="rect">
+            <a:avLst/>
+          </a:prstGeom>
+        </p:spPr>
+        <p:style>
+          <a:lnRef idx="2">
+            <a:schemeClr val="accent6"/>
+          </a:lnRef>
+          <a:fillRef idx="1">
+            <a:schemeClr val="lt1"/>
+          </a:fillRef>
+          <a:effectRef idx="0">
+            <a:schemeClr val="accent6"/>
+          </a:effectRef>
+          <a:fontRef idx="minor">
+            <a:schemeClr val="dk1"/>
+          </a:fontRef>
+        </p:style>
+        <p:txBody>
+          <a:bodyPr rtlCol="0" anchor="ctr"/>
+          <a:lstStyle/>
+          <a:p>
+            <a:pPr algn="ctr"/>
+            <a:r>
+              <a:rPr lang="ja-JP" altLang="en-US" sz="1400" dirty="0" smtClean="0">
+                <a:latin typeface="メイリオ" pitchFamily="50" charset="-128"/>
+                <a:ea typeface="メイリオ" pitchFamily="50" charset="-128"/>
+                <a:cs typeface="メイリオ" pitchFamily="50" charset="-128"/>
+              </a:rPr>
+              <a:t>コメ</a:t>
+            </a:r>
+            <a:r>
+              <a:rPr lang="ja-JP" altLang="en-US" sz="1400" dirty="0" smtClean="0">
+                <a:latin typeface="メイリオ" pitchFamily="50" charset="-128"/>
+                <a:ea typeface="メイリオ" pitchFamily="50" charset="-128"/>
+                <a:cs typeface="メイリオ" pitchFamily="50" charset="-128"/>
+              </a:rPr>
+              <a:t>ント</a:t>
+            </a:r>
+            <a:r>
+              <a:rPr lang="en-US" altLang="ja-JP" sz="1400" dirty="0" smtClean="0">
+                <a:latin typeface="メイリオ" pitchFamily="50" charset="-128"/>
+                <a:ea typeface="メイリオ" pitchFamily="50" charset="-128"/>
+                <a:cs typeface="メイリオ" pitchFamily="50" charset="-128"/>
+              </a:rPr>
+              <a:t>2</a:t>
+            </a:r>
+            <a:endParaRPr lang="ja-JP" altLang="en-US" sz="1400" dirty="0" smtClean="0">
+              <a:latin typeface="メイリオ" pitchFamily="50" charset="-128"/>
+              <a:ea typeface="メイリオ" pitchFamily="50" charset="-128"/>
+              <a:cs typeface="メイリオ" pitchFamily="50" charset="-128"/>
+            </a:endParaRPr>
+          </a:p>
+        </p:txBody>
+      </p:sp>
+      <p:sp>
+        <p:nvSpPr>
+          <p:cNvPr id="34" name="正方形/長方形 33"/>
+          <p:cNvSpPr/>
+          <p:nvPr/>
+        </p:nvSpPr>
+        <p:spPr>
+          <a:xfrm>
+            <a:off x="1475656" y="4293096"/>
+            <a:ext cx="648072" cy="432048"/>
+          </a:xfrm>
+          <a:prstGeom prst="rect">
+            <a:avLst/>
+          </a:prstGeom>
+        </p:spPr>
+        <p:style>
+          <a:lnRef idx="2">
+            <a:schemeClr val="accent6"/>
+          </a:lnRef>
+          <a:fillRef idx="1">
+            <a:schemeClr val="lt1"/>
+          </a:fillRef>
+          <a:effectRef idx="0">
+            <a:schemeClr val="accent6"/>
+          </a:effectRef>
+          <a:fontRef idx="minor">
+            <a:schemeClr val="dk1"/>
+          </a:fontRef>
+        </p:style>
+        <p:txBody>
+          <a:bodyPr rtlCol="0" anchor="ctr"/>
+          <a:lstStyle/>
+          <a:p>
+            <a:pPr algn="ctr"/>
+            <a:r>
+              <a:rPr kumimoji="1" lang="en-US" altLang="ja-JP" dirty="0" smtClean="0">
+                <a:solidFill>
+                  <a:schemeClr val="accent5">
+                    <a:lumMod val="75000"/>
+                  </a:schemeClr>
+                </a:solidFill>
+                <a:latin typeface="メイリオ" pitchFamily="50" charset="-128"/>
+                <a:ea typeface="メイリオ" pitchFamily="50" charset="-128"/>
+                <a:cs typeface="メイリオ" pitchFamily="50" charset="-128"/>
+              </a:rPr>
+              <a:t>2</a:t>
+            </a:r>
+            <a:endParaRPr kumimoji="1" lang="ja-JP" altLang="en-US" dirty="0">
+              <a:solidFill>
+                <a:schemeClr val="accent5">
+                  <a:lumMod val="75000"/>
+                </a:schemeClr>
+              </a:solidFill>
+              <a:latin typeface="メイリオ" pitchFamily="50" charset="-128"/>
+              <a:ea typeface="メイリオ" pitchFamily="50" charset="-128"/>
+              <a:cs typeface="メイリオ" pitchFamily="50" charset="-128"/>
+            </a:endParaRPr>
+          </a:p>
+        </p:txBody>
+      </p:sp>
+      <p:sp>
+        <p:nvSpPr>
+          <p:cNvPr id="35" name="正方形/長方形 34"/>
+          <p:cNvSpPr/>
+          <p:nvPr/>
+        </p:nvSpPr>
+        <p:spPr>
+          <a:xfrm>
+            <a:off x="2123728" y="4293096"/>
+            <a:ext cx="504056" cy="432048"/>
+          </a:xfrm>
+          <a:prstGeom prst="rect">
+            <a:avLst/>
+          </a:prstGeom>
+        </p:spPr>
+        <p:style>
+          <a:lnRef idx="2">
+            <a:schemeClr val="accent6"/>
+          </a:lnRef>
+          <a:fillRef idx="1">
+            <a:schemeClr val="lt1"/>
+          </a:fillRef>
+          <a:effectRef idx="0">
+            <a:schemeClr val="accent6"/>
+          </a:effectRef>
+          <a:fontRef idx="minor">
+            <a:schemeClr val="dk1"/>
+          </a:fontRef>
+        </p:style>
+        <p:txBody>
+          <a:bodyPr rtlCol="0" anchor="ctr"/>
+          <a:lstStyle/>
+          <a:p>
+            <a:pPr algn="ctr"/>
+            <a:r>
+              <a:rPr kumimoji="1" lang="en-US" altLang="ja-JP" dirty="0" smtClean="0">
+                <a:latin typeface="メイリオ" pitchFamily="50" charset="-128"/>
+                <a:ea typeface="メイリオ" pitchFamily="50" charset="-128"/>
+                <a:cs typeface="メイリオ" pitchFamily="50" charset="-128"/>
+              </a:rPr>
+              <a:t>3</a:t>
+            </a:r>
+            <a:endParaRPr kumimoji="1" lang="ja-JP" altLang="en-US" dirty="0">
+              <a:latin typeface="メイリオ" pitchFamily="50" charset="-128"/>
+              <a:ea typeface="メイリオ" pitchFamily="50" charset="-128"/>
+              <a:cs typeface="メイリオ" pitchFamily="50" charset="-128"/>
+            </a:endParaRPr>
+          </a:p>
+        </p:txBody>
+      </p:sp>
+      <p:sp>
+        <p:nvSpPr>
+          <p:cNvPr id="36" name="正方形/長方形 35"/>
+          <p:cNvSpPr/>
+          <p:nvPr/>
+        </p:nvSpPr>
+        <p:spPr>
+          <a:xfrm>
+            <a:off x="2627784" y="4293096"/>
+            <a:ext cx="648072" cy="432048"/>
+          </a:xfrm>
+          <a:prstGeom prst="rect">
+            <a:avLst/>
+          </a:prstGeom>
+        </p:spPr>
+        <p:style>
+          <a:lnRef idx="2">
+            <a:schemeClr val="accent6"/>
+          </a:lnRef>
+          <a:fillRef idx="1">
+            <a:schemeClr val="lt1"/>
+          </a:fillRef>
+          <a:effectRef idx="0">
+            <a:schemeClr val="accent6"/>
+          </a:effectRef>
+          <a:fontRef idx="minor">
+            <a:schemeClr val="dk1"/>
+          </a:fontRef>
+        </p:style>
+        <p:txBody>
+          <a:bodyPr rtlCol="0" anchor="ctr"/>
+          <a:lstStyle/>
+          <a:p>
+            <a:pPr algn="ctr"/>
+            <a:r>
+              <a:rPr kumimoji="1" lang="en-US" altLang="ja-JP" dirty="0" smtClean="0">
+                <a:latin typeface="メイリオ" pitchFamily="50" charset="-128"/>
+                <a:ea typeface="メイリオ" pitchFamily="50" charset="-128"/>
+                <a:cs typeface="メイリオ" pitchFamily="50" charset="-128"/>
+              </a:rPr>
+              <a:t>8</a:t>
+            </a:r>
+            <a:endParaRPr kumimoji="1" lang="ja-JP" altLang="en-US" dirty="0">
+              <a:latin typeface="メイリオ" pitchFamily="50" charset="-128"/>
+              <a:ea typeface="メイリオ" pitchFamily="50" charset="-128"/>
+              <a:cs typeface="メイリオ" pitchFamily="50" charset="-128"/>
+            </a:endParaRPr>
+          </a:p>
+        </p:txBody>
+      </p:sp>
+      <p:sp>
+        <p:nvSpPr>
+          <p:cNvPr id="37" name="正方形/長方形 36"/>
+          <p:cNvSpPr/>
+          <p:nvPr/>
+        </p:nvSpPr>
+        <p:spPr>
+          <a:xfrm>
+            <a:off x="3275856" y="3861048"/>
+            <a:ext cx="1080120" cy="432048"/>
+          </a:xfrm>
+          <a:prstGeom prst="rect">
+            <a:avLst/>
+          </a:prstGeom>
+        </p:spPr>
+        <p:style>
+          <a:lnRef idx="2">
+            <a:schemeClr val="accent6"/>
+          </a:lnRef>
+          <a:fillRef idx="1">
+            <a:schemeClr val="lt1"/>
+          </a:fillRef>
+          <a:effectRef idx="0">
+            <a:schemeClr val="accent6"/>
+          </a:effectRef>
+          <a:fontRef idx="minor">
+            <a:schemeClr val="dk1"/>
+          </a:fontRef>
+        </p:style>
+        <p:txBody>
+          <a:bodyPr rtlCol="0" anchor="ctr"/>
+          <a:lstStyle/>
+          <a:p>
+            <a:pPr algn="ctr"/>
+            <a:r>
+              <a:rPr lang="en-US" altLang="ja-JP" sz="1400" dirty="0" smtClean="0">
+                <a:latin typeface="メイリオ" pitchFamily="50" charset="-128"/>
+                <a:ea typeface="メイリオ" pitchFamily="50" charset="-128"/>
+                <a:cs typeface="メイリオ" pitchFamily="50" charset="-128"/>
+              </a:rPr>
+              <a:t>title</a:t>
+            </a:r>
+            <a:endParaRPr kumimoji="1" lang="ja-JP" altLang="en-US" sz="1400" dirty="0">
+              <a:latin typeface="メイリオ" pitchFamily="50" charset="-128"/>
+              <a:ea typeface="メイリオ" pitchFamily="50" charset="-128"/>
+              <a:cs typeface="メイリオ" pitchFamily="50" charset="-128"/>
+            </a:endParaRPr>
+          </a:p>
+        </p:txBody>
+      </p:sp>
+      <p:sp>
+        <p:nvSpPr>
+          <p:cNvPr id="38" name="正方形/長方形 37"/>
+          <p:cNvSpPr/>
+          <p:nvPr/>
+        </p:nvSpPr>
+        <p:spPr>
+          <a:xfrm>
+            <a:off x="1475656" y="3861048"/>
+            <a:ext cx="648072" cy="432048"/>
+          </a:xfrm>
+          <a:prstGeom prst="rect">
+            <a:avLst/>
+          </a:prstGeom>
+        </p:spPr>
+        <p:style>
+          <a:lnRef idx="2">
+            <a:schemeClr val="accent6"/>
+          </a:lnRef>
+          <a:fillRef idx="1">
+            <a:schemeClr val="lt1"/>
+          </a:fillRef>
+          <a:effectRef idx="0">
+            <a:schemeClr val="accent6"/>
+          </a:effectRef>
+          <a:fontRef idx="minor">
+            <a:schemeClr val="dk1"/>
+          </a:fontRef>
+        </p:style>
+        <p:txBody>
+          <a:bodyPr rtlCol="0" anchor="ctr"/>
+          <a:lstStyle/>
+          <a:p>
+            <a:pPr algn="ctr"/>
+            <a:r>
+              <a:rPr lang="en-US" altLang="ja-JP" sz="1400" dirty="0" smtClean="0">
+                <a:latin typeface="メイリオ" pitchFamily="50" charset="-128"/>
+                <a:ea typeface="メイリオ" pitchFamily="50" charset="-128"/>
+                <a:cs typeface="メイリオ" pitchFamily="50" charset="-128"/>
+              </a:rPr>
+              <a:t>p_id</a:t>
+            </a:r>
+            <a:endParaRPr kumimoji="1" lang="ja-JP" altLang="en-US" sz="1400" dirty="0">
+              <a:latin typeface="メイリオ" pitchFamily="50" charset="-128"/>
+              <a:ea typeface="メイリオ" pitchFamily="50" charset="-128"/>
+              <a:cs typeface="メイリオ" pitchFamily="50" charset="-128"/>
+            </a:endParaRPr>
+          </a:p>
+        </p:txBody>
+      </p:sp>
+      <p:sp>
+        <p:nvSpPr>
+          <p:cNvPr id="39" name="正方形/長方形 38"/>
+          <p:cNvSpPr/>
+          <p:nvPr/>
+        </p:nvSpPr>
+        <p:spPr>
+          <a:xfrm>
+            <a:off x="2123728" y="3861048"/>
+            <a:ext cx="504056" cy="432048"/>
+          </a:xfrm>
+          <a:prstGeom prst="rect">
+            <a:avLst/>
+          </a:prstGeom>
+        </p:spPr>
+        <p:style>
+          <a:lnRef idx="2">
+            <a:schemeClr val="accent6"/>
+          </a:lnRef>
+          <a:fillRef idx="1">
+            <a:schemeClr val="lt1"/>
+          </a:fillRef>
+          <a:effectRef idx="0">
+            <a:schemeClr val="accent6"/>
+          </a:effectRef>
+          <a:fontRef idx="minor">
+            <a:schemeClr val="dk1"/>
+          </a:fontRef>
+        </p:style>
+        <p:txBody>
+          <a:bodyPr rtlCol="0" anchor="ctr"/>
+          <a:lstStyle/>
+          <a:p>
+            <a:pPr algn="ctr"/>
+            <a:r>
+              <a:rPr kumimoji="1" lang="en-US" altLang="ja-JP" sz="1400" dirty="0" smtClean="0">
+                <a:latin typeface="メイリオ" pitchFamily="50" charset="-128"/>
+                <a:ea typeface="メイリオ" pitchFamily="50" charset="-128"/>
+                <a:cs typeface="メイリオ" pitchFamily="50" charset="-128"/>
+              </a:rPr>
+              <a:t>lft</a:t>
+            </a:r>
+            <a:endParaRPr kumimoji="1" lang="ja-JP" altLang="en-US" sz="1400" dirty="0">
+              <a:latin typeface="メイリオ" pitchFamily="50" charset="-128"/>
+              <a:ea typeface="メイリオ" pitchFamily="50" charset="-128"/>
+              <a:cs typeface="メイリオ" pitchFamily="50" charset="-128"/>
+            </a:endParaRPr>
+          </a:p>
+        </p:txBody>
+      </p:sp>
+      <p:sp>
+        <p:nvSpPr>
+          <p:cNvPr id="40" name="正方形/長方形 39"/>
+          <p:cNvSpPr/>
+          <p:nvPr/>
+        </p:nvSpPr>
+        <p:spPr>
+          <a:xfrm>
+            <a:off x="2627784" y="3861048"/>
+            <a:ext cx="648072" cy="432048"/>
+          </a:xfrm>
+          <a:prstGeom prst="rect">
+            <a:avLst/>
+          </a:prstGeom>
+        </p:spPr>
+        <p:style>
+          <a:lnRef idx="2">
+            <a:schemeClr val="accent6"/>
+          </a:lnRef>
+          <a:fillRef idx="1">
+            <a:schemeClr val="lt1"/>
+          </a:fillRef>
+          <a:effectRef idx="0">
+            <a:schemeClr val="accent6"/>
+          </a:effectRef>
+          <a:fontRef idx="minor">
+            <a:schemeClr val="dk1"/>
+          </a:fontRef>
+        </p:style>
+        <p:txBody>
+          <a:bodyPr rtlCol="0" anchor="ctr"/>
+          <a:lstStyle/>
+          <a:p>
+            <a:pPr algn="ctr"/>
+            <a:r>
+              <a:rPr kumimoji="1" lang="en-US" altLang="ja-JP" sz="1400" dirty="0" smtClean="0">
+                <a:latin typeface="メイリオ" pitchFamily="50" charset="-128"/>
+                <a:ea typeface="メイリオ" pitchFamily="50" charset="-128"/>
+                <a:cs typeface="メイリオ" pitchFamily="50" charset="-128"/>
+              </a:rPr>
+              <a:t>rght</a:t>
+            </a:r>
+            <a:endParaRPr kumimoji="1" lang="ja-JP" altLang="en-US" sz="1400" dirty="0">
+              <a:latin typeface="メイリオ" pitchFamily="50" charset="-128"/>
+              <a:ea typeface="メイリオ" pitchFamily="50" charset="-128"/>
+              <a:cs typeface="メイリオ" pitchFamily="50" charset="-128"/>
+            </a:endParaRPr>
+          </a:p>
+        </p:txBody>
+      </p:sp>
+      <p:sp>
+        <p:nvSpPr>
+          <p:cNvPr id="41" name="正方形/長方形 40"/>
+          <p:cNvSpPr/>
+          <p:nvPr/>
+        </p:nvSpPr>
+        <p:spPr>
+          <a:xfrm>
+            <a:off x="7020272" y="4293096"/>
+            <a:ext cx="1080120" cy="432048"/>
+          </a:xfrm>
+          <a:prstGeom prst="rect">
+            <a:avLst/>
+          </a:prstGeom>
+        </p:spPr>
+        <p:style>
+          <a:lnRef idx="2">
+            <a:schemeClr val="accent6"/>
+          </a:lnRef>
+          <a:fillRef idx="1">
+            <a:schemeClr val="lt1"/>
+          </a:fillRef>
+          <a:effectRef idx="0">
+            <a:schemeClr val="accent6"/>
+          </a:effectRef>
+          <a:fontRef idx="minor">
+            <a:schemeClr val="dk1"/>
+          </a:fontRef>
+        </p:style>
+        <p:txBody>
+          <a:bodyPr rtlCol="0" anchor="ctr"/>
+          <a:lstStyle/>
+          <a:p>
+            <a:pPr algn="ctr"/>
+            <a:r>
+              <a:rPr lang="ja-JP" altLang="en-US" sz="1400" dirty="0" smtClean="0">
+                <a:latin typeface="メイリオ" pitchFamily="50" charset="-128"/>
+                <a:ea typeface="メイリオ" pitchFamily="50" charset="-128"/>
+                <a:cs typeface="メイリオ" pitchFamily="50" charset="-128"/>
+              </a:rPr>
+              <a:t>コメ</a:t>
+            </a:r>
+            <a:r>
+              <a:rPr lang="ja-JP" altLang="en-US" sz="1400" dirty="0" smtClean="0">
+                <a:latin typeface="メイリオ" pitchFamily="50" charset="-128"/>
+                <a:ea typeface="メイリオ" pitchFamily="50" charset="-128"/>
+                <a:cs typeface="メイリオ" pitchFamily="50" charset="-128"/>
+              </a:rPr>
+              <a:t>ント</a:t>
+            </a:r>
+            <a:r>
+              <a:rPr lang="en-US" altLang="ja-JP" sz="1400" dirty="0" smtClean="0">
+                <a:latin typeface="メイリオ" pitchFamily="50" charset="-128"/>
+                <a:ea typeface="メイリオ" pitchFamily="50" charset="-128"/>
+                <a:cs typeface="メイリオ" pitchFamily="50" charset="-128"/>
+              </a:rPr>
+              <a:t>3</a:t>
+            </a:r>
+            <a:endParaRPr lang="ja-JP" altLang="en-US" sz="1400" dirty="0" smtClean="0">
+              <a:latin typeface="メイリオ" pitchFamily="50" charset="-128"/>
+              <a:ea typeface="メイリオ" pitchFamily="50" charset="-128"/>
+              <a:cs typeface="メイリオ" pitchFamily="50" charset="-128"/>
+            </a:endParaRPr>
+          </a:p>
+        </p:txBody>
+      </p:sp>
+      <p:sp>
+        <p:nvSpPr>
+          <p:cNvPr id="42" name="正方形/長方形 41"/>
+          <p:cNvSpPr/>
+          <p:nvPr/>
+        </p:nvSpPr>
+        <p:spPr>
+          <a:xfrm>
+            <a:off x="5220072" y="4293096"/>
+            <a:ext cx="648072" cy="432048"/>
+          </a:xfrm>
+          <a:prstGeom prst="rect">
+            <a:avLst/>
+          </a:prstGeom>
+        </p:spPr>
+        <p:style>
+          <a:lnRef idx="2">
+            <a:schemeClr val="accent6"/>
+          </a:lnRef>
+          <a:fillRef idx="1">
+            <a:schemeClr val="lt1"/>
+          </a:fillRef>
+          <a:effectRef idx="0">
+            <a:schemeClr val="accent6"/>
+          </a:effectRef>
+          <a:fontRef idx="minor">
+            <a:schemeClr val="dk1"/>
+          </a:fontRef>
+        </p:style>
+        <p:txBody>
+          <a:bodyPr rtlCol="0" anchor="ctr"/>
+          <a:lstStyle/>
+          <a:p>
+            <a:pPr algn="ctr"/>
+            <a:r>
+              <a:rPr kumimoji="1" lang="en-US" altLang="ja-JP" dirty="0" smtClean="0">
+                <a:solidFill>
+                  <a:schemeClr val="accent5">
+                    <a:lumMod val="75000"/>
+                  </a:schemeClr>
+                </a:solidFill>
+                <a:latin typeface="メイリオ" pitchFamily="50" charset="-128"/>
+                <a:ea typeface="メイリオ" pitchFamily="50" charset="-128"/>
+                <a:cs typeface="メイリオ" pitchFamily="50" charset="-128"/>
+              </a:rPr>
+              <a:t>2</a:t>
+            </a:r>
+            <a:endParaRPr kumimoji="1" lang="ja-JP" altLang="en-US" dirty="0">
+              <a:solidFill>
+                <a:schemeClr val="accent5">
+                  <a:lumMod val="75000"/>
+                </a:schemeClr>
+              </a:solidFill>
+              <a:latin typeface="メイリオ" pitchFamily="50" charset="-128"/>
+              <a:ea typeface="メイリオ" pitchFamily="50" charset="-128"/>
+              <a:cs typeface="メイリオ" pitchFamily="50" charset="-128"/>
+            </a:endParaRPr>
+          </a:p>
+        </p:txBody>
+      </p:sp>
+      <p:sp>
+        <p:nvSpPr>
+          <p:cNvPr id="43" name="正方形/長方形 42"/>
+          <p:cNvSpPr/>
+          <p:nvPr/>
+        </p:nvSpPr>
+        <p:spPr>
+          <a:xfrm>
+            <a:off x="5868144" y="4293096"/>
+            <a:ext cx="504056" cy="432048"/>
+          </a:xfrm>
+          <a:prstGeom prst="rect">
+            <a:avLst/>
+          </a:prstGeom>
+        </p:spPr>
+        <p:style>
+          <a:lnRef idx="2">
+            <a:schemeClr val="accent6"/>
+          </a:lnRef>
+          <a:fillRef idx="1">
+            <a:schemeClr val="lt1"/>
+          </a:fillRef>
+          <a:effectRef idx="0">
+            <a:schemeClr val="accent6"/>
+          </a:effectRef>
+          <a:fontRef idx="minor">
+            <a:schemeClr val="dk1"/>
+          </a:fontRef>
+        </p:style>
+        <p:txBody>
+          <a:bodyPr rtlCol="0" anchor="ctr"/>
+          <a:lstStyle/>
+          <a:p>
+            <a:pPr algn="ctr"/>
+            <a:r>
+              <a:rPr kumimoji="1" lang="en-US" altLang="ja-JP" dirty="0" smtClean="0">
+                <a:latin typeface="メイリオ" pitchFamily="50" charset="-128"/>
+                <a:ea typeface="メイリオ" pitchFamily="50" charset="-128"/>
+                <a:cs typeface="メイリオ" pitchFamily="50" charset="-128"/>
+              </a:rPr>
+              <a:t>9</a:t>
+            </a:r>
+            <a:endParaRPr kumimoji="1" lang="ja-JP" altLang="en-US" dirty="0">
+              <a:latin typeface="メイリオ" pitchFamily="50" charset="-128"/>
+              <a:ea typeface="メイリオ" pitchFamily="50" charset="-128"/>
+              <a:cs typeface="メイリオ" pitchFamily="50" charset="-128"/>
+            </a:endParaRPr>
+          </a:p>
+        </p:txBody>
+      </p:sp>
+      <p:sp>
+        <p:nvSpPr>
+          <p:cNvPr id="44" name="正方形/長方形 43"/>
+          <p:cNvSpPr/>
+          <p:nvPr/>
+        </p:nvSpPr>
+        <p:spPr>
+          <a:xfrm>
+            <a:off x="6372200" y="4293096"/>
+            <a:ext cx="648072" cy="432048"/>
+          </a:xfrm>
+          <a:prstGeom prst="rect">
+            <a:avLst/>
+          </a:prstGeom>
+        </p:spPr>
+        <p:style>
+          <a:lnRef idx="2">
+            <a:schemeClr val="accent6"/>
+          </a:lnRef>
+          <a:fillRef idx="1">
+            <a:schemeClr val="lt1"/>
+          </a:fillRef>
+          <a:effectRef idx="0">
+            <a:schemeClr val="accent6"/>
+          </a:effectRef>
+          <a:fontRef idx="minor">
+            <a:schemeClr val="dk1"/>
+          </a:fontRef>
+        </p:style>
+        <p:txBody>
+          <a:bodyPr rtlCol="0" anchor="ctr"/>
+          <a:lstStyle/>
+          <a:p>
+            <a:pPr algn="ctr"/>
+            <a:r>
+              <a:rPr kumimoji="1" lang="en-US" altLang="ja-JP" dirty="0" smtClean="0">
+                <a:latin typeface="メイリオ" pitchFamily="50" charset="-128"/>
+                <a:ea typeface="メイリオ" pitchFamily="50" charset="-128"/>
+                <a:cs typeface="メイリオ" pitchFamily="50" charset="-128"/>
+              </a:rPr>
+              <a:t>10</a:t>
+            </a:r>
+            <a:endParaRPr kumimoji="1" lang="ja-JP" altLang="en-US" dirty="0">
+              <a:latin typeface="メイリオ" pitchFamily="50" charset="-128"/>
+              <a:ea typeface="メイリオ" pitchFamily="50" charset="-128"/>
+              <a:cs typeface="メイリオ" pitchFamily="50" charset="-128"/>
+            </a:endParaRPr>
+          </a:p>
+        </p:txBody>
+      </p:sp>
+      <p:sp>
+        <p:nvSpPr>
+          <p:cNvPr id="45" name="正方形/長方形 44"/>
+          <p:cNvSpPr/>
+          <p:nvPr/>
+        </p:nvSpPr>
+        <p:spPr>
+          <a:xfrm>
+            <a:off x="7020272" y="3861048"/>
+            <a:ext cx="1080120" cy="432048"/>
+          </a:xfrm>
+          <a:prstGeom prst="rect">
+            <a:avLst/>
+          </a:prstGeom>
+        </p:spPr>
+        <p:style>
+          <a:lnRef idx="2">
+            <a:schemeClr val="accent6"/>
+          </a:lnRef>
+          <a:fillRef idx="1">
+            <a:schemeClr val="lt1"/>
+          </a:fillRef>
+          <a:effectRef idx="0">
+            <a:schemeClr val="accent6"/>
+          </a:effectRef>
+          <a:fontRef idx="minor">
+            <a:schemeClr val="dk1"/>
+          </a:fontRef>
+        </p:style>
+        <p:txBody>
+          <a:bodyPr rtlCol="0" anchor="ctr"/>
+          <a:lstStyle/>
+          <a:p>
+            <a:pPr algn="ctr"/>
+            <a:r>
+              <a:rPr lang="en-US" altLang="ja-JP" sz="1400" dirty="0" smtClean="0">
+                <a:latin typeface="メイリオ" pitchFamily="50" charset="-128"/>
+                <a:ea typeface="メイリオ" pitchFamily="50" charset="-128"/>
+                <a:cs typeface="メイリオ" pitchFamily="50" charset="-128"/>
+              </a:rPr>
+              <a:t>title</a:t>
+            </a:r>
+            <a:endParaRPr kumimoji="1" lang="ja-JP" altLang="en-US" sz="1400" dirty="0">
+              <a:latin typeface="メイリオ" pitchFamily="50" charset="-128"/>
+              <a:ea typeface="メイリオ" pitchFamily="50" charset="-128"/>
+              <a:cs typeface="メイリオ" pitchFamily="50" charset="-128"/>
+            </a:endParaRPr>
+          </a:p>
+        </p:txBody>
+      </p:sp>
+      <p:sp>
+        <p:nvSpPr>
+          <p:cNvPr id="46" name="正方形/長方形 45"/>
+          <p:cNvSpPr/>
+          <p:nvPr/>
+        </p:nvSpPr>
+        <p:spPr>
+          <a:xfrm>
+            <a:off x="5220072" y="3861048"/>
+            <a:ext cx="648072" cy="432048"/>
+          </a:xfrm>
+          <a:prstGeom prst="rect">
+            <a:avLst/>
+          </a:prstGeom>
+        </p:spPr>
+        <p:style>
+          <a:lnRef idx="2">
+            <a:schemeClr val="accent6"/>
+          </a:lnRef>
+          <a:fillRef idx="1">
+            <a:schemeClr val="lt1"/>
+          </a:fillRef>
+          <a:effectRef idx="0">
+            <a:schemeClr val="accent6"/>
+          </a:effectRef>
+          <a:fontRef idx="minor">
+            <a:schemeClr val="dk1"/>
+          </a:fontRef>
+        </p:style>
+        <p:txBody>
+          <a:bodyPr rtlCol="0" anchor="ctr"/>
+          <a:lstStyle/>
+          <a:p>
+            <a:pPr algn="ctr"/>
+            <a:r>
+              <a:rPr lang="en-US" altLang="ja-JP" sz="1400" dirty="0" smtClean="0">
+                <a:latin typeface="メイリオ" pitchFamily="50" charset="-128"/>
+                <a:ea typeface="メイリオ" pitchFamily="50" charset="-128"/>
+                <a:cs typeface="メイリオ" pitchFamily="50" charset="-128"/>
+              </a:rPr>
+              <a:t>p_id</a:t>
+            </a:r>
+            <a:endParaRPr kumimoji="1" lang="ja-JP" altLang="en-US" sz="1400" dirty="0">
+              <a:latin typeface="メイリオ" pitchFamily="50" charset="-128"/>
+              <a:ea typeface="メイリオ" pitchFamily="50" charset="-128"/>
+              <a:cs typeface="メイリオ" pitchFamily="50" charset="-128"/>
+            </a:endParaRPr>
+          </a:p>
+        </p:txBody>
+      </p:sp>
+      <p:sp>
+        <p:nvSpPr>
+          <p:cNvPr id="47" name="正方形/長方形 46"/>
+          <p:cNvSpPr/>
+          <p:nvPr/>
+        </p:nvSpPr>
+        <p:spPr>
+          <a:xfrm>
+            <a:off x="5868144" y="3861048"/>
+            <a:ext cx="504056" cy="432048"/>
+          </a:xfrm>
+          <a:prstGeom prst="rect">
+            <a:avLst/>
+          </a:prstGeom>
+        </p:spPr>
+        <p:style>
+          <a:lnRef idx="2">
+            <a:schemeClr val="accent6"/>
+          </a:lnRef>
+          <a:fillRef idx="1">
+            <a:schemeClr val="lt1"/>
+          </a:fillRef>
+          <a:effectRef idx="0">
+            <a:schemeClr val="accent6"/>
+          </a:effectRef>
+          <a:fontRef idx="minor">
+            <a:schemeClr val="dk1"/>
+          </a:fontRef>
+        </p:style>
+        <p:txBody>
+          <a:bodyPr rtlCol="0" anchor="ctr"/>
+          <a:lstStyle/>
+          <a:p>
+            <a:pPr algn="ctr"/>
+            <a:r>
+              <a:rPr kumimoji="1" lang="en-US" altLang="ja-JP" sz="1400" dirty="0" smtClean="0">
+                <a:latin typeface="メイリオ" pitchFamily="50" charset="-128"/>
+                <a:ea typeface="メイリオ" pitchFamily="50" charset="-128"/>
+                <a:cs typeface="メイリオ" pitchFamily="50" charset="-128"/>
+              </a:rPr>
+              <a:t>lft</a:t>
+            </a:r>
+            <a:endParaRPr kumimoji="1" lang="ja-JP" altLang="en-US" sz="1400" dirty="0">
+              <a:latin typeface="メイリオ" pitchFamily="50" charset="-128"/>
+              <a:ea typeface="メイリオ" pitchFamily="50" charset="-128"/>
+              <a:cs typeface="メイリオ" pitchFamily="50" charset="-128"/>
+            </a:endParaRPr>
+          </a:p>
+        </p:txBody>
+      </p:sp>
+      <p:sp>
+        <p:nvSpPr>
+          <p:cNvPr id="48" name="正方形/長方形 47"/>
+          <p:cNvSpPr/>
+          <p:nvPr/>
+        </p:nvSpPr>
+        <p:spPr>
+          <a:xfrm>
+            <a:off x="6372200" y="3861048"/>
+            <a:ext cx="648072" cy="432048"/>
+          </a:xfrm>
+          <a:prstGeom prst="rect">
+            <a:avLst/>
+          </a:prstGeom>
+        </p:spPr>
+        <p:style>
+          <a:lnRef idx="2">
+            <a:schemeClr val="accent6"/>
+          </a:lnRef>
+          <a:fillRef idx="1">
+            <a:schemeClr val="lt1"/>
+          </a:fillRef>
+          <a:effectRef idx="0">
+            <a:schemeClr val="accent6"/>
+          </a:effectRef>
+          <a:fontRef idx="minor">
+            <a:schemeClr val="dk1"/>
+          </a:fontRef>
+        </p:style>
+        <p:txBody>
+          <a:bodyPr rtlCol="0" anchor="ctr"/>
+          <a:lstStyle/>
+          <a:p>
+            <a:pPr algn="ctr"/>
+            <a:r>
+              <a:rPr kumimoji="1" lang="en-US" altLang="ja-JP" sz="1400" dirty="0" smtClean="0">
+                <a:latin typeface="メイリオ" pitchFamily="50" charset="-128"/>
+                <a:ea typeface="メイリオ" pitchFamily="50" charset="-128"/>
+                <a:cs typeface="メイリオ" pitchFamily="50" charset="-128"/>
+              </a:rPr>
+              <a:t>rght</a:t>
+            </a:r>
+            <a:endParaRPr kumimoji="1" lang="ja-JP" altLang="en-US" sz="1400" dirty="0">
+              <a:latin typeface="メイリオ" pitchFamily="50" charset="-128"/>
+              <a:ea typeface="メイリオ" pitchFamily="50" charset="-128"/>
+              <a:cs typeface="メイリオ" pitchFamily="50" charset="-128"/>
+            </a:endParaRPr>
+          </a:p>
+        </p:txBody>
+      </p:sp>
+      <p:sp>
+        <p:nvSpPr>
+          <p:cNvPr id="49" name="正方形/長方形 48"/>
+          <p:cNvSpPr/>
+          <p:nvPr/>
+        </p:nvSpPr>
+        <p:spPr>
+          <a:xfrm>
+            <a:off x="2699792" y="6021288"/>
+            <a:ext cx="1080120" cy="432048"/>
+          </a:xfrm>
+          <a:prstGeom prst="rect">
+            <a:avLst/>
+          </a:prstGeom>
+        </p:spPr>
+        <p:style>
+          <a:lnRef idx="2">
+            <a:schemeClr val="accent6"/>
+          </a:lnRef>
+          <a:fillRef idx="1">
+            <a:schemeClr val="lt1"/>
+          </a:fillRef>
+          <a:effectRef idx="0">
+            <a:schemeClr val="accent6"/>
+          </a:effectRef>
+          <a:fontRef idx="minor">
+            <a:schemeClr val="dk1"/>
+          </a:fontRef>
+        </p:style>
+        <p:txBody>
+          <a:bodyPr rtlCol="0" anchor="ctr"/>
+          <a:lstStyle/>
+          <a:p>
+            <a:pPr algn="ctr"/>
+            <a:r>
+              <a:rPr lang="ja-JP" altLang="en-US" sz="1400" dirty="0" smtClean="0">
+                <a:latin typeface="メイリオ" pitchFamily="50" charset="-128"/>
+                <a:ea typeface="メイリオ" pitchFamily="50" charset="-128"/>
+                <a:cs typeface="メイリオ" pitchFamily="50" charset="-128"/>
+              </a:rPr>
+              <a:t>コメ</a:t>
+            </a:r>
+            <a:r>
+              <a:rPr lang="ja-JP" altLang="en-US" sz="1400" dirty="0" smtClean="0">
+                <a:latin typeface="メイリオ" pitchFamily="50" charset="-128"/>
+                <a:ea typeface="メイリオ" pitchFamily="50" charset="-128"/>
+                <a:cs typeface="メイリオ" pitchFamily="50" charset="-128"/>
+              </a:rPr>
+              <a:t>ント</a:t>
+            </a:r>
+            <a:r>
+              <a:rPr lang="en-US" altLang="ja-JP" sz="1400" dirty="0" smtClean="0">
+                <a:latin typeface="メイリオ" pitchFamily="50" charset="-128"/>
+                <a:ea typeface="メイリオ" pitchFamily="50" charset="-128"/>
+                <a:cs typeface="メイリオ" pitchFamily="50" charset="-128"/>
+              </a:rPr>
+              <a:t>4</a:t>
+            </a:r>
+            <a:endParaRPr lang="ja-JP" altLang="en-US" sz="1400" dirty="0" smtClean="0">
+              <a:latin typeface="メイリオ" pitchFamily="50" charset="-128"/>
+              <a:ea typeface="メイリオ" pitchFamily="50" charset="-128"/>
+              <a:cs typeface="メイリオ" pitchFamily="50" charset="-128"/>
+            </a:endParaRPr>
+          </a:p>
+        </p:txBody>
+      </p:sp>
+      <p:sp>
+        <p:nvSpPr>
+          <p:cNvPr id="50" name="正方形/長方形 49"/>
+          <p:cNvSpPr/>
+          <p:nvPr/>
+        </p:nvSpPr>
+        <p:spPr>
+          <a:xfrm>
+            <a:off x="899592" y="6021288"/>
+            <a:ext cx="648072" cy="432048"/>
+          </a:xfrm>
+          <a:prstGeom prst="rect">
+            <a:avLst/>
+          </a:prstGeom>
+        </p:spPr>
+        <p:style>
+          <a:lnRef idx="2">
+            <a:schemeClr val="accent6"/>
+          </a:lnRef>
+          <a:fillRef idx="1">
+            <a:schemeClr val="lt1"/>
+          </a:fillRef>
+          <a:effectRef idx="0">
+            <a:schemeClr val="accent6"/>
+          </a:effectRef>
+          <a:fontRef idx="minor">
+            <a:schemeClr val="dk1"/>
+          </a:fontRef>
+        </p:style>
+        <p:txBody>
+          <a:bodyPr rtlCol="0" anchor="ctr"/>
+          <a:lstStyle/>
+          <a:p>
+            <a:pPr algn="ctr"/>
+            <a:r>
+              <a:rPr kumimoji="1" lang="en-US" altLang="ja-JP" dirty="0" smtClean="0">
+                <a:solidFill>
+                  <a:schemeClr val="accent5">
+                    <a:lumMod val="75000"/>
+                  </a:schemeClr>
+                </a:solidFill>
+                <a:latin typeface="メイリオ" pitchFamily="50" charset="-128"/>
+                <a:ea typeface="メイリオ" pitchFamily="50" charset="-128"/>
+                <a:cs typeface="メイリオ" pitchFamily="50" charset="-128"/>
+              </a:rPr>
+              <a:t>3</a:t>
+            </a:r>
+            <a:endParaRPr kumimoji="1" lang="ja-JP" altLang="en-US" dirty="0">
+              <a:solidFill>
+                <a:schemeClr val="accent5">
+                  <a:lumMod val="75000"/>
+                </a:schemeClr>
+              </a:solidFill>
+              <a:latin typeface="メイリオ" pitchFamily="50" charset="-128"/>
+              <a:ea typeface="メイリオ" pitchFamily="50" charset="-128"/>
+              <a:cs typeface="メイリオ" pitchFamily="50" charset="-128"/>
+            </a:endParaRPr>
+          </a:p>
+        </p:txBody>
+      </p:sp>
+      <p:sp>
+        <p:nvSpPr>
+          <p:cNvPr id="51" name="正方形/長方形 50"/>
+          <p:cNvSpPr/>
+          <p:nvPr/>
+        </p:nvSpPr>
+        <p:spPr>
+          <a:xfrm>
+            <a:off x="1547664" y="6021288"/>
+            <a:ext cx="504056" cy="432048"/>
+          </a:xfrm>
+          <a:prstGeom prst="rect">
+            <a:avLst/>
+          </a:prstGeom>
+        </p:spPr>
+        <p:style>
+          <a:lnRef idx="2">
+            <a:schemeClr val="accent6"/>
+          </a:lnRef>
+          <a:fillRef idx="1">
+            <a:schemeClr val="lt1"/>
+          </a:fillRef>
+          <a:effectRef idx="0">
+            <a:schemeClr val="accent6"/>
+          </a:effectRef>
+          <a:fontRef idx="minor">
+            <a:schemeClr val="dk1"/>
+          </a:fontRef>
+        </p:style>
+        <p:txBody>
+          <a:bodyPr rtlCol="0" anchor="ctr"/>
+          <a:lstStyle/>
+          <a:p>
+            <a:pPr algn="ctr"/>
+            <a:r>
+              <a:rPr kumimoji="1" lang="en-US" altLang="ja-JP" dirty="0" smtClean="0">
+                <a:latin typeface="メイリオ" pitchFamily="50" charset="-128"/>
+                <a:ea typeface="メイリオ" pitchFamily="50" charset="-128"/>
+                <a:cs typeface="メイリオ" pitchFamily="50" charset="-128"/>
+              </a:rPr>
+              <a:t>4</a:t>
+            </a:r>
+            <a:endParaRPr kumimoji="1" lang="ja-JP" altLang="en-US" dirty="0">
+              <a:latin typeface="メイリオ" pitchFamily="50" charset="-128"/>
+              <a:ea typeface="メイリオ" pitchFamily="50" charset="-128"/>
+              <a:cs typeface="メイリオ" pitchFamily="50" charset="-128"/>
+            </a:endParaRPr>
+          </a:p>
+        </p:txBody>
+      </p:sp>
+      <p:sp>
+        <p:nvSpPr>
+          <p:cNvPr id="52" name="正方形/長方形 51"/>
+          <p:cNvSpPr/>
+          <p:nvPr/>
+        </p:nvSpPr>
+        <p:spPr>
+          <a:xfrm>
+            <a:off x="2051720" y="6021288"/>
+            <a:ext cx="648072" cy="432048"/>
+          </a:xfrm>
+          <a:prstGeom prst="rect">
+            <a:avLst/>
+          </a:prstGeom>
+        </p:spPr>
+        <p:style>
+          <a:lnRef idx="2">
+            <a:schemeClr val="accent6"/>
+          </a:lnRef>
+          <a:fillRef idx="1">
+            <a:schemeClr val="lt1"/>
+          </a:fillRef>
+          <a:effectRef idx="0">
+            <a:schemeClr val="accent6"/>
+          </a:effectRef>
+          <a:fontRef idx="minor">
+            <a:schemeClr val="dk1"/>
+          </a:fontRef>
+        </p:style>
+        <p:txBody>
+          <a:bodyPr rtlCol="0" anchor="ctr"/>
+          <a:lstStyle/>
+          <a:p>
+            <a:pPr algn="ctr"/>
+            <a:r>
+              <a:rPr kumimoji="1" lang="en-US" altLang="ja-JP" dirty="0" smtClean="0">
+                <a:latin typeface="メイリオ" pitchFamily="50" charset="-128"/>
+                <a:ea typeface="メイリオ" pitchFamily="50" charset="-128"/>
+                <a:cs typeface="メイリオ" pitchFamily="50" charset="-128"/>
+              </a:rPr>
+              <a:t>5</a:t>
+            </a:r>
+            <a:endParaRPr kumimoji="1" lang="ja-JP" altLang="en-US" dirty="0">
+              <a:latin typeface="メイリオ" pitchFamily="50" charset="-128"/>
+              <a:ea typeface="メイリオ" pitchFamily="50" charset="-128"/>
+              <a:cs typeface="メイリオ" pitchFamily="50" charset="-128"/>
+            </a:endParaRPr>
+          </a:p>
+        </p:txBody>
+      </p:sp>
+      <p:sp>
+        <p:nvSpPr>
+          <p:cNvPr id="53" name="正方形/長方形 52"/>
+          <p:cNvSpPr/>
+          <p:nvPr/>
+        </p:nvSpPr>
+        <p:spPr>
+          <a:xfrm>
+            <a:off x="2699792" y="5589240"/>
+            <a:ext cx="1080120" cy="432048"/>
+          </a:xfrm>
+          <a:prstGeom prst="rect">
+            <a:avLst/>
+          </a:prstGeom>
+        </p:spPr>
+        <p:style>
+          <a:lnRef idx="2">
+            <a:schemeClr val="accent6"/>
+          </a:lnRef>
+          <a:fillRef idx="1">
+            <a:schemeClr val="lt1"/>
+          </a:fillRef>
+          <a:effectRef idx="0">
+            <a:schemeClr val="accent6"/>
+          </a:effectRef>
+          <a:fontRef idx="minor">
+            <a:schemeClr val="dk1"/>
+          </a:fontRef>
+        </p:style>
+        <p:txBody>
+          <a:bodyPr rtlCol="0" anchor="ctr"/>
+          <a:lstStyle/>
+          <a:p>
+            <a:pPr algn="ctr"/>
+            <a:r>
+              <a:rPr lang="en-US" altLang="ja-JP" sz="1400" dirty="0" smtClean="0">
+                <a:latin typeface="メイリオ" pitchFamily="50" charset="-128"/>
+                <a:ea typeface="メイリオ" pitchFamily="50" charset="-128"/>
+                <a:cs typeface="メイリオ" pitchFamily="50" charset="-128"/>
+              </a:rPr>
+              <a:t>title</a:t>
+            </a:r>
+            <a:endParaRPr kumimoji="1" lang="ja-JP" altLang="en-US" sz="1400" dirty="0">
+              <a:latin typeface="メイリオ" pitchFamily="50" charset="-128"/>
+              <a:ea typeface="メイリオ" pitchFamily="50" charset="-128"/>
+              <a:cs typeface="メイリオ" pitchFamily="50" charset="-128"/>
+            </a:endParaRPr>
+          </a:p>
+        </p:txBody>
+      </p:sp>
+      <p:sp>
+        <p:nvSpPr>
+          <p:cNvPr id="54" name="正方形/長方形 53"/>
+          <p:cNvSpPr/>
+          <p:nvPr/>
+        </p:nvSpPr>
+        <p:spPr>
+          <a:xfrm>
+            <a:off x="899592" y="5589240"/>
+            <a:ext cx="648072" cy="432048"/>
+          </a:xfrm>
+          <a:prstGeom prst="rect">
+            <a:avLst/>
+          </a:prstGeom>
+        </p:spPr>
+        <p:style>
+          <a:lnRef idx="2">
+            <a:schemeClr val="accent6"/>
+          </a:lnRef>
+          <a:fillRef idx="1">
+            <a:schemeClr val="lt1"/>
+          </a:fillRef>
+          <a:effectRef idx="0">
+            <a:schemeClr val="accent6"/>
+          </a:effectRef>
+          <a:fontRef idx="minor">
+            <a:schemeClr val="dk1"/>
+          </a:fontRef>
+        </p:style>
+        <p:txBody>
+          <a:bodyPr rtlCol="0" anchor="ctr"/>
+          <a:lstStyle/>
+          <a:p>
+            <a:pPr algn="ctr"/>
+            <a:r>
+              <a:rPr lang="en-US" altLang="ja-JP" sz="1400" dirty="0" smtClean="0">
+                <a:latin typeface="メイリオ" pitchFamily="50" charset="-128"/>
+                <a:ea typeface="メイリオ" pitchFamily="50" charset="-128"/>
+                <a:cs typeface="メイリオ" pitchFamily="50" charset="-128"/>
+              </a:rPr>
+              <a:t>p_id</a:t>
+            </a:r>
+            <a:endParaRPr kumimoji="1" lang="ja-JP" altLang="en-US" sz="1400" dirty="0">
+              <a:latin typeface="メイリオ" pitchFamily="50" charset="-128"/>
+              <a:ea typeface="メイリオ" pitchFamily="50" charset="-128"/>
+              <a:cs typeface="メイリオ" pitchFamily="50" charset="-128"/>
+            </a:endParaRPr>
+          </a:p>
+        </p:txBody>
+      </p:sp>
+      <p:sp>
+        <p:nvSpPr>
+          <p:cNvPr id="55" name="正方形/長方形 54"/>
+          <p:cNvSpPr/>
+          <p:nvPr/>
+        </p:nvSpPr>
+        <p:spPr>
+          <a:xfrm>
+            <a:off x="1547664" y="5589240"/>
+            <a:ext cx="504056" cy="432048"/>
+          </a:xfrm>
+          <a:prstGeom prst="rect">
+            <a:avLst/>
+          </a:prstGeom>
+        </p:spPr>
+        <p:style>
+          <a:lnRef idx="2">
+            <a:schemeClr val="accent6"/>
+          </a:lnRef>
+          <a:fillRef idx="1">
+            <a:schemeClr val="lt1"/>
+          </a:fillRef>
+          <a:effectRef idx="0">
+            <a:schemeClr val="accent6"/>
+          </a:effectRef>
+          <a:fontRef idx="minor">
+            <a:schemeClr val="dk1"/>
+          </a:fontRef>
+        </p:style>
+        <p:txBody>
+          <a:bodyPr rtlCol="0" anchor="ctr"/>
+          <a:lstStyle/>
+          <a:p>
+            <a:pPr algn="ctr"/>
+            <a:r>
+              <a:rPr kumimoji="1" lang="en-US" altLang="ja-JP" sz="1400" dirty="0" smtClean="0">
+                <a:latin typeface="メイリオ" pitchFamily="50" charset="-128"/>
+                <a:ea typeface="メイリオ" pitchFamily="50" charset="-128"/>
+                <a:cs typeface="メイリオ" pitchFamily="50" charset="-128"/>
+              </a:rPr>
+              <a:t>lft</a:t>
+            </a:r>
+            <a:endParaRPr kumimoji="1" lang="ja-JP" altLang="en-US" sz="1400" dirty="0">
+              <a:latin typeface="メイリオ" pitchFamily="50" charset="-128"/>
+              <a:ea typeface="メイリオ" pitchFamily="50" charset="-128"/>
+              <a:cs typeface="メイリオ" pitchFamily="50" charset="-128"/>
+            </a:endParaRPr>
+          </a:p>
+        </p:txBody>
+      </p:sp>
+      <p:sp>
+        <p:nvSpPr>
+          <p:cNvPr id="56" name="正方形/長方形 55"/>
+          <p:cNvSpPr/>
+          <p:nvPr/>
+        </p:nvSpPr>
+        <p:spPr>
+          <a:xfrm>
+            <a:off x="2051720" y="5589240"/>
+            <a:ext cx="648072" cy="432048"/>
+          </a:xfrm>
+          <a:prstGeom prst="rect">
+            <a:avLst/>
+          </a:prstGeom>
+        </p:spPr>
+        <p:style>
+          <a:lnRef idx="2">
+            <a:schemeClr val="accent6"/>
+          </a:lnRef>
+          <a:fillRef idx="1">
+            <a:schemeClr val="lt1"/>
+          </a:fillRef>
+          <a:effectRef idx="0">
+            <a:schemeClr val="accent6"/>
+          </a:effectRef>
+          <a:fontRef idx="minor">
+            <a:schemeClr val="dk1"/>
+          </a:fontRef>
+        </p:style>
+        <p:txBody>
+          <a:bodyPr rtlCol="0" anchor="ctr"/>
+          <a:lstStyle/>
+          <a:p>
+            <a:pPr algn="ctr"/>
+            <a:r>
+              <a:rPr kumimoji="1" lang="en-US" altLang="ja-JP" sz="1400" dirty="0" smtClean="0">
+                <a:latin typeface="メイリオ" pitchFamily="50" charset="-128"/>
+                <a:ea typeface="メイリオ" pitchFamily="50" charset="-128"/>
+                <a:cs typeface="メイリオ" pitchFamily="50" charset="-128"/>
+              </a:rPr>
+              <a:t>rght</a:t>
+            </a:r>
+            <a:endParaRPr kumimoji="1" lang="ja-JP" altLang="en-US" sz="1400" dirty="0">
+              <a:latin typeface="メイリオ" pitchFamily="50" charset="-128"/>
+              <a:ea typeface="メイリオ" pitchFamily="50" charset="-128"/>
+              <a:cs typeface="メイリオ" pitchFamily="50" charset="-128"/>
+            </a:endParaRPr>
+          </a:p>
+        </p:txBody>
+      </p:sp>
+      <p:sp>
+        <p:nvSpPr>
+          <p:cNvPr id="57" name="正方形/長方形 56"/>
+          <p:cNvSpPr/>
+          <p:nvPr/>
+        </p:nvSpPr>
+        <p:spPr>
+          <a:xfrm>
+            <a:off x="6588224" y="6021288"/>
+            <a:ext cx="1080120" cy="432048"/>
+          </a:xfrm>
+          <a:prstGeom prst="rect">
+            <a:avLst/>
+          </a:prstGeom>
+        </p:spPr>
+        <p:style>
+          <a:lnRef idx="2">
+            <a:schemeClr val="accent6"/>
+          </a:lnRef>
+          <a:fillRef idx="1">
+            <a:schemeClr val="lt1"/>
+          </a:fillRef>
+          <a:effectRef idx="0">
+            <a:schemeClr val="accent6"/>
+          </a:effectRef>
+          <a:fontRef idx="minor">
+            <a:schemeClr val="dk1"/>
+          </a:fontRef>
+        </p:style>
+        <p:txBody>
+          <a:bodyPr rtlCol="0" anchor="ctr"/>
+          <a:lstStyle/>
+          <a:p>
+            <a:pPr algn="ctr"/>
+            <a:r>
+              <a:rPr lang="ja-JP" altLang="en-US" sz="1400" dirty="0" smtClean="0">
+                <a:latin typeface="メイリオ" pitchFamily="50" charset="-128"/>
+                <a:ea typeface="メイリオ" pitchFamily="50" charset="-128"/>
+                <a:cs typeface="メイリオ" pitchFamily="50" charset="-128"/>
+              </a:rPr>
+              <a:t>コメ</a:t>
+            </a:r>
+            <a:r>
+              <a:rPr lang="ja-JP" altLang="en-US" sz="1400" dirty="0" smtClean="0">
+                <a:latin typeface="メイリオ" pitchFamily="50" charset="-128"/>
+                <a:ea typeface="メイリオ" pitchFamily="50" charset="-128"/>
+                <a:cs typeface="メイリオ" pitchFamily="50" charset="-128"/>
+              </a:rPr>
+              <a:t>ント</a:t>
+            </a:r>
+            <a:r>
+              <a:rPr lang="en-US" altLang="ja-JP" sz="1400" dirty="0" smtClean="0">
+                <a:latin typeface="メイリオ" pitchFamily="50" charset="-128"/>
+                <a:ea typeface="メイリオ" pitchFamily="50" charset="-128"/>
+                <a:cs typeface="メイリオ" pitchFamily="50" charset="-128"/>
+              </a:rPr>
+              <a:t>6</a:t>
+            </a:r>
+            <a:endParaRPr lang="ja-JP" altLang="en-US" sz="1400" dirty="0" smtClean="0">
+              <a:latin typeface="メイリオ" pitchFamily="50" charset="-128"/>
+              <a:ea typeface="メイリオ" pitchFamily="50" charset="-128"/>
+              <a:cs typeface="メイリオ" pitchFamily="50" charset="-128"/>
+            </a:endParaRPr>
+          </a:p>
+        </p:txBody>
+      </p:sp>
+      <p:sp>
+        <p:nvSpPr>
+          <p:cNvPr id="58" name="正方形/長方形 57"/>
+          <p:cNvSpPr/>
+          <p:nvPr/>
+        </p:nvSpPr>
+        <p:spPr>
+          <a:xfrm>
+            <a:off x="4788024" y="6021288"/>
+            <a:ext cx="648072" cy="432048"/>
+          </a:xfrm>
+          <a:prstGeom prst="rect">
+            <a:avLst/>
+          </a:prstGeom>
+        </p:spPr>
+        <p:style>
+          <a:lnRef idx="2">
+            <a:schemeClr val="accent6"/>
+          </a:lnRef>
+          <a:fillRef idx="1">
+            <a:schemeClr val="lt1"/>
+          </a:fillRef>
+          <a:effectRef idx="0">
+            <a:schemeClr val="accent6"/>
+          </a:effectRef>
+          <a:fontRef idx="minor">
+            <a:schemeClr val="dk1"/>
+          </a:fontRef>
+        </p:style>
+        <p:txBody>
+          <a:bodyPr rtlCol="0" anchor="ctr"/>
+          <a:lstStyle/>
+          <a:p>
+            <a:pPr algn="ctr"/>
+            <a:r>
+              <a:rPr kumimoji="1" lang="en-US" altLang="ja-JP" dirty="0" smtClean="0">
+                <a:solidFill>
+                  <a:schemeClr val="accent5">
+                    <a:lumMod val="75000"/>
+                  </a:schemeClr>
+                </a:solidFill>
+                <a:latin typeface="メイリオ" pitchFamily="50" charset="-128"/>
+                <a:ea typeface="メイリオ" pitchFamily="50" charset="-128"/>
+                <a:cs typeface="メイリオ" pitchFamily="50" charset="-128"/>
+              </a:rPr>
+              <a:t>3</a:t>
+            </a:r>
+            <a:endParaRPr kumimoji="1" lang="ja-JP" altLang="en-US" dirty="0">
+              <a:solidFill>
+                <a:schemeClr val="accent5">
+                  <a:lumMod val="75000"/>
+                </a:schemeClr>
+              </a:solidFill>
+              <a:latin typeface="メイリオ" pitchFamily="50" charset="-128"/>
+              <a:ea typeface="メイリオ" pitchFamily="50" charset="-128"/>
+              <a:cs typeface="メイリオ" pitchFamily="50" charset="-128"/>
+            </a:endParaRPr>
+          </a:p>
+        </p:txBody>
+      </p:sp>
+      <p:sp>
+        <p:nvSpPr>
+          <p:cNvPr id="59" name="正方形/長方形 58"/>
+          <p:cNvSpPr/>
+          <p:nvPr/>
+        </p:nvSpPr>
+        <p:spPr>
+          <a:xfrm>
+            <a:off x="5436096" y="6021288"/>
+            <a:ext cx="504056" cy="432048"/>
+          </a:xfrm>
+          <a:prstGeom prst="rect">
+            <a:avLst/>
+          </a:prstGeom>
+        </p:spPr>
+        <p:style>
+          <a:lnRef idx="2">
+            <a:schemeClr val="accent6"/>
+          </a:lnRef>
+          <a:fillRef idx="1">
+            <a:schemeClr val="lt1"/>
+          </a:fillRef>
+          <a:effectRef idx="0">
+            <a:schemeClr val="accent6"/>
+          </a:effectRef>
+          <a:fontRef idx="minor">
+            <a:schemeClr val="dk1"/>
+          </a:fontRef>
+        </p:style>
+        <p:txBody>
+          <a:bodyPr rtlCol="0" anchor="ctr"/>
+          <a:lstStyle/>
+          <a:p>
+            <a:pPr algn="ctr"/>
+            <a:r>
+              <a:rPr kumimoji="1" lang="en-US" altLang="ja-JP" dirty="0" smtClean="0">
+                <a:latin typeface="メイリオ" pitchFamily="50" charset="-128"/>
+                <a:ea typeface="メイリオ" pitchFamily="50" charset="-128"/>
+                <a:cs typeface="メイリオ" pitchFamily="50" charset="-128"/>
+              </a:rPr>
+              <a:t>6</a:t>
+            </a:r>
+            <a:endParaRPr kumimoji="1" lang="ja-JP" altLang="en-US" dirty="0">
+              <a:latin typeface="メイリオ" pitchFamily="50" charset="-128"/>
+              <a:ea typeface="メイリオ" pitchFamily="50" charset="-128"/>
+              <a:cs typeface="メイリオ" pitchFamily="50" charset="-128"/>
+            </a:endParaRPr>
+          </a:p>
+        </p:txBody>
+      </p:sp>
+      <p:sp>
+        <p:nvSpPr>
+          <p:cNvPr id="60" name="正方形/長方形 59"/>
+          <p:cNvSpPr/>
+          <p:nvPr/>
+        </p:nvSpPr>
+        <p:spPr>
+          <a:xfrm>
+            <a:off x="5940152" y="6021288"/>
+            <a:ext cx="648072" cy="432048"/>
+          </a:xfrm>
+          <a:prstGeom prst="rect">
+            <a:avLst/>
+          </a:prstGeom>
+        </p:spPr>
+        <p:style>
+          <a:lnRef idx="2">
+            <a:schemeClr val="accent6"/>
+          </a:lnRef>
+          <a:fillRef idx="1">
+            <a:schemeClr val="lt1"/>
+          </a:fillRef>
+          <a:effectRef idx="0">
+            <a:schemeClr val="accent6"/>
+          </a:effectRef>
+          <a:fontRef idx="minor">
+            <a:schemeClr val="dk1"/>
+          </a:fontRef>
+        </p:style>
+        <p:txBody>
+          <a:bodyPr rtlCol="0" anchor="ctr"/>
+          <a:lstStyle/>
+          <a:p>
+            <a:pPr algn="ctr"/>
+            <a:r>
+              <a:rPr kumimoji="1" lang="en-US" altLang="ja-JP" dirty="0" smtClean="0">
+                <a:latin typeface="メイリオ" pitchFamily="50" charset="-128"/>
+                <a:ea typeface="メイリオ" pitchFamily="50" charset="-128"/>
+                <a:cs typeface="メイリオ" pitchFamily="50" charset="-128"/>
+              </a:rPr>
+              <a:t>7</a:t>
+            </a:r>
+            <a:endParaRPr kumimoji="1" lang="ja-JP" altLang="en-US" dirty="0">
+              <a:latin typeface="メイリオ" pitchFamily="50" charset="-128"/>
+              <a:ea typeface="メイリオ" pitchFamily="50" charset="-128"/>
+              <a:cs typeface="メイリオ" pitchFamily="50" charset="-128"/>
+            </a:endParaRPr>
+          </a:p>
+        </p:txBody>
+      </p:sp>
+      <p:sp>
+        <p:nvSpPr>
+          <p:cNvPr id="61" name="正方形/長方形 60"/>
+          <p:cNvSpPr/>
+          <p:nvPr/>
+        </p:nvSpPr>
+        <p:spPr>
+          <a:xfrm>
+            <a:off x="6588224" y="5589240"/>
+            <a:ext cx="1080120" cy="432048"/>
+          </a:xfrm>
+          <a:prstGeom prst="rect">
+            <a:avLst/>
+          </a:prstGeom>
+        </p:spPr>
+        <p:style>
+          <a:lnRef idx="2">
+            <a:schemeClr val="accent6"/>
+          </a:lnRef>
+          <a:fillRef idx="1">
+            <a:schemeClr val="lt1"/>
+          </a:fillRef>
+          <a:effectRef idx="0">
+            <a:schemeClr val="accent6"/>
+          </a:effectRef>
+          <a:fontRef idx="minor">
+            <a:schemeClr val="dk1"/>
+          </a:fontRef>
+        </p:style>
+        <p:txBody>
+          <a:bodyPr rtlCol="0" anchor="ctr"/>
+          <a:lstStyle/>
+          <a:p>
+            <a:pPr algn="ctr"/>
+            <a:r>
+              <a:rPr lang="en-US" altLang="ja-JP" sz="1400" dirty="0" smtClean="0">
+                <a:latin typeface="メイリオ" pitchFamily="50" charset="-128"/>
+                <a:ea typeface="メイリオ" pitchFamily="50" charset="-128"/>
+                <a:cs typeface="メイリオ" pitchFamily="50" charset="-128"/>
+              </a:rPr>
+              <a:t>title</a:t>
+            </a:r>
+            <a:endParaRPr kumimoji="1" lang="ja-JP" altLang="en-US" sz="1400" dirty="0">
+              <a:latin typeface="メイリオ" pitchFamily="50" charset="-128"/>
+              <a:ea typeface="メイリオ" pitchFamily="50" charset="-128"/>
+              <a:cs typeface="メイリオ" pitchFamily="50" charset="-128"/>
+            </a:endParaRPr>
+          </a:p>
+        </p:txBody>
+      </p:sp>
+      <p:sp>
+        <p:nvSpPr>
+          <p:cNvPr id="62" name="正方形/長方形 61"/>
+          <p:cNvSpPr/>
+          <p:nvPr/>
+        </p:nvSpPr>
+        <p:spPr>
+          <a:xfrm>
+            <a:off x="4788024" y="5589240"/>
+            <a:ext cx="648072" cy="432048"/>
+          </a:xfrm>
+          <a:prstGeom prst="rect">
+            <a:avLst/>
+          </a:prstGeom>
+        </p:spPr>
+        <p:style>
+          <a:lnRef idx="2">
+            <a:schemeClr val="accent6"/>
+          </a:lnRef>
+          <a:fillRef idx="1">
+            <a:schemeClr val="lt1"/>
+          </a:fillRef>
+          <a:effectRef idx="0">
+            <a:schemeClr val="accent6"/>
+          </a:effectRef>
+          <a:fontRef idx="minor">
+            <a:schemeClr val="dk1"/>
+          </a:fontRef>
+        </p:style>
+        <p:txBody>
+          <a:bodyPr rtlCol="0" anchor="ctr"/>
+          <a:lstStyle/>
+          <a:p>
+            <a:pPr algn="ctr"/>
+            <a:r>
+              <a:rPr lang="en-US" altLang="ja-JP" sz="1400" dirty="0" smtClean="0">
+                <a:latin typeface="メイリオ" pitchFamily="50" charset="-128"/>
+                <a:ea typeface="メイリオ" pitchFamily="50" charset="-128"/>
+                <a:cs typeface="メイリオ" pitchFamily="50" charset="-128"/>
+              </a:rPr>
+              <a:t>p_id</a:t>
+            </a:r>
+            <a:endParaRPr kumimoji="1" lang="ja-JP" altLang="en-US" sz="1400" dirty="0">
+              <a:latin typeface="メイリオ" pitchFamily="50" charset="-128"/>
+              <a:ea typeface="メイリオ" pitchFamily="50" charset="-128"/>
+              <a:cs typeface="メイリオ" pitchFamily="50" charset="-128"/>
+            </a:endParaRPr>
+          </a:p>
+        </p:txBody>
+      </p:sp>
+      <p:sp>
+        <p:nvSpPr>
+          <p:cNvPr id="63" name="正方形/長方形 62"/>
+          <p:cNvSpPr/>
+          <p:nvPr/>
+        </p:nvSpPr>
+        <p:spPr>
+          <a:xfrm>
+            <a:off x="5436096" y="5589240"/>
+            <a:ext cx="504056" cy="432048"/>
+          </a:xfrm>
+          <a:prstGeom prst="rect">
+            <a:avLst/>
+          </a:prstGeom>
+        </p:spPr>
+        <p:style>
+          <a:lnRef idx="2">
+            <a:schemeClr val="accent6"/>
+          </a:lnRef>
+          <a:fillRef idx="1">
+            <a:schemeClr val="lt1"/>
+          </a:fillRef>
+          <a:effectRef idx="0">
+            <a:schemeClr val="accent6"/>
+          </a:effectRef>
+          <a:fontRef idx="minor">
+            <a:schemeClr val="dk1"/>
+          </a:fontRef>
+        </p:style>
+        <p:txBody>
+          <a:bodyPr rtlCol="0" anchor="ctr"/>
+          <a:lstStyle/>
+          <a:p>
+            <a:pPr algn="ctr"/>
+            <a:r>
+              <a:rPr kumimoji="1" lang="en-US" altLang="ja-JP" sz="1400" dirty="0" smtClean="0">
+                <a:latin typeface="メイリオ" pitchFamily="50" charset="-128"/>
+                <a:ea typeface="メイリオ" pitchFamily="50" charset="-128"/>
+                <a:cs typeface="メイリオ" pitchFamily="50" charset="-128"/>
+              </a:rPr>
+              <a:t>lft</a:t>
+            </a:r>
+            <a:endParaRPr kumimoji="1" lang="ja-JP" altLang="en-US" sz="1400" dirty="0">
+              <a:latin typeface="メイリオ" pitchFamily="50" charset="-128"/>
+              <a:ea typeface="メイリオ" pitchFamily="50" charset="-128"/>
+              <a:cs typeface="メイリオ" pitchFamily="50" charset="-128"/>
+            </a:endParaRPr>
+          </a:p>
+        </p:txBody>
+      </p:sp>
+      <p:sp>
+        <p:nvSpPr>
+          <p:cNvPr id="64" name="正方形/長方形 63"/>
+          <p:cNvSpPr/>
+          <p:nvPr/>
+        </p:nvSpPr>
+        <p:spPr>
+          <a:xfrm>
+            <a:off x="5940152" y="5589240"/>
+            <a:ext cx="648072" cy="432048"/>
+          </a:xfrm>
+          <a:prstGeom prst="rect">
+            <a:avLst/>
+          </a:prstGeom>
+        </p:spPr>
+        <p:style>
+          <a:lnRef idx="2">
+            <a:schemeClr val="accent6"/>
+          </a:lnRef>
+          <a:fillRef idx="1">
+            <a:schemeClr val="lt1"/>
+          </a:fillRef>
+          <a:effectRef idx="0">
+            <a:schemeClr val="accent6"/>
+          </a:effectRef>
+          <a:fontRef idx="minor">
+            <a:schemeClr val="dk1"/>
+          </a:fontRef>
+        </p:style>
+        <p:txBody>
+          <a:bodyPr rtlCol="0" anchor="ctr"/>
+          <a:lstStyle/>
+          <a:p>
+            <a:pPr algn="ctr"/>
+            <a:r>
+              <a:rPr kumimoji="1" lang="en-US" altLang="ja-JP" sz="1400" dirty="0" smtClean="0">
+                <a:latin typeface="メイリオ" pitchFamily="50" charset="-128"/>
+                <a:ea typeface="メイリオ" pitchFamily="50" charset="-128"/>
+                <a:cs typeface="メイリオ" pitchFamily="50" charset="-128"/>
+              </a:rPr>
+              <a:t>rght</a:t>
+            </a:r>
+            <a:endParaRPr kumimoji="1" lang="ja-JP" altLang="en-US" sz="1400" dirty="0">
+              <a:latin typeface="メイリオ" pitchFamily="50" charset="-128"/>
+              <a:ea typeface="メイリオ" pitchFamily="50" charset="-128"/>
+              <a:cs typeface="メイリオ" pitchFamily="50" charset="-128"/>
+            </a:endParaRPr>
+          </a:p>
+        </p:txBody>
+      </p:sp>
+      <p:cxnSp>
+        <p:nvCxnSpPr>
+          <p:cNvPr id="65" name="直線コネクタ 64"/>
+          <p:cNvCxnSpPr>
+            <a:stCxn id="12" idx="2"/>
+            <a:endCxn id="39" idx="0"/>
+          </p:cNvCxnSpPr>
+          <p:nvPr/>
+        </p:nvCxnSpPr>
+        <p:spPr>
+          <a:xfrm flipH="1">
+            <a:off x="2375756" y="2996952"/>
+            <a:ext cx="504056" cy="864096"/>
+          </a:xfrm>
+          <a:prstGeom prst="line">
+            <a:avLst/>
+          </a:prstGeom>
+        </p:spPr>
+        <p:style>
+          <a:lnRef idx="1">
+            <a:schemeClr val="accent1"/>
+          </a:lnRef>
+          <a:fillRef idx="0">
+            <a:schemeClr val="accent1"/>
+          </a:fillRef>
+          <a:effectRef idx="0">
+            <a:schemeClr val="accent1"/>
+          </a:effectRef>
+          <a:fontRef idx="minor">
+            <a:schemeClr val="tx1"/>
+          </a:fontRef>
+        </p:style>
+      </p:cxnSp>
+      <p:cxnSp>
+        <p:nvCxnSpPr>
+          <p:cNvPr id="68" name="直線コネクタ 67"/>
+          <p:cNvCxnSpPr>
+            <a:stCxn id="12" idx="2"/>
+            <a:endCxn id="47" idx="0"/>
+          </p:cNvCxnSpPr>
+          <p:nvPr/>
+        </p:nvCxnSpPr>
+        <p:spPr>
+          <a:xfrm>
+            <a:off x="2879812" y="2996952"/>
+            <a:ext cx="3240360" cy="864096"/>
+          </a:xfrm>
+          <a:prstGeom prst="line">
+            <a:avLst/>
+          </a:prstGeom>
+        </p:spPr>
+        <p:style>
+          <a:lnRef idx="1">
+            <a:schemeClr val="accent1"/>
+          </a:lnRef>
+          <a:fillRef idx="0">
+            <a:schemeClr val="accent1"/>
+          </a:fillRef>
+          <a:effectRef idx="0">
+            <a:schemeClr val="accent1"/>
+          </a:effectRef>
+          <a:fontRef idx="minor">
+            <a:schemeClr val="tx1"/>
+          </a:fontRef>
+        </p:style>
+      </p:cxnSp>
+      <p:cxnSp>
+        <p:nvCxnSpPr>
+          <p:cNvPr id="71" name="直線コネクタ 70"/>
+          <p:cNvCxnSpPr>
+            <a:stCxn id="35" idx="2"/>
+            <a:endCxn id="55" idx="0"/>
+          </p:cNvCxnSpPr>
+          <p:nvPr/>
+        </p:nvCxnSpPr>
+        <p:spPr>
+          <a:xfrm flipH="1">
+            <a:off x="1799692" y="4725144"/>
+            <a:ext cx="576064" cy="864096"/>
+          </a:xfrm>
+          <a:prstGeom prst="line">
+            <a:avLst/>
+          </a:prstGeom>
+        </p:spPr>
+        <p:style>
+          <a:lnRef idx="1">
+            <a:schemeClr val="accent1"/>
+          </a:lnRef>
+          <a:fillRef idx="0">
+            <a:schemeClr val="accent1"/>
+          </a:fillRef>
+          <a:effectRef idx="0">
+            <a:schemeClr val="accent1"/>
+          </a:effectRef>
+          <a:fontRef idx="minor">
+            <a:schemeClr val="tx1"/>
+          </a:fontRef>
+        </p:style>
+      </p:cxnSp>
+      <p:cxnSp>
+        <p:nvCxnSpPr>
+          <p:cNvPr id="74" name="直線コネクタ 73"/>
+          <p:cNvCxnSpPr>
+            <a:stCxn id="35" idx="2"/>
+            <a:endCxn id="63" idx="0"/>
+          </p:cNvCxnSpPr>
+          <p:nvPr/>
+        </p:nvCxnSpPr>
+        <p:spPr>
+          <a:xfrm>
+            <a:off x="2375756" y="4725144"/>
+            <a:ext cx="3312368" cy="864096"/>
+          </a:xfrm>
+          <a:prstGeom prst="line">
+            <a:avLst/>
+          </a:prstGeom>
+        </p:spPr>
+        <p:style>
+          <a:lnRef idx="1">
+            <a:schemeClr val="accent1"/>
+          </a:lnRef>
+          <a:fillRef idx="0">
+            <a:schemeClr val="accent1"/>
+          </a:fillRef>
+          <a:effectRef idx="0">
+            <a:schemeClr val="accent1"/>
+          </a:effectRef>
+          <a:fontRef idx="minor">
+            <a:schemeClr val="tx1"/>
+          </a:fontRef>
+        </p:style>
+      </p:cxnSp>
+      <p:sp>
+        <p:nvSpPr>
+          <p:cNvPr id="77" name="正方形/長方形 76"/>
+          <p:cNvSpPr/>
+          <p:nvPr/>
+        </p:nvSpPr>
+        <p:spPr>
+          <a:xfrm>
+            <a:off x="5292080" y="2564904"/>
+            <a:ext cx="504056" cy="432048"/>
+          </a:xfrm>
+          <a:prstGeom prst="rect">
+            <a:avLst/>
+          </a:prstGeom>
+        </p:spPr>
+        <p:style>
+          <a:lnRef idx="2">
+            <a:schemeClr val="accent6"/>
+          </a:lnRef>
+          <a:fillRef idx="1">
+            <a:schemeClr val="lt1"/>
+          </a:fillRef>
+          <a:effectRef idx="0">
+            <a:schemeClr val="accent6"/>
+          </a:effectRef>
+          <a:fontRef idx="minor">
+            <a:schemeClr val="dk1"/>
+          </a:fontRef>
+        </p:style>
+        <p:txBody>
+          <a:bodyPr rtlCol="0" anchor="ctr"/>
+          <a:lstStyle/>
+          <a:p>
+            <a:pPr algn="ctr"/>
+            <a:r>
+              <a:rPr kumimoji="1" lang="en-US" altLang="ja-JP" dirty="0" smtClean="0">
+                <a:solidFill>
+                  <a:schemeClr val="tx1"/>
+                </a:solidFill>
+                <a:latin typeface="メイリオ" pitchFamily="50" charset="-128"/>
+                <a:ea typeface="メイリオ" pitchFamily="50" charset="-128"/>
+                <a:cs typeface="メイリオ" pitchFamily="50" charset="-128"/>
+              </a:rPr>
+              <a:t>6</a:t>
+            </a:r>
+            <a:endParaRPr kumimoji="1" lang="ja-JP" altLang="en-US" dirty="0">
+              <a:solidFill>
+                <a:schemeClr val="tx1"/>
+              </a:solidFill>
+              <a:latin typeface="メイリオ" pitchFamily="50" charset="-128"/>
+              <a:ea typeface="メイリオ" pitchFamily="50" charset="-128"/>
+              <a:cs typeface="メイリオ" pitchFamily="50" charset="-128"/>
+            </a:endParaRPr>
+          </a:p>
+        </p:txBody>
+      </p:sp>
+      <p:sp>
+        <p:nvSpPr>
+          <p:cNvPr id="78" name="正方形/長方形 77"/>
+          <p:cNvSpPr/>
+          <p:nvPr/>
+        </p:nvSpPr>
+        <p:spPr>
+          <a:xfrm>
+            <a:off x="5292080" y="2132856"/>
+            <a:ext cx="504056" cy="432048"/>
+          </a:xfrm>
+          <a:prstGeom prst="rect">
+            <a:avLst/>
+          </a:prstGeom>
+        </p:spPr>
+        <p:style>
+          <a:lnRef idx="2">
+            <a:schemeClr val="accent6"/>
+          </a:lnRef>
+          <a:fillRef idx="1">
+            <a:schemeClr val="lt1"/>
+          </a:fillRef>
+          <a:effectRef idx="0">
+            <a:schemeClr val="accent6"/>
+          </a:effectRef>
+          <a:fontRef idx="minor">
+            <a:schemeClr val="dk1"/>
+          </a:fontRef>
+        </p:style>
+        <p:txBody>
+          <a:bodyPr rtlCol="0" anchor="ctr"/>
+          <a:lstStyle/>
+          <a:p>
+            <a:pPr algn="ctr"/>
+            <a:r>
+              <a:rPr lang="en-US" altLang="ja-JP" sz="1400" dirty="0" smtClean="0">
+                <a:latin typeface="メイリオ" pitchFamily="50" charset="-128"/>
+                <a:ea typeface="メイリオ" pitchFamily="50" charset="-128"/>
+                <a:cs typeface="メイリオ" pitchFamily="50" charset="-128"/>
+              </a:rPr>
+              <a:t>id</a:t>
+            </a:r>
+            <a:endParaRPr kumimoji="1" lang="ja-JP" altLang="en-US" sz="1400" dirty="0">
+              <a:latin typeface="メイリオ" pitchFamily="50" charset="-128"/>
+              <a:ea typeface="メイリオ" pitchFamily="50" charset="-128"/>
+              <a:cs typeface="メイリオ" pitchFamily="50" charset="-128"/>
+            </a:endParaRPr>
+          </a:p>
+        </p:txBody>
+      </p:sp>
+      <p:sp>
+        <p:nvSpPr>
+          <p:cNvPr id="79" name="正方形/長方形 78"/>
+          <p:cNvSpPr/>
+          <p:nvPr/>
+        </p:nvSpPr>
+        <p:spPr>
+          <a:xfrm>
+            <a:off x="1475656" y="2564904"/>
+            <a:ext cx="504056" cy="432048"/>
+          </a:xfrm>
+          <a:prstGeom prst="rect">
+            <a:avLst/>
+          </a:prstGeom>
+        </p:spPr>
+        <p:style>
+          <a:lnRef idx="2">
+            <a:schemeClr val="accent6"/>
+          </a:lnRef>
+          <a:fillRef idx="1">
+            <a:schemeClr val="lt1"/>
+          </a:fillRef>
+          <a:effectRef idx="0">
+            <a:schemeClr val="accent6"/>
+          </a:effectRef>
+          <a:fontRef idx="minor">
+            <a:schemeClr val="dk1"/>
+          </a:fontRef>
+        </p:style>
+        <p:txBody>
+          <a:bodyPr rtlCol="0" anchor="ctr"/>
+          <a:lstStyle/>
+          <a:p>
+            <a:pPr algn="ctr"/>
+            <a:r>
+              <a:rPr kumimoji="1" lang="en-US" altLang="ja-JP" dirty="0" smtClean="0">
+                <a:solidFill>
+                  <a:schemeClr val="tx1"/>
+                </a:solidFill>
+                <a:latin typeface="メイリオ" pitchFamily="50" charset="-128"/>
+                <a:ea typeface="メイリオ" pitchFamily="50" charset="-128"/>
+                <a:cs typeface="メイリオ" pitchFamily="50" charset="-128"/>
+              </a:rPr>
+              <a:t>2</a:t>
+            </a:r>
+            <a:endParaRPr kumimoji="1" lang="ja-JP" altLang="en-US" dirty="0">
+              <a:solidFill>
+                <a:schemeClr val="tx1"/>
+              </a:solidFill>
+              <a:latin typeface="メイリオ" pitchFamily="50" charset="-128"/>
+              <a:ea typeface="メイリオ" pitchFamily="50" charset="-128"/>
+              <a:cs typeface="メイリオ" pitchFamily="50" charset="-128"/>
+            </a:endParaRPr>
+          </a:p>
+        </p:txBody>
+      </p:sp>
+      <p:sp>
+        <p:nvSpPr>
+          <p:cNvPr id="80" name="正方形/長方形 79"/>
+          <p:cNvSpPr/>
+          <p:nvPr/>
+        </p:nvSpPr>
+        <p:spPr>
+          <a:xfrm>
+            <a:off x="1475656" y="2132856"/>
+            <a:ext cx="504056" cy="432048"/>
+          </a:xfrm>
+          <a:prstGeom prst="rect">
+            <a:avLst/>
+          </a:prstGeom>
+        </p:spPr>
+        <p:style>
+          <a:lnRef idx="2">
+            <a:schemeClr val="accent6"/>
+          </a:lnRef>
+          <a:fillRef idx="1">
+            <a:schemeClr val="lt1"/>
+          </a:fillRef>
+          <a:effectRef idx="0">
+            <a:schemeClr val="accent6"/>
+          </a:effectRef>
+          <a:fontRef idx="minor">
+            <a:schemeClr val="dk1"/>
+          </a:fontRef>
+        </p:style>
+        <p:txBody>
+          <a:bodyPr rtlCol="0" anchor="ctr"/>
+          <a:lstStyle/>
+          <a:p>
+            <a:pPr algn="ctr"/>
+            <a:r>
+              <a:rPr lang="en-US" altLang="ja-JP" sz="1400" dirty="0" smtClean="0">
+                <a:latin typeface="メイリオ" pitchFamily="50" charset="-128"/>
+                <a:ea typeface="メイリオ" pitchFamily="50" charset="-128"/>
+                <a:cs typeface="メイリオ" pitchFamily="50" charset="-128"/>
+              </a:rPr>
+              <a:t>id</a:t>
+            </a:r>
+            <a:endParaRPr kumimoji="1" lang="ja-JP" altLang="en-US" sz="1400" dirty="0">
+              <a:latin typeface="メイリオ" pitchFamily="50" charset="-128"/>
+              <a:ea typeface="メイリオ" pitchFamily="50" charset="-128"/>
+              <a:cs typeface="メイリオ" pitchFamily="50" charset="-128"/>
+            </a:endParaRPr>
+          </a:p>
+        </p:txBody>
+      </p:sp>
+      <p:sp>
+        <p:nvSpPr>
+          <p:cNvPr id="81" name="正方形/長方形 80"/>
+          <p:cNvSpPr/>
+          <p:nvPr/>
+        </p:nvSpPr>
+        <p:spPr>
+          <a:xfrm>
+            <a:off x="971600" y="4293096"/>
+            <a:ext cx="504056" cy="432048"/>
+          </a:xfrm>
+          <a:prstGeom prst="rect">
+            <a:avLst/>
+          </a:prstGeom>
+        </p:spPr>
+        <p:style>
+          <a:lnRef idx="2">
+            <a:schemeClr val="accent6"/>
+          </a:lnRef>
+          <a:fillRef idx="1">
+            <a:schemeClr val="lt1"/>
+          </a:fillRef>
+          <a:effectRef idx="0">
+            <a:schemeClr val="accent6"/>
+          </a:effectRef>
+          <a:fontRef idx="minor">
+            <a:schemeClr val="dk1"/>
+          </a:fontRef>
+        </p:style>
+        <p:txBody>
+          <a:bodyPr rtlCol="0" anchor="ctr"/>
+          <a:lstStyle/>
+          <a:p>
+            <a:pPr algn="ctr"/>
+            <a:r>
+              <a:rPr kumimoji="1" lang="en-US" altLang="ja-JP" dirty="0" smtClean="0">
+                <a:solidFill>
+                  <a:schemeClr val="tx1"/>
+                </a:solidFill>
+                <a:latin typeface="メイリオ" pitchFamily="50" charset="-128"/>
+                <a:ea typeface="メイリオ" pitchFamily="50" charset="-128"/>
+                <a:cs typeface="メイリオ" pitchFamily="50" charset="-128"/>
+              </a:rPr>
+              <a:t>3</a:t>
+            </a:r>
+            <a:endParaRPr kumimoji="1" lang="ja-JP" altLang="en-US" dirty="0">
+              <a:solidFill>
+                <a:schemeClr val="tx1"/>
+              </a:solidFill>
+              <a:latin typeface="メイリオ" pitchFamily="50" charset="-128"/>
+              <a:ea typeface="メイリオ" pitchFamily="50" charset="-128"/>
+              <a:cs typeface="メイリオ" pitchFamily="50" charset="-128"/>
+            </a:endParaRPr>
+          </a:p>
+        </p:txBody>
+      </p:sp>
+      <p:sp>
+        <p:nvSpPr>
+          <p:cNvPr id="82" name="正方形/長方形 81"/>
+          <p:cNvSpPr/>
+          <p:nvPr/>
+        </p:nvSpPr>
+        <p:spPr>
+          <a:xfrm>
+            <a:off x="971600" y="3861048"/>
+            <a:ext cx="504056" cy="432048"/>
+          </a:xfrm>
+          <a:prstGeom prst="rect">
+            <a:avLst/>
+          </a:prstGeom>
+        </p:spPr>
+        <p:style>
+          <a:lnRef idx="2">
+            <a:schemeClr val="accent6"/>
+          </a:lnRef>
+          <a:fillRef idx="1">
+            <a:schemeClr val="lt1"/>
+          </a:fillRef>
+          <a:effectRef idx="0">
+            <a:schemeClr val="accent6"/>
+          </a:effectRef>
+          <a:fontRef idx="minor">
+            <a:schemeClr val="dk1"/>
+          </a:fontRef>
+        </p:style>
+        <p:txBody>
+          <a:bodyPr rtlCol="0" anchor="ctr"/>
+          <a:lstStyle/>
+          <a:p>
+            <a:pPr algn="ctr"/>
+            <a:r>
+              <a:rPr lang="en-US" altLang="ja-JP" sz="1400" dirty="0" smtClean="0">
+                <a:latin typeface="メイリオ" pitchFamily="50" charset="-128"/>
+                <a:ea typeface="メイリオ" pitchFamily="50" charset="-128"/>
+                <a:cs typeface="メイリオ" pitchFamily="50" charset="-128"/>
+              </a:rPr>
+              <a:t>id</a:t>
+            </a:r>
+            <a:endParaRPr kumimoji="1" lang="ja-JP" altLang="en-US" sz="1400" dirty="0">
+              <a:latin typeface="メイリオ" pitchFamily="50" charset="-128"/>
+              <a:ea typeface="メイリオ" pitchFamily="50" charset="-128"/>
+              <a:cs typeface="メイリオ" pitchFamily="50" charset="-128"/>
+            </a:endParaRPr>
+          </a:p>
+        </p:txBody>
+      </p:sp>
+      <p:sp>
+        <p:nvSpPr>
+          <p:cNvPr id="87" name="正方形/長方形 86"/>
+          <p:cNvSpPr/>
+          <p:nvPr/>
+        </p:nvSpPr>
+        <p:spPr>
+          <a:xfrm>
+            <a:off x="4716016" y="4293096"/>
+            <a:ext cx="504056" cy="432048"/>
+          </a:xfrm>
+          <a:prstGeom prst="rect">
+            <a:avLst/>
+          </a:prstGeom>
+        </p:spPr>
+        <p:style>
+          <a:lnRef idx="2">
+            <a:schemeClr val="accent6"/>
+          </a:lnRef>
+          <a:fillRef idx="1">
+            <a:schemeClr val="lt1"/>
+          </a:fillRef>
+          <a:effectRef idx="0">
+            <a:schemeClr val="accent6"/>
+          </a:effectRef>
+          <a:fontRef idx="minor">
+            <a:schemeClr val="dk1"/>
+          </a:fontRef>
+        </p:style>
+        <p:txBody>
+          <a:bodyPr rtlCol="0" anchor="ctr"/>
+          <a:lstStyle/>
+          <a:p>
+            <a:pPr algn="ctr"/>
+            <a:r>
+              <a:rPr kumimoji="1" lang="en-US" altLang="ja-JP" dirty="0" smtClean="0">
+                <a:solidFill>
+                  <a:schemeClr val="tx1"/>
+                </a:solidFill>
+                <a:latin typeface="メイリオ" pitchFamily="50" charset="-128"/>
+                <a:ea typeface="メイリオ" pitchFamily="50" charset="-128"/>
+                <a:cs typeface="メイリオ" pitchFamily="50" charset="-128"/>
+              </a:rPr>
+              <a:t>4</a:t>
+            </a:r>
+            <a:endParaRPr kumimoji="1" lang="ja-JP" altLang="en-US" dirty="0">
+              <a:solidFill>
+                <a:schemeClr val="tx1"/>
+              </a:solidFill>
+              <a:latin typeface="メイリオ" pitchFamily="50" charset="-128"/>
+              <a:ea typeface="メイリオ" pitchFamily="50" charset="-128"/>
+              <a:cs typeface="メイリオ" pitchFamily="50" charset="-128"/>
+            </a:endParaRPr>
+          </a:p>
+        </p:txBody>
+      </p:sp>
+      <p:sp>
+        <p:nvSpPr>
+          <p:cNvPr id="88" name="正方形/長方形 87"/>
+          <p:cNvSpPr/>
+          <p:nvPr/>
+        </p:nvSpPr>
+        <p:spPr>
+          <a:xfrm>
+            <a:off x="4716016" y="3861048"/>
+            <a:ext cx="504056" cy="432048"/>
+          </a:xfrm>
+          <a:prstGeom prst="rect">
+            <a:avLst/>
+          </a:prstGeom>
+        </p:spPr>
+        <p:style>
+          <a:lnRef idx="2">
+            <a:schemeClr val="accent6"/>
+          </a:lnRef>
+          <a:fillRef idx="1">
+            <a:schemeClr val="lt1"/>
+          </a:fillRef>
+          <a:effectRef idx="0">
+            <a:schemeClr val="accent6"/>
+          </a:effectRef>
+          <a:fontRef idx="minor">
+            <a:schemeClr val="dk1"/>
+          </a:fontRef>
+        </p:style>
+        <p:txBody>
+          <a:bodyPr rtlCol="0" anchor="ctr"/>
+          <a:lstStyle/>
+          <a:p>
+            <a:pPr algn="ctr"/>
+            <a:r>
+              <a:rPr lang="en-US" altLang="ja-JP" sz="1400" dirty="0" smtClean="0">
+                <a:latin typeface="メイリオ" pitchFamily="50" charset="-128"/>
+                <a:ea typeface="メイリオ" pitchFamily="50" charset="-128"/>
+                <a:cs typeface="メイリオ" pitchFamily="50" charset="-128"/>
+              </a:rPr>
+              <a:t>id</a:t>
+            </a:r>
+            <a:endParaRPr kumimoji="1" lang="ja-JP" altLang="en-US" sz="1400" dirty="0">
+              <a:latin typeface="メイリオ" pitchFamily="50" charset="-128"/>
+              <a:ea typeface="メイリオ" pitchFamily="50" charset="-128"/>
+              <a:cs typeface="メイリオ" pitchFamily="50" charset="-128"/>
+            </a:endParaRPr>
+          </a:p>
+        </p:txBody>
+      </p:sp>
+      <p:sp>
+        <p:nvSpPr>
+          <p:cNvPr id="100" name="正方形/長方形 99"/>
+          <p:cNvSpPr/>
+          <p:nvPr/>
+        </p:nvSpPr>
+        <p:spPr>
+          <a:xfrm>
+            <a:off x="395536" y="6021288"/>
+            <a:ext cx="504056" cy="432048"/>
+          </a:xfrm>
+          <a:prstGeom prst="rect">
+            <a:avLst/>
+          </a:prstGeom>
+        </p:spPr>
+        <p:style>
+          <a:lnRef idx="2">
+            <a:schemeClr val="accent6"/>
+          </a:lnRef>
+          <a:fillRef idx="1">
+            <a:schemeClr val="lt1"/>
+          </a:fillRef>
+          <a:effectRef idx="0">
+            <a:schemeClr val="accent6"/>
+          </a:effectRef>
+          <a:fontRef idx="minor">
+            <a:schemeClr val="dk1"/>
+          </a:fontRef>
+        </p:style>
+        <p:txBody>
+          <a:bodyPr rtlCol="0" anchor="ctr"/>
+          <a:lstStyle/>
+          <a:p>
+            <a:pPr algn="ctr"/>
+            <a:r>
+              <a:rPr kumimoji="1" lang="en-US" altLang="ja-JP" dirty="0" smtClean="0">
+                <a:solidFill>
+                  <a:schemeClr val="tx1"/>
+                </a:solidFill>
+                <a:latin typeface="メイリオ" pitchFamily="50" charset="-128"/>
+                <a:ea typeface="メイリオ" pitchFamily="50" charset="-128"/>
+                <a:cs typeface="メイリオ" pitchFamily="50" charset="-128"/>
+              </a:rPr>
+              <a:t>5</a:t>
+            </a:r>
+            <a:endParaRPr kumimoji="1" lang="ja-JP" altLang="en-US" dirty="0">
+              <a:solidFill>
+                <a:schemeClr val="tx1"/>
+              </a:solidFill>
+              <a:latin typeface="メイリオ" pitchFamily="50" charset="-128"/>
+              <a:ea typeface="メイリオ" pitchFamily="50" charset="-128"/>
+              <a:cs typeface="メイリオ" pitchFamily="50" charset="-128"/>
+            </a:endParaRPr>
+          </a:p>
+        </p:txBody>
+      </p:sp>
+      <p:sp>
+        <p:nvSpPr>
+          <p:cNvPr id="101" name="正方形/長方形 100"/>
+          <p:cNvSpPr/>
+          <p:nvPr/>
+        </p:nvSpPr>
+        <p:spPr>
+          <a:xfrm>
+            <a:off x="395536" y="5589240"/>
+            <a:ext cx="504056" cy="432048"/>
+          </a:xfrm>
+          <a:prstGeom prst="rect">
+            <a:avLst/>
+          </a:prstGeom>
+        </p:spPr>
+        <p:style>
+          <a:lnRef idx="2">
+            <a:schemeClr val="accent6"/>
+          </a:lnRef>
+          <a:fillRef idx="1">
+            <a:schemeClr val="lt1"/>
+          </a:fillRef>
+          <a:effectRef idx="0">
+            <a:schemeClr val="accent6"/>
+          </a:effectRef>
+          <a:fontRef idx="minor">
+            <a:schemeClr val="dk1"/>
+          </a:fontRef>
+        </p:style>
+        <p:txBody>
+          <a:bodyPr rtlCol="0" anchor="ctr"/>
+          <a:lstStyle/>
+          <a:p>
+            <a:pPr algn="ctr"/>
+            <a:r>
+              <a:rPr lang="en-US" altLang="ja-JP" sz="1400" dirty="0" smtClean="0">
+                <a:latin typeface="メイリオ" pitchFamily="50" charset="-128"/>
+                <a:ea typeface="メイリオ" pitchFamily="50" charset="-128"/>
+                <a:cs typeface="メイリオ" pitchFamily="50" charset="-128"/>
+              </a:rPr>
+              <a:t>id</a:t>
+            </a:r>
+            <a:endParaRPr kumimoji="1" lang="ja-JP" altLang="en-US" sz="1400" dirty="0">
+              <a:latin typeface="メイリオ" pitchFamily="50" charset="-128"/>
+              <a:ea typeface="メイリオ" pitchFamily="50" charset="-128"/>
+              <a:cs typeface="メイリオ" pitchFamily="50" charset="-128"/>
+            </a:endParaRPr>
+          </a:p>
+        </p:txBody>
+      </p:sp>
+      <p:sp>
+        <p:nvSpPr>
+          <p:cNvPr id="102" name="正方形/長方形 101"/>
+          <p:cNvSpPr/>
+          <p:nvPr/>
+        </p:nvSpPr>
+        <p:spPr>
+          <a:xfrm>
+            <a:off x="4283968" y="6021288"/>
+            <a:ext cx="504056" cy="432048"/>
+          </a:xfrm>
+          <a:prstGeom prst="rect">
+            <a:avLst/>
+          </a:prstGeom>
+        </p:spPr>
+        <p:style>
+          <a:lnRef idx="2">
+            <a:schemeClr val="accent6"/>
+          </a:lnRef>
+          <a:fillRef idx="1">
+            <a:schemeClr val="lt1"/>
+          </a:fillRef>
+          <a:effectRef idx="0">
+            <a:schemeClr val="accent6"/>
+          </a:effectRef>
+          <a:fontRef idx="minor">
+            <a:schemeClr val="dk1"/>
+          </a:fontRef>
+        </p:style>
+        <p:txBody>
+          <a:bodyPr rtlCol="0" anchor="ctr"/>
+          <a:lstStyle/>
+          <a:p>
+            <a:pPr algn="ctr"/>
+            <a:r>
+              <a:rPr kumimoji="1" lang="en-US" altLang="ja-JP" dirty="0" smtClean="0">
+                <a:solidFill>
+                  <a:schemeClr val="tx1"/>
+                </a:solidFill>
+                <a:latin typeface="メイリオ" pitchFamily="50" charset="-128"/>
+                <a:ea typeface="メイリオ" pitchFamily="50" charset="-128"/>
+                <a:cs typeface="メイリオ" pitchFamily="50" charset="-128"/>
+              </a:rPr>
+              <a:t>7</a:t>
+            </a:r>
+            <a:endParaRPr kumimoji="1" lang="ja-JP" altLang="en-US" dirty="0">
+              <a:solidFill>
+                <a:schemeClr val="tx1"/>
+              </a:solidFill>
+              <a:latin typeface="メイリオ" pitchFamily="50" charset="-128"/>
+              <a:ea typeface="メイリオ" pitchFamily="50" charset="-128"/>
+              <a:cs typeface="メイリオ" pitchFamily="50" charset="-128"/>
+            </a:endParaRPr>
+          </a:p>
+        </p:txBody>
+      </p:sp>
+      <p:sp>
+        <p:nvSpPr>
+          <p:cNvPr id="103" name="正方形/長方形 102"/>
+          <p:cNvSpPr/>
+          <p:nvPr/>
+        </p:nvSpPr>
+        <p:spPr>
+          <a:xfrm>
+            <a:off x="4283968" y="5589240"/>
+            <a:ext cx="504056" cy="432048"/>
+          </a:xfrm>
+          <a:prstGeom prst="rect">
+            <a:avLst/>
+          </a:prstGeom>
+        </p:spPr>
+        <p:style>
+          <a:lnRef idx="2">
+            <a:schemeClr val="accent6"/>
+          </a:lnRef>
+          <a:fillRef idx="1">
+            <a:schemeClr val="lt1"/>
+          </a:fillRef>
+          <a:effectRef idx="0">
+            <a:schemeClr val="accent6"/>
+          </a:effectRef>
+          <a:fontRef idx="minor">
+            <a:schemeClr val="dk1"/>
+          </a:fontRef>
+        </p:style>
+        <p:txBody>
+          <a:bodyPr rtlCol="0" anchor="ctr"/>
+          <a:lstStyle/>
+          <a:p>
+            <a:pPr algn="ctr"/>
+            <a:r>
+              <a:rPr lang="en-US" altLang="ja-JP" sz="1400" dirty="0" smtClean="0">
+                <a:latin typeface="メイリオ" pitchFamily="50" charset="-128"/>
+                <a:ea typeface="メイリオ" pitchFamily="50" charset="-128"/>
+                <a:cs typeface="メイリオ" pitchFamily="50" charset="-128"/>
+              </a:rPr>
+              <a:t>id</a:t>
+            </a:r>
+            <a:endParaRPr kumimoji="1" lang="ja-JP" altLang="en-US" sz="1400" dirty="0">
+              <a:latin typeface="メイリオ" pitchFamily="50" charset="-128"/>
+              <a:ea typeface="メイリオ" pitchFamily="50" charset="-128"/>
+              <a:cs typeface="メイリオ" pitchFamily="50" charset="-128"/>
+            </a:endParaRPr>
           </a:p>
         </p:txBody>
       </p:sp>

--- a/2.最終報告/3.発表資料/報告資料(最終).pptx
+++ b/2.最終報告/3.発表資料/報告資料(最終).pptx
@@ -223,7 +223,7 @@
             <a:fld id="{093BF3DA-D70A-4307-BB0F-E8C53C12A971}" type="datetimeFigureOut">
               <a:rPr kumimoji="1" lang="ja-JP" altLang="en-US" smtClean="0"/>
               <a:pPr/>
-              <a:t>2015/3/18</a:t>
+              <a:t>2015/3/19</a:t>
             </a:fld>
             <a:endParaRPr kumimoji="1" lang="ja-JP" altLang="en-US"/>
           </a:p>
@@ -1378,7 +1378,7 @@
             <a:fld id="{E90ED720-0104-4369-84BC-D37694168613}" type="datetimeFigureOut">
               <a:rPr kumimoji="1" lang="ja-JP" altLang="en-US" smtClean="0"/>
               <a:pPr/>
-              <a:t>2015/3/18</a:t>
+              <a:t>2015/3/19</a:t>
             </a:fld>
             <a:endParaRPr kumimoji="1" lang="ja-JP" altLang="en-US"/>
           </a:p>
@@ -1577,7 +1577,7 @@
             <a:fld id="{E90ED720-0104-4369-84BC-D37694168613}" type="datetimeFigureOut">
               <a:rPr kumimoji="1" lang="ja-JP" altLang="en-US" smtClean="0"/>
               <a:pPr/>
-              <a:t>2015/3/18</a:t>
+              <a:t>2015/3/19</a:t>
             </a:fld>
             <a:endParaRPr kumimoji="1" lang="ja-JP" altLang="en-US"/>
           </a:p>
@@ -1786,7 +1786,7 @@
             <a:fld id="{E90ED720-0104-4369-84BC-D37694168613}" type="datetimeFigureOut">
               <a:rPr kumimoji="1" lang="ja-JP" altLang="en-US" smtClean="0"/>
               <a:pPr/>
-              <a:t>2015/3/18</a:t>
+              <a:t>2015/3/19</a:t>
             </a:fld>
             <a:endParaRPr kumimoji="1" lang="ja-JP" altLang="en-US"/>
           </a:p>
@@ -1985,7 +1985,7 @@
             <a:fld id="{E90ED720-0104-4369-84BC-D37694168613}" type="datetimeFigureOut">
               <a:rPr kumimoji="1" lang="ja-JP" altLang="en-US" smtClean="0"/>
               <a:pPr/>
-              <a:t>2015/3/18</a:t>
+              <a:t>2015/3/19</a:t>
             </a:fld>
             <a:endParaRPr kumimoji="1" lang="ja-JP" altLang="en-US"/>
           </a:p>
@@ -2228,7 +2228,7 @@
             <a:fld id="{E90ED720-0104-4369-84BC-D37694168613}" type="datetimeFigureOut">
               <a:rPr kumimoji="1" lang="ja-JP" altLang="en-US" smtClean="0"/>
               <a:pPr/>
-              <a:t>2015/3/18</a:t>
+              <a:t>2015/3/19</a:t>
             </a:fld>
             <a:endParaRPr kumimoji="1" lang="ja-JP" altLang="en-US"/>
           </a:p>
@@ -2577,7 +2577,7 @@
             <a:fld id="{E90ED720-0104-4369-84BC-D37694168613}" type="datetimeFigureOut">
               <a:rPr kumimoji="1" lang="ja-JP" altLang="en-US" smtClean="0"/>
               <a:pPr/>
-              <a:t>2015/3/18</a:t>
+              <a:t>2015/3/19</a:t>
             </a:fld>
             <a:endParaRPr kumimoji="1" lang="ja-JP" altLang="en-US"/>
           </a:p>
@@ -3060,7 +3060,7 @@
             <a:fld id="{E90ED720-0104-4369-84BC-D37694168613}" type="datetimeFigureOut">
               <a:rPr kumimoji="1" lang="ja-JP" altLang="en-US" smtClean="0"/>
               <a:pPr/>
-              <a:t>2015/3/18</a:t>
+              <a:t>2015/3/19</a:t>
             </a:fld>
             <a:endParaRPr kumimoji="1" lang="ja-JP" altLang="en-US"/>
           </a:p>
@@ -3175,7 +3175,7 @@
             <a:fld id="{E90ED720-0104-4369-84BC-D37694168613}" type="datetimeFigureOut">
               <a:rPr kumimoji="1" lang="ja-JP" altLang="en-US" smtClean="0"/>
               <a:pPr/>
-              <a:t>2015/3/18</a:t>
+              <a:t>2015/3/19</a:t>
             </a:fld>
             <a:endParaRPr kumimoji="1" lang="ja-JP" altLang="en-US"/>
           </a:p>
@@ -3267,7 +3267,7 @@
             <a:fld id="{E90ED720-0104-4369-84BC-D37694168613}" type="datetimeFigureOut">
               <a:rPr kumimoji="1" lang="ja-JP" altLang="en-US" smtClean="0"/>
               <a:pPr/>
-              <a:t>2015/3/18</a:t>
+              <a:t>2015/3/19</a:t>
             </a:fld>
             <a:endParaRPr kumimoji="1" lang="ja-JP" altLang="en-US"/>
           </a:p>
@@ -3573,7 +3573,7 @@
             <a:fld id="{E90ED720-0104-4369-84BC-D37694168613}" type="datetimeFigureOut">
               <a:rPr kumimoji="1" lang="ja-JP" altLang="en-US" smtClean="0"/>
               <a:pPr/>
-              <a:t>2015/3/18</a:t>
+              <a:t>2015/3/19</a:t>
             </a:fld>
             <a:endParaRPr kumimoji="1" lang="ja-JP" altLang="en-US"/>
           </a:p>
@@ -3823,7 +3823,7 @@
             <a:fld id="{E90ED720-0104-4369-84BC-D37694168613}" type="datetimeFigureOut">
               <a:rPr kumimoji="1" lang="ja-JP" altLang="en-US" smtClean="0"/>
               <a:pPr/>
-              <a:t>2015/3/18</a:t>
+              <a:t>2015/3/19</a:t>
             </a:fld>
             <a:endParaRPr kumimoji="1" lang="ja-JP" altLang="en-US"/>
           </a:p>
@@ -4065,7 +4065,7 @@
             <a:fld id="{E90ED720-0104-4369-84BC-D37694168613}" type="datetimeFigureOut">
               <a:rPr kumimoji="1" lang="ja-JP" altLang="en-US" smtClean="0"/>
               <a:pPr/>
-              <a:t>2015/3/18</a:t>
+              <a:t>2015/3/19</a:t>
             </a:fld>
             <a:endParaRPr kumimoji="1" lang="ja-JP" altLang="en-US"/>
           </a:p>
@@ -26379,15 +26379,7 @@
                 <a:ea typeface="メイリオ" pitchFamily="50" charset="-128"/>
                 <a:cs typeface="メイリオ" pitchFamily="50" charset="-128"/>
               </a:rPr>
-              <a:t>の</a:t>
-            </a:r>
-            <a:r>
-              <a:rPr kumimoji="1" lang="ja-JP" altLang="en-US" sz="2800" b="1" dirty="0" smtClean="0">
-                <a:latin typeface="メイリオ" pitchFamily="50" charset="-128"/>
-                <a:ea typeface="メイリオ" pitchFamily="50" charset="-128"/>
-                <a:cs typeface="メイリオ" pitchFamily="50" charset="-128"/>
-              </a:rPr>
-              <a:t>目的</a:t>
+              <a:t>の目的</a:t>
             </a:r>
             <a:endParaRPr kumimoji="1" lang="en-US" altLang="ja-JP" sz="2800" b="1" dirty="0" smtClean="0">
               <a:latin typeface="メイリオ" pitchFamily="50" charset="-128"/>
@@ -26459,15 +26451,7 @@
                 <a:ea typeface="メイリオ" pitchFamily="50" charset="-128"/>
                 <a:cs typeface="メイリオ" pitchFamily="50" charset="-128"/>
               </a:rPr>
-              <a:t>と</a:t>
-            </a:r>
-            <a:r>
-              <a:rPr lang="ja-JP" altLang="en-US" sz="2400" b="1" dirty="0" smtClean="0">
-                <a:latin typeface="メイリオ" pitchFamily="50" charset="-128"/>
-                <a:ea typeface="メイリオ" pitchFamily="50" charset="-128"/>
-                <a:cs typeface="メイリオ" pitchFamily="50" charset="-128"/>
-              </a:rPr>
-              <a:t>は（</a:t>
+              <a:t>とは（</a:t>
             </a:r>
             <a:r>
               <a:rPr lang="en-US" altLang="ja-JP" sz="2400" b="1" dirty="0" smtClean="0">
@@ -26577,15 +26561,7 @@
                 <a:ea typeface="メイリオ" pitchFamily="50" charset="-128"/>
                 <a:cs typeface="メイリオ" pitchFamily="50" charset="-128"/>
               </a:rPr>
-              <a:t>における</a:t>
-            </a:r>
-            <a:r>
-              <a:rPr lang="ja-JP" altLang="en-US" sz="2800" b="1" dirty="0" smtClean="0">
-                <a:latin typeface="メイリオ" pitchFamily="50" charset="-128"/>
-                <a:ea typeface="メイリオ" pitchFamily="50" charset="-128"/>
-                <a:cs typeface="メイリオ" pitchFamily="50" charset="-128"/>
-              </a:rPr>
-              <a:t>課題</a:t>
+              <a:t>における課題</a:t>
             </a:r>
             <a:endParaRPr lang="en-US" altLang="ja-JP" sz="2400" b="1" dirty="0" smtClean="0">
               <a:latin typeface="メイリオ" pitchFamily="50" charset="-128"/>
@@ -26835,23 +26811,7 @@
                 <a:ea typeface="メイリオ" pitchFamily="50" charset="-128"/>
                 <a:cs typeface="メイリオ" pitchFamily="50" charset="-128"/>
               </a:rPr>
-              <a:t>今後</a:t>
-            </a:r>
-            <a:r>
-              <a:rPr lang="ja-JP" altLang="en-US" sz="2800" b="1" dirty="0" smtClean="0">
-                <a:latin typeface="メイリオ" pitchFamily="50" charset="-128"/>
-                <a:ea typeface="メイリオ" pitchFamily="50" charset="-128"/>
-                <a:cs typeface="メイリオ" pitchFamily="50" charset="-128"/>
-              </a:rPr>
-              <a:t>の</a:t>
-            </a:r>
-            <a:r>
-              <a:rPr lang="ja-JP" altLang="en-US" sz="2800" b="1" dirty="0" smtClean="0">
-                <a:latin typeface="メイリオ" pitchFamily="50" charset="-128"/>
-                <a:ea typeface="メイリオ" pitchFamily="50" charset="-128"/>
-                <a:cs typeface="メイリオ" pitchFamily="50" charset="-128"/>
-              </a:rPr>
-              <a:t>課題（</a:t>
+              <a:t>今後の課題（</a:t>
             </a:r>
             <a:r>
               <a:rPr lang="en-US" altLang="ja-JP" sz="2800" b="1" dirty="0" smtClean="0">
@@ -27740,7 +27700,7 @@
         </p:nvSpPr>
         <p:spPr>
           <a:xfrm>
-            <a:off x="323528" y="1600200"/>
+            <a:off x="323528" y="1052736"/>
             <a:ext cx="8640960" cy="4925144"/>
           </a:xfrm>
         </p:spPr>
@@ -27795,7 +27755,15 @@
                 <a:ea typeface="メイリオ" pitchFamily="50" charset="-128"/>
                 <a:cs typeface="メイリオ" pitchFamily="50" charset="-128"/>
               </a:rPr>
-              <a:t>高校</a:t>
+              <a:t>高校時代の授業や入社後の導入教育</a:t>
+            </a:r>
+            <a:r>
+              <a:rPr lang="en-US" altLang="ja-JP" sz="2400" b="1" dirty="0" smtClean="0">
+                <a:latin typeface="メイリオ" pitchFamily="50" charset="-128"/>
+                <a:ea typeface="メイリオ" pitchFamily="50" charset="-128"/>
+                <a:cs typeface="メイリオ" pitchFamily="50" charset="-128"/>
+              </a:rPr>
+              <a:t>, OJT</a:t>
             </a:r>
             <a:r>
               <a:rPr lang="ja-JP" altLang="en-US" sz="2400" b="1" dirty="0" smtClean="0">
@@ -27803,15 +27771,41 @@
                 <a:ea typeface="メイリオ" pitchFamily="50" charset="-128"/>
                 <a:cs typeface="メイリオ" pitchFamily="50" charset="-128"/>
               </a:rPr>
-              <a:t>時代の授業や入社後の導入教育</a:t>
-            </a:r>
+              <a:t>での開発 </a:t>
+            </a:r>
+            <a:r>
+              <a:rPr lang="ja-JP" altLang="en-US" sz="2400" b="1" dirty="0" smtClean="0">
+                <a:latin typeface="メイリオ" pitchFamily="50" charset="-128"/>
+                <a:ea typeface="メイリオ" pitchFamily="50" charset="-128"/>
+                <a:cs typeface="メイリオ" pitchFamily="50" charset="-128"/>
+              </a:rPr>
+              <a:t>等</a:t>
+            </a:r>
+            <a:endParaRPr lang="en-US" altLang="ja-JP" sz="2400" b="1" dirty="0" smtClean="0">
+              <a:latin typeface="メイリオ" pitchFamily="50" charset="-128"/>
+              <a:ea typeface="メイリオ" pitchFamily="50" charset="-128"/>
+              <a:cs typeface="メイリオ" pitchFamily="50" charset="-128"/>
+            </a:endParaRPr>
+          </a:p>
+          <a:p>
+            <a:pPr marL="914400" lvl="1" indent="-514350">
+              <a:buNone/>
+            </a:pPr>
             <a:r>
               <a:rPr lang="en-US" altLang="ja-JP" sz="2400" b="1" dirty="0" smtClean="0">
                 <a:latin typeface="メイリオ" pitchFamily="50" charset="-128"/>
                 <a:ea typeface="メイリオ" pitchFamily="50" charset="-128"/>
                 <a:cs typeface="メイリオ" pitchFamily="50" charset="-128"/>
               </a:rPr>
-              <a:t>, OJT</a:t>
+              <a:t> </a:t>
+            </a:r>
+            <a:r>
+              <a:rPr lang="en-US" altLang="ja-JP" sz="2400" b="1" dirty="0" smtClean="0">
+                <a:latin typeface="メイリオ" pitchFamily="50" charset="-128"/>
+                <a:ea typeface="メイリオ" pitchFamily="50" charset="-128"/>
+                <a:cs typeface="メイリオ" pitchFamily="50" charset="-128"/>
+              </a:rPr>
+              <a:t>    </a:t>
             </a:r>
             <a:r>
               <a:rPr lang="ja-JP" altLang="en-US" sz="2400" b="1" dirty="0" smtClean="0">
@@ -27819,15 +27813,7 @@
                 <a:ea typeface="メイリオ" pitchFamily="50" charset="-128"/>
                 <a:cs typeface="メイリオ" pitchFamily="50" charset="-128"/>
               </a:rPr>
-              <a:t>での開発 等で経験した</a:t>
-            </a:r>
-            <a:r>
-              <a:rPr lang="en-US" altLang="ja-JP" sz="2400" b="1" dirty="0" smtClean="0">
-                <a:latin typeface="メイリオ" pitchFamily="50" charset="-128"/>
-                <a:ea typeface="メイリオ" pitchFamily="50" charset="-128"/>
-                <a:cs typeface="メイリオ" pitchFamily="50" charset="-128"/>
-              </a:rPr>
-              <a:t>.  </a:t>
+              <a:t>知識</a:t>
             </a:r>
             <a:r>
               <a:rPr lang="ja-JP" altLang="en-US" sz="2400" b="1" dirty="0" smtClean="0">
@@ -27835,7 +27821,15 @@
                 <a:ea typeface="メイリオ" pitchFamily="50" charset="-128"/>
                 <a:cs typeface="メイリオ" pitchFamily="50" charset="-128"/>
               </a:rPr>
-              <a:t>経験が浅い</a:t>
+              <a:t>経験</a:t>
+            </a:r>
+            <a:r>
+              <a:rPr lang="ja-JP" altLang="en-US" sz="2400" b="1" dirty="0" smtClean="0">
+                <a:latin typeface="メイリオ" pitchFamily="50" charset="-128"/>
+                <a:ea typeface="メイリオ" pitchFamily="50" charset="-128"/>
+                <a:cs typeface="メイリオ" pitchFamily="50" charset="-128"/>
+              </a:rPr>
+              <a:t>が浅い</a:t>
             </a:r>
             <a:r>
               <a:rPr lang="en-US" altLang="ja-JP" sz="2400" b="1" dirty="0" smtClean="0">
